--- a/src/DPD_task/stimuli/instructions/instructionsDPD.pptx
+++ b/src/DPD_task/stimuli/instructions/instructionsDPD.pptx
@@ -5,24 +5,29 @@
     <p:sldMasterId id="2147483648" r:id="rId1"/>
   </p:sldMasterIdLst>
   <p:sldIdLst>
-    <p:sldId id="257" r:id="rId2"/>
+    <p:sldId id="309" r:id="rId2"/>
     <p:sldId id="271" r:id="rId3"/>
     <p:sldId id="292" r:id="rId4"/>
     <p:sldId id="294" r:id="rId5"/>
-    <p:sldId id="293" r:id="rId6"/>
-    <p:sldId id="296" r:id="rId7"/>
-    <p:sldId id="297" r:id="rId8"/>
-    <p:sldId id="308" r:id="rId9"/>
-    <p:sldId id="298" r:id="rId10"/>
-    <p:sldId id="302" r:id="rId11"/>
-    <p:sldId id="276" r:id="rId12"/>
-    <p:sldId id="287" r:id="rId13"/>
-    <p:sldId id="301" r:id="rId14"/>
-    <p:sldId id="303" r:id="rId15"/>
-    <p:sldId id="304" r:id="rId16"/>
-    <p:sldId id="306" r:id="rId17"/>
-    <p:sldId id="307" r:id="rId18"/>
-    <p:sldId id="300" r:id="rId19"/>
+    <p:sldId id="323" r:id="rId6"/>
+    <p:sldId id="293" r:id="rId7"/>
+    <p:sldId id="296" r:id="rId8"/>
+    <p:sldId id="310" r:id="rId9"/>
+    <p:sldId id="297" r:id="rId10"/>
+    <p:sldId id="308" r:id="rId11"/>
+    <p:sldId id="311" r:id="rId12"/>
+    <p:sldId id="312" r:id="rId13"/>
+    <p:sldId id="313" r:id="rId14"/>
+    <p:sldId id="314" r:id="rId15"/>
+    <p:sldId id="315" r:id="rId16"/>
+    <p:sldId id="316" r:id="rId17"/>
+    <p:sldId id="322" r:id="rId18"/>
+    <p:sldId id="317" r:id="rId19"/>
+    <p:sldId id="318" r:id="rId20"/>
+    <p:sldId id="306" r:id="rId21"/>
+    <p:sldId id="319" r:id="rId22"/>
+    <p:sldId id="320" r:id="rId23"/>
+    <p:sldId id="321" r:id="rId24"/>
   </p:sldIdLst>
   <p:sldSz cx="12192000" cy="6858000"/>
   <p:notesSz cx="6858000" cy="9144000"/>
@@ -258,7 +263,7 @@
           <a:p>
             <a:fld id="{712DDF4E-9AD6-4EE5-9343-468C572CABA6}" type="datetimeFigureOut">
               <a:rPr lang="fr-FR" smtClean="0"/>
-              <a:t>07/05/2020</a:t>
+              <a:t>17/07/2020</a:t>
             </a:fld>
             <a:endParaRPr lang="fr-FR" dirty="0"/>
           </a:p>
@@ -300,7 +305,7 @@
           <a:p>
             <a:fld id="{6496F53C-98F8-4EF1-8F44-F193611899A2}" type="slidenum">
               <a:rPr lang="fr-FR" smtClean="0"/>
-              <a:t>‹Nº›</a:t>
+              <a:t>‹N°›</a:t>
             </a:fld>
             <a:endParaRPr lang="fr-FR" dirty="0"/>
           </a:p>
@@ -426,7 +431,7 @@
           <a:p>
             <a:fld id="{712DDF4E-9AD6-4EE5-9343-468C572CABA6}" type="datetimeFigureOut">
               <a:rPr lang="fr-FR" smtClean="0"/>
-              <a:t>07/05/2020</a:t>
+              <a:t>17/07/2020</a:t>
             </a:fld>
             <a:endParaRPr lang="fr-FR" dirty="0"/>
           </a:p>
@@ -468,7 +473,7 @@
           <a:p>
             <a:fld id="{6496F53C-98F8-4EF1-8F44-F193611899A2}" type="slidenum">
               <a:rPr lang="fr-FR" smtClean="0"/>
-              <a:t>‹Nº›</a:t>
+              <a:t>‹N°›</a:t>
             </a:fld>
             <a:endParaRPr lang="fr-FR" dirty="0"/>
           </a:p>
@@ -604,7 +609,7 @@
           <a:p>
             <a:fld id="{712DDF4E-9AD6-4EE5-9343-468C572CABA6}" type="datetimeFigureOut">
               <a:rPr lang="fr-FR" smtClean="0"/>
-              <a:t>07/05/2020</a:t>
+              <a:t>17/07/2020</a:t>
             </a:fld>
             <a:endParaRPr lang="fr-FR" dirty="0"/>
           </a:p>
@@ -646,7 +651,7 @@
           <a:p>
             <a:fld id="{6496F53C-98F8-4EF1-8F44-F193611899A2}" type="slidenum">
               <a:rPr lang="fr-FR" smtClean="0"/>
-              <a:t>‹Nº›</a:t>
+              <a:t>‹N°›</a:t>
             </a:fld>
             <a:endParaRPr lang="fr-FR" dirty="0"/>
           </a:p>
@@ -772,7 +777,7 @@
           <a:p>
             <a:fld id="{712DDF4E-9AD6-4EE5-9343-468C572CABA6}" type="datetimeFigureOut">
               <a:rPr lang="fr-FR" smtClean="0"/>
-              <a:t>07/05/2020</a:t>
+              <a:t>17/07/2020</a:t>
             </a:fld>
             <a:endParaRPr lang="fr-FR" dirty="0"/>
           </a:p>
@@ -814,7 +819,7 @@
           <a:p>
             <a:fld id="{6496F53C-98F8-4EF1-8F44-F193611899A2}" type="slidenum">
               <a:rPr lang="fr-FR" smtClean="0"/>
-              <a:t>‹Nº›</a:t>
+              <a:t>‹N°›</a:t>
             </a:fld>
             <a:endParaRPr lang="fr-FR" dirty="0"/>
           </a:p>
@@ -1017,7 +1022,7 @@
           <a:p>
             <a:fld id="{712DDF4E-9AD6-4EE5-9343-468C572CABA6}" type="datetimeFigureOut">
               <a:rPr lang="fr-FR" smtClean="0"/>
-              <a:t>07/05/2020</a:t>
+              <a:t>17/07/2020</a:t>
             </a:fld>
             <a:endParaRPr lang="fr-FR" dirty="0"/>
           </a:p>
@@ -1059,7 +1064,7 @@
           <a:p>
             <a:fld id="{6496F53C-98F8-4EF1-8F44-F193611899A2}" type="slidenum">
               <a:rPr lang="fr-FR" smtClean="0"/>
-              <a:t>‹Nº›</a:t>
+              <a:t>‹N°›</a:t>
             </a:fld>
             <a:endParaRPr lang="fr-FR" dirty="0"/>
           </a:p>
@@ -1246,7 +1251,7 @@
           <a:p>
             <a:fld id="{712DDF4E-9AD6-4EE5-9343-468C572CABA6}" type="datetimeFigureOut">
               <a:rPr lang="fr-FR" smtClean="0"/>
-              <a:t>07/05/2020</a:t>
+              <a:t>17/07/2020</a:t>
             </a:fld>
             <a:endParaRPr lang="fr-FR" dirty="0"/>
           </a:p>
@@ -1288,7 +1293,7 @@
           <a:p>
             <a:fld id="{6496F53C-98F8-4EF1-8F44-F193611899A2}" type="slidenum">
               <a:rPr lang="fr-FR" smtClean="0"/>
-              <a:t>‹Nº›</a:t>
+              <a:t>‹N°›</a:t>
             </a:fld>
             <a:endParaRPr lang="fr-FR" dirty="0"/>
           </a:p>
@@ -1610,7 +1615,7 @@
           <a:p>
             <a:fld id="{712DDF4E-9AD6-4EE5-9343-468C572CABA6}" type="datetimeFigureOut">
               <a:rPr lang="fr-FR" smtClean="0"/>
-              <a:t>07/05/2020</a:t>
+              <a:t>17/07/2020</a:t>
             </a:fld>
             <a:endParaRPr lang="fr-FR" dirty="0"/>
           </a:p>
@@ -1652,7 +1657,7 @@
           <a:p>
             <a:fld id="{6496F53C-98F8-4EF1-8F44-F193611899A2}" type="slidenum">
               <a:rPr lang="fr-FR" smtClean="0"/>
-              <a:t>‹Nº›</a:t>
+              <a:t>‹N°›</a:t>
             </a:fld>
             <a:endParaRPr lang="fr-FR" dirty="0"/>
           </a:p>
@@ -1727,7 +1732,7 @@
           <a:p>
             <a:fld id="{712DDF4E-9AD6-4EE5-9343-468C572CABA6}" type="datetimeFigureOut">
               <a:rPr lang="fr-FR" smtClean="0"/>
-              <a:t>07/05/2020</a:t>
+              <a:t>17/07/2020</a:t>
             </a:fld>
             <a:endParaRPr lang="fr-FR" dirty="0"/>
           </a:p>
@@ -1769,7 +1774,7 @@
           <a:p>
             <a:fld id="{6496F53C-98F8-4EF1-8F44-F193611899A2}" type="slidenum">
               <a:rPr lang="fr-FR" smtClean="0"/>
-              <a:t>‹Nº›</a:t>
+              <a:t>‹N°›</a:t>
             </a:fld>
             <a:endParaRPr lang="fr-FR" dirty="0"/>
           </a:p>
@@ -1822,7 +1827,7 @@
           <a:p>
             <a:fld id="{712DDF4E-9AD6-4EE5-9343-468C572CABA6}" type="datetimeFigureOut">
               <a:rPr lang="fr-FR" smtClean="0"/>
-              <a:t>07/05/2020</a:t>
+              <a:t>17/07/2020</a:t>
             </a:fld>
             <a:endParaRPr lang="fr-FR" dirty="0"/>
           </a:p>
@@ -1864,7 +1869,7 @@
           <a:p>
             <a:fld id="{6496F53C-98F8-4EF1-8F44-F193611899A2}" type="slidenum">
               <a:rPr lang="fr-FR" smtClean="0"/>
-              <a:t>‹Nº›</a:t>
+              <a:t>‹N°›</a:t>
             </a:fld>
             <a:endParaRPr lang="fr-FR" dirty="0"/>
           </a:p>
@@ -2097,7 +2102,7 @@
           <a:p>
             <a:fld id="{712DDF4E-9AD6-4EE5-9343-468C572CABA6}" type="datetimeFigureOut">
               <a:rPr lang="fr-FR" smtClean="0"/>
-              <a:t>07/05/2020</a:t>
+              <a:t>17/07/2020</a:t>
             </a:fld>
             <a:endParaRPr lang="fr-FR" dirty="0"/>
           </a:p>
@@ -2139,7 +2144,7 @@
           <a:p>
             <a:fld id="{6496F53C-98F8-4EF1-8F44-F193611899A2}" type="slidenum">
               <a:rPr lang="fr-FR" smtClean="0"/>
-              <a:t>‹Nº›</a:t>
+              <a:t>‹N°›</a:t>
             </a:fld>
             <a:endParaRPr lang="fr-FR" dirty="0"/>
           </a:p>
@@ -2349,7 +2354,7 @@
           <a:p>
             <a:fld id="{712DDF4E-9AD6-4EE5-9343-468C572CABA6}" type="datetimeFigureOut">
               <a:rPr lang="fr-FR" smtClean="0"/>
-              <a:t>07/05/2020</a:t>
+              <a:t>17/07/2020</a:t>
             </a:fld>
             <a:endParaRPr lang="fr-FR" dirty="0"/>
           </a:p>
@@ -2391,7 +2396,7 @@
           <a:p>
             <a:fld id="{6496F53C-98F8-4EF1-8F44-F193611899A2}" type="slidenum">
               <a:rPr lang="fr-FR" smtClean="0"/>
-              <a:t>‹Nº›</a:t>
+              <a:t>‹N°›</a:t>
             </a:fld>
             <a:endParaRPr lang="fr-FR" dirty="0"/>
           </a:p>
@@ -2560,7 +2565,7 @@
           <a:p>
             <a:fld id="{712DDF4E-9AD6-4EE5-9343-468C572CABA6}" type="datetimeFigureOut">
               <a:rPr lang="fr-FR" smtClean="0"/>
-              <a:t>07/05/2020</a:t>
+              <a:t>17/07/2020</a:t>
             </a:fld>
             <a:endParaRPr lang="fr-FR" dirty="0"/>
           </a:p>
@@ -2638,7 +2643,7 @@
           <a:p>
             <a:fld id="{6496F53C-98F8-4EF1-8F44-F193611899A2}" type="slidenum">
               <a:rPr lang="fr-FR" smtClean="0"/>
-              <a:t>‹Nº›</a:t>
+              <a:t>‹N°›</a:t>
             </a:fld>
             <a:endParaRPr lang="fr-FR" dirty="0"/>
           </a:p>
@@ -2967,324 +2972,14 @@
       </p:grpSpPr>
       <p:sp>
         <p:nvSpPr>
-          <p:cNvPr id="4" name="Rectangle 3"/>
-          <p:cNvSpPr/>
-          <p:nvPr/>
-        </p:nvSpPr>
-        <p:spPr>
-          <a:xfrm>
-            <a:off x="3551392" y="5977652"/>
-            <a:ext cx="5089214" cy="400110"/>
-          </a:xfrm>
-          <a:prstGeom prst="rect">
-            <a:avLst/>
-          </a:prstGeom>
-        </p:spPr>
-        <p:txBody>
-          <a:bodyPr wrap="none">
-            <a:spAutoFit/>
-          </a:bodyPr>
-          <a:lstStyle/>
-          <a:p>
-            <a:r>
-              <a:rPr lang="fr-FR" sz="2000" i="1" dirty="0">
-                <a:solidFill>
-                  <a:schemeClr val="tx1">
-                    <a:lumMod val="50000"/>
-                    <a:lumOff val="50000"/>
-                  </a:schemeClr>
-                </a:solidFill>
-              </a:rPr>
-              <a:t>Appuyez sur la flèche droite [</a:t>
-            </a:r>
-            <a:r>
-              <a:rPr lang="fr-FR" sz="2000" i="1" dirty="0">
-                <a:solidFill>
-                  <a:schemeClr val="tx1">
-                    <a:lumMod val="50000"/>
-                    <a:lumOff val="50000"/>
-                  </a:schemeClr>
-                </a:solidFill>
-                <a:sym typeface="Wingdings" pitchFamily="2" charset="2"/>
-              </a:rPr>
-              <a:t></a:t>
-            </a:r>
-            <a:r>
-              <a:rPr lang="fr-FR" sz="2000" i="1" dirty="0">
-                <a:solidFill>
-                  <a:schemeClr val="tx1">
-                    <a:lumMod val="50000"/>
-                    <a:lumOff val="50000"/>
-                  </a:schemeClr>
-                </a:solidFill>
-              </a:rPr>
-              <a:t>] pour continuer</a:t>
-            </a:r>
-          </a:p>
-        </p:txBody>
-      </p:sp>
-      <p:sp>
-        <p:nvSpPr>
-          <p:cNvPr id="6" name="Titre 1"/>
-          <p:cNvSpPr txBox="1">
-            <a:spLocks/>
-          </p:cNvSpPr>
-          <p:nvPr/>
-        </p:nvSpPr>
-        <p:spPr>
-          <a:xfrm>
-            <a:off x="1523999" y="1604503"/>
-            <a:ext cx="9144000" cy="1379767"/>
-          </a:xfrm>
-          <a:prstGeom prst="rect">
-            <a:avLst/>
-          </a:prstGeom>
-        </p:spPr>
-        <p:txBody>
-          <a:bodyPr vert="horz" lIns="91440" tIns="45720" rIns="91440" bIns="45720" rtlCol="0" anchor="ctr">
-            <a:normAutofit/>
-          </a:bodyPr>
-          <a:lstStyle>
-            <a:lvl1pPr algn="l" defTabSz="914400" rtl="0" eaLnBrk="1" latinLnBrk="0" hangingPunct="1">
-              <a:lnSpc>
-                <a:spcPct val="90000"/>
-              </a:lnSpc>
-              <a:spcBef>
-                <a:spcPct val="0"/>
-              </a:spcBef>
-              <a:buNone/>
-              <a:defRPr sz="4400" kern="1200">
-                <a:solidFill>
-                  <a:schemeClr val="tx1"/>
-                </a:solidFill>
-                <a:latin typeface="+mj-lt"/>
-                <a:ea typeface="+mj-ea"/>
-                <a:cs typeface="+mj-cs"/>
-              </a:defRPr>
-            </a:lvl1pPr>
-          </a:lstStyle>
-          <a:p>
-            <a:pPr algn="ctr"/>
-            <a:r>
-              <a:rPr lang="fr-FR" sz="4800" dirty="0"/>
-              <a:t>Bonjour ! </a:t>
-            </a:r>
-            <a:endParaRPr lang="fr-FR" sz="4000" dirty="0"/>
-          </a:p>
-        </p:txBody>
-      </p:sp>
-      <p:sp>
-        <p:nvSpPr>
-          <p:cNvPr id="7" name="Sous-titre 2"/>
-          <p:cNvSpPr txBox="1">
-            <a:spLocks/>
-          </p:cNvSpPr>
-          <p:nvPr/>
-        </p:nvSpPr>
-        <p:spPr>
-          <a:xfrm>
-            <a:off x="2439786" y="3250276"/>
-            <a:ext cx="7312429" cy="1762299"/>
-          </a:xfrm>
-          <a:prstGeom prst="rect">
-            <a:avLst/>
-          </a:prstGeom>
-        </p:spPr>
-        <p:txBody>
-          <a:bodyPr vert="horz" lIns="91440" tIns="45720" rIns="91440" bIns="45720" rtlCol="0">
-            <a:normAutofit/>
-          </a:bodyPr>
-          <a:lstStyle>
-            <a:lvl1pPr marL="228600" indent="-228600" algn="l" defTabSz="914400" rtl="0" eaLnBrk="1" latinLnBrk="0" hangingPunct="1">
-              <a:lnSpc>
-                <a:spcPct val="90000"/>
-              </a:lnSpc>
-              <a:spcBef>
-                <a:spcPts val="1000"/>
-              </a:spcBef>
-              <a:buFont typeface="Arial" panose="020B0604020202020204" pitchFamily="34" charset="0"/>
-              <a:buChar char="•"/>
-              <a:defRPr sz="2800" kern="1200">
-                <a:solidFill>
-                  <a:schemeClr val="tx1"/>
-                </a:solidFill>
-                <a:latin typeface="+mn-lt"/>
-                <a:ea typeface="+mn-ea"/>
-                <a:cs typeface="+mn-cs"/>
-              </a:defRPr>
-            </a:lvl1pPr>
-            <a:lvl2pPr marL="685800" indent="-228600" algn="l" defTabSz="914400" rtl="0" eaLnBrk="1" latinLnBrk="0" hangingPunct="1">
-              <a:lnSpc>
-                <a:spcPct val="90000"/>
-              </a:lnSpc>
-              <a:spcBef>
-                <a:spcPts val="500"/>
-              </a:spcBef>
-              <a:buFont typeface="Arial" panose="020B0604020202020204" pitchFamily="34" charset="0"/>
-              <a:buChar char="•"/>
-              <a:defRPr sz="2400" kern="1200">
-                <a:solidFill>
-                  <a:schemeClr val="tx1"/>
-                </a:solidFill>
-                <a:latin typeface="+mn-lt"/>
-                <a:ea typeface="+mn-ea"/>
-                <a:cs typeface="+mn-cs"/>
-              </a:defRPr>
-            </a:lvl2pPr>
-            <a:lvl3pPr marL="1143000" indent="-228600" algn="l" defTabSz="914400" rtl="0" eaLnBrk="1" latinLnBrk="0" hangingPunct="1">
-              <a:lnSpc>
-                <a:spcPct val="90000"/>
-              </a:lnSpc>
-              <a:spcBef>
-                <a:spcPts val="500"/>
-              </a:spcBef>
-              <a:buFont typeface="Arial" panose="020B0604020202020204" pitchFamily="34" charset="0"/>
-              <a:buChar char="•"/>
-              <a:defRPr sz="2000" kern="1200">
-                <a:solidFill>
-                  <a:schemeClr val="tx1"/>
-                </a:solidFill>
-                <a:latin typeface="+mn-lt"/>
-                <a:ea typeface="+mn-ea"/>
-                <a:cs typeface="+mn-cs"/>
-              </a:defRPr>
-            </a:lvl3pPr>
-            <a:lvl4pPr marL="1600200" indent="-228600" algn="l" defTabSz="914400" rtl="0" eaLnBrk="1" latinLnBrk="0" hangingPunct="1">
-              <a:lnSpc>
-                <a:spcPct val="90000"/>
-              </a:lnSpc>
-              <a:spcBef>
-                <a:spcPts val="500"/>
-              </a:spcBef>
-              <a:buFont typeface="Arial" panose="020B0604020202020204" pitchFamily="34" charset="0"/>
-              <a:buChar char="•"/>
-              <a:defRPr sz="1800" kern="1200">
-                <a:solidFill>
-                  <a:schemeClr val="tx1"/>
-                </a:solidFill>
-                <a:latin typeface="+mn-lt"/>
-                <a:ea typeface="+mn-ea"/>
-                <a:cs typeface="+mn-cs"/>
-              </a:defRPr>
-            </a:lvl4pPr>
-            <a:lvl5pPr marL="2057400" indent="-228600" algn="l" defTabSz="914400" rtl="0" eaLnBrk="1" latinLnBrk="0" hangingPunct="1">
-              <a:lnSpc>
-                <a:spcPct val="90000"/>
-              </a:lnSpc>
-              <a:spcBef>
-                <a:spcPts val="500"/>
-              </a:spcBef>
-              <a:buFont typeface="Arial" panose="020B0604020202020204" pitchFamily="34" charset="0"/>
-              <a:buChar char="•"/>
-              <a:defRPr sz="1800" kern="1200">
-                <a:solidFill>
-                  <a:schemeClr val="tx1"/>
-                </a:solidFill>
-                <a:latin typeface="+mn-lt"/>
-                <a:ea typeface="+mn-ea"/>
-                <a:cs typeface="+mn-cs"/>
-              </a:defRPr>
-            </a:lvl5pPr>
-            <a:lvl6pPr marL="2514600" indent="-228600" algn="l" defTabSz="914400" rtl="0" eaLnBrk="1" latinLnBrk="0" hangingPunct="1">
-              <a:lnSpc>
-                <a:spcPct val="90000"/>
-              </a:lnSpc>
-              <a:spcBef>
-                <a:spcPts val="500"/>
-              </a:spcBef>
-              <a:buFont typeface="Arial" panose="020B0604020202020204" pitchFamily="34" charset="0"/>
-              <a:buChar char="•"/>
-              <a:defRPr sz="1800" kern="1200">
-                <a:solidFill>
-                  <a:schemeClr val="tx1"/>
-                </a:solidFill>
-                <a:latin typeface="+mn-lt"/>
-                <a:ea typeface="+mn-ea"/>
-                <a:cs typeface="+mn-cs"/>
-              </a:defRPr>
-            </a:lvl6pPr>
-            <a:lvl7pPr marL="2971800" indent="-228600" algn="l" defTabSz="914400" rtl="0" eaLnBrk="1" latinLnBrk="0" hangingPunct="1">
-              <a:lnSpc>
-                <a:spcPct val="90000"/>
-              </a:lnSpc>
-              <a:spcBef>
-                <a:spcPts val="500"/>
-              </a:spcBef>
-              <a:buFont typeface="Arial" panose="020B0604020202020204" pitchFamily="34" charset="0"/>
-              <a:buChar char="•"/>
-              <a:defRPr sz="1800" kern="1200">
-                <a:solidFill>
-                  <a:schemeClr val="tx1"/>
-                </a:solidFill>
-                <a:latin typeface="+mn-lt"/>
-                <a:ea typeface="+mn-ea"/>
-                <a:cs typeface="+mn-cs"/>
-              </a:defRPr>
-            </a:lvl7pPr>
-            <a:lvl8pPr marL="3429000" indent="-228600" algn="l" defTabSz="914400" rtl="0" eaLnBrk="1" latinLnBrk="0" hangingPunct="1">
-              <a:lnSpc>
-                <a:spcPct val="90000"/>
-              </a:lnSpc>
-              <a:spcBef>
-                <a:spcPts val="500"/>
-              </a:spcBef>
-              <a:buFont typeface="Arial" panose="020B0604020202020204" pitchFamily="34" charset="0"/>
-              <a:buChar char="•"/>
-              <a:defRPr sz="1800" kern="1200">
-                <a:solidFill>
-                  <a:schemeClr val="tx1"/>
-                </a:solidFill>
-                <a:latin typeface="+mn-lt"/>
-                <a:ea typeface="+mn-ea"/>
-                <a:cs typeface="+mn-cs"/>
-              </a:defRPr>
-            </a:lvl8pPr>
-            <a:lvl9pPr marL="3886200" indent="-228600" algn="l" defTabSz="914400" rtl="0" eaLnBrk="1" latinLnBrk="0" hangingPunct="1">
-              <a:lnSpc>
-                <a:spcPct val="90000"/>
-              </a:lnSpc>
-              <a:spcBef>
-                <a:spcPts val="500"/>
-              </a:spcBef>
-              <a:buFont typeface="Arial" panose="020B0604020202020204" pitchFamily="34" charset="0"/>
-              <a:buChar char="•"/>
-              <a:defRPr sz="1800" kern="1200">
-                <a:solidFill>
-                  <a:schemeClr val="tx1"/>
-                </a:solidFill>
-                <a:latin typeface="+mn-lt"/>
-                <a:ea typeface="+mn-ea"/>
-                <a:cs typeface="+mn-cs"/>
-              </a:defRPr>
-            </a:lvl9pPr>
-          </a:lstStyle>
-          <a:p>
-            <a:pPr marL="0" indent="0" algn="ctr">
-              <a:buNone/>
-            </a:pPr>
-            <a:r>
-              <a:rPr lang="fr-FR" sz="2400" dirty="0"/>
-              <a:t>Merci d’avoir accepté de participer à notre expérience.</a:t>
-            </a:r>
-          </a:p>
-        </p:txBody>
-      </p:sp>
-      <p:sp>
-        <p:nvSpPr>
-          <p:cNvPr id="2" name="CuadroTexto 1">
-            <a:extLst>
-              <a:ext uri="{FF2B5EF4-FFF2-40B4-BE49-F238E27FC236}">
-                <a16:creationId xmlns:a16="http://schemas.microsoft.com/office/drawing/2014/main" id="{3FCD3309-5285-FF43-8879-F16EBE72893D}"/>
-              </a:ext>
-            </a:extLst>
-          </p:cNvPr>
+          <p:cNvPr id="6" name="ZoneTexte 5"/>
           <p:cNvSpPr txBox="1"/>
           <p:nvPr/>
         </p:nvSpPr>
         <p:spPr>
           <a:xfrm>
-            <a:off x="5657088" y="5608320"/>
-            <a:ext cx="184731" cy="369332"/>
+            <a:off x="1874204" y="2274838"/>
+            <a:ext cx="8443609" cy="1569660"/>
           </a:xfrm>
           <a:prstGeom prst="rect">
             <a:avLst/>
@@ -3292,25 +2987,263 @@
           <a:noFill/>
         </p:spPr>
         <p:txBody>
-          <a:bodyPr wrap="none" rtlCol="0">
+          <a:bodyPr wrap="square" rtlCol="0">
             <a:spAutoFit/>
           </a:bodyPr>
           <a:lstStyle/>
           <a:p>
-            <a:endParaRPr lang="en-GB" dirty="0"/>
+            <a:pPr algn="ctr"/>
+            <a:r>
+              <a:rPr lang="fr-FR" sz="2400" b="1" dirty="0" smtClean="0">
+                <a:solidFill>
+                  <a:srgbClr val="0070C0"/>
+                </a:solidFill>
+              </a:rPr>
+              <a:t>TEST DE </a:t>
+            </a:r>
+            <a:r>
+              <a:rPr lang="fr-FR" sz="2400" b="1" dirty="0" smtClean="0">
+                <a:solidFill>
+                  <a:srgbClr val="0070C0"/>
+                </a:solidFill>
+              </a:rPr>
+              <a:t>COGNITION SOCIALE:</a:t>
+            </a:r>
+            <a:endParaRPr lang="fr-FR" sz="2400" b="1" dirty="0" smtClean="0">
+              <a:solidFill>
+                <a:srgbClr val="0070C0"/>
+              </a:solidFill>
+            </a:endParaRPr>
+          </a:p>
+          <a:p>
+            <a:pPr algn="ctr"/>
+            <a:r>
+              <a:rPr lang="fr-FR" sz="2400" b="1" dirty="0" smtClean="0">
+                <a:solidFill>
+                  <a:srgbClr val="0070C0"/>
+                </a:solidFill>
+              </a:rPr>
+              <a:t>INSTRUCTIONS</a:t>
+            </a:r>
+            <a:endParaRPr lang="en-GB" sz="2400" b="1" dirty="0" smtClean="0">
+              <a:solidFill>
+                <a:srgbClr val="0070C0"/>
+              </a:solidFill>
+            </a:endParaRPr>
+          </a:p>
+          <a:p>
+            <a:pPr algn="ctr"/>
+            <a:endParaRPr lang="en-GB" sz="2400" dirty="0"/>
+          </a:p>
+          <a:p>
+            <a:pPr algn="ctr"/>
+            <a:endParaRPr lang="en-GB" sz="2400" dirty="0"/>
+          </a:p>
+        </p:txBody>
+      </p:sp>
+      <p:sp>
+        <p:nvSpPr>
+          <p:cNvPr id="3" name="Rectangle 2"/>
+          <p:cNvSpPr/>
+          <p:nvPr/>
+        </p:nvSpPr>
+        <p:spPr>
+          <a:xfrm>
+            <a:off x="1041966" y="4317964"/>
+            <a:ext cx="10108088" cy="1754326"/>
+          </a:xfrm>
+          <a:prstGeom prst="rect">
+            <a:avLst/>
+          </a:prstGeom>
+        </p:spPr>
+        <p:txBody>
+          <a:bodyPr wrap="none">
+            <a:spAutoFit/>
+          </a:bodyPr>
+          <a:lstStyle/>
+          <a:p>
+            <a:pPr algn="ctr">
+              <a:lnSpc>
+                <a:spcPct val="150000"/>
+              </a:lnSpc>
+            </a:pPr>
+            <a:r>
+              <a:rPr lang="en-GB" sz="2400" dirty="0" err="1" smtClean="0"/>
+              <a:t>Veuillez</a:t>
+            </a:r>
+            <a:r>
+              <a:rPr lang="en-GB" sz="2400" dirty="0" smtClean="0"/>
+              <a:t> lire </a:t>
+            </a:r>
+            <a:r>
+              <a:rPr lang="en-GB" sz="2400" dirty="0" err="1" smtClean="0"/>
+              <a:t>attentivement</a:t>
+            </a:r>
+            <a:r>
+              <a:rPr lang="en-GB" sz="2400" dirty="0" smtClean="0"/>
+              <a:t> les instructions qui </a:t>
+            </a:r>
+            <a:r>
+              <a:rPr lang="en-GB" sz="2400" dirty="0" err="1" smtClean="0"/>
+              <a:t>vont</a:t>
+            </a:r>
+            <a:r>
+              <a:rPr lang="en-GB" sz="2400" dirty="0" smtClean="0"/>
+              <a:t> </a:t>
+            </a:r>
+            <a:r>
+              <a:rPr lang="en-GB" sz="2400" dirty="0" err="1" smtClean="0"/>
+              <a:t>suivre</a:t>
+            </a:r>
+            <a:r>
+              <a:rPr lang="en-GB" sz="2400" dirty="0" smtClean="0"/>
+              <a:t>.</a:t>
+            </a:r>
+            <a:endParaRPr lang="en-GB" sz="2400" dirty="0"/>
+          </a:p>
+          <a:p>
+            <a:pPr algn="ctr">
+              <a:lnSpc>
+                <a:spcPct val="150000"/>
+              </a:lnSpc>
+            </a:pPr>
+            <a:r>
+              <a:rPr lang="en-GB" sz="2400" dirty="0" err="1" smtClean="0"/>
+              <a:t>Appuyez</a:t>
+            </a:r>
+            <a:r>
+              <a:rPr lang="en-GB" sz="2400" dirty="0" smtClean="0"/>
+              <a:t> </a:t>
+            </a:r>
+            <a:r>
+              <a:rPr lang="en-GB" sz="2400" dirty="0"/>
+              <a:t>sur </a:t>
+            </a:r>
+            <a:r>
+              <a:rPr lang="fr-FR" sz="2400" dirty="0"/>
+              <a:t>« </a:t>
+            </a:r>
+            <a:r>
+              <a:rPr lang="en-GB" sz="2400" dirty="0"/>
+              <a:t>la </a:t>
+            </a:r>
+            <a:r>
+              <a:rPr lang="en-GB" sz="2400" dirty="0" err="1" smtClean="0"/>
+              <a:t>flèche</a:t>
+            </a:r>
+            <a:r>
+              <a:rPr lang="en-GB" sz="2400" dirty="0" smtClean="0"/>
+              <a:t> </a:t>
+            </a:r>
+            <a:r>
+              <a:rPr lang="en-GB" sz="2400" dirty="0"/>
+              <a:t>de </a:t>
+            </a:r>
+            <a:r>
+              <a:rPr lang="en-GB" sz="2400" dirty="0" err="1" smtClean="0"/>
+              <a:t>droite</a:t>
+            </a:r>
+            <a:r>
+              <a:rPr lang="fr-FR" sz="2400" dirty="0"/>
+              <a:t> »</a:t>
+            </a:r>
+            <a:r>
+              <a:rPr lang="en-GB" sz="2400" dirty="0"/>
+              <a:t> pour continuer et lire la </a:t>
+            </a:r>
+            <a:r>
+              <a:rPr lang="en-GB" sz="2400" dirty="0" smtClean="0"/>
+              <a:t>suite.</a:t>
+            </a:r>
+            <a:endParaRPr lang="en-GB" sz="2400" dirty="0"/>
+          </a:p>
+          <a:p>
+            <a:pPr algn="ctr">
+              <a:lnSpc>
+                <a:spcPct val="150000"/>
+              </a:lnSpc>
+            </a:pPr>
+            <a:r>
+              <a:rPr lang="en-GB" sz="2400" dirty="0" err="1"/>
+              <a:t>Appuyez</a:t>
+            </a:r>
+            <a:r>
+              <a:rPr lang="en-GB" sz="2400" dirty="0"/>
+              <a:t> sur </a:t>
+            </a:r>
+            <a:r>
+              <a:rPr lang="fr-FR" sz="2400" dirty="0"/>
+              <a:t>« </a:t>
+            </a:r>
+            <a:r>
+              <a:rPr lang="en-GB" sz="2400" dirty="0"/>
+              <a:t>la </a:t>
+            </a:r>
+            <a:r>
+              <a:rPr lang="en-GB" sz="2400" dirty="0" err="1" smtClean="0"/>
+              <a:t>flèche</a:t>
+            </a:r>
+            <a:r>
+              <a:rPr lang="en-GB" sz="2400" dirty="0" smtClean="0"/>
+              <a:t> </a:t>
+            </a:r>
+            <a:r>
+              <a:rPr lang="en-GB" sz="2400" dirty="0"/>
+              <a:t>de gauche </a:t>
+            </a:r>
+            <a:r>
+              <a:rPr lang="fr-FR" sz="2400" dirty="0"/>
+              <a:t>»</a:t>
+            </a:r>
+            <a:r>
+              <a:rPr lang="en-GB" sz="2400" dirty="0"/>
+              <a:t> pour </a:t>
+            </a:r>
+            <a:r>
+              <a:rPr lang="en-GB" sz="2400" dirty="0" err="1"/>
+              <a:t>revenir</a:t>
+            </a:r>
+            <a:r>
+              <a:rPr lang="en-GB" sz="2400" dirty="0"/>
+              <a:t> et lire </a:t>
+            </a:r>
+            <a:r>
+              <a:rPr lang="en-GB" sz="2400" dirty="0" err="1" smtClean="0"/>
+              <a:t>l’instruction</a:t>
+            </a:r>
+            <a:r>
+              <a:rPr lang="en-GB" sz="2400" dirty="0" smtClean="0"/>
+              <a:t> </a:t>
+            </a:r>
+            <a:r>
+              <a:rPr lang="en-GB" sz="2400" dirty="0" err="1" smtClean="0"/>
+              <a:t>précédente</a:t>
+            </a:r>
+            <a:r>
+              <a:rPr lang="en-GB" sz="2400" smtClean="0"/>
+              <a:t>.</a:t>
+            </a:r>
+            <a:endParaRPr lang="fr-FR" sz="2400" dirty="0"/>
           </a:p>
         </p:txBody>
       </p:sp>
     </p:spTree>
     <p:extLst>
       <p:ext uri="{BB962C8B-B14F-4D97-AF65-F5344CB8AC3E}">
-        <p14:creationId xmlns:p14="http://schemas.microsoft.com/office/powerpoint/2010/main" val="4272704946"/>
+        <p14:creationId xmlns:p14="http://schemas.microsoft.com/office/powerpoint/2010/main" val="244932338"/>
       </p:ext>
     </p:extLst>
   </p:cSld>
   <p:clrMapOvr>
     <a:masterClrMapping/>
   </p:clrMapOvr>
+  <p:timing>
+    <p:tnLst>
+      <p:par>
+        <p:cTn id="1" dur="indefinite" restart="never" nodeType="tmRoot"/>
+      </p:par>
+    </p:tnLst>
+  </p:timing>
 </p:sld>
 </file>
 
@@ -3343,8 +3276,8 @@
         </p:nvSpPr>
         <p:spPr>
           <a:xfrm>
-            <a:off x="838200" y="2167695"/>
-            <a:ext cx="10515600" cy="4690305"/>
+            <a:off x="743228" y="1300833"/>
+            <a:ext cx="10705555" cy="1230846"/>
           </a:xfrm>
         </p:spPr>
         <p:txBody>
@@ -3356,162 +3289,176 @@
             <a:pPr marL="0" indent="0" algn="ctr">
               <a:buNone/>
             </a:pPr>
-            <a:endParaRPr lang="fr-FR" sz="2000" dirty="0"/>
-          </a:p>
-          <a:p>
-            <a:pPr marL="0" indent="0" algn="ctr">
-              <a:buNone/>
-            </a:pPr>
-            <a:r>
-              <a:rPr lang="fr-FR" sz="2000" dirty="0"/>
-              <a:t>Vous aurez maintenant l'occasion de vous familiariser la tâche pendant certains essais.</a:t>
-            </a:r>
-          </a:p>
-          <a:p>
-            <a:pPr marL="0" indent="0" algn="ctr">
-              <a:buNone/>
-            </a:pPr>
-            <a:endParaRPr lang="fr-FR" sz="2000" dirty="0"/>
-          </a:p>
-          <a:p>
-            <a:pPr marL="0" indent="0" algn="ctr">
-              <a:buNone/>
-            </a:pPr>
-            <a:endParaRPr lang="fr-FR" sz="2000" dirty="0"/>
-          </a:p>
-          <a:p>
-            <a:pPr marL="0" indent="0" algn="ctr">
-              <a:buNone/>
-            </a:pPr>
-            <a:r>
-              <a:rPr lang="fr-FR" sz="2000" dirty="0"/>
-              <a:t>Votre performance dans cette phase </a:t>
-            </a:r>
-            <a:r>
-              <a:rPr lang="fr-FR" sz="2000" dirty="0">
-                <a:solidFill>
-                  <a:srgbClr val="FF0000"/>
-                </a:solidFill>
-              </a:rPr>
-              <a:t>ne sera pas prise en compte </a:t>
-            </a:r>
-            <a:r>
-              <a:rPr lang="fr-FR" sz="2000" dirty="0"/>
-              <a:t>pour votre bonus financier. </a:t>
-            </a:r>
-          </a:p>
-        </p:txBody>
-      </p:sp>
-      <p:sp>
-        <p:nvSpPr>
-          <p:cNvPr id="7" name="Titre 1">
+            <a:r>
+              <a:rPr lang="fr-FR" sz="2400" dirty="0"/>
+              <a:t>Finalement, à la fin de chaque </a:t>
+            </a:r>
+            <a:r>
+              <a:rPr lang="fr-FR" sz="2400" dirty="0" smtClean="0"/>
+              <a:t>phase </a:t>
+            </a:r>
+            <a:r>
+              <a:rPr lang="fr-FR" sz="2400" dirty="0"/>
+              <a:t>de prédiction, </a:t>
+            </a:r>
+            <a:r>
+              <a:rPr lang="fr-FR" sz="2400" dirty="0" smtClean="0"/>
+              <a:t>nous </a:t>
+            </a:r>
+            <a:r>
+              <a:rPr lang="fr-FR" sz="2400" dirty="0"/>
+              <a:t>vous </a:t>
+            </a:r>
+            <a:r>
+              <a:rPr lang="fr-FR" sz="2400" dirty="0" smtClean="0"/>
+              <a:t>demanderons </a:t>
+            </a:r>
+            <a:r>
+              <a:rPr lang="fr-FR" sz="2400" dirty="0"/>
+              <a:t>à quel point vous pensez que l’autre participant(e) est </a:t>
+            </a:r>
+            <a:r>
+              <a:rPr lang="fr-FR" sz="2400" dirty="0" smtClean="0"/>
+              <a:t>prudent(e):</a:t>
+            </a:r>
+            <a:endParaRPr lang="fr-FR" sz="2400" dirty="0"/>
+          </a:p>
+        </p:txBody>
+      </p:sp>
+      <p:pic>
+        <p:nvPicPr>
+          <p:cNvPr id="10" name="Imagen 9" descr="Captura de pantalla de un celular con texto&#10;&#10;Descripción generada automáticamente">
             <a:extLst>
               <a:ext uri="{FF2B5EF4-FFF2-40B4-BE49-F238E27FC236}">
-                <a16:creationId xmlns:a16="http://schemas.microsoft.com/office/drawing/2014/main" id="{7636C7F2-D3B8-7D4C-9EBF-161B37C6DF05}"/>
+                <a16:creationId xmlns:a16="http://schemas.microsoft.com/office/drawing/2014/main" id="{92299531-E646-3F46-A73C-E74CEBA665F8}"/>
               </a:ext>
             </a:extLst>
           </p:cNvPr>
-          <p:cNvSpPr>
-            <a:spLocks noGrp="1"/>
-          </p:cNvSpPr>
-          <p:nvPr>
-            <p:ph type="title"/>
-          </p:nvPr>
-        </p:nvSpPr>
-        <p:spPr>
-          <a:xfrm>
-            <a:off x="2493611" y="681037"/>
-            <a:ext cx="7576981" cy="2129977"/>
-          </a:xfrm>
-        </p:spPr>
-        <p:txBody>
-          <a:bodyPr>
-            <a:normAutofit/>
-          </a:bodyPr>
-          <a:lstStyle/>
-          <a:p>
-            <a:pPr algn="ctr"/>
-            <a:r>
-              <a:rPr lang="fr-FR" dirty="0"/>
-              <a:t>Entrainement – Phase Prédiction</a:t>
-            </a:r>
-          </a:p>
-        </p:txBody>
-      </p:sp>
-      <p:sp>
-        <p:nvSpPr>
-          <p:cNvPr id="5" name="Rectangle 3">
+          <p:cNvPicPr>
+            <a:picLocks noChangeAspect="1"/>
+          </p:cNvPicPr>
+          <p:nvPr/>
+        </p:nvPicPr>
+        <p:blipFill>
+          <a:blip r:embed="rId2">
             <a:extLst>
-              <a:ext uri="{FF2B5EF4-FFF2-40B4-BE49-F238E27FC236}">
-                <a16:creationId xmlns:a16="http://schemas.microsoft.com/office/drawing/2014/main" id="{8D4A4AC5-717D-F343-BCBE-5E4E31179B80}"/>
+              <a:ext uri="{28A0092B-C50C-407E-A947-70E740481C1C}">
+                <a14:useLocalDpi xmlns:a14="http://schemas.microsoft.com/office/drawing/2010/main" val="0"/>
               </a:ext>
             </a:extLst>
-          </p:cNvPr>
-          <p:cNvSpPr/>
-          <p:nvPr/>
-        </p:nvSpPr>
-        <p:spPr>
-          <a:xfrm>
-            <a:off x="3551393" y="6176963"/>
-            <a:ext cx="5089214" cy="400110"/>
+          </a:blip>
+          <a:stretch>
+            <a:fillRect/>
+          </a:stretch>
+        </p:blipFill>
+        <p:spPr>
+          <a:xfrm>
+            <a:off x="512805" y="2429233"/>
+            <a:ext cx="11166401" cy="2681375"/>
           </a:xfrm>
           <a:prstGeom prst="rect">
             <a:avLst/>
           </a:prstGeom>
         </p:spPr>
-        <p:txBody>
-          <a:bodyPr wrap="none">
+      </p:pic>
+      <p:sp>
+        <p:nvSpPr>
+          <p:cNvPr id="7" name="ZoneTexte 6"/>
+          <p:cNvSpPr txBox="1"/>
+          <p:nvPr/>
+        </p:nvSpPr>
+        <p:spPr>
+          <a:xfrm>
+            <a:off x="1874204" y="192400"/>
+            <a:ext cx="8443609" cy="830997"/>
+          </a:xfrm>
+          <a:prstGeom prst="rect">
+            <a:avLst/>
+          </a:prstGeom>
+          <a:noFill/>
+        </p:spPr>
+        <p:txBody>
+          <a:bodyPr wrap="square" rtlCol="0">
             <a:spAutoFit/>
           </a:bodyPr>
           <a:lstStyle/>
           <a:p>
-            <a:r>
-              <a:rPr lang="fr-FR" sz="2000" i="1" dirty="0">
+            <a:pPr algn="ctr"/>
+            <a:r>
+              <a:rPr lang="fr-FR" sz="2400" b="1" dirty="0" smtClean="0">
                 <a:solidFill>
-                  <a:schemeClr val="tx1">
-                    <a:lumMod val="50000"/>
-                    <a:lumOff val="50000"/>
-                  </a:schemeClr>
+                  <a:srgbClr val="0070C0"/>
                 </a:solidFill>
               </a:rPr>
-              <a:t>Appuyez sur la flèche droite [</a:t>
-            </a:r>
-            <a:r>
-              <a:rPr lang="fr-FR" sz="2000" i="1" dirty="0">
-                <a:solidFill>
-                  <a:schemeClr val="tx1">
-                    <a:lumMod val="50000"/>
-                    <a:lumOff val="50000"/>
-                  </a:schemeClr>
-                </a:solidFill>
-                <a:sym typeface="Wingdings" pitchFamily="2" charset="2"/>
-              </a:rPr>
-              <a:t></a:t>
-            </a:r>
-            <a:r>
-              <a:rPr lang="fr-FR" sz="2000" i="1" dirty="0">
-                <a:solidFill>
-                  <a:schemeClr val="tx1">
-                    <a:lumMod val="50000"/>
-                    <a:lumOff val="50000"/>
-                  </a:schemeClr>
-                </a:solidFill>
-              </a:rPr>
-              <a:t>] pour continuer</a:t>
-            </a:r>
+              <a:t>PHASE DE PRÉDICTION: JUGEMENT FINAL</a:t>
+            </a:r>
+            <a:endParaRPr lang="en-GB" sz="2400" dirty="0"/>
+          </a:p>
+          <a:p>
+            <a:pPr algn="ctr"/>
+            <a:endParaRPr lang="en-GB" sz="2400" dirty="0"/>
+          </a:p>
+        </p:txBody>
+      </p:sp>
+      <p:sp>
+        <p:nvSpPr>
+          <p:cNvPr id="2" name="Rectangle 1"/>
+          <p:cNvSpPr/>
+          <p:nvPr/>
+        </p:nvSpPr>
+        <p:spPr>
+          <a:xfrm>
+            <a:off x="598232" y="5392593"/>
+            <a:ext cx="10995547" cy="830997"/>
+          </a:xfrm>
+          <a:prstGeom prst="rect">
+            <a:avLst/>
+          </a:prstGeom>
+        </p:spPr>
+        <p:txBody>
+          <a:bodyPr wrap="square">
+            <a:spAutoFit/>
+          </a:bodyPr>
+          <a:lstStyle/>
+          <a:p>
+            <a:pPr algn="ctr"/>
+            <a:r>
+              <a:rPr lang="fr-FR" sz="2400" dirty="0"/>
+              <a:t> </a:t>
+            </a:r>
+            <a:r>
+              <a:rPr lang="fr-FR" sz="2400" dirty="0" smtClean="0"/>
+              <a:t>Vous indiquerez votre réponse </a:t>
+            </a:r>
+            <a:r>
+              <a:rPr lang="fr-FR" sz="2400" dirty="0"/>
+              <a:t>en déplaçant le pointeur de la barre de défilement avec la </a:t>
+            </a:r>
+            <a:r>
+              <a:rPr lang="fr-FR" sz="2400" dirty="0" smtClean="0"/>
+              <a:t>souris.</a:t>
+            </a:r>
+            <a:endParaRPr lang="fr-FR" sz="2400" dirty="0"/>
           </a:p>
         </p:txBody>
       </p:sp>
     </p:spTree>
     <p:extLst>
       <p:ext uri="{BB962C8B-B14F-4D97-AF65-F5344CB8AC3E}">
-        <p14:creationId xmlns:p14="http://schemas.microsoft.com/office/powerpoint/2010/main" val="1201254129"/>
+        <p14:creationId xmlns:p14="http://schemas.microsoft.com/office/powerpoint/2010/main" val="906590627"/>
       </p:ext>
     </p:extLst>
   </p:cSld>
   <p:clrMapOvr>
     <a:masterClrMapping/>
   </p:clrMapOvr>
+  <p:timing>
+    <p:tnLst>
+      <p:par>
+        <p:cTn id="1" dur="indefinite" restart="never" nodeType="tmRoot"/>
+      </p:par>
+    </p:tnLst>
+  </p:timing>
 </p:sld>
 </file>
 
@@ -3534,207 +3481,247 @@
       </p:grpSpPr>
       <p:sp>
         <p:nvSpPr>
-          <p:cNvPr id="5" name="Espace réservé du contenu 4"/>
-          <p:cNvSpPr>
-            <a:spLocks noGrp="1"/>
-          </p:cNvSpPr>
-          <p:nvPr>
-            <p:ph idx="1"/>
-          </p:nvPr>
-        </p:nvSpPr>
-        <p:spPr>
-          <a:xfrm>
-            <a:off x="791787" y="2025680"/>
-            <a:ext cx="10608425" cy="4351338"/>
-          </a:xfrm>
-        </p:spPr>
-        <p:txBody>
-          <a:bodyPr/>
-          <a:lstStyle/>
-          <a:p>
-            <a:pPr marL="0" indent="0">
-              <a:buNone/>
-            </a:pPr>
-            <a:endParaRPr lang="fr-FR" sz="2000" dirty="0"/>
-          </a:p>
-          <a:p>
-            <a:pPr marL="0" indent="0" algn="ctr">
-              <a:buNone/>
-            </a:pPr>
-            <a:r>
-              <a:rPr lang="fr-FR" sz="2000" dirty="0"/>
-              <a:t>L’entrainement est désormais terminé.  Vous allez maintenant commencer le jeu. </a:t>
-            </a:r>
-          </a:p>
-          <a:p>
-            <a:pPr marL="0" indent="0">
-              <a:buNone/>
-            </a:pPr>
-            <a:endParaRPr lang="fr-FR" sz="2000" dirty="0"/>
-          </a:p>
-          <a:p>
-            <a:pPr marL="0" indent="0">
-              <a:buNone/>
-            </a:pPr>
-            <a:endParaRPr lang="fr-FR" sz="2000" dirty="0"/>
-          </a:p>
-          <a:p>
-            <a:pPr marL="0" indent="0" algn="ctr">
-              <a:buNone/>
-            </a:pPr>
-            <a:r>
-              <a:rPr lang="fr-FR" sz="2000" dirty="0"/>
-              <a:t>Votre performance dans cette phase </a:t>
-            </a:r>
-            <a:r>
-              <a:rPr lang="fr-FR" sz="2000" dirty="0">
-                <a:solidFill>
-                  <a:srgbClr val="FF0000"/>
-                </a:solidFill>
-              </a:rPr>
-              <a:t>sera prise en compte</a:t>
-            </a:r>
-            <a:r>
-              <a:rPr lang="fr-FR" sz="2000" dirty="0"/>
-              <a:t> pour votre bonus financier. </a:t>
-            </a:r>
-          </a:p>
-          <a:p>
-            <a:pPr marL="0" indent="0">
-              <a:buNone/>
-            </a:pPr>
-            <a:endParaRPr lang="fr-FR" sz="2000" dirty="0"/>
-          </a:p>
-          <a:p>
-            <a:pPr marL="0" indent="0">
-              <a:buNone/>
-            </a:pPr>
-            <a:endParaRPr lang="fr-FR" sz="2000" dirty="0"/>
-          </a:p>
-          <a:p>
-            <a:pPr marL="0" indent="0">
-              <a:buNone/>
-            </a:pPr>
-            <a:endParaRPr lang="fr-FR" sz="2000" dirty="0"/>
-          </a:p>
-          <a:p>
-            <a:pPr marL="0" indent="0">
-              <a:buNone/>
-            </a:pPr>
-            <a:endParaRPr lang="fr-FR" dirty="0"/>
-          </a:p>
-        </p:txBody>
-      </p:sp>
-      <p:sp>
-        <p:nvSpPr>
-          <p:cNvPr id="8" name="Titre 1">
-            <a:extLst>
-              <a:ext uri="{FF2B5EF4-FFF2-40B4-BE49-F238E27FC236}">
-                <a16:creationId xmlns:a16="http://schemas.microsoft.com/office/drawing/2014/main" id="{20521D2B-EC16-7D4C-B167-A6D999618EE3}"/>
-              </a:ext>
-            </a:extLst>
-          </p:cNvPr>
-          <p:cNvSpPr>
-            <a:spLocks noGrp="1"/>
-          </p:cNvSpPr>
-          <p:nvPr>
-            <p:ph type="title"/>
-          </p:nvPr>
-        </p:nvSpPr>
-        <p:spPr>
-          <a:xfrm>
-            <a:off x="2493611" y="480982"/>
-            <a:ext cx="7009707" cy="2129977"/>
-          </a:xfrm>
-        </p:spPr>
-        <p:txBody>
-          <a:bodyPr>
-            <a:normAutofit/>
-          </a:bodyPr>
-          <a:lstStyle/>
-          <a:p>
-            <a:pPr algn="ctr"/>
-            <a:r>
-              <a:rPr lang="fr-FR" dirty="0"/>
-              <a:t>Fin d’entrainement</a:t>
-            </a:r>
-          </a:p>
-        </p:txBody>
-      </p:sp>
-      <p:sp>
-        <p:nvSpPr>
-          <p:cNvPr id="6" name="Rectangle 3">
-            <a:extLst>
-              <a:ext uri="{FF2B5EF4-FFF2-40B4-BE49-F238E27FC236}">
-                <a16:creationId xmlns:a16="http://schemas.microsoft.com/office/drawing/2014/main" id="{08F612B9-A7F2-CD4B-8853-3F42027E847D}"/>
-              </a:ext>
-            </a:extLst>
-          </p:cNvPr>
-          <p:cNvSpPr/>
+          <p:cNvPr id="5" name="ZoneTexte 4"/>
+          <p:cNvSpPr txBox="1"/>
           <p:nvPr/>
         </p:nvSpPr>
         <p:spPr>
           <a:xfrm>
-            <a:off x="3551392" y="6176963"/>
-            <a:ext cx="5089214" cy="400110"/>
+            <a:off x="3878093" y="379385"/>
+            <a:ext cx="4435815" cy="461665"/>
           </a:xfrm>
           <a:prstGeom prst="rect">
             <a:avLst/>
           </a:prstGeom>
-        </p:spPr>
-        <p:txBody>
-          <a:bodyPr wrap="none">
+          <a:noFill/>
+          <a:ln>
+            <a:noFill/>
+          </a:ln>
+        </p:spPr>
+        <p:txBody>
+          <a:bodyPr wrap="square" rtlCol="0" anchor="ctr">
             <a:spAutoFit/>
           </a:bodyPr>
           <a:lstStyle/>
           <a:p>
-            <a:r>
-              <a:rPr lang="fr-FR" sz="2000" i="1" dirty="0">
+            <a:pPr algn="ctr">
+              <a:spcBef>
+                <a:spcPts val="1800"/>
+              </a:spcBef>
+              <a:spcAft>
+                <a:spcPts val="1800"/>
+              </a:spcAft>
+            </a:pPr>
+            <a:r>
+              <a:rPr lang="en-GB" sz="2400" b="1" dirty="0">
                 <a:solidFill>
-                  <a:schemeClr val="tx1">
-                    <a:lumMod val="50000"/>
-                    <a:lumOff val="50000"/>
-                  </a:schemeClr>
+                  <a:srgbClr val="0070C0"/>
                 </a:solidFill>
               </a:rPr>
-              <a:t>Appuyez sur la flèche droite [</a:t>
-            </a:r>
-            <a:r>
-              <a:rPr lang="fr-FR" sz="2000" i="1" dirty="0">
-                <a:solidFill>
-                  <a:schemeClr val="tx1">
-                    <a:lumMod val="50000"/>
-                    <a:lumOff val="50000"/>
-                  </a:schemeClr>
-                </a:solidFill>
-                <a:sym typeface="Wingdings" pitchFamily="2" charset="2"/>
-              </a:rPr>
-              <a:t></a:t>
-            </a:r>
-            <a:r>
-              <a:rPr lang="fr-FR" sz="2000" i="1" dirty="0">
-                <a:solidFill>
-                  <a:schemeClr val="tx1">
-                    <a:lumMod val="50000"/>
-                    <a:lumOff val="50000"/>
-                  </a:schemeClr>
-                </a:solidFill>
-              </a:rPr>
-              <a:t>] pour continuer</a:t>
-            </a:r>
+              <a:t>RÉSUMÉ</a:t>
+            </a:r>
+          </a:p>
+        </p:txBody>
+      </p:sp>
+      <p:sp>
+        <p:nvSpPr>
+          <p:cNvPr id="6" name="ZoneTexte 5"/>
+          <p:cNvSpPr txBox="1"/>
+          <p:nvPr/>
+        </p:nvSpPr>
+        <p:spPr>
+          <a:xfrm>
+            <a:off x="1467086" y="1210306"/>
+            <a:ext cx="9257828" cy="4893647"/>
+          </a:xfrm>
+          <a:prstGeom prst="rect">
+            <a:avLst/>
+          </a:prstGeom>
+          <a:noFill/>
+        </p:spPr>
+        <p:txBody>
+          <a:bodyPr wrap="square" rtlCol="0">
+            <a:spAutoFit/>
+          </a:bodyPr>
+          <a:lstStyle/>
+          <a:p>
+            <a:pPr algn="ctr"/>
+            <a:r>
+              <a:rPr lang="en-GB" sz="2400" dirty="0" smtClean="0"/>
+              <a:t>Au total, le test </a:t>
+            </a:r>
+            <a:r>
+              <a:rPr lang="en-GB" sz="2400" dirty="0" err="1" smtClean="0"/>
+              <a:t>comprend</a:t>
+            </a:r>
+            <a:r>
+              <a:rPr lang="en-GB" sz="2400" dirty="0" smtClean="0"/>
+              <a:t> </a:t>
+            </a:r>
+            <a:r>
+              <a:rPr lang="en-GB" sz="2400" dirty="0" smtClean="0"/>
+              <a:t>4 phases de decision, et 3 phases de prediction.</a:t>
+            </a:r>
+            <a:endParaRPr lang="en-GB" sz="2400" dirty="0" smtClean="0"/>
+          </a:p>
+          <a:p>
+            <a:pPr algn="ctr"/>
+            <a:endParaRPr lang="en-GB" sz="2400" dirty="0"/>
+          </a:p>
+          <a:p>
+            <a:pPr algn="ctr"/>
+            <a:r>
+              <a:rPr lang="fr-FR" sz="2400" dirty="0" smtClean="0"/>
+              <a:t>Chaque phase de décision et/ou prédiction comprend 32 choix risqués.</a:t>
+            </a:r>
+            <a:endParaRPr lang="fr-FR" sz="2400" dirty="0" smtClean="0"/>
+          </a:p>
+          <a:p>
+            <a:pPr algn="ctr"/>
+            <a:endParaRPr lang="fr-FR" sz="2400" dirty="0"/>
+          </a:p>
+          <a:p>
+            <a:pPr algn="ctr"/>
+            <a:r>
+              <a:rPr lang="fr-FR" sz="2400" dirty="0" smtClean="0"/>
+              <a:t>Un choix risqué impose une décision entre une option « sûre » et une option « risquée ». Dans la phase de décision, il n’y a pas de bonne ou de mauvaise réponse.</a:t>
+            </a:r>
+            <a:endParaRPr lang="en-GB" sz="2400" dirty="0" smtClean="0"/>
+          </a:p>
+          <a:p>
+            <a:pPr algn="ctr"/>
+            <a:endParaRPr lang="en-GB" sz="2400" dirty="0"/>
+          </a:p>
+          <a:p>
+            <a:pPr algn="ctr"/>
+            <a:r>
+              <a:rPr lang="en-GB" sz="2400" dirty="0" err="1" smtClean="0"/>
+              <a:t>Relisez</a:t>
+            </a:r>
+            <a:r>
+              <a:rPr lang="en-GB" sz="2400" dirty="0" smtClean="0"/>
+              <a:t> </a:t>
+            </a:r>
+            <a:r>
+              <a:rPr lang="en-GB" sz="2400" dirty="0" err="1" smtClean="0"/>
+              <a:t>ces</a:t>
+            </a:r>
+            <a:r>
+              <a:rPr lang="en-GB" sz="2400" dirty="0" smtClean="0"/>
+              <a:t> instructions </a:t>
+            </a:r>
+            <a:r>
+              <a:rPr lang="en-GB" sz="2400" dirty="0" err="1" smtClean="0"/>
+              <a:t>jusqu’à</a:t>
+            </a:r>
+            <a:r>
+              <a:rPr lang="en-GB" sz="2400" dirty="0" smtClean="0"/>
+              <a:t> </a:t>
+            </a:r>
+            <a:r>
+              <a:rPr lang="en-GB" sz="2400" dirty="0" err="1" smtClean="0"/>
+              <a:t>ce</a:t>
+            </a:r>
+            <a:r>
+              <a:rPr lang="en-GB" sz="2400" dirty="0" smtClean="0"/>
+              <a:t> </a:t>
+            </a:r>
+            <a:r>
+              <a:rPr lang="en-GB" sz="2400" dirty="0" err="1" smtClean="0"/>
+              <a:t>qu’elles</a:t>
+            </a:r>
+            <a:r>
+              <a:rPr lang="en-GB" sz="2400" dirty="0" smtClean="0"/>
+              <a:t> </a:t>
+            </a:r>
+            <a:r>
+              <a:rPr lang="en-GB" sz="2400" dirty="0" err="1" smtClean="0"/>
+              <a:t>soient</a:t>
+            </a:r>
+            <a:r>
+              <a:rPr lang="en-GB" sz="2400" dirty="0" smtClean="0"/>
+              <a:t> </a:t>
+            </a:r>
+            <a:r>
+              <a:rPr lang="en-GB" sz="2400" dirty="0" err="1" smtClean="0"/>
+              <a:t>parfaitement</a:t>
+            </a:r>
+            <a:r>
+              <a:rPr lang="en-GB" sz="2400" dirty="0" smtClean="0"/>
+              <a:t> </a:t>
+            </a:r>
+            <a:r>
+              <a:rPr lang="en-GB" sz="2400" dirty="0" err="1" smtClean="0"/>
+              <a:t>claires</a:t>
+            </a:r>
+            <a:r>
+              <a:rPr lang="en-GB" sz="2400" dirty="0" smtClean="0"/>
+              <a:t>.</a:t>
+            </a:r>
+          </a:p>
+          <a:p>
+            <a:pPr algn="ctr"/>
+            <a:endParaRPr lang="en-GB" sz="2400" dirty="0" smtClean="0"/>
+          </a:p>
+          <a:p>
+            <a:pPr algn="ctr"/>
+            <a:r>
+              <a:rPr lang="en-GB" sz="2400" dirty="0" err="1" smtClean="0"/>
+              <a:t>Vous</a:t>
+            </a:r>
+            <a:r>
+              <a:rPr lang="en-GB" sz="2400" dirty="0" smtClean="0"/>
+              <a:t> </a:t>
+            </a:r>
+            <a:r>
+              <a:rPr lang="en-GB" sz="2400" dirty="0" err="1" smtClean="0"/>
+              <a:t>êtes</a:t>
+            </a:r>
+            <a:r>
+              <a:rPr lang="en-GB" sz="2400" dirty="0" smtClean="0"/>
+              <a:t> prêt(e)? </a:t>
+            </a:r>
+            <a:r>
+              <a:rPr lang="en-GB" sz="2400" dirty="0" err="1" smtClean="0"/>
+              <a:t>Passons</a:t>
+            </a:r>
+            <a:r>
+              <a:rPr lang="en-GB" sz="2400" dirty="0" smtClean="0"/>
+              <a:t> à </a:t>
+            </a:r>
+            <a:r>
+              <a:rPr lang="en-GB" sz="2400" dirty="0" err="1" smtClean="0"/>
+              <a:t>l’entraînement</a:t>
+            </a:r>
+            <a:r>
+              <a:rPr lang="en-GB" sz="2400" dirty="0" smtClean="0"/>
+              <a:t>…</a:t>
+            </a:r>
+            <a:endParaRPr lang="en-GB" sz="2400" dirty="0"/>
+          </a:p>
+          <a:p>
+            <a:pPr algn="ctr"/>
+            <a:endParaRPr lang="en-GB" sz="2400" b="1" dirty="0"/>
           </a:p>
         </p:txBody>
       </p:sp>
     </p:spTree>
     <p:extLst>
       <p:ext uri="{BB962C8B-B14F-4D97-AF65-F5344CB8AC3E}">
-        <p14:creationId xmlns:p14="http://schemas.microsoft.com/office/powerpoint/2010/main" val="3249193195"/>
+        <p14:creationId xmlns:p14="http://schemas.microsoft.com/office/powerpoint/2010/main" val="2532824988"/>
       </p:ext>
     </p:extLst>
   </p:cSld>
   <p:clrMapOvr>
     <a:masterClrMapping/>
   </p:clrMapOvr>
+  <p:timing>
+    <p:tnLst>
+      <p:par>
+        <p:cTn id="1" dur="indefinite" restart="never" nodeType="tmRoot"/>
+      </p:par>
+    </p:tnLst>
+  </p:timing>
 </p:sld>
 </file>
 
@@ -3757,44 +3744,140 @@
       </p:grpSpPr>
       <p:sp>
         <p:nvSpPr>
-          <p:cNvPr id="2" name="Titre 1"/>
+          <p:cNvPr id="5" name="Espace réservé du contenu 4"/>
           <p:cNvSpPr>
             <a:spLocks noGrp="1"/>
           </p:cNvSpPr>
           <p:nvPr>
-            <p:ph type="title"/>
+            <p:ph idx="1"/>
           </p:nvPr>
         </p:nvSpPr>
         <p:spPr>
           <a:xfrm>
-            <a:off x="2591146" y="1952843"/>
-            <a:ext cx="7009707" cy="2129977"/>
+            <a:off x="838200" y="1193722"/>
+            <a:ext cx="10608425" cy="5207077"/>
           </a:xfrm>
         </p:spPr>
         <p:txBody>
           <a:bodyPr>
-            <a:normAutofit/>
+            <a:noAutofit/>
           </a:bodyPr>
           <a:lstStyle/>
           <a:p>
+            <a:pPr marL="0" indent="0" algn="ctr">
+              <a:buNone/>
+            </a:pPr>
+            <a:endParaRPr lang="fr-FR" sz="2400" dirty="0"/>
+          </a:p>
+          <a:p>
+            <a:pPr marL="0" indent="0" algn="ctr">
+              <a:buNone/>
+            </a:pPr>
+            <a:endParaRPr lang="fr-FR" sz="2400" dirty="0"/>
+          </a:p>
+          <a:p>
+            <a:pPr marL="0" indent="0" algn="ctr">
+              <a:buNone/>
+            </a:pPr>
+            <a:r>
+              <a:rPr lang="fr-FR" sz="2400" dirty="0"/>
+              <a:t>Vous allez maintenant avoir plusieurs essais d’entrainement. </a:t>
+            </a:r>
+          </a:p>
+          <a:p>
             <a:pPr algn="ctr"/>
-            <a:r>
-              <a:rPr lang="fr-FR" dirty="0"/>
-              <a:t>Phase de Décision</a:t>
-            </a:r>
-            <a:br>
-              <a:rPr lang="fr-FR" dirty="0"/>
-            </a:br>
-            <a:endParaRPr lang="fr-FR" dirty="0"/>
-          </a:p>
-        </p:txBody>
-      </p:sp>
-      <p:sp>
-        <p:nvSpPr>
-          <p:cNvPr id="3" name="Rectángulo 2">
+            <a:endParaRPr lang="fr-FR" sz="2400" dirty="0"/>
+          </a:p>
+          <a:p>
+            <a:pPr marL="0" indent="0" algn="ctr">
+              <a:buNone/>
+            </a:pPr>
+            <a:endParaRPr lang="fr-FR" sz="2400" dirty="0"/>
+          </a:p>
+          <a:p>
+            <a:pPr marL="0" indent="0" algn="ctr">
+              <a:buNone/>
+            </a:pPr>
+            <a:r>
+              <a:rPr lang="fr-FR" sz="2400" dirty="0"/>
+              <a:t>Votre performance dans cette phase ne sera pas prise en compte pour votre bonus financier. </a:t>
+            </a:r>
+          </a:p>
+          <a:p>
+            <a:pPr marL="0" indent="0" algn="ctr">
+              <a:buNone/>
+            </a:pPr>
+            <a:endParaRPr lang="fr-FR" sz="2400" dirty="0"/>
+          </a:p>
+          <a:p>
+            <a:pPr marL="0" indent="0" algn="ctr">
+              <a:buNone/>
+            </a:pPr>
+            <a:endParaRPr lang="fr-FR" sz="2400" dirty="0"/>
+          </a:p>
+          <a:p>
+            <a:pPr marL="0" indent="0" algn="ctr">
+              <a:buNone/>
+            </a:pPr>
+            <a:endParaRPr lang="fr-FR" sz="2400" dirty="0"/>
+          </a:p>
+        </p:txBody>
+      </p:sp>
+      <p:sp>
+        <p:nvSpPr>
+          <p:cNvPr id="6" name="ZoneTexte 5"/>
+          <p:cNvSpPr txBox="1"/>
+          <p:nvPr/>
+        </p:nvSpPr>
+        <p:spPr>
+          <a:xfrm>
+            <a:off x="3533560" y="379385"/>
+            <a:ext cx="5124881" cy="461665"/>
+          </a:xfrm>
+          <a:prstGeom prst="rect">
+            <a:avLst/>
+          </a:prstGeom>
+          <a:noFill/>
+          <a:ln>
+            <a:noFill/>
+          </a:ln>
+        </p:spPr>
+        <p:txBody>
+          <a:bodyPr wrap="square" rtlCol="0" anchor="ctr">
+            <a:spAutoFit/>
+          </a:bodyPr>
+          <a:lstStyle/>
+          <a:p>
+            <a:pPr algn="ctr">
+              <a:spcBef>
+                <a:spcPts val="1800"/>
+              </a:spcBef>
+              <a:spcAft>
+                <a:spcPts val="1800"/>
+              </a:spcAft>
+            </a:pPr>
+            <a:r>
+              <a:rPr lang="en-GB" sz="2400" b="1" dirty="0" smtClean="0">
+                <a:solidFill>
+                  <a:srgbClr val="0070C0"/>
+                </a:solidFill>
+              </a:rPr>
+              <a:t>ENTRAÎNEMENT – PHASE DE DÉCISION</a:t>
+            </a:r>
+            <a:endParaRPr lang="en-GB" sz="2400" b="1" dirty="0">
+              <a:solidFill>
+                <a:srgbClr val="0070C0"/>
+              </a:solidFill>
+            </a:endParaRPr>
+          </a:p>
+        </p:txBody>
+      </p:sp>
+      <p:sp>
+        <p:nvSpPr>
+          <p:cNvPr id="4" name="Rectangle 3">
             <a:extLst>
               <a:ext uri="{FF2B5EF4-FFF2-40B4-BE49-F238E27FC236}">
-                <a16:creationId xmlns:a16="http://schemas.microsoft.com/office/drawing/2014/main" id="{FDF4A276-8EF1-5C49-B88E-71188E8EA0A3}"/>
+                <a16:creationId xmlns:a16="http://schemas.microsoft.com/office/drawing/2014/main" id="{8D4A4AC5-717D-F343-BCBE-5E4E31179B80}"/>
               </a:ext>
             </a:extLst>
           </p:cNvPr>
@@ -3803,54 +3886,7 @@
         </p:nvSpPr>
         <p:spPr>
           <a:xfrm>
-            <a:off x="2097022" y="3525587"/>
-            <a:ext cx="9095234" cy="400110"/>
-          </a:xfrm>
-          <a:prstGeom prst="rect">
-            <a:avLst/>
-          </a:prstGeom>
-        </p:spPr>
-        <p:txBody>
-          <a:bodyPr wrap="square">
-            <a:spAutoFit/>
-          </a:bodyPr>
-          <a:lstStyle/>
-          <a:p>
-            <a:pPr algn="just"/>
-            <a:r>
-              <a:rPr lang="fr-FR" sz="2000" dirty="0"/>
-              <a:t>Nous évaluerons </a:t>
-            </a:r>
-            <a:r>
-              <a:rPr lang="fr-FR" sz="2000" dirty="0">
-                <a:solidFill>
-                  <a:srgbClr val="FF0000"/>
-                </a:solidFill>
-              </a:rPr>
-              <a:t>votre prudence</a:t>
-            </a:r>
-            <a:r>
-              <a:rPr lang="fr-FR" sz="2000" dirty="0"/>
-              <a:t>, c´est-à-dire votre tendance à prendre des risques.</a:t>
-            </a:r>
-          </a:p>
-        </p:txBody>
-      </p:sp>
-      <p:sp>
-        <p:nvSpPr>
-          <p:cNvPr id="5" name="Rectangle 3">
-            <a:extLst>
-              <a:ext uri="{FF2B5EF4-FFF2-40B4-BE49-F238E27FC236}">
-                <a16:creationId xmlns:a16="http://schemas.microsoft.com/office/drawing/2014/main" id="{451BE0B6-F3DD-BC45-A6CC-3E722B5C2A43}"/>
-              </a:ext>
-            </a:extLst>
-          </p:cNvPr>
-          <p:cNvSpPr/>
-          <p:nvPr/>
-        </p:nvSpPr>
-        <p:spPr>
-          <a:xfrm>
-            <a:off x="4100032" y="6087380"/>
+            <a:off x="3551393" y="6176963"/>
             <a:ext cx="5089214" cy="400110"/>
           </a:xfrm>
           <a:prstGeom prst="rect">
@@ -3903,13 +3939,20 @@
     </p:spTree>
     <p:extLst>
       <p:ext uri="{BB962C8B-B14F-4D97-AF65-F5344CB8AC3E}">
-        <p14:creationId xmlns:p14="http://schemas.microsoft.com/office/powerpoint/2010/main" val="255671310"/>
+        <p14:creationId xmlns:p14="http://schemas.microsoft.com/office/powerpoint/2010/main" val="28561386"/>
       </p:ext>
     </p:extLst>
   </p:cSld>
   <p:clrMapOvr>
     <a:masterClrMapping/>
   </p:clrMapOvr>
+  <p:timing>
+    <p:tnLst>
+      <p:par>
+        <p:cTn id="1" dur="indefinite" restart="never" nodeType="tmRoot"/>
+      </p:par>
+    </p:tnLst>
+  </p:timing>
 </p:sld>
 </file>
 
@@ -3932,40 +3975,140 @@
       </p:grpSpPr>
       <p:sp>
         <p:nvSpPr>
-          <p:cNvPr id="2" name="Titre 1"/>
+          <p:cNvPr id="5" name="Espace réservé du contenu 4"/>
           <p:cNvSpPr>
             <a:spLocks noGrp="1"/>
           </p:cNvSpPr>
           <p:nvPr>
-            <p:ph type="title"/>
+            <p:ph idx="1"/>
           </p:nvPr>
         </p:nvSpPr>
         <p:spPr>
           <a:xfrm>
-            <a:off x="2719162" y="1570148"/>
-            <a:ext cx="7009707" cy="2129977"/>
+            <a:off x="838200" y="1193722"/>
+            <a:ext cx="10608425" cy="5207077"/>
           </a:xfrm>
         </p:spPr>
         <p:txBody>
           <a:bodyPr>
-            <a:normAutofit/>
+            <a:noAutofit/>
           </a:bodyPr>
           <a:lstStyle/>
           <a:p>
+            <a:pPr marL="0" indent="0" algn="ctr">
+              <a:buNone/>
+            </a:pPr>
+            <a:endParaRPr lang="fr-FR" sz="2400" dirty="0"/>
+          </a:p>
+          <a:p>
+            <a:pPr marL="0" indent="0" algn="ctr">
+              <a:buNone/>
+            </a:pPr>
+            <a:endParaRPr lang="fr-FR" sz="2400" dirty="0"/>
+          </a:p>
+          <a:p>
+            <a:pPr marL="0" indent="0" algn="ctr">
+              <a:buNone/>
+            </a:pPr>
+            <a:r>
+              <a:rPr lang="fr-FR" sz="2400" dirty="0"/>
+              <a:t>Vous allez maintenant avoir plusieurs essais d’entrainement. </a:t>
+            </a:r>
+          </a:p>
+          <a:p>
             <a:pPr algn="ctr"/>
-            <a:r>
-              <a:rPr lang="fr-FR" dirty="0"/>
-              <a:t>Phase de Prédiction</a:t>
-            </a:r>
-          </a:p>
-        </p:txBody>
-      </p:sp>
-      <p:sp>
-        <p:nvSpPr>
-          <p:cNvPr id="3" name="Rectángulo 2">
+            <a:endParaRPr lang="fr-FR" sz="2400" dirty="0"/>
+          </a:p>
+          <a:p>
+            <a:pPr marL="0" indent="0" algn="ctr">
+              <a:buNone/>
+            </a:pPr>
+            <a:endParaRPr lang="fr-FR" sz="2400" dirty="0"/>
+          </a:p>
+          <a:p>
+            <a:pPr marL="0" indent="0" algn="ctr">
+              <a:buNone/>
+            </a:pPr>
+            <a:r>
+              <a:rPr lang="fr-FR" sz="2400" dirty="0"/>
+              <a:t>Votre performance dans cette phase ne sera pas prise en compte pour votre bonus financier. </a:t>
+            </a:r>
+          </a:p>
+          <a:p>
+            <a:pPr marL="0" indent="0" algn="ctr">
+              <a:buNone/>
+            </a:pPr>
+            <a:endParaRPr lang="fr-FR" sz="2400" dirty="0"/>
+          </a:p>
+          <a:p>
+            <a:pPr marL="0" indent="0" algn="ctr">
+              <a:buNone/>
+            </a:pPr>
+            <a:endParaRPr lang="fr-FR" sz="2400" dirty="0"/>
+          </a:p>
+          <a:p>
+            <a:pPr marL="0" indent="0" algn="ctr">
+              <a:buNone/>
+            </a:pPr>
+            <a:endParaRPr lang="fr-FR" sz="2400" dirty="0"/>
+          </a:p>
+        </p:txBody>
+      </p:sp>
+      <p:sp>
+        <p:nvSpPr>
+          <p:cNvPr id="6" name="ZoneTexte 5"/>
+          <p:cNvSpPr txBox="1"/>
+          <p:nvPr/>
+        </p:nvSpPr>
+        <p:spPr>
+          <a:xfrm>
+            <a:off x="3299878" y="379385"/>
+            <a:ext cx="5592244" cy="461665"/>
+          </a:xfrm>
+          <a:prstGeom prst="rect">
+            <a:avLst/>
+          </a:prstGeom>
+          <a:noFill/>
+          <a:ln>
+            <a:noFill/>
+          </a:ln>
+        </p:spPr>
+        <p:txBody>
+          <a:bodyPr wrap="square" rtlCol="0" anchor="ctr">
+            <a:spAutoFit/>
+          </a:bodyPr>
+          <a:lstStyle/>
+          <a:p>
+            <a:pPr algn="ctr">
+              <a:spcBef>
+                <a:spcPts val="1800"/>
+              </a:spcBef>
+              <a:spcAft>
+                <a:spcPts val="1800"/>
+              </a:spcAft>
+            </a:pPr>
+            <a:r>
+              <a:rPr lang="en-GB" sz="2400" b="1" dirty="0" smtClean="0">
+                <a:solidFill>
+                  <a:srgbClr val="0070C0"/>
+                </a:solidFill>
+              </a:rPr>
+              <a:t>ENTRAÎNEMENT – PHASE DE PRÉDICTION</a:t>
+            </a:r>
+            <a:endParaRPr lang="en-GB" sz="2400" b="1" dirty="0">
+              <a:solidFill>
+                <a:srgbClr val="0070C0"/>
+              </a:solidFill>
+            </a:endParaRPr>
+          </a:p>
+        </p:txBody>
+      </p:sp>
+      <p:sp>
+        <p:nvSpPr>
+          <p:cNvPr id="4" name="Rectangle 3">
             <a:extLst>
               <a:ext uri="{FF2B5EF4-FFF2-40B4-BE49-F238E27FC236}">
-                <a16:creationId xmlns:a16="http://schemas.microsoft.com/office/drawing/2014/main" id="{EA7F033E-7ED6-294E-93DA-0440AE30B9E1}"/>
+                <a16:creationId xmlns:a16="http://schemas.microsoft.com/office/drawing/2014/main" id="{8D4A4AC5-717D-F343-BCBE-5E4E31179B80}"/>
               </a:ext>
             </a:extLst>
           </p:cNvPr>
@@ -3974,54 +4117,7 @@
         </p:nvSpPr>
         <p:spPr>
           <a:xfrm>
-            <a:off x="1975104" y="3522703"/>
-            <a:ext cx="8497824" cy="707886"/>
-          </a:xfrm>
-          <a:prstGeom prst="rect">
-            <a:avLst/>
-          </a:prstGeom>
-        </p:spPr>
-        <p:txBody>
-          <a:bodyPr wrap="square">
-            <a:spAutoFit/>
-          </a:bodyPr>
-          <a:lstStyle/>
-          <a:p>
-            <a:pPr algn="ctr"/>
-            <a:r>
-              <a:rPr lang="fr-FR" sz="2000" dirty="0"/>
-              <a:t>Nous évaluerons votre capacité à prédire les </a:t>
-            </a:r>
-            <a:r>
-              <a:rPr lang="fr-FR" sz="2000" dirty="0">
-                <a:solidFill>
-                  <a:srgbClr val="FF0000"/>
-                </a:solidFill>
-              </a:rPr>
-              <a:t>choix d’autres participants </a:t>
-            </a:r>
-            <a:r>
-              <a:rPr lang="fr-FR" sz="2000" dirty="0"/>
-              <a:t>ayant participé au même jeu d´argent avant vous. </a:t>
-            </a:r>
-          </a:p>
-        </p:txBody>
-      </p:sp>
-      <p:sp>
-        <p:nvSpPr>
-          <p:cNvPr id="5" name="Rectangle 3">
-            <a:extLst>
-              <a:ext uri="{FF2B5EF4-FFF2-40B4-BE49-F238E27FC236}">
-                <a16:creationId xmlns:a16="http://schemas.microsoft.com/office/drawing/2014/main" id="{D1E306A8-AF16-F644-98D9-0F53FCDF400D}"/>
-              </a:ext>
-            </a:extLst>
-          </p:cNvPr>
-          <p:cNvSpPr/>
-          <p:nvPr/>
-        </p:nvSpPr>
-        <p:spPr>
-          <a:xfrm>
-            <a:off x="3551393" y="6183144"/>
+            <a:off x="3551393" y="6176963"/>
             <a:ext cx="5089214" cy="400110"/>
           </a:xfrm>
           <a:prstGeom prst="rect">
@@ -4074,13 +4170,20 @@
     </p:spTree>
     <p:extLst>
       <p:ext uri="{BB962C8B-B14F-4D97-AF65-F5344CB8AC3E}">
-        <p14:creationId xmlns:p14="http://schemas.microsoft.com/office/powerpoint/2010/main" val="1246639158"/>
+        <p14:creationId xmlns:p14="http://schemas.microsoft.com/office/powerpoint/2010/main" val="2402639795"/>
       </p:ext>
     </p:extLst>
   </p:cSld>
   <p:clrMapOvr>
     <a:masterClrMapping/>
   </p:clrMapOvr>
+  <p:timing>
+    <p:tnLst>
+      <p:par>
+        <p:cTn id="1" dur="indefinite" restart="never" nodeType="tmRoot"/>
+      </p:par>
+    </p:tnLst>
+  </p:timing>
 </p:sld>
 </file>
 
@@ -4103,40 +4206,158 @@
       </p:grpSpPr>
       <p:sp>
         <p:nvSpPr>
-          <p:cNvPr id="2" name="Titre 1"/>
+          <p:cNvPr id="5" name="Espace réservé du contenu 4"/>
           <p:cNvSpPr>
             <a:spLocks noGrp="1"/>
           </p:cNvSpPr>
           <p:nvPr>
-            <p:ph type="title"/>
+            <p:ph idx="1"/>
           </p:nvPr>
         </p:nvSpPr>
         <p:spPr>
           <a:xfrm>
-            <a:off x="2719162" y="1570148"/>
-            <a:ext cx="7009707" cy="2129977"/>
+            <a:off x="838200" y="1193722"/>
+            <a:ext cx="10608425" cy="5207077"/>
           </a:xfrm>
         </p:spPr>
         <p:txBody>
           <a:bodyPr>
-            <a:normAutofit/>
+            <a:noAutofit/>
           </a:bodyPr>
           <a:lstStyle/>
           <a:p>
+            <a:pPr marL="0" indent="0" algn="ctr">
+              <a:buNone/>
+            </a:pPr>
+            <a:endParaRPr lang="fr-FR" sz="2400" dirty="0"/>
+          </a:p>
+          <a:p>
+            <a:pPr marL="0" indent="0" algn="ctr">
+              <a:buNone/>
+            </a:pPr>
+            <a:endParaRPr lang="fr-FR" sz="2400" dirty="0"/>
+          </a:p>
+          <a:p>
+            <a:pPr marL="0" indent="0" algn="ctr">
+              <a:buNone/>
+            </a:pPr>
+            <a:r>
+              <a:rPr lang="fr-FR" sz="2400" dirty="0" smtClean="0"/>
+              <a:t>L’entrainement est maintenant terminé. Vous allez maintenant commencer le test. </a:t>
+            </a:r>
+            <a:endParaRPr lang="fr-FR" sz="2400" dirty="0"/>
+          </a:p>
+          <a:p>
             <a:pPr algn="ctr"/>
-            <a:r>
-              <a:rPr lang="fr-FR" dirty="0"/>
-              <a:t>Jeu des Ecosystèmes</a:t>
-            </a:r>
-          </a:p>
-        </p:txBody>
-      </p:sp>
-      <p:sp>
-        <p:nvSpPr>
-          <p:cNvPr id="3" name="Rectángulo 2">
+            <a:endParaRPr lang="fr-FR" sz="2400" dirty="0"/>
+          </a:p>
+          <a:p>
+            <a:pPr marL="0" indent="0" algn="ctr">
+              <a:buNone/>
+            </a:pPr>
+            <a:endParaRPr lang="fr-FR" sz="2400" dirty="0"/>
+          </a:p>
+          <a:p>
+            <a:pPr marL="0" indent="0" algn="ctr">
+              <a:buNone/>
+            </a:pPr>
+            <a:r>
+              <a:rPr lang="fr-FR" sz="2400" dirty="0"/>
+              <a:t>Votre performance dans cette phase ne sera pas prise en compte pour votre bonus financier. </a:t>
+            </a:r>
+            <a:endParaRPr lang="fr-FR" sz="2400" dirty="0" smtClean="0"/>
+          </a:p>
+          <a:p>
+            <a:pPr marL="0" indent="0" algn="ctr">
+              <a:buNone/>
+            </a:pPr>
+            <a:endParaRPr lang="fr-FR" sz="2400" dirty="0"/>
+          </a:p>
+          <a:p>
+            <a:pPr marL="0" indent="0" algn="ctr">
+              <a:buNone/>
+            </a:pPr>
+            <a:r>
+              <a:rPr lang="fr-FR" sz="2400" dirty="0" smtClean="0"/>
+              <a:t>Vous êtes prêt(e)?</a:t>
+            </a:r>
+            <a:endParaRPr lang="fr-FR" sz="2400" dirty="0"/>
+          </a:p>
+          <a:p>
+            <a:pPr marL="0" indent="0" algn="ctr">
+              <a:buNone/>
+            </a:pPr>
+            <a:endParaRPr lang="fr-FR" sz="2400" dirty="0"/>
+          </a:p>
+          <a:p>
+            <a:pPr marL="0" indent="0" algn="ctr">
+              <a:buNone/>
+            </a:pPr>
+            <a:endParaRPr lang="fr-FR" sz="2400" dirty="0"/>
+          </a:p>
+          <a:p>
+            <a:pPr marL="0" indent="0" algn="ctr">
+              <a:buNone/>
+            </a:pPr>
+            <a:endParaRPr lang="fr-FR" sz="2400" dirty="0"/>
+          </a:p>
+        </p:txBody>
+      </p:sp>
+      <p:sp>
+        <p:nvSpPr>
+          <p:cNvPr id="6" name="ZoneTexte 5"/>
+          <p:cNvSpPr txBox="1"/>
+          <p:nvPr/>
+        </p:nvSpPr>
+        <p:spPr>
+          <a:xfrm>
+            <a:off x="3299878" y="379385"/>
+            <a:ext cx="5592244" cy="461665"/>
+          </a:xfrm>
+          <a:prstGeom prst="rect">
+            <a:avLst/>
+          </a:prstGeom>
+          <a:noFill/>
+          <a:ln>
+            <a:noFill/>
+          </a:ln>
+        </p:spPr>
+        <p:txBody>
+          <a:bodyPr wrap="square" rtlCol="0" anchor="ctr">
+            <a:spAutoFit/>
+          </a:bodyPr>
+          <a:lstStyle/>
+          <a:p>
+            <a:pPr algn="ctr">
+              <a:spcBef>
+                <a:spcPts val="1800"/>
+              </a:spcBef>
+              <a:spcAft>
+                <a:spcPts val="1800"/>
+              </a:spcAft>
+            </a:pPr>
+            <a:r>
+              <a:rPr lang="en-GB" sz="2400" b="1" dirty="0" smtClean="0">
+                <a:solidFill>
+                  <a:srgbClr val="0070C0"/>
+                </a:solidFill>
+              </a:rPr>
+              <a:t>FIN DE L’ENTRAÎNEMENT</a:t>
+            </a:r>
+            <a:endParaRPr lang="en-GB" sz="2400" b="1" dirty="0">
+              <a:solidFill>
+                <a:srgbClr val="0070C0"/>
+              </a:solidFill>
+            </a:endParaRPr>
+          </a:p>
+        </p:txBody>
+      </p:sp>
+      <p:sp>
+        <p:nvSpPr>
+          <p:cNvPr id="4" name="Rectangle 3">
             <a:extLst>
               <a:ext uri="{FF2B5EF4-FFF2-40B4-BE49-F238E27FC236}">
-                <a16:creationId xmlns:a16="http://schemas.microsoft.com/office/drawing/2014/main" id="{EA7F033E-7ED6-294E-93DA-0440AE30B9E1}"/>
+                <a16:creationId xmlns:a16="http://schemas.microsoft.com/office/drawing/2014/main" id="{8D4A4AC5-717D-F343-BCBE-5E4E31179B80}"/>
               </a:ext>
             </a:extLst>
           </p:cNvPr>
@@ -4145,55 +4366,7 @@
         </p:nvSpPr>
         <p:spPr>
           <a:xfrm>
-            <a:off x="1975104" y="3522703"/>
-            <a:ext cx="8497824" cy="707886"/>
-          </a:xfrm>
-          <a:prstGeom prst="rect">
-            <a:avLst/>
-          </a:prstGeom>
-        </p:spPr>
-        <p:txBody>
-          <a:bodyPr wrap="square">
-            <a:spAutoFit/>
-          </a:bodyPr>
-          <a:lstStyle/>
-          <a:p>
-            <a:pPr algn="ctr"/>
-            <a:r>
-              <a:rPr lang="fr-FR" sz="2000" dirty="0"/>
-              <a:t>Nous évaluerons votre capacité à </a:t>
-            </a:r>
-            <a:r>
-              <a:rPr lang="fr-FR" sz="2000" dirty="0">
-                <a:solidFill>
-                  <a:srgbClr val="FF0000"/>
-                </a:solidFill>
-              </a:rPr>
-              <a:t>apprendre et comprendre, en présence d'incertitude, une règle cachée </a:t>
-            </a:r>
-            <a:r>
-              <a:rPr lang="fr-FR" sz="2000" dirty="0"/>
-              <a:t>qui permet d'établir une prévision fiable.</a:t>
-            </a:r>
-            <a:endParaRPr lang="es-FR" sz="2000" dirty="0"/>
-          </a:p>
-        </p:txBody>
-      </p:sp>
-      <p:sp>
-        <p:nvSpPr>
-          <p:cNvPr id="5" name="Rectangle 3">
-            <a:extLst>
-              <a:ext uri="{FF2B5EF4-FFF2-40B4-BE49-F238E27FC236}">
-                <a16:creationId xmlns:a16="http://schemas.microsoft.com/office/drawing/2014/main" id="{D1E306A8-AF16-F644-98D9-0F53FCDF400D}"/>
-              </a:ext>
-            </a:extLst>
-          </p:cNvPr>
-          <p:cNvSpPr/>
-          <p:nvPr/>
-        </p:nvSpPr>
-        <p:spPr>
-          <a:xfrm>
-            <a:off x="3551393" y="6183144"/>
+            <a:off x="3551393" y="6176963"/>
             <a:ext cx="5089214" cy="400110"/>
           </a:xfrm>
           <a:prstGeom prst="rect">
@@ -4246,13 +4419,20 @@
     </p:spTree>
     <p:extLst>
       <p:ext uri="{BB962C8B-B14F-4D97-AF65-F5344CB8AC3E}">
-        <p14:creationId xmlns:p14="http://schemas.microsoft.com/office/powerpoint/2010/main" val="61276001"/>
+        <p14:creationId xmlns:p14="http://schemas.microsoft.com/office/powerpoint/2010/main" val="1034551"/>
       </p:ext>
     </p:extLst>
   </p:cSld>
   <p:clrMapOvr>
     <a:masterClrMapping/>
   </p:clrMapOvr>
+  <p:timing>
+    <p:tnLst>
+      <p:par>
+        <p:cTn id="1" dur="indefinite" restart="never" nodeType="tmRoot"/>
+      </p:par>
+    </p:tnLst>
+  </p:timing>
 </p:sld>
 </file>
 
@@ -4275,7 +4455,7 @@
       </p:grpSpPr>
       <p:sp>
         <p:nvSpPr>
-          <p:cNvPr id="3" name="Espace réservé du contenu 2"/>
+          <p:cNvPr id="5" name="Espace réservé du contenu 4"/>
           <p:cNvSpPr>
             <a:spLocks noGrp="1"/>
           </p:cNvSpPr>
@@ -4285,109 +4465,116 @@
         </p:nvSpPr>
         <p:spPr>
           <a:xfrm>
-            <a:off x="838200" y="1072896"/>
-            <a:ext cx="10515600" cy="4513257"/>
+            <a:off x="838200" y="1193722"/>
+            <a:ext cx="10608425" cy="5207077"/>
           </a:xfrm>
         </p:spPr>
         <p:txBody>
           <a:bodyPr>
-            <a:normAutofit/>
+            <a:noAutofit/>
           </a:bodyPr>
           <a:lstStyle/>
           <a:p>
-            <a:pPr marL="0" indent="0" algn="just">
-              <a:buNone/>
-            </a:pPr>
-            <a:r>
-              <a:rPr lang="fr-FR" sz="2000" dirty="0"/>
-              <a:t>Nous allons vous demander de comparer des écosystèmes virtuels, composés de plantes dont la croissance naturelle est variable. En particulier, les écosystèmes diffèrent par:</a:t>
-            </a:r>
-          </a:p>
-          <a:p>
-            <a:pPr algn="just">
-              <a:buFontTx/>
-              <a:buChar char="-"/>
-            </a:pPr>
-            <a:r>
-              <a:rPr lang="fr-FR" sz="2000" dirty="0"/>
-              <a:t>La </a:t>
-            </a:r>
-            <a:r>
-              <a:rPr lang="fr-FR" sz="2000" dirty="0">
+            <a:pPr marL="0" indent="0" algn="ctr">
+              <a:buNone/>
+            </a:pPr>
+            <a:endParaRPr lang="fr-FR" sz="2400" dirty="0"/>
+          </a:p>
+          <a:p>
+            <a:pPr marL="0" indent="0" algn="ctr">
+              <a:buNone/>
+            </a:pPr>
+            <a:endParaRPr lang="fr-FR" sz="2400" dirty="0"/>
+          </a:p>
+          <a:p>
+            <a:pPr marL="0" indent="0" algn="ctr">
+              <a:buNone/>
+            </a:pPr>
+            <a:r>
+              <a:rPr lang="fr-FR" sz="2400" dirty="0" smtClean="0"/>
+              <a:t>Nous allons évaluer votre prudence, c’est-à-dire votre tendance à prendre en compte les risques. </a:t>
+            </a:r>
+            <a:endParaRPr lang="fr-FR" sz="2400" dirty="0"/>
+          </a:p>
+          <a:p>
+            <a:pPr algn="ctr"/>
+            <a:endParaRPr lang="fr-FR" sz="2400" dirty="0"/>
+          </a:p>
+          <a:p>
+            <a:pPr marL="0" indent="0" algn="ctr">
+              <a:buNone/>
+            </a:pPr>
+            <a:endParaRPr lang="fr-FR" sz="2400" dirty="0"/>
+          </a:p>
+          <a:p>
+            <a:pPr marL="0" indent="0" algn="ctr">
+              <a:buNone/>
+            </a:pPr>
+            <a:endParaRPr lang="fr-FR" sz="2400" dirty="0"/>
+          </a:p>
+          <a:p>
+            <a:pPr marL="0" indent="0" algn="ctr">
+              <a:buNone/>
+            </a:pPr>
+            <a:endParaRPr lang="fr-FR" sz="2400" dirty="0"/>
+          </a:p>
+        </p:txBody>
+      </p:sp>
+      <p:sp>
+        <p:nvSpPr>
+          <p:cNvPr id="6" name="ZoneTexte 5"/>
+          <p:cNvSpPr txBox="1"/>
+          <p:nvPr/>
+        </p:nvSpPr>
+        <p:spPr>
+          <a:xfrm>
+            <a:off x="3299878" y="379385"/>
+            <a:ext cx="5592244" cy="461665"/>
+          </a:xfrm>
+          <a:prstGeom prst="rect">
+            <a:avLst/>
+          </a:prstGeom>
+          <a:noFill/>
+          <a:ln>
+            <a:noFill/>
+          </a:ln>
+        </p:spPr>
+        <p:txBody>
+          <a:bodyPr wrap="square" rtlCol="0" anchor="ctr">
+            <a:spAutoFit/>
+          </a:bodyPr>
+          <a:lstStyle/>
+          <a:p>
+            <a:pPr algn="ctr">
+              <a:spcBef>
+                <a:spcPts val="1800"/>
+              </a:spcBef>
+              <a:spcAft>
+                <a:spcPts val="1800"/>
+              </a:spcAft>
+            </a:pPr>
+            <a:r>
+              <a:rPr lang="en-GB" sz="2400" b="1" dirty="0" smtClean="0">
                 <a:solidFill>
-                  <a:srgbClr val="FF0000"/>
+                  <a:srgbClr val="0070C0"/>
                 </a:solidFill>
               </a:rPr>
-              <a:t>fertilité des plantes </a:t>
-            </a:r>
-            <a:r>
-              <a:rPr lang="fr-FR" sz="2000" dirty="0"/>
-              <a:t>(certaines peuvent être incapables de se reproduire) </a:t>
-            </a:r>
-          </a:p>
-          <a:p>
-            <a:pPr algn="just">
-              <a:buFontTx/>
-              <a:buChar char="-"/>
-            </a:pPr>
-            <a:r>
-              <a:rPr lang="fr-FR" sz="2000" dirty="0"/>
-              <a:t>Le </a:t>
-            </a:r>
-            <a:r>
-              <a:rPr lang="fr-FR" sz="2000" dirty="0">
-                <a:solidFill>
-                  <a:srgbClr val="FF0000"/>
-                </a:solidFill>
-              </a:rPr>
-              <a:t>taux de plantes en contact avec des prédateurs </a:t>
-            </a:r>
-            <a:r>
-              <a:rPr lang="fr-FR" sz="2000" dirty="0"/>
-              <a:t>(p. ex. : des herbivores comme des insectes). </a:t>
-            </a:r>
-          </a:p>
-          <a:p>
-            <a:pPr marL="0" indent="0" algn="just">
-              <a:buNone/>
-            </a:pPr>
-            <a:endParaRPr lang="fr-FR" sz="2000" dirty="0"/>
-          </a:p>
-          <a:p>
-            <a:pPr marL="0" indent="0" algn="just">
-              <a:buNone/>
-            </a:pPr>
-            <a:r>
-              <a:rPr lang="fr-FR" sz="2000" dirty="0"/>
-              <a:t>Vous devrez essayer de deviner lequel des deux écosystèmes aura donné le plus de plantes au bout d'un an. </a:t>
-            </a:r>
-          </a:p>
-          <a:p>
-            <a:pPr marL="0" indent="0" algn="just">
-              <a:buNone/>
-            </a:pPr>
-            <a:r>
-              <a:rPr lang="fr-FR" sz="2000" dirty="0"/>
-              <a:t>Après chacune de vos prévisions, nous vous donnerons la bonne réponse. Cela vous permettra d'améliorer progressivement votre compréhension du problème. </a:t>
-            </a:r>
-          </a:p>
-          <a:p>
-            <a:pPr marL="0" indent="0" algn="just">
-              <a:buNone/>
-            </a:pPr>
-            <a:r>
-              <a:rPr lang="fr-FR" sz="2000" dirty="0"/>
-              <a:t>Ici, nous évaluons votre capacité à apprendre et comprendre, en présence d'incertitude, une règle cachée qui permet d'établir une prévision fiable. </a:t>
-            </a:r>
-          </a:p>
-        </p:txBody>
-      </p:sp>
-      <p:sp>
-        <p:nvSpPr>
-          <p:cNvPr id="5" name="Rectángulo 4">
+              <a:t>PHASE DE DÉCISION</a:t>
+            </a:r>
+            <a:endParaRPr lang="en-GB" sz="2400" b="1" dirty="0">
+              <a:solidFill>
+                <a:srgbClr val="0070C0"/>
+              </a:solidFill>
+            </a:endParaRPr>
+          </a:p>
+        </p:txBody>
+      </p:sp>
+      <p:sp>
+        <p:nvSpPr>
+          <p:cNvPr id="4" name="Rectangle 3">
             <a:extLst>
               <a:ext uri="{FF2B5EF4-FFF2-40B4-BE49-F238E27FC236}">
-                <a16:creationId xmlns:a16="http://schemas.microsoft.com/office/drawing/2014/main" id="{7341A93F-6626-504F-B534-D779E9399A22}"/>
+                <a16:creationId xmlns:a16="http://schemas.microsoft.com/office/drawing/2014/main" id="{8D4A4AC5-717D-F343-BCBE-5E4E31179B80}"/>
               </a:ext>
             </a:extLst>
           </p:cNvPr>
@@ -4396,66 +4583,8 @@
         </p:nvSpPr>
         <p:spPr>
           <a:xfrm>
-            <a:off x="602559" y="432773"/>
-            <a:ext cx="2066591" cy="577850"/>
-          </a:xfrm>
-          <a:prstGeom prst="rect">
-            <a:avLst/>
-          </a:prstGeom>
-        </p:spPr>
-        <p:txBody>
-          <a:bodyPr wrap="none">
-            <a:spAutoFit/>
-          </a:bodyPr>
-          <a:lstStyle/>
-          <a:p>
-            <a:pPr algn="just">
-              <a:lnSpc>
-                <a:spcPct val="150000"/>
-              </a:lnSpc>
-              <a:spcBef>
-                <a:spcPts val="200"/>
-              </a:spcBef>
-              <a:spcAft>
-                <a:spcPts val="0"/>
-              </a:spcAft>
-            </a:pPr>
-            <a:r>
-              <a:rPr lang="fr-FR" sz="2400" b="1" dirty="0">
-                <a:solidFill>
-                  <a:srgbClr val="2E74B5"/>
-                </a:solidFill>
-                <a:latin typeface="Arial" panose="020B0604020202020204" pitchFamily="34" charset="0"/>
-                <a:cs typeface="Times New Roman" panose="02020603050405020304" pitchFamily="18" charset="0"/>
-              </a:rPr>
-              <a:t>Déroulement</a:t>
-            </a:r>
-            <a:endParaRPr lang="es-FR" b="1" dirty="0">
-              <a:solidFill>
-                <a:srgbClr val="2E74B5"/>
-              </a:solidFill>
-              <a:latin typeface="Arial" panose="020B0604020202020204" pitchFamily="34" charset="0"/>
-              <a:cs typeface="Times New Roman" panose="02020603050405020304" pitchFamily="18" charset="0"/>
-            </a:endParaRPr>
-          </a:p>
-        </p:txBody>
-      </p:sp>
-      <p:sp>
-        <p:nvSpPr>
-          <p:cNvPr id="6" name="Rectangle 3">
-            <a:extLst>
-              <a:ext uri="{FF2B5EF4-FFF2-40B4-BE49-F238E27FC236}">
-                <a16:creationId xmlns:a16="http://schemas.microsoft.com/office/drawing/2014/main" id="{950F77F6-D801-2A40-9828-736711F41D08}"/>
-              </a:ext>
-            </a:extLst>
-          </p:cNvPr>
-          <p:cNvSpPr/>
-          <p:nvPr/>
-        </p:nvSpPr>
-        <p:spPr>
-          <a:xfrm>
-            <a:off x="905636" y="6025117"/>
-            <a:ext cx="10380727" cy="400110"/>
+            <a:off x="3551393" y="6176963"/>
+            <a:ext cx="5089214" cy="400110"/>
           </a:xfrm>
           <a:prstGeom prst="rect">
             <a:avLst/>
@@ -4499,41 +4628,28 @@
                   </a:schemeClr>
                 </a:solidFill>
               </a:rPr>
-              <a:t>] pour continuer ou sur la flèche gauche [</a:t>
-            </a:r>
-            <a:r>
-              <a:rPr lang="fr-FR" sz="2000" i="1" dirty="0">
-                <a:solidFill>
-                  <a:schemeClr val="tx1">
-                    <a:lumMod val="50000"/>
-                    <a:lumOff val="50000"/>
-                  </a:schemeClr>
-                </a:solidFill>
-                <a:sym typeface="Wingdings" pitchFamily="2" charset="2"/>
-              </a:rPr>
-              <a:t>] pour revenir en arrière</a:t>
-            </a:r>
-            <a:endParaRPr lang="fr-FR" sz="2000" i="1" dirty="0">
-              <a:solidFill>
-                <a:schemeClr val="tx1">
-                  <a:lumMod val="50000"/>
-                  <a:lumOff val="50000"/>
-                </a:schemeClr>
-              </a:solidFill>
-            </a:endParaRPr>
+              <a:t>] pour continuer</a:t>
+            </a:r>
           </a:p>
         </p:txBody>
       </p:sp>
     </p:spTree>
     <p:extLst>
       <p:ext uri="{BB962C8B-B14F-4D97-AF65-F5344CB8AC3E}">
-        <p14:creationId xmlns:p14="http://schemas.microsoft.com/office/powerpoint/2010/main" val="197218460"/>
+        <p14:creationId xmlns:p14="http://schemas.microsoft.com/office/powerpoint/2010/main" val="354585915"/>
       </p:ext>
     </p:extLst>
   </p:cSld>
   <p:clrMapOvr>
     <a:masterClrMapping/>
   </p:clrMapOvr>
+  <p:timing>
+    <p:tnLst>
+      <p:par>
+        <p:cTn id="1" dur="indefinite" restart="never" nodeType="tmRoot"/>
+      </p:par>
+    </p:tnLst>
+  </p:timing>
 </p:sld>
 </file>
 
@@ -4556,7 +4672,7 @@
       </p:grpSpPr>
       <p:sp>
         <p:nvSpPr>
-          <p:cNvPr id="3" name="Espace réservé du contenu 2"/>
+          <p:cNvPr id="5" name="Espace réservé du contenu 4"/>
           <p:cNvSpPr>
             <a:spLocks noGrp="1"/>
           </p:cNvSpPr>
@@ -4566,133 +4682,116 @@
         </p:nvSpPr>
         <p:spPr>
           <a:xfrm>
-            <a:off x="648245" y="716347"/>
-            <a:ext cx="10705555" cy="5653572"/>
+            <a:off x="838200" y="1193722"/>
+            <a:ext cx="10608425" cy="5207077"/>
           </a:xfrm>
         </p:spPr>
         <p:txBody>
           <a:bodyPr>
-            <a:normAutofit/>
+            <a:noAutofit/>
           </a:bodyPr>
           <a:lstStyle/>
           <a:p>
-            <a:pPr marL="0" indent="0" algn="just">
-              <a:buNone/>
-            </a:pPr>
-            <a:r>
-              <a:rPr lang="fr-FR" sz="1800" dirty="0"/>
-              <a:t>Cette tache se compose de </a:t>
-            </a:r>
-            <a:r>
-              <a:rPr lang="fr-FR" sz="1800" dirty="0">
+            <a:pPr marL="0" indent="0" algn="ctr">
+              <a:buNone/>
+            </a:pPr>
+            <a:endParaRPr lang="fr-FR" sz="2400" dirty="0"/>
+          </a:p>
+          <a:p>
+            <a:pPr marL="0" indent="0" algn="ctr">
+              <a:buNone/>
+            </a:pPr>
+            <a:endParaRPr lang="fr-FR" sz="2400" dirty="0"/>
+          </a:p>
+          <a:p>
+            <a:pPr marL="0" indent="0" algn="ctr">
+              <a:buNone/>
+            </a:pPr>
+            <a:r>
+              <a:rPr lang="fr-FR" sz="2400" dirty="0" smtClean="0"/>
+              <a:t>Nous allons évaluer votre capacité à évaluer la prudence des autres. </a:t>
+            </a:r>
+            <a:endParaRPr lang="fr-FR" sz="2400" dirty="0"/>
+          </a:p>
+          <a:p>
+            <a:pPr algn="ctr"/>
+            <a:endParaRPr lang="fr-FR" sz="2400" dirty="0"/>
+          </a:p>
+          <a:p>
+            <a:pPr marL="0" indent="0" algn="ctr">
+              <a:buNone/>
+            </a:pPr>
+            <a:endParaRPr lang="fr-FR" sz="2400" dirty="0"/>
+          </a:p>
+          <a:p>
+            <a:pPr marL="0" indent="0" algn="ctr">
+              <a:buNone/>
+            </a:pPr>
+            <a:endParaRPr lang="fr-FR" sz="2400" dirty="0"/>
+          </a:p>
+          <a:p>
+            <a:pPr marL="0" indent="0" algn="ctr">
+              <a:buNone/>
+            </a:pPr>
+            <a:endParaRPr lang="fr-FR" sz="2400" dirty="0"/>
+          </a:p>
+        </p:txBody>
+      </p:sp>
+      <p:sp>
+        <p:nvSpPr>
+          <p:cNvPr id="6" name="ZoneTexte 5"/>
+          <p:cNvSpPr txBox="1"/>
+          <p:nvPr/>
+        </p:nvSpPr>
+        <p:spPr>
+          <a:xfrm>
+            <a:off x="3299878" y="379385"/>
+            <a:ext cx="5592244" cy="461665"/>
+          </a:xfrm>
+          <a:prstGeom prst="rect">
+            <a:avLst/>
+          </a:prstGeom>
+          <a:noFill/>
+          <a:ln>
+            <a:noFill/>
+          </a:ln>
+        </p:spPr>
+        <p:txBody>
+          <a:bodyPr wrap="square" rtlCol="0" anchor="ctr">
+            <a:spAutoFit/>
+          </a:bodyPr>
+          <a:lstStyle/>
+          <a:p>
+            <a:pPr algn="ctr">
+              <a:spcBef>
+                <a:spcPts val="1800"/>
+              </a:spcBef>
+              <a:spcAft>
+                <a:spcPts val="1800"/>
+              </a:spcAft>
+            </a:pPr>
+            <a:r>
+              <a:rPr lang="en-GB" sz="2400" b="1" dirty="0" smtClean="0">
                 <a:solidFill>
-                  <a:srgbClr val="FF0000"/>
+                  <a:srgbClr val="0070C0"/>
                 </a:solidFill>
               </a:rPr>
-              <a:t>34 essais</a:t>
-            </a:r>
-            <a:r>
-              <a:rPr lang="fr-FR" sz="1800" dirty="0"/>
-              <a:t>. A chaque essai, nous vous présentons deux écosystèmes, dont chacun commence l'année avec 80 plantes. Vous devrez deviner lequel de ces deux écosystèmes contiendra le plus de plantes au bout d'un an, en prenant compte des aspects suivants:</a:t>
-            </a:r>
-          </a:p>
-          <a:p>
-            <a:r>
-              <a:rPr lang="fr-FR" sz="1800" dirty="0"/>
-              <a:t> </a:t>
-            </a:r>
-            <a:r>
-              <a:rPr lang="fr-FR" sz="1800" dirty="0">
-                <a:solidFill>
-                  <a:srgbClr val="FF0000"/>
-                </a:solidFill>
-              </a:rPr>
-              <a:t>Succès de la reproduction</a:t>
-            </a:r>
-            <a:r>
-              <a:rPr lang="fr-FR" sz="1800" dirty="0"/>
-              <a:t>.  Plus les plantes réussissent à se reproduire, plus la quantité de plantes sera importante à la fin de l'année. Bien que le taux de reproduction des plantes soit inconnu a priori, vous saurez combien de ces plantes sont fertiles. </a:t>
-            </a:r>
-            <a:endParaRPr lang="es-FR" sz="1800" dirty="0"/>
-          </a:p>
-          <a:p>
-            <a:r>
-              <a:rPr lang="fr-FR" sz="1800" dirty="0"/>
-              <a:t> </a:t>
-            </a:r>
-            <a:r>
-              <a:rPr lang="fr-FR" sz="1800" dirty="0">
-                <a:solidFill>
-                  <a:srgbClr val="FF0000"/>
-                </a:solidFill>
-              </a:rPr>
-              <a:t>Fréquence du contact avec des prédateurs</a:t>
-            </a:r>
-            <a:r>
-              <a:rPr lang="fr-FR" sz="1800" dirty="0"/>
-              <a:t>. Plus les plantes sont en contact avec des prédateurs, moins la quantité de plantes sera importante à la fin de l'année. Bien que l'agressivité des prédateurs soit inconnu a priori, vous connaitrez la proportion P de plantes qui sont effectivement en contact avec le prédateur. Celle-ci sera représentée par la portion rouge d´un diagramme en camembert (voir la figure plus bas). Réciproquement, la portion verte du camembert représentera la proportion de plantes qui ne sont pas en contact avec les prédateurs.</a:t>
-            </a:r>
-          </a:p>
-          <a:p>
-            <a:pPr marL="0" indent="0">
-              <a:buNone/>
-            </a:pPr>
-            <a:endParaRPr lang="fr-FR" sz="1800" dirty="0"/>
-          </a:p>
-          <a:p>
-            <a:pPr marL="0" indent="0">
-              <a:buNone/>
-            </a:pPr>
-            <a:r>
-              <a:rPr lang="fr-FR" sz="1800" dirty="0">
-                <a:solidFill>
-                  <a:srgbClr val="FF0000"/>
-                </a:solidFill>
-              </a:rPr>
-              <a:t>                                        </a:t>
-            </a:r>
-          </a:p>
-          <a:p>
-            <a:pPr marL="0" indent="0" algn="just">
-              <a:buNone/>
-            </a:pPr>
-            <a:r>
-              <a:rPr lang="fr-FR" sz="1800" dirty="0"/>
-              <a:t>                                           </a:t>
-            </a:r>
-          </a:p>
-          <a:p>
-            <a:pPr marL="0" indent="0" algn="just">
-              <a:buNone/>
-            </a:pPr>
-            <a:r>
-              <a:rPr lang="fr-FR" sz="1800" dirty="0"/>
-              <a:t>                           Aucun contact avec des herbivores</a:t>
-            </a:r>
-          </a:p>
-          <a:p>
-            <a:pPr marL="0" indent="0" algn="just">
-              <a:buNone/>
-            </a:pPr>
-            <a:r>
-              <a:rPr lang="fr-FR" sz="1800" dirty="0"/>
-              <a:t>                            </a:t>
-            </a:r>
-          </a:p>
-          <a:p>
-            <a:pPr marL="0" indent="0" algn="just">
-              <a:buNone/>
-            </a:pPr>
-            <a:endParaRPr lang="fr-FR" sz="1800" dirty="0"/>
-          </a:p>
-        </p:txBody>
-      </p:sp>
-      <p:sp>
-        <p:nvSpPr>
-          <p:cNvPr id="5" name="Rectángulo 4">
+              <a:t>PHASE DE PRÉDICTION</a:t>
+            </a:r>
+            <a:endParaRPr lang="en-GB" sz="2400" b="1" dirty="0">
+              <a:solidFill>
+                <a:srgbClr val="0070C0"/>
+              </a:solidFill>
+            </a:endParaRPr>
+          </a:p>
+        </p:txBody>
+      </p:sp>
+      <p:sp>
+        <p:nvSpPr>
+          <p:cNvPr id="4" name="Rectangle 3">
             <a:extLst>
               <a:ext uri="{FF2B5EF4-FFF2-40B4-BE49-F238E27FC236}">
-                <a16:creationId xmlns:a16="http://schemas.microsoft.com/office/drawing/2014/main" id="{7341A93F-6626-504F-B534-D779E9399A22}"/>
+                <a16:creationId xmlns:a16="http://schemas.microsoft.com/office/drawing/2014/main" id="{8D4A4AC5-717D-F343-BCBE-5E4E31179B80}"/>
               </a:ext>
             </a:extLst>
           </p:cNvPr>
@@ -4701,59 +4800,8 @@
         </p:nvSpPr>
         <p:spPr>
           <a:xfrm>
-            <a:off x="648245" y="237429"/>
-            <a:ext cx="1752403" cy="496996"/>
-          </a:xfrm>
-          <a:prstGeom prst="rect">
-            <a:avLst/>
-          </a:prstGeom>
-        </p:spPr>
-        <p:txBody>
-          <a:bodyPr wrap="none">
-            <a:spAutoFit/>
-          </a:bodyPr>
-          <a:lstStyle/>
-          <a:p>
-            <a:pPr algn="just">
-              <a:lnSpc>
-                <a:spcPct val="150000"/>
-              </a:lnSpc>
-              <a:spcBef>
-                <a:spcPts val="200"/>
-              </a:spcBef>
-              <a:spcAft>
-                <a:spcPts val="0"/>
-              </a:spcAft>
-            </a:pPr>
-            <a:r>
-              <a:rPr lang="fr-FR" sz="2000" b="1" dirty="0">
-                <a:solidFill>
-                  <a:srgbClr val="2E74B5"/>
-                </a:solidFill>
-                <a:latin typeface="Arial" panose="020B0604020202020204" pitchFamily="34" charset="0"/>
-                <a:cs typeface="Times New Roman" panose="02020603050405020304" pitchFamily="18" charset="0"/>
-              </a:rPr>
-              <a:t>Déroulement</a:t>
-            </a:r>
-          </a:p>
-        </p:txBody>
-      </p:sp>
-      <p:sp>
-        <p:nvSpPr>
-          <p:cNvPr id="6" name="Rectangle 3">
-            <a:extLst>
-              <a:ext uri="{FF2B5EF4-FFF2-40B4-BE49-F238E27FC236}">
-                <a16:creationId xmlns:a16="http://schemas.microsoft.com/office/drawing/2014/main" id="{4B90CD4B-3742-F444-BED2-24C4FA254327}"/>
-              </a:ext>
-            </a:extLst>
-          </p:cNvPr>
-          <p:cNvSpPr/>
-          <p:nvPr/>
-        </p:nvSpPr>
-        <p:spPr>
-          <a:xfrm>
-            <a:off x="905636" y="6275982"/>
-            <a:ext cx="10380727" cy="400110"/>
+            <a:off x="3551393" y="6176963"/>
+            <a:ext cx="5089214" cy="400110"/>
           </a:xfrm>
           <a:prstGeom prst="rect">
             <a:avLst/>
@@ -4797,175 +4845,28 @@
                   </a:schemeClr>
                 </a:solidFill>
               </a:rPr>
-              <a:t>] pour continuer ou sur la flèche gauche [</a:t>
-            </a:r>
-            <a:r>
-              <a:rPr lang="fr-FR" sz="2000" i="1" dirty="0">
-                <a:solidFill>
-                  <a:schemeClr val="tx1">
-                    <a:lumMod val="50000"/>
-                    <a:lumOff val="50000"/>
-                  </a:schemeClr>
-                </a:solidFill>
-                <a:sym typeface="Wingdings" pitchFamily="2" charset="2"/>
-              </a:rPr>
-              <a:t>] pour revenir en arrière</a:t>
-            </a:r>
-            <a:endParaRPr lang="fr-FR" sz="2000" i="1" dirty="0">
-              <a:solidFill>
-                <a:schemeClr val="tx1">
-                  <a:lumMod val="50000"/>
-                  <a:lumOff val="50000"/>
-                </a:schemeClr>
-              </a:solidFill>
-            </a:endParaRPr>
-          </a:p>
-        </p:txBody>
-      </p:sp>
-      <p:sp>
-        <p:nvSpPr>
-          <p:cNvPr id="2" name="CuadroTexto 1">
-            <a:extLst>
-              <a:ext uri="{FF2B5EF4-FFF2-40B4-BE49-F238E27FC236}">
-                <a16:creationId xmlns:a16="http://schemas.microsoft.com/office/drawing/2014/main" id="{84F0600F-7E63-A04A-B978-D862BB883491}"/>
-              </a:ext>
-            </a:extLst>
-          </p:cNvPr>
-          <p:cNvSpPr txBox="1"/>
-          <p:nvPr/>
-        </p:nvSpPr>
-        <p:spPr>
-          <a:xfrm>
-            <a:off x="2400648" y="3719478"/>
-            <a:ext cx="7653493" cy="1477328"/>
-          </a:xfrm>
-          <a:prstGeom prst="rect">
-            <a:avLst/>
-          </a:prstGeom>
-          <a:noFill/>
-        </p:spPr>
-        <p:txBody>
-          <a:bodyPr wrap="square" rtlCol="0">
-            <a:spAutoFit/>
-          </a:bodyPr>
-          <a:lstStyle/>
-          <a:p>
-            <a:pPr algn="just"/>
-            <a:endParaRPr lang="fr-FR" dirty="0"/>
-          </a:p>
-          <a:p>
-            <a:pPr algn="just"/>
-            <a:endParaRPr lang="fr-FR" dirty="0"/>
-          </a:p>
-          <a:p>
-            <a:pPr algn="just"/>
-            <a:r>
-              <a:rPr lang="fr-FR" dirty="0"/>
-              <a:t>60 plantes sont fertiles                                           Toutes les plantes sont fertiles</a:t>
-            </a:r>
-          </a:p>
-          <a:p>
-            <a:pPr algn="just"/>
-            <a:endParaRPr lang="fr-FR" dirty="0"/>
-          </a:p>
-          <a:p>
-            <a:r>
-              <a:rPr lang="en-GB" dirty="0"/>
-              <a:t>                                                                   vs.</a:t>
-            </a:r>
-          </a:p>
-        </p:txBody>
-      </p:sp>
-      <p:pic>
-        <p:nvPicPr>
-          <p:cNvPr id="7" name="Imagen 6" descr="Imagen que contiene fruta, competencia de atletismo, cd&#10;&#10;Descripción generada automáticamente">
-            <a:extLst>
-              <a:ext uri="{FF2B5EF4-FFF2-40B4-BE49-F238E27FC236}">
-                <a16:creationId xmlns:a16="http://schemas.microsoft.com/office/drawing/2014/main" id="{CE7E1695-9971-E044-97C4-78170A2BFA48}"/>
-              </a:ext>
-            </a:extLst>
-          </p:cNvPr>
-          <p:cNvPicPr>
-            <a:picLocks noChangeAspect="1"/>
-          </p:cNvPicPr>
-          <p:nvPr/>
-        </p:nvPicPr>
-        <p:blipFill rotWithShape="1">
-          <a:blip r:embed="rId2">
-            <a:extLst>
-              <a:ext uri="{28A0092B-C50C-407E-A947-70E740481C1C}">
-                <a14:useLocalDpi xmlns:a14="http://schemas.microsoft.com/office/drawing/2010/main" val="0"/>
-              </a:ext>
-            </a:extLst>
-          </a:blip>
-          <a:srcRect l="16420" t="18963" r="14673" b="15062"/>
-          <a:stretch/>
-        </p:blipFill>
-        <p:spPr>
-          <a:xfrm>
-            <a:off x="7700120" y="4550917"/>
-            <a:ext cx="1591734" cy="1524000"/>
-          </a:xfrm>
-          <a:prstGeom prst="rect">
-            <a:avLst/>
-          </a:prstGeom>
-        </p:spPr>
-      </p:pic>
-      <p:sp>
-        <p:nvSpPr>
-          <p:cNvPr id="10" name="Rectángulo 9">
-            <a:extLst>
-              <a:ext uri="{FF2B5EF4-FFF2-40B4-BE49-F238E27FC236}">
-                <a16:creationId xmlns:a16="http://schemas.microsoft.com/office/drawing/2014/main" id="{DF90F87B-C33D-E549-9349-87E099859D8A}"/>
-              </a:ext>
-            </a:extLst>
-          </p:cNvPr>
-          <p:cNvSpPr/>
-          <p:nvPr/>
-        </p:nvSpPr>
-        <p:spPr>
-          <a:xfrm>
-            <a:off x="1928553" y="4126415"/>
-            <a:ext cx="8125588" cy="1964016"/>
-          </a:xfrm>
-          <a:prstGeom prst="rect">
-            <a:avLst/>
-          </a:prstGeom>
-          <a:noFill/>
-        </p:spPr>
-        <p:style>
-          <a:lnRef idx="2">
-            <a:schemeClr val="dk1"/>
-          </a:lnRef>
-          <a:fillRef idx="1">
-            <a:schemeClr val="lt1"/>
-          </a:fillRef>
-          <a:effectRef idx="0">
-            <a:schemeClr val="dk1"/>
-          </a:effectRef>
-          <a:fontRef idx="minor">
-            <a:schemeClr val="dk1"/>
-          </a:fontRef>
-        </p:style>
-        <p:txBody>
-          <a:bodyPr rtlCol="0" anchor="ctr"/>
-          <a:lstStyle/>
-          <a:p>
-            <a:pPr algn="ctr"/>
-            <a:endParaRPr lang="en-GB"/>
+              <a:t>] pour continuer</a:t>
+            </a:r>
           </a:p>
         </p:txBody>
       </p:sp>
     </p:spTree>
     <p:extLst>
       <p:ext uri="{BB962C8B-B14F-4D97-AF65-F5344CB8AC3E}">
-        <p14:creationId xmlns:p14="http://schemas.microsoft.com/office/powerpoint/2010/main" val="2948591915"/>
+        <p14:creationId xmlns:p14="http://schemas.microsoft.com/office/powerpoint/2010/main" val="3792071299"/>
       </p:ext>
     </p:extLst>
   </p:cSld>
   <p:clrMapOvr>
     <a:masterClrMapping/>
   </p:clrMapOvr>
+  <p:timing>
+    <p:tnLst>
+      <p:par>
+        <p:cTn id="1" dur="indefinite" restart="never" nodeType="tmRoot"/>
+      </p:par>
+    </p:tnLst>
+  </p:timing>
 </p:sld>
 </file>
 
@@ -4988,6 +4889,489 @@
       </p:grpSpPr>
       <p:sp>
         <p:nvSpPr>
+          <p:cNvPr id="2" name="Titre 1"/>
+          <p:cNvSpPr>
+            <a:spLocks noGrp="1"/>
+          </p:cNvSpPr>
+          <p:nvPr>
+            <p:ph type="title"/>
+          </p:nvPr>
+        </p:nvSpPr>
+        <p:spPr>
+          <a:xfrm>
+            <a:off x="1879774" y="2364012"/>
+            <a:ext cx="8432453" cy="2129977"/>
+          </a:xfrm>
+        </p:spPr>
+        <p:txBody>
+          <a:bodyPr>
+            <a:normAutofit/>
+          </a:bodyPr>
+          <a:lstStyle/>
+          <a:p>
+            <a:pPr algn="ctr"/>
+            <a:r>
+              <a:rPr lang="fr-FR" sz="2400" dirty="0" smtClean="0"/>
+              <a:t>Le test </a:t>
+            </a:r>
+            <a:r>
+              <a:rPr lang="fr-FR" sz="2400" dirty="0" smtClean="0"/>
+              <a:t>de cognition sociale </a:t>
+            </a:r>
+            <a:r>
+              <a:rPr lang="fr-FR" sz="2400" dirty="0"/>
+              <a:t>est maintenant </a:t>
+            </a:r>
+            <a:r>
+              <a:rPr lang="fr-FR" sz="2400" dirty="0" smtClean="0"/>
+              <a:t>terminé.</a:t>
+            </a:r>
+            <a:r>
+              <a:rPr lang="fr-FR" sz="2400" dirty="0"/>
+              <a:t/>
+            </a:r>
+            <a:br>
+              <a:rPr lang="fr-FR" sz="2400" dirty="0"/>
+            </a:br>
+            <a:r>
+              <a:rPr lang="fr-FR" sz="2400" dirty="0"/>
+              <a:t> </a:t>
+            </a:r>
+            <a:br>
+              <a:rPr lang="fr-FR" sz="2400" dirty="0"/>
+            </a:br>
+            <a:r>
+              <a:rPr lang="fr-FR" sz="2400" dirty="0"/>
+              <a:t>Merci !</a:t>
+            </a:r>
+          </a:p>
+        </p:txBody>
+      </p:sp>
+      <p:sp>
+        <p:nvSpPr>
+          <p:cNvPr id="4" name="Rectangle 3"/>
+          <p:cNvSpPr/>
+          <p:nvPr/>
+        </p:nvSpPr>
+        <p:spPr>
+          <a:xfrm>
+            <a:off x="4376460" y="6369919"/>
+            <a:ext cx="3381375" cy="400110"/>
+          </a:xfrm>
+          <a:prstGeom prst="rect">
+            <a:avLst/>
+          </a:prstGeom>
+        </p:spPr>
+        <p:txBody>
+          <a:bodyPr wrap="none">
+            <a:spAutoFit/>
+          </a:bodyPr>
+          <a:lstStyle/>
+          <a:p>
+            <a:r>
+              <a:rPr lang="fr-FR" sz="2000" i="1" dirty="0">
+                <a:solidFill>
+                  <a:schemeClr val="tx1">
+                    <a:lumMod val="50000"/>
+                    <a:lumOff val="50000"/>
+                  </a:schemeClr>
+                </a:solidFill>
+              </a:rPr>
+              <a:t>Appuyez sur [espace] pour finir</a:t>
+            </a:r>
+          </a:p>
+        </p:txBody>
+      </p:sp>
+      <p:sp>
+        <p:nvSpPr>
+          <p:cNvPr id="5" name="ZoneTexte 4"/>
+          <p:cNvSpPr txBox="1"/>
+          <p:nvPr/>
+        </p:nvSpPr>
+        <p:spPr>
+          <a:xfrm>
+            <a:off x="3565404" y="349649"/>
+            <a:ext cx="5061192" cy="461665"/>
+          </a:xfrm>
+          <a:prstGeom prst="rect">
+            <a:avLst/>
+          </a:prstGeom>
+          <a:noFill/>
+          <a:ln>
+            <a:noFill/>
+          </a:ln>
+        </p:spPr>
+        <p:txBody>
+          <a:bodyPr wrap="square" rtlCol="0" anchor="ctr">
+            <a:spAutoFit/>
+          </a:bodyPr>
+          <a:lstStyle/>
+          <a:p>
+            <a:pPr algn="ctr">
+              <a:spcBef>
+                <a:spcPts val="1800"/>
+              </a:spcBef>
+              <a:spcAft>
+                <a:spcPts val="1800"/>
+              </a:spcAft>
+            </a:pPr>
+            <a:r>
+              <a:rPr lang="en-GB" sz="2400" b="1" dirty="0" smtClean="0">
+                <a:solidFill>
+                  <a:srgbClr val="0070C0"/>
+                </a:solidFill>
+              </a:rPr>
+              <a:t>FIN DU TEST </a:t>
+            </a:r>
+            <a:r>
+              <a:rPr lang="en-GB" sz="2400" b="1" dirty="0" smtClean="0">
+                <a:solidFill>
+                  <a:srgbClr val="0070C0"/>
+                </a:solidFill>
+              </a:rPr>
+              <a:t>DE COGNITION SOCIALE</a:t>
+            </a:r>
+            <a:endParaRPr lang="en-GB" sz="2400" b="1" dirty="0">
+              <a:solidFill>
+                <a:srgbClr val="0070C0"/>
+              </a:solidFill>
+            </a:endParaRPr>
+          </a:p>
+        </p:txBody>
+      </p:sp>
+    </p:spTree>
+    <p:extLst>
+      <p:ext uri="{BB962C8B-B14F-4D97-AF65-F5344CB8AC3E}">
+        <p14:creationId xmlns:p14="http://schemas.microsoft.com/office/powerpoint/2010/main" val="1166089334"/>
+      </p:ext>
+    </p:extLst>
+  </p:cSld>
+  <p:clrMapOvr>
+    <a:masterClrMapping/>
+  </p:clrMapOvr>
+  <p:timing>
+    <p:tnLst>
+      <p:par>
+        <p:cTn id="1" dur="indefinite" restart="never" nodeType="tmRoot"/>
+      </p:par>
+    </p:tnLst>
+  </p:timing>
+</p:sld>
+</file>
+
+<file path=ppt/slides/slide18.xml><?xml version="1.0" encoding="utf-8"?>
+<p:sld xmlns:a="http://schemas.openxmlformats.org/drawingml/2006/main" xmlns:r="http://schemas.openxmlformats.org/officeDocument/2006/relationships" xmlns:p="http://schemas.openxmlformats.org/presentationml/2006/main">
+  <p:cSld>
+    <p:spTree>
+      <p:nvGrpSpPr>
+        <p:cNvPr id="1" name=""/>
+        <p:cNvGrpSpPr/>
+        <p:nvPr/>
+      </p:nvGrpSpPr>
+      <p:grpSpPr>
+        <a:xfrm>
+          <a:off x="0" y="0"/>
+          <a:ext cx="0" cy="0"/>
+          <a:chOff x="0" y="0"/>
+          <a:chExt cx="0" cy="0"/>
+        </a:xfrm>
+      </p:grpSpPr>
+      <p:sp>
+        <p:nvSpPr>
+          <p:cNvPr id="6" name="ZoneTexte 5"/>
+          <p:cNvSpPr txBox="1"/>
+          <p:nvPr/>
+        </p:nvSpPr>
+        <p:spPr>
+          <a:xfrm>
+            <a:off x="1874204" y="2274838"/>
+            <a:ext cx="8443609" cy="1569660"/>
+          </a:xfrm>
+          <a:prstGeom prst="rect">
+            <a:avLst/>
+          </a:prstGeom>
+          <a:noFill/>
+        </p:spPr>
+        <p:txBody>
+          <a:bodyPr wrap="square" rtlCol="0">
+            <a:spAutoFit/>
+          </a:bodyPr>
+          <a:lstStyle/>
+          <a:p>
+            <a:pPr algn="ctr"/>
+            <a:r>
+              <a:rPr lang="fr-FR" sz="2400" b="1" dirty="0" smtClean="0">
+                <a:solidFill>
+                  <a:srgbClr val="0070C0"/>
+                </a:solidFill>
+              </a:rPr>
+              <a:t>TEST </a:t>
+            </a:r>
+            <a:r>
+              <a:rPr lang="fr-FR" sz="2400" b="1" dirty="0" smtClean="0">
+                <a:solidFill>
+                  <a:srgbClr val="0070C0"/>
+                </a:solidFill>
+              </a:rPr>
+              <a:t>D’APPRENTISSAGE:</a:t>
+            </a:r>
+            <a:endParaRPr lang="fr-FR" sz="2400" b="1" dirty="0" smtClean="0">
+              <a:solidFill>
+                <a:srgbClr val="0070C0"/>
+              </a:solidFill>
+            </a:endParaRPr>
+          </a:p>
+          <a:p>
+            <a:pPr algn="ctr"/>
+            <a:r>
+              <a:rPr lang="fr-FR" sz="2400" b="1" dirty="0" smtClean="0">
+                <a:solidFill>
+                  <a:srgbClr val="0070C0"/>
+                </a:solidFill>
+              </a:rPr>
+              <a:t>INSTRUCTIONS</a:t>
+            </a:r>
+            <a:endParaRPr lang="en-GB" sz="2400" b="1" dirty="0" smtClean="0">
+              <a:solidFill>
+                <a:srgbClr val="0070C0"/>
+              </a:solidFill>
+            </a:endParaRPr>
+          </a:p>
+          <a:p>
+            <a:pPr algn="ctr"/>
+            <a:endParaRPr lang="en-GB" sz="2400" dirty="0"/>
+          </a:p>
+          <a:p>
+            <a:pPr algn="ctr"/>
+            <a:endParaRPr lang="en-GB" sz="2400" dirty="0"/>
+          </a:p>
+        </p:txBody>
+      </p:sp>
+      <p:sp>
+        <p:nvSpPr>
+          <p:cNvPr id="3" name="Rectangle 2"/>
+          <p:cNvSpPr/>
+          <p:nvPr/>
+        </p:nvSpPr>
+        <p:spPr>
+          <a:xfrm>
+            <a:off x="1041966" y="4317964"/>
+            <a:ext cx="10108088" cy="1754326"/>
+          </a:xfrm>
+          <a:prstGeom prst="rect">
+            <a:avLst/>
+          </a:prstGeom>
+        </p:spPr>
+        <p:txBody>
+          <a:bodyPr wrap="none">
+            <a:spAutoFit/>
+          </a:bodyPr>
+          <a:lstStyle/>
+          <a:p>
+            <a:pPr algn="ctr">
+              <a:lnSpc>
+                <a:spcPct val="150000"/>
+              </a:lnSpc>
+            </a:pPr>
+            <a:r>
+              <a:rPr lang="en-GB" sz="2400" dirty="0" err="1" smtClean="0"/>
+              <a:t>Veuillez</a:t>
+            </a:r>
+            <a:r>
+              <a:rPr lang="en-GB" sz="2400" dirty="0" smtClean="0"/>
+              <a:t> lire </a:t>
+            </a:r>
+            <a:r>
+              <a:rPr lang="en-GB" sz="2400" dirty="0" err="1" smtClean="0"/>
+              <a:t>attentivement</a:t>
+            </a:r>
+            <a:r>
+              <a:rPr lang="en-GB" sz="2400" dirty="0" smtClean="0"/>
+              <a:t> les instructions qui </a:t>
+            </a:r>
+            <a:r>
+              <a:rPr lang="en-GB" sz="2400" dirty="0" err="1" smtClean="0"/>
+              <a:t>vont</a:t>
+            </a:r>
+            <a:r>
+              <a:rPr lang="en-GB" sz="2400" dirty="0" smtClean="0"/>
+              <a:t> </a:t>
+            </a:r>
+            <a:r>
+              <a:rPr lang="en-GB" sz="2400" dirty="0" err="1" smtClean="0"/>
+              <a:t>suivre</a:t>
+            </a:r>
+            <a:r>
+              <a:rPr lang="en-GB" sz="2400" dirty="0" smtClean="0"/>
+              <a:t>.</a:t>
+            </a:r>
+            <a:endParaRPr lang="en-GB" sz="2400" dirty="0"/>
+          </a:p>
+          <a:p>
+            <a:pPr algn="ctr">
+              <a:lnSpc>
+                <a:spcPct val="150000"/>
+              </a:lnSpc>
+            </a:pPr>
+            <a:r>
+              <a:rPr lang="en-GB" sz="2400" dirty="0" err="1" smtClean="0"/>
+              <a:t>Appuyez</a:t>
+            </a:r>
+            <a:r>
+              <a:rPr lang="en-GB" sz="2400" dirty="0" smtClean="0"/>
+              <a:t> </a:t>
+            </a:r>
+            <a:r>
+              <a:rPr lang="en-GB" sz="2400" dirty="0"/>
+              <a:t>sur </a:t>
+            </a:r>
+            <a:r>
+              <a:rPr lang="fr-FR" sz="2400" dirty="0"/>
+              <a:t>« </a:t>
+            </a:r>
+            <a:r>
+              <a:rPr lang="en-GB" sz="2400" dirty="0"/>
+              <a:t>la </a:t>
+            </a:r>
+            <a:r>
+              <a:rPr lang="en-GB" sz="2400" dirty="0" err="1" smtClean="0"/>
+              <a:t>flèche</a:t>
+            </a:r>
+            <a:r>
+              <a:rPr lang="en-GB" sz="2400" dirty="0" smtClean="0"/>
+              <a:t> </a:t>
+            </a:r>
+            <a:r>
+              <a:rPr lang="en-GB" sz="2400" dirty="0"/>
+              <a:t>de </a:t>
+            </a:r>
+            <a:r>
+              <a:rPr lang="en-GB" sz="2400" dirty="0" err="1" smtClean="0"/>
+              <a:t>droite</a:t>
+            </a:r>
+            <a:r>
+              <a:rPr lang="fr-FR" sz="2400" dirty="0"/>
+              <a:t> »</a:t>
+            </a:r>
+            <a:r>
+              <a:rPr lang="en-GB" sz="2400" dirty="0"/>
+              <a:t> pour continuer et lire la </a:t>
+            </a:r>
+            <a:r>
+              <a:rPr lang="en-GB" sz="2400" dirty="0" smtClean="0"/>
+              <a:t>suite.</a:t>
+            </a:r>
+            <a:endParaRPr lang="en-GB" sz="2400" dirty="0"/>
+          </a:p>
+          <a:p>
+            <a:pPr algn="ctr">
+              <a:lnSpc>
+                <a:spcPct val="150000"/>
+              </a:lnSpc>
+            </a:pPr>
+            <a:r>
+              <a:rPr lang="en-GB" sz="2400" dirty="0" err="1"/>
+              <a:t>Appuyez</a:t>
+            </a:r>
+            <a:r>
+              <a:rPr lang="en-GB" sz="2400" dirty="0"/>
+              <a:t> sur </a:t>
+            </a:r>
+            <a:r>
+              <a:rPr lang="fr-FR" sz="2400" dirty="0"/>
+              <a:t>« </a:t>
+            </a:r>
+            <a:r>
+              <a:rPr lang="en-GB" sz="2400" dirty="0"/>
+              <a:t>la </a:t>
+            </a:r>
+            <a:r>
+              <a:rPr lang="en-GB" sz="2400" dirty="0" err="1" smtClean="0"/>
+              <a:t>flèche</a:t>
+            </a:r>
+            <a:r>
+              <a:rPr lang="en-GB" sz="2400" dirty="0" smtClean="0"/>
+              <a:t> </a:t>
+            </a:r>
+            <a:r>
+              <a:rPr lang="en-GB" sz="2400" dirty="0"/>
+              <a:t>de gauche </a:t>
+            </a:r>
+            <a:r>
+              <a:rPr lang="fr-FR" sz="2400" dirty="0"/>
+              <a:t>»</a:t>
+            </a:r>
+            <a:r>
+              <a:rPr lang="en-GB" sz="2400" dirty="0"/>
+              <a:t> pour </a:t>
+            </a:r>
+            <a:r>
+              <a:rPr lang="en-GB" sz="2400" dirty="0" err="1"/>
+              <a:t>revenir</a:t>
+            </a:r>
+            <a:r>
+              <a:rPr lang="en-GB" sz="2400" dirty="0"/>
+              <a:t> et lire </a:t>
+            </a:r>
+            <a:r>
+              <a:rPr lang="en-GB" sz="2400" dirty="0" err="1" smtClean="0"/>
+              <a:t>l’instruction</a:t>
+            </a:r>
+            <a:r>
+              <a:rPr lang="en-GB" sz="2400" dirty="0" smtClean="0"/>
+              <a:t> </a:t>
+            </a:r>
+            <a:r>
+              <a:rPr lang="en-GB" sz="2400" dirty="0" err="1" smtClean="0"/>
+              <a:t>précédente</a:t>
+            </a:r>
+            <a:r>
+              <a:rPr lang="en-GB" sz="2400" smtClean="0"/>
+              <a:t>.</a:t>
+            </a:r>
+            <a:endParaRPr lang="fr-FR" sz="2400" dirty="0"/>
+          </a:p>
+        </p:txBody>
+      </p:sp>
+    </p:spTree>
+    <p:extLst>
+      <p:ext uri="{BB962C8B-B14F-4D97-AF65-F5344CB8AC3E}">
+        <p14:creationId xmlns:p14="http://schemas.microsoft.com/office/powerpoint/2010/main" val="515980910"/>
+      </p:ext>
+    </p:extLst>
+  </p:cSld>
+  <p:clrMapOvr>
+    <a:masterClrMapping/>
+  </p:clrMapOvr>
+  <p:timing>
+    <p:tnLst>
+      <p:par>
+        <p:cTn id="1" dur="indefinite" restart="never" nodeType="tmRoot"/>
+      </p:par>
+    </p:tnLst>
+  </p:timing>
+</p:sld>
+</file>
+
+<file path=ppt/slides/slide19.xml><?xml version="1.0" encoding="utf-8"?>
+<p:sld xmlns:a="http://schemas.openxmlformats.org/drawingml/2006/main" xmlns:r="http://schemas.openxmlformats.org/officeDocument/2006/relationships" xmlns:p="http://schemas.openxmlformats.org/presentationml/2006/main">
+  <p:cSld>
+    <p:spTree>
+      <p:nvGrpSpPr>
+        <p:cNvPr id="1" name=""/>
+        <p:cNvGrpSpPr/>
+        <p:nvPr/>
+      </p:nvGrpSpPr>
+      <p:grpSpPr>
+        <a:xfrm>
+          <a:off x="0" y="0"/>
+          <a:ext cx="0" cy="0"/>
+          <a:chOff x="0" y="0"/>
+          <a:chExt cx="0" cy="0"/>
+        </a:xfrm>
+      </p:grpSpPr>
+      <p:sp>
+        <p:nvSpPr>
           <p:cNvPr id="3" name="Espace réservé du contenu 2"/>
           <p:cNvSpPr>
             <a:spLocks noGrp="1"/>
@@ -4998,158 +5382,919 @@
         </p:nvSpPr>
         <p:spPr>
           <a:xfrm>
-            <a:off x="648245" y="916402"/>
-            <a:ext cx="10705555" cy="5653572"/>
+            <a:off x="838200" y="640716"/>
+            <a:ext cx="10515600" cy="5459835"/>
           </a:xfrm>
         </p:spPr>
         <p:txBody>
           <a:bodyPr>
-            <a:normAutofit lnSpcReduction="10000"/>
+            <a:noAutofit/>
           </a:bodyPr>
           <a:lstStyle/>
           <a:p>
-            <a:pPr marL="0" indent="0" algn="just">
-              <a:buNone/>
-            </a:pPr>
-            <a:r>
-              <a:rPr lang="fr-FR" sz="2000" dirty="0"/>
-              <a:t>Dans cette tache, pour certains essais, on vous demandera d’exprimer votre </a:t>
-            </a:r>
-            <a:r>
-              <a:rPr lang="fr-FR" sz="2000" dirty="0">
+            <a:pPr marL="0" indent="0" algn="ctr">
+              <a:buNone/>
+            </a:pPr>
+            <a:r>
+              <a:rPr lang="fr-FR" sz="2400" dirty="0" smtClean="0"/>
+              <a:t>Ce test </a:t>
+            </a:r>
+            <a:r>
+              <a:rPr lang="fr-FR" sz="2400" dirty="0"/>
+              <a:t>dure environ </a:t>
+            </a:r>
+            <a:r>
+              <a:rPr lang="fr-FR" sz="2400" dirty="0"/>
+              <a:t>1</a:t>
+            </a:r>
+            <a:r>
+              <a:rPr lang="fr-FR" sz="2400" dirty="0" smtClean="0"/>
+              <a:t>0 minutes. </a:t>
+            </a:r>
+          </a:p>
+          <a:p>
+            <a:pPr marL="0" indent="0" algn="ctr">
+              <a:buNone/>
+            </a:pPr>
+            <a:endParaRPr lang="fr-FR" sz="2400" dirty="0"/>
+          </a:p>
+          <a:p>
+            <a:pPr marL="0" indent="0" algn="ctr">
+              <a:buNone/>
+            </a:pPr>
+            <a:r>
+              <a:rPr lang="fr-FR" sz="2400" dirty="0"/>
+              <a:t>Nous allons vous demander de comparer des écosystèmes virtuels, composés de plantes dont la croissance naturelle est variable. En particulier, les écosystèmes diffèrent par:</a:t>
+            </a:r>
+          </a:p>
+          <a:p>
+            <a:pPr algn="ctr"/>
+            <a:r>
+              <a:rPr lang="fr-FR" sz="2400" dirty="0"/>
+              <a:t>La fertilité des plantes (certaines peuvent être incapables de se reproduire) </a:t>
+            </a:r>
+          </a:p>
+          <a:p>
+            <a:pPr algn="ctr"/>
+            <a:r>
+              <a:rPr lang="fr-FR" sz="2400" dirty="0"/>
+              <a:t>Le taux de plantes en contact avec des prédateurs (p. ex. : des herbivores comme des insectes). </a:t>
+            </a:r>
+          </a:p>
+          <a:p>
+            <a:pPr marL="0" indent="0" algn="ctr">
+              <a:buNone/>
+            </a:pPr>
+            <a:r>
+              <a:rPr lang="fr-FR" sz="2400" dirty="0"/>
+              <a:t>Vous devrez essayer de deviner lequel des deux écosystèmes aura donné le plus de plantes au bout d'un an. </a:t>
+            </a:r>
+            <a:endParaRPr lang="fr-FR" sz="2400" dirty="0" smtClean="0"/>
+          </a:p>
+          <a:p>
+            <a:pPr marL="0" indent="0" algn="ctr">
+              <a:buNone/>
+            </a:pPr>
+            <a:r>
+              <a:rPr lang="fr-FR" sz="2400" dirty="0" smtClean="0"/>
+              <a:t> </a:t>
+            </a:r>
+            <a:endParaRPr lang="fr-FR" sz="2400" dirty="0"/>
+          </a:p>
+          <a:p>
+            <a:pPr marL="0" indent="0" algn="ctr">
+              <a:buNone/>
+            </a:pPr>
+            <a:r>
+              <a:rPr lang="fr-FR" sz="2400" dirty="0"/>
+              <a:t>Ici, nous évaluons votre capacité à apprendre et comprendre, en présence d'incertitude, une règle cachée qui permet d'établir une prévision fiable</a:t>
+            </a:r>
+            <a:r>
+              <a:rPr lang="fr-FR" sz="2400" dirty="0" smtClean="0"/>
+              <a:t>.</a:t>
+            </a:r>
+            <a:endParaRPr lang="fr-FR" sz="2400" dirty="0"/>
+          </a:p>
+        </p:txBody>
+      </p:sp>
+    </p:spTree>
+    <p:extLst>
+      <p:ext uri="{BB962C8B-B14F-4D97-AF65-F5344CB8AC3E}">
+        <p14:creationId xmlns:p14="http://schemas.microsoft.com/office/powerpoint/2010/main" val="3152234627"/>
+      </p:ext>
+    </p:extLst>
+  </p:cSld>
+  <p:clrMapOvr>
+    <a:masterClrMapping/>
+  </p:clrMapOvr>
+  <p:timing>
+    <p:tnLst>
+      <p:par>
+        <p:cTn id="1" dur="indefinite" restart="never" nodeType="tmRoot"/>
+      </p:par>
+    </p:tnLst>
+  </p:timing>
+</p:sld>
+</file>
+
+<file path=ppt/slides/slide2.xml><?xml version="1.0" encoding="utf-8"?>
+<p:sld xmlns:a="http://schemas.openxmlformats.org/drawingml/2006/main" xmlns:r="http://schemas.openxmlformats.org/officeDocument/2006/relationships" xmlns:p="http://schemas.openxmlformats.org/presentationml/2006/main">
+  <p:cSld>
+    <p:spTree>
+      <p:nvGrpSpPr>
+        <p:cNvPr id="1" name=""/>
+        <p:cNvGrpSpPr/>
+        <p:nvPr/>
+      </p:nvGrpSpPr>
+      <p:grpSpPr>
+        <a:xfrm>
+          <a:off x="0" y="0"/>
+          <a:ext cx="0" cy="0"/>
+          <a:chOff x="0" y="0"/>
+          <a:chExt cx="0" cy="0"/>
+        </a:xfrm>
+      </p:grpSpPr>
+      <p:sp>
+        <p:nvSpPr>
+          <p:cNvPr id="3" name="Espace réservé du contenu 2"/>
+          <p:cNvSpPr>
+            <a:spLocks noGrp="1"/>
+          </p:cNvSpPr>
+          <p:nvPr>
+            <p:ph idx="1"/>
+          </p:nvPr>
+        </p:nvSpPr>
+        <p:spPr>
+          <a:xfrm>
+            <a:off x="838200" y="345014"/>
+            <a:ext cx="10515600" cy="5992096"/>
+          </a:xfrm>
+        </p:spPr>
+        <p:txBody>
+          <a:bodyPr>
+            <a:noAutofit/>
+          </a:bodyPr>
+          <a:lstStyle/>
+          <a:p>
+            <a:pPr marL="0" indent="0" algn="ctr">
+              <a:buNone/>
+            </a:pPr>
+            <a:r>
+              <a:rPr lang="fr-FR" sz="2400" dirty="0" smtClean="0"/>
+              <a:t>Ce test </a:t>
+            </a:r>
+            <a:r>
+              <a:rPr lang="fr-FR" sz="2400" dirty="0"/>
+              <a:t>dure environ </a:t>
+            </a:r>
+            <a:r>
+              <a:rPr lang="fr-FR" sz="2400" dirty="0" smtClean="0"/>
+              <a:t>30 minutes. </a:t>
+            </a:r>
+            <a:endParaRPr lang="fr-FR" sz="2400" dirty="0"/>
+          </a:p>
+          <a:p>
+            <a:pPr marL="0" indent="0" algn="ctr">
+              <a:buNone/>
+            </a:pPr>
+            <a:r>
+              <a:rPr lang="fr-FR" sz="2400" dirty="0" smtClean="0"/>
+              <a:t>Il implique </a:t>
+            </a:r>
+            <a:r>
+              <a:rPr lang="fr-FR" sz="2400" dirty="0"/>
+              <a:t>deux phases alternant entre elles </a:t>
+            </a:r>
+            <a:r>
+              <a:rPr lang="fr-FR" sz="2400" dirty="0" smtClean="0"/>
+              <a:t>:</a:t>
+            </a:r>
+            <a:endParaRPr lang="fr-FR" sz="2400" dirty="0"/>
+          </a:p>
+          <a:p>
+            <a:pPr algn="ctr"/>
+            <a:r>
+              <a:rPr lang="fr-FR" sz="2400" dirty="0"/>
+              <a:t>Durant la « </a:t>
+            </a:r>
+            <a:r>
+              <a:rPr lang="fr-FR" sz="2400" b="1" dirty="0"/>
+              <a:t>phase de décision</a:t>
+            </a:r>
+            <a:r>
+              <a:rPr lang="fr-FR" sz="2400" dirty="0">
                 <a:solidFill>
                   <a:srgbClr val="FF0000"/>
                 </a:solidFill>
               </a:rPr>
-              <a:t>degré de certitude </a:t>
-            </a:r>
-            <a:r>
-              <a:rPr lang="fr-FR" sz="2000" dirty="0"/>
-              <a:t>quant à votre prédiction (à quel point vous êtes confiant en votre prédiction) avant de vous dire si vous avez eu raison. </a:t>
-            </a:r>
-          </a:p>
+              <a:t> </a:t>
+            </a:r>
+            <a:r>
+              <a:rPr lang="fr-FR" sz="2400" dirty="0"/>
+              <a:t>», nous évaluerons votre prudence, c´est-à-dire votre tendance à prendre des risques.</a:t>
+            </a:r>
+          </a:p>
+          <a:p>
+            <a:pPr algn="ctr"/>
+            <a:r>
+              <a:rPr lang="fr-FR" sz="2400" dirty="0"/>
+              <a:t>Durant la « </a:t>
+            </a:r>
+            <a:r>
+              <a:rPr lang="fr-FR" sz="2400" b="1" dirty="0"/>
+              <a:t>phase de prédiction</a:t>
+            </a:r>
+            <a:r>
+              <a:rPr lang="fr-FR" sz="2400" dirty="0">
+                <a:solidFill>
+                  <a:srgbClr val="FF0000"/>
+                </a:solidFill>
+              </a:rPr>
+              <a:t> </a:t>
+            </a:r>
+            <a:r>
+              <a:rPr lang="fr-FR" sz="2400" dirty="0"/>
+              <a:t>», vous devrez prédire les choix d’autres participants ayant participé au même jeu d´argent avant vous. </a:t>
+            </a:r>
+          </a:p>
+          <a:p>
+            <a:pPr marL="0" indent="0" algn="ctr">
+              <a:buNone/>
+            </a:pPr>
+            <a:endParaRPr lang="fr-FR" sz="2400" dirty="0" smtClean="0"/>
+          </a:p>
+          <a:p>
+            <a:pPr marL="0" indent="0" algn="ctr">
+              <a:buNone/>
+            </a:pPr>
+            <a:r>
+              <a:rPr lang="fr-FR" sz="2400" dirty="0" smtClean="0"/>
+              <a:t>Chaque phase (décision ou prédiction) comporte 30 essais.</a:t>
+            </a:r>
+            <a:endParaRPr lang="fr-FR" sz="2400" dirty="0"/>
+          </a:p>
+          <a:p>
+            <a:pPr marL="0" indent="0" algn="ctr">
+              <a:buNone/>
+            </a:pPr>
+            <a:endParaRPr lang="fr-FR" sz="2400" dirty="0"/>
+          </a:p>
+          <a:p>
+            <a:pPr marL="0" indent="0" algn="ctr">
+              <a:buNone/>
+            </a:pPr>
+            <a:r>
+              <a:rPr lang="fr-FR" sz="2400" dirty="0"/>
+              <a:t>Note: vous recevrez une indemnisation financière de 2€</a:t>
+            </a:r>
+            <a:r>
+              <a:rPr lang="fr-FR" sz="2400" dirty="0">
+                <a:solidFill>
+                  <a:srgbClr val="FF0000"/>
+                </a:solidFill>
+              </a:rPr>
+              <a:t> </a:t>
+            </a:r>
+            <a:r>
+              <a:rPr lang="fr-FR" sz="2400" dirty="0"/>
+              <a:t>pour avoir </a:t>
+            </a:r>
+            <a:r>
+              <a:rPr lang="fr-FR" sz="2400" dirty="0" smtClean="0"/>
+              <a:t>effectué ce test, </a:t>
+            </a:r>
+            <a:r>
+              <a:rPr lang="fr-FR" sz="2400" dirty="0"/>
+              <a:t>quelle que soit votre performance. De plus, nous sélectionnerons </a:t>
+            </a:r>
+            <a:r>
+              <a:rPr lang="fr-FR" sz="2400" dirty="0" smtClean="0"/>
+              <a:t>1 essai</a:t>
+            </a:r>
+            <a:r>
+              <a:rPr lang="fr-FR" sz="2400" b="1" dirty="0" smtClean="0"/>
+              <a:t> </a:t>
+            </a:r>
+            <a:r>
+              <a:rPr lang="fr-FR" sz="2400" dirty="0" smtClean="0"/>
+              <a:t>d’une phase de prédiction au </a:t>
+            </a:r>
+            <a:r>
+              <a:rPr lang="fr-FR" sz="2400" dirty="0"/>
+              <a:t>hasard, et vous recevrez </a:t>
+            </a:r>
+            <a:r>
+              <a:rPr lang="fr-FR" sz="2400" dirty="0" smtClean="0"/>
+              <a:t>2 </a:t>
+            </a:r>
+            <a:r>
+              <a:rPr lang="fr-FR" sz="2400" dirty="0"/>
+              <a:t>euros </a:t>
+            </a:r>
+            <a:r>
+              <a:rPr lang="fr-FR" sz="2400" dirty="0" smtClean="0"/>
+              <a:t>si votre réponse est correcte.</a:t>
+            </a:r>
+            <a:endParaRPr lang="fr-FR" sz="2400" dirty="0"/>
+          </a:p>
+        </p:txBody>
+      </p:sp>
+    </p:spTree>
+    <p:extLst>
+      <p:ext uri="{BB962C8B-B14F-4D97-AF65-F5344CB8AC3E}">
+        <p14:creationId xmlns:p14="http://schemas.microsoft.com/office/powerpoint/2010/main" val="4012922657"/>
+      </p:ext>
+    </p:extLst>
+  </p:cSld>
+  <p:clrMapOvr>
+    <a:masterClrMapping/>
+  </p:clrMapOvr>
+  <p:timing>
+    <p:tnLst>
+      <p:par>
+        <p:cTn id="1" dur="indefinite" restart="never" nodeType="tmRoot"/>
+      </p:par>
+    </p:tnLst>
+  </p:timing>
+</p:sld>
+</file>
+
+<file path=ppt/slides/slide20.xml><?xml version="1.0" encoding="utf-8"?>
+<p:sld xmlns:a="http://schemas.openxmlformats.org/drawingml/2006/main" xmlns:r="http://schemas.openxmlformats.org/officeDocument/2006/relationships" xmlns:p="http://schemas.openxmlformats.org/presentationml/2006/main">
+  <p:cSld>
+    <p:spTree>
+      <p:nvGrpSpPr>
+        <p:cNvPr id="1" name=""/>
+        <p:cNvGrpSpPr/>
+        <p:nvPr/>
+      </p:nvGrpSpPr>
+      <p:grpSpPr>
+        <a:xfrm>
+          <a:off x="0" y="0"/>
+          <a:ext cx="0" cy="0"/>
+          <a:chOff x="0" y="0"/>
+          <a:chExt cx="0" cy="0"/>
+        </a:xfrm>
+      </p:grpSpPr>
+      <p:sp>
+        <p:nvSpPr>
+          <p:cNvPr id="3" name="Espace réservé du contenu 2"/>
+          <p:cNvSpPr>
+            <a:spLocks noGrp="1"/>
+          </p:cNvSpPr>
+          <p:nvPr>
+            <p:ph idx="1"/>
+          </p:nvPr>
+        </p:nvSpPr>
+        <p:spPr>
+          <a:xfrm>
+            <a:off x="648245" y="857375"/>
+            <a:ext cx="10705555" cy="5653572"/>
+          </a:xfrm>
+        </p:spPr>
+        <p:txBody>
+          <a:bodyPr>
+            <a:noAutofit/>
+          </a:bodyPr>
+          <a:lstStyle/>
           <a:p>
             <a:pPr marL="0" indent="0" algn="just">
               <a:buNone/>
             </a:pPr>
-            <a:endParaRPr lang="fr-FR" sz="2000" dirty="0"/>
+            <a:r>
+              <a:rPr lang="fr-FR" sz="2400" dirty="0"/>
+              <a:t>Cette tache se compose de 34 essais. A chaque essai, nous vous présentons deux écosystèmes, dont chacun commence l'année avec 80 plantes. Vous devrez deviner lequel de ces deux écosystèmes contiendra le plus de plantes au bout d'un an, en prenant compte des aspects suivants:</a:t>
+            </a:r>
+          </a:p>
+          <a:p>
+            <a:r>
+              <a:rPr lang="fr-FR" sz="2400" dirty="0"/>
+              <a:t> Succès de la </a:t>
+            </a:r>
+            <a:r>
+              <a:rPr lang="fr-FR" sz="2400" dirty="0" smtClean="0"/>
+              <a:t>reproduction</a:t>
+            </a:r>
+            <a:r>
+              <a:rPr lang="fr-FR" sz="2400" dirty="0" smtClean="0"/>
+              <a:t>: </a:t>
+            </a:r>
+            <a:r>
+              <a:rPr lang="fr-FR" sz="2400" dirty="0" smtClean="0"/>
+              <a:t>plus </a:t>
+            </a:r>
+            <a:r>
+              <a:rPr lang="fr-FR" sz="2400" dirty="0"/>
+              <a:t>les plantes réussissent à se reproduire, plus la quantité de plantes sera importante à la fin de l'année. Bien que le taux de reproduction des plantes soit inconnu a priori, vous saurez combien de ces plantes sont fertiles. </a:t>
+            </a:r>
+            <a:endParaRPr lang="es-FR" sz="2400" dirty="0"/>
+          </a:p>
+          <a:p>
+            <a:r>
+              <a:rPr lang="fr-FR" sz="2400" dirty="0"/>
+              <a:t> Fréquence du contact avec des </a:t>
+            </a:r>
+            <a:r>
+              <a:rPr lang="fr-FR" sz="2400" dirty="0" smtClean="0"/>
+              <a:t>prédateurs: plus </a:t>
+            </a:r>
+            <a:r>
+              <a:rPr lang="fr-FR" sz="2400" dirty="0"/>
+              <a:t>les plantes sont en contact avec des prédateurs, moins la quantité de plantes sera importante à la fin de l'année. Bien que l'agressivité des prédateurs soit inconnu a priori, vous connaitrez la proportion P de plantes qui sont effectivement en contact avec le prédateur. Celle-ci sera représentée par la portion rouge d´un diagramme en camembert (voir la figure plus bas). Réciproquement, la portion verte du camembert représentera la proportion de plantes qui ne sont pas en contact avec les prédateurs.</a:t>
+            </a:r>
           </a:p>
           <a:p>
             <a:pPr marL="0" indent="0" algn="just">
               <a:buNone/>
             </a:pPr>
             <a:r>
-              <a:rPr lang="fr-FR" sz="2000" dirty="0"/>
-              <a:t>Pour répondre, vous déplacerez le pointeur de la barre de défilement avec la souris (voir figure prochaine). </a:t>
-            </a:r>
+              <a:rPr lang="fr-FR" sz="2400" dirty="0" smtClean="0"/>
+              <a:t>                            </a:t>
+            </a:r>
+            <a:endParaRPr lang="fr-FR" sz="2400" dirty="0"/>
           </a:p>
           <a:p>
             <a:pPr marL="0" indent="0" algn="just">
               <a:buNone/>
             </a:pPr>
-            <a:endParaRPr lang="fr-FR" sz="2000" dirty="0"/>
-          </a:p>
-          <a:p>
-            <a:pPr marL="0" indent="0" algn="just">
-              <a:buNone/>
-            </a:pPr>
-            <a:endParaRPr lang="fr-FR" sz="2000" dirty="0"/>
-          </a:p>
-          <a:p>
-            <a:pPr marL="0" indent="0" algn="just">
-              <a:buNone/>
-            </a:pPr>
-            <a:endParaRPr lang="fr-FR" sz="2000" dirty="0"/>
-          </a:p>
-          <a:p>
-            <a:pPr marL="0" indent="0" algn="just">
-              <a:buNone/>
-            </a:pPr>
-            <a:endParaRPr lang="fr-FR" sz="2000" dirty="0"/>
-          </a:p>
-          <a:p>
-            <a:pPr marL="0" indent="0" algn="just">
-              <a:buNone/>
-            </a:pPr>
-            <a:endParaRPr lang="fr-FR" sz="2000" dirty="0"/>
-          </a:p>
-          <a:p>
-            <a:pPr marL="0" indent="0" algn="just">
-              <a:buNone/>
-            </a:pPr>
-            <a:endParaRPr lang="fr-FR" sz="2000" dirty="0"/>
-          </a:p>
-          <a:p>
-            <a:pPr marL="0" indent="0" algn="just">
-              <a:buNone/>
-            </a:pPr>
-            <a:endParaRPr lang="fr-FR" sz="2000" dirty="0"/>
-          </a:p>
-          <a:p>
-            <a:pPr marL="0" indent="0" algn="just">
-              <a:buNone/>
-            </a:pPr>
-            <a:endParaRPr lang="fr-FR" sz="2000" dirty="0"/>
-          </a:p>
-          <a:p>
-            <a:pPr marL="0" indent="0" algn="just">
-              <a:buNone/>
-            </a:pPr>
-            <a:r>
-              <a:rPr lang="fr-FR" sz="2000" dirty="0"/>
-              <a:t>Si vous ne déplacez pas la barre avant d'appuyer sur le bouton OK, vous ne pourrez pas passer au essai suivant.</a:t>
-            </a:r>
-          </a:p>
-        </p:txBody>
-      </p:sp>
-      <p:sp>
-        <p:nvSpPr>
-          <p:cNvPr id="5" name="Rectángulo 4">
-            <a:extLst>
-              <a:ext uri="{FF2B5EF4-FFF2-40B4-BE49-F238E27FC236}">
-                <a16:creationId xmlns:a16="http://schemas.microsoft.com/office/drawing/2014/main" id="{7341A93F-6626-504F-B534-D779E9399A22}"/>
-              </a:ext>
-            </a:extLst>
-          </p:cNvPr>
-          <p:cNvSpPr/>
+            <a:endParaRPr lang="fr-FR" sz="2400" dirty="0"/>
+          </a:p>
+        </p:txBody>
+      </p:sp>
+      <p:sp>
+        <p:nvSpPr>
+          <p:cNvPr id="8" name="ZoneTexte 7"/>
+          <p:cNvSpPr txBox="1"/>
           <p:nvPr/>
         </p:nvSpPr>
         <p:spPr>
           <a:xfrm>
-            <a:off x="610574" y="259845"/>
-            <a:ext cx="4812536" cy="496996"/>
+            <a:off x="1874204" y="101416"/>
+            <a:ext cx="8443609" cy="830997"/>
           </a:xfrm>
           <a:prstGeom prst="rect">
             <a:avLst/>
           </a:prstGeom>
-        </p:spPr>
-        <p:txBody>
-          <a:bodyPr wrap="none">
+          <a:noFill/>
+        </p:spPr>
+        <p:txBody>
+          <a:bodyPr wrap="square" rtlCol="0">
             <a:spAutoFit/>
           </a:bodyPr>
           <a:lstStyle/>
           <a:p>
-            <a:pPr algn="just">
-              <a:lnSpc>
-                <a:spcPct val="150000"/>
-              </a:lnSpc>
-              <a:spcBef>
-                <a:spcPts val="200"/>
-              </a:spcBef>
-              <a:spcAft>
-                <a:spcPts val="0"/>
-              </a:spcAft>
-            </a:pPr>
-            <a:r>
-              <a:rPr lang="fr-FR" sz="2000" b="1" dirty="0">
+            <a:pPr algn="ctr"/>
+            <a:r>
+              <a:rPr lang="fr-FR" sz="2400" b="1" dirty="0" smtClean="0">
                 <a:solidFill>
-                  <a:srgbClr val="2E74B5"/>
+                  <a:srgbClr val="0070C0"/>
                 </a:solidFill>
-                <a:latin typeface="Arial" panose="020B0604020202020204" pitchFamily="34" charset="0"/>
-                <a:cs typeface="Times New Roman" panose="02020603050405020304" pitchFamily="18" charset="0"/>
               </a:rPr>
-              <a:t>Degré de certitude en votre prédiction</a:t>
-            </a:r>
+              <a:t>TEST D’APPRENTISSAGE: PRINCIPE</a:t>
+            </a:r>
+            <a:endParaRPr lang="en-GB" sz="2400" dirty="0"/>
+          </a:p>
+          <a:p>
+            <a:pPr algn="ctr"/>
+            <a:endParaRPr lang="en-GB" sz="2400" dirty="0"/>
+          </a:p>
+        </p:txBody>
+      </p:sp>
+    </p:spTree>
+    <p:extLst>
+      <p:ext uri="{BB962C8B-B14F-4D97-AF65-F5344CB8AC3E}">
+        <p14:creationId xmlns:p14="http://schemas.microsoft.com/office/powerpoint/2010/main" val="2948591915"/>
+      </p:ext>
+    </p:extLst>
+  </p:cSld>
+  <p:clrMapOvr>
+    <a:masterClrMapping/>
+  </p:clrMapOvr>
+  <p:timing>
+    <p:tnLst>
+      <p:par>
+        <p:cTn id="1" dur="indefinite" restart="never" nodeType="tmRoot"/>
+      </p:par>
+    </p:tnLst>
+  </p:timing>
+</p:sld>
+</file>
+
+<file path=ppt/slides/slide21.xml><?xml version="1.0" encoding="utf-8"?>
+<p:sld xmlns:a="http://schemas.openxmlformats.org/drawingml/2006/main" xmlns:r="http://schemas.openxmlformats.org/officeDocument/2006/relationships" xmlns:p="http://schemas.openxmlformats.org/presentationml/2006/main">
+  <p:cSld>
+    <p:spTree>
+      <p:nvGrpSpPr>
+        <p:cNvPr id="1" name=""/>
+        <p:cNvGrpSpPr/>
+        <p:nvPr/>
+      </p:nvGrpSpPr>
+      <p:grpSpPr>
+        <a:xfrm>
+          <a:off x="0" y="0"/>
+          <a:ext cx="0" cy="0"/>
+          <a:chOff x="0" y="0"/>
+          <a:chExt cx="0" cy="0"/>
+        </a:xfrm>
+      </p:grpSpPr>
+      <p:grpSp>
+        <p:nvGrpSpPr>
+          <p:cNvPr id="9" name="Groupe 8"/>
+          <p:cNvGrpSpPr/>
+          <p:nvPr/>
+        </p:nvGrpSpPr>
+        <p:grpSpPr>
+          <a:xfrm>
+            <a:off x="1928553" y="2881858"/>
+            <a:ext cx="8258058" cy="2644461"/>
+            <a:chOff x="1928553" y="2363238"/>
+            <a:chExt cx="8258058" cy="2644461"/>
+          </a:xfrm>
+        </p:grpSpPr>
+        <p:sp>
+          <p:nvSpPr>
+            <p:cNvPr id="2" name="CuadroTexto 1">
+              <a:extLst>
+                <a:ext uri="{FF2B5EF4-FFF2-40B4-BE49-F238E27FC236}">
+                  <a16:creationId xmlns:a16="http://schemas.microsoft.com/office/drawing/2014/main" id="{84F0600F-7E63-A04A-B978-D862BB883491}"/>
+                </a:ext>
+              </a:extLst>
+            </p:cNvPr>
+            <p:cNvSpPr txBox="1"/>
+            <p:nvPr/>
+          </p:nvSpPr>
+          <p:spPr>
+            <a:xfrm>
+              <a:off x="2192410" y="2363238"/>
+              <a:ext cx="7994201" cy="1938992"/>
+            </a:xfrm>
+            <a:prstGeom prst="rect">
+              <a:avLst/>
+            </a:prstGeom>
+            <a:noFill/>
+          </p:spPr>
+          <p:txBody>
+            <a:bodyPr wrap="square" rtlCol="0">
+              <a:spAutoFit/>
+            </a:bodyPr>
+            <a:lstStyle/>
+            <a:p>
+              <a:pPr algn="just"/>
+              <a:endParaRPr lang="fr-FR" sz="2400" dirty="0"/>
+            </a:p>
+            <a:p>
+              <a:pPr algn="just"/>
+              <a:endParaRPr lang="fr-FR" sz="2400" dirty="0"/>
+            </a:p>
+            <a:p>
+              <a:pPr algn="just"/>
+              <a:r>
+                <a:rPr lang="fr-FR" sz="2400" dirty="0"/>
+                <a:t>60 plantes sont fertiles    </a:t>
+              </a:r>
+              <a:r>
+                <a:rPr lang="fr-FR" sz="2400" dirty="0" smtClean="0"/>
+                <a:t>        Toutes </a:t>
+              </a:r>
+              <a:r>
+                <a:rPr lang="fr-FR" sz="2400" dirty="0"/>
+                <a:t>les plantes sont fertiles</a:t>
+              </a:r>
+            </a:p>
+            <a:p>
+              <a:pPr algn="just"/>
+              <a:endParaRPr lang="fr-FR" sz="2400" dirty="0"/>
+            </a:p>
+            <a:p>
+              <a:r>
+                <a:rPr lang="en-GB" sz="2400" dirty="0"/>
+                <a:t>                                              </a:t>
+              </a:r>
+              <a:r>
+                <a:rPr lang="en-GB" sz="2400" dirty="0" smtClean="0"/>
+                <a:t>vs</a:t>
+              </a:r>
+              <a:r>
+                <a:rPr lang="en-GB" sz="2400" dirty="0"/>
+                <a:t>.</a:t>
+              </a:r>
+            </a:p>
+          </p:txBody>
+        </p:sp>
+        <p:pic>
+          <p:nvPicPr>
+            <p:cNvPr id="7" name="Imagen 6" descr="Imagen que contiene fruta, competencia de atletismo, cd&#10;&#10;Descripción generada automáticamente">
+              <a:extLst>
+                <a:ext uri="{FF2B5EF4-FFF2-40B4-BE49-F238E27FC236}">
+                  <a16:creationId xmlns:a16="http://schemas.microsoft.com/office/drawing/2014/main" id="{CE7E1695-9971-E044-97C4-78170A2BFA48}"/>
+                </a:ext>
+              </a:extLst>
+            </p:cNvPr>
+            <p:cNvPicPr>
+              <a:picLocks noChangeAspect="1"/>
+            </p:cNvPicPr>
+            <p:nvPr/>
+          </p:nvPicPr>
+          <p:blipFill rotWithShape="1">
+            <a:blip r:embed="rId2">
+              <a:extLst>
+                <a:ext uri="{28A0092B-C50C-407E-A947-70E740481C1C}">
+                  <a14:useLocalDpi xmlns:a14="http://schemas.microsoft.com/office/drawing/2010/main" val="0"/>
+                </a:ext>
+              </a:extLst>
+            </a:blip>
+            <a:srcRect l="16420" t="18963" r="14673" b="15062"/>
+            <a:stretch/>
+          </p:blipFill>
+          <p:spPr>
+            <a:xfrm>
+              <a:off x="7072321" y="3468185"/>
+              <a:ext cx="1591734" cy="1524000"/>
+            </a:xfrm>
+            <a:prstGeom prst="rect">
+              <a:avLst/>
+            </a:prstGeom>
+          </p:spPr>
+        </p:pic>
+        <p:sp>
+          <p:nvSpPr>
+            <p:cNvPr id="10" name="Rectángulo 9">
+              <a:extLst>
+                <a:ext uri="{FF2B5EF4-FFF2-40B4-BE49-F238E27FC236}">
+                  <a16:creationId xmlns:a16="http://schemas.microsoft.com/office/drawing/2014/main" id="{DF90F87B-C33D-E549-9349-87E099859D8A}"/>
+                </a:ext>
+              </a:extLst>
+            </p:cNvPr>
+            <p:cNvSpPr/>
+            <p:nvPr/>
+          </p:nvSpPr>
+          <p:spPr>
+            <a:xfrm>
+              <a:off x="1928553" y="3043683"/>
+              <a:ext cx="8125588" cy="1964016"/>
+            </a:xfrm>
+            <a:prstGeom prst="rect">
+              <a:avLst/>
+            </a:prstGeom>
+            <a:noFill/>
+          </p:spPr>
+          <p:style>
+            <a:lnRef idx="2">
+              <a:schemeClr val="dk1"/>
+            </a:lnRef>
+            <a:fillRef idx="1">
+              <a:schemeClr val="lt1"/>
+            </a:fillRef>
+            <a:effectRef idx="0">
+              <a:schemeClr val="dk1"/>
+            </a:effectRef>
+            <a:fontRef idx="minor">
+              <a:schemeClr val="dk1"/>
+            </a:fontRef>
+          </p:style>
+          <p:txBody>
+            <a:bodyPr rtlCol="0" anchor="ctr"/>
+            <a:lstStyle/>
+            <a:p>
+              <a:pPr algn="ctr"/>
+              <a:endParaRPr lang="en-GB"/>
+            </a:p>
+          </p:txBody>
+        </p:sp>
+      </p:grpSp>
+      <p:sp>
+        <p:nvSpPr>
+          <p:cNvPr id="8" name="ZoneTexte 7"/>
+          <p:cNvSpPr txBox="1"/>
+          <p:nvPr/>
+        </p:nvSpPr>
+        <p:spPr>
+          <a:xfrm>
+            <a:off x="1874204" y="55924"/>
+            <a:ext cx="8443609" cy="830997"/>
+          </a:xfrm>
+          <a:prstGeom prst="rect">
+            <a:avLst/>
+          </a:prstGeom>
+          <a:noFill/>
+        </p:spPr>
+        <p:txBody>
+          <a:bodyPr wrap="square" rtlCol="0">
+            <a:spAutoFit/>
+          </a:bodyPr>
+          <a:lstStyle/>
+          <a:p>
+            <a:pPr algn="ctr"/>
+            <a:r>
+              <a:rPr lang="fr-FR" sz="2400" b="1" dirty="0" smtClean="0">
+                <a:solidFill>
+                  <a:srgbClr val="0070C0"/>
+                </a:solidFill>
+              </a:rPr>
+              <a:t>TEST D’APPRENTISSAGE: PARI</a:t>
+            </a:r>
+            <a:endParaRPr lang="en-GB" sz="2400" dirty="0"/>
+          </a:p>
+          <a:p>
+            <a:pPr algn="ctr"/>
+            <a:endParaRPr lang="en-GB" sz="2400" dirty="0"/>
+          </a:p>
+        </p:txBody>
+      </p:sp>
+      <p:sp>
+        <p:nvSpPr>
+          <p:cNvPr id="5" name="Rectangle 4"/>
+          <p:cNvSpPr/>
+          <p:nvPr/>
+        </p:nvSpPr>
+        <p:spPr>
+          <a:xfrm>
+            <a:off x="407138" y="760947"/>
+            <a:ext cx="11168418" cy="1938992"/>
+          </a:xfrm>
+          <a:prstGeom prst="rect">
+            <a:avLst/>
+          </a:prstGeom>
+        </p:spPr>
+        <p:txBody>
+          <a:bodyPr wrap="square">
+            <a:spAutoFit/>
+          </a:bodyPr>
+          <a:lstStyle/>
+          <a:p>
+            <a:pPr algn="ctr"/>
+            <a:r>
+              <a:rPr lang="fr-FR" sz="2400" dirty="0" smtClean="0"/>
+              <a:t>L’un des écosystème n’aura aucun contact avec les prédateurs, mais seulement certaines de ses plantes seront fertiles.</a:t>
+            </a:r>
+            <a:endParaRPr lang="fr-FR" sz="2400" dirty="0"/>
+          </a:p>
+          <a:p>
+            <a:pPr algn="ctr"/>
+            <a:r>
+              <a:rPr lang="fr-FR" sz="2400" dirty="0" smtClean="0"/>
+              <a:t>L’autre sera tel que ses plantes seront toutes fertiles, mais une proportion P d’entre elles seront en contact avec des prédateurs.</a:t>
+            </a:r>
+          </a:p>
+          <a:p>
+            <a:pPr algn="ctr"/>
+            <a:r>
+              <a:rPr lang="fr-FR" sz="2400" dirty="0" smtClean="0"/>
+              <a:t>Vous devrez parier sur celui qui aura le plus de plantes à la fin de l’année:</a:t>
+            </a:r>
+          </a:p>
+        </p:txBody>
+      </p:sp>
+      <p:sp>
+        <p:nvSpPr>
+          <p:cNvPr id="11" name="Rectangle 10"/>
+          <p:cNvSpPr/>
+          <p:nvPr/>
+        </p:nvSpPr>
+        <p:spPr>
+          <a:xfrm>
+            <a:off x="970129" y="5774227"/>
+            <a:ext cx="10251743" cy="830997"/>
+          </a:xfrm>
+          <a:prstGeom prst="rect">
+            <a:avLst/>
+          </a:prstGeom>
+        </p:spPr>
+        <p:txBody>
+          <a:bodyPr wrap="square">
+            <a:spAutoFit/>
+          </a:bodyPr>
+          <a:lstStyle/>
+          <a:p>
+            <a:pPr algn="ctr"/>
+            <a:r>
+              <a:rPr lang="fr-FR" sz="2400" dirty="0"/>
+              <a:t>Après chacune de vos prévisions, nous vous donnerons la bonne réponse. Cela vous permettra d'améliorer progressivement votre compréhension du problème.</a:t>
+            </a:r>
+          </a:p>
+        </p:txBody>
+      </p:sp>
+      <p:sp>
+        <p:nvSpPr>
+          <p:cNvPr id="12" name="Rectangle 11"/>
+          <p:cNvSpPr/>
+          <p:nvPr/>
+        </p:nvSpPr>
+        <p:spPr>
+          <a:xfrm>
+            <a:off x="543636" y="3015079"/>
+            <a:ext cx="11104729" cy="461665"/>
+          </a:xfrm>
+          <a:prstGeom prst="rect">
+            <a:avLst/>
+          </a:prstGeom>
+        </p:spPr>
+        <p:txBody>
+          <a:bodyPr wrap="square">
+            <a:spAutoFit/>
+          </a:bodyPr>
+          <a:lstStyle/>
+          <a:p>
+            <a:pPr algn="ctr"/>
+            <a:r>
+              <a:rPr lang="fr-FR" sz="2400" i="1" dirty="0" smtClean="0"/>
+              <a:t>Chaque écosystème démarre avec 80 plantes. Lequel en aura le plus à la fin de l’année?</a:t>
+            </a:r>
+            <a:endParaRPr lang="fr-FR" sz="2400" i="1" dirty="0"/>
+          </a:p>
+        </p:txBody>
+      </p:sp>
+    </p:spTree>
+    <p:extLst>
+      <p:ext uri="{BB962C8B-B14F-4D97-AF65-F5344CB8AC3E}">
+        <p14:creationId xmlns:p14="http://schemas.microsoft.com/office/powerpoint/2010/main" val="280190230"/>
+      </p:ext>
+    </p:extLst>
+  </p:cSld>
+  <p:clrMapOvr>
+    <a:masterClrMapping/>
+  </p:clrMapOvr>
+  <p:timing>
+    <p:tnLst>
+      <p:par>
+        <p:cTn id="1" dur="indefinite" restart="never" nodeType="tmRoot"/>
+      </p:par>
+    </p:tnLst>
+  </p:timing>
+</p:sld>
+</file>
+
+<file path=ppt/slides/slide22.xml><?xml version="1.0" encoding="utf-8"?>
+<p:sld xmlns:a="http://schemas.openxmlformats.org/drawingml/2006/main" xmlns:r="http://schemas.openxmlformats.org/officeDocument/2006/relationships" xmlns:p="http://schemas.openxmlformats.org/presentationml/2006/main">
+  <p:cSld>
+    <p:spTree>
+      <p:nvGrpSpPr>
+        <p:cNvPr id="1" name=""/>
+        <p:cNvGrpSpPr/>
+        <p:nvPr/>
+      </p:nvGrpSpPr>
+      <p:grpSpPr>
+        <a:xfrm>
+          <a:off x="0" y="0"/>
+          <a:ext cx="0" cy="0"/>
+          <a:chOff x="0" y="0"/>
+          <a:chExt cx="0" cy="0"/>
+        </a:xfrm>
+      </p:grpSpPr>
+      <p:sp>
+        <p:nvSpPr>
+          <p:cNvPr id="3" name="Espace réservé du contenu 2"/>
+          <p:cNvSpPr>
+            <a:spLocks noGrp="1"/>
+          </p:cNvSpPr>
+          <p:nvPr>
+            <p:ph idx="1"/>
+          </p:nvPr>
+        </p:nvSpPr>
+        <p:spPr>
+          <a:xfrm>
+            <a:off x="597445" y="938127"/>
+            <a:ext cx="10705555" cy="1239944"/>
+          </a:xfrm>
+        </p:spPr>
+        <p:txBody>
+          <a:bodyPr>
+            <a:normAutofit/>
+          </a:bodyPr>
+          <a:lstStyle/>
+          <a:p>
+            <a:pPr marL="0" indent="0" algn="ctr">
+              <a:buNone/>
+            </a:pPr>
+            <a:r>
+              <a:rPr lang="fr-FR" sz="2400" dirty="0" smtClean="0"/>
+              <a:t>Pour certaines prédictions, nous </a:t>
+            </a:r>
+            <a:r>
+              <a:rPr lang="fr-FR" sz="2400" dirty="0"/>
+              <a:t>vous </a:t>
+            </a:r>
+            <a:r>
+              <a:rPr lang="fr-FR" sz="2400" dirty="0" smtClean="0"/>
+              <a:t>demanderons </a:t>
+            </a:r>
+            <a:r>
+              <a:rPr lang="fr-FR" sz="2400" dirty="0"/>
+              <a:t>d’exprimer votre degré de </a:t>
+            </a:r>
+            <a:r>
+              <a:rPr lang="fr-FR" sz="2400" dirty="0" smtClean="0"/>
+              <a:t>confiance </a:t>
+            </a:r>
+            <a:r>
+              <a:rPr lang="fr-FR" sz="2400" dirty="0"/>
+              <a:t>avant de vous dire si </a:t>
+            </a:r>
+            <a:r>
+              <a:rPr lang="fr-FR" sz="2400" dirty="0" smtClean="0"/>
+              <a:t>votre prédiction était correcte: </a:t>
+            </a:r>
+            <a:endParaRPr lang="fr-FR" sz="2400" dirty="0"/>
           </a:p>
         </p:txBody>
       </p:sp>
@@ -5181,7 +6326,7 @@
         </p:blipFill>
         <p:spPr>
           <a:xfrm>
-            <a:off x="939800" y="2739715"/>
+            <a:off x="889000" y="1921079"/>
             <a:ext cx="10414000" cy="2493879"/>
           </a:xfrm>
           <a:prstGeom prst="rect">
@@ -5191,102 +6336,125 @@
       </p:pic>
       <p:sp>
         <p:nvSpPr>
-          <p:cNvPr id="6" name="Rectangle 3">
-            <a:extLst>
-              <a:ext uri="{FF2B5EF4-FFF2-40B4-BE49-F238E27FC236}">
-                <a16:creationId xmlns:a16="http://schemas.microsoft.com/office/drawing/2014/main" id="{C49CE132-C670-544E-A6AB-88C14FAB759B}"/>
-              </a:ext>
-            </a:extLst>
-          </p:cNvPr>
-          <p:cNvSpPr/>
+          <p:cNvPr id="15" name="ZoneTexte 14"/>
+          <p:cNvSpPr txBox="1"/>
           <p:nvPr/>
         </p:nvSpPr>
         <p:spPr>
           <a:xfrm>
-            <a:off x="973073" y="6329490"/>
-            <a:ext cx="10380727" cy="400110"/>
+            <a:off x="1874204" y="237893"/>
+            <a:ext cx="8443609" cy="830997"/>
           </a:xfrm>
           <a:prstGeom prst="rect">
             <a:avLst/>
           </a:prstGeom>
-        </p:spPr>
-        <p:txBody>
-          <a:bodyPr wrap="none">
+          <a:noFill/>
+        </p:spPr>
+        <p:txBody>
+          <a:bodyPr wrap="square" rtlCol="0">
             <a:spAutoFit/>
           </a:bodyPr>
           <a:lstStyle/>
           <a:p>
-            <a:r>
-              <a:rPr lang="fr-FR" sz="2000" i="1" dirty="0">
+            <a:pPr algn="ctr"/>
+            <a:r>
+              <a:rPr lang="fr-FR" sz="2400" b="1" dirty="0" smtClean="0">
                 <a:solidFill>
-                  <a:schemeClr val="tx1">
-                    <a:lumMod val="50000"/>
-                    <a:lumOff val="50000"/>
-                  </a:schemeClr>
+                  <a:srgbClr val="0070C0"/>
                 </a:solidFill>
               </a:rPr>
-              <a:t>Appuyez sur la flèche droite [</a:t>
-            </a:r>
-            <a:r>
-              <a:rPr lang="fr-FR" sz="2000" i="1" dirty="0">
-                <a:solidFill>
-                  <a:schemeClr val="tx1">
-                    <a:lumMod val="50000"/>
-                    <a:lumOff val="50000"/>
-                  </a:schemeClr>
-                </a:solidFill>
-                <a:sym typeface="Wingdings" pitchFamily="2" charset="2"/>
-              </a:rPr>
-              <a:t></a:t>
-            </a:r>
-            <a:r>
-              <a:rPr lang="fr-FR" sz="2000" i="1" dirty="0">
-                <a:solidFill>
-                  <a:schemeClr val="tx1">
-                    <a:lumMod val="50000"/>
-                    <a:lumOff val="50000"/>
-                  </a:schemeClr>
-                </a:solidFill>
-              </a:rPr>
-              <a:t>] pour continuer ou sur la flèche gauche [</a:t>
-            </a:r>
-            <a:r>
-              <a:rPr lang="fr-FR" sz="2000" i="1" dirty="0">
-                <a:solidFill>
-                  <a:schemeClr val="tx1">
-                    <a:lumMod val="50000"/>
-                    <a:lumOff val="50000"/>
-                  </a:schemeClr>
-                </a:solidFill>
-                <a:sym typeface="Wingdings" pitchFamily="2" charset="2"/>
-              </a:rPr>
-              <a:t>] pour revenir en arrière</a:t>
-            </a:r>
-            <a:endParaRPr lang="fr-FR" sz="2000" i="1" dirty="0">
-              <a:solidFill>
-                <a:schemeClr val="tx1">
-                  <a:lumMod val="50000"/>
-                  <a:lumOff val="50000"/>
-                </a:schemeClr>
-              </a:solidFill>
-            </a:endParaRPr>
+              <a:t>TEST D’APPRENTISSAGE: JUGEMENT DE CONFIANCE</a:t>
+            </a:r>
+            <a:endParaRPr lang="en-GB" sz="2400" dirty="0"/>
+          </a:p>
+          <a:p>
+            <a:pPr algn="ctr"/>
+            <a:endParaRPr lang="en-GB" sz="2400" dirty="0"/>
+          </a:p>
+        </p:txBody>
+      </p:sp>
+      <p:sp>
+        <p:nvSpPr>
+          <p:cNvPr id="2" name="Rectangle 1"/>
+          <p:cNvSpPr/>
+          <p:nvPr/>
+        </p:nvSpPr>
+        <p:spPr>
+          <a:xfrm>
+            <a:off x="1756012" y="4714252"/>
+            <a:ext cx="8679976" cy="1938992"/>
+          </a:xfrm>
+          <a:prstGeom prst="rect">
+            <a:avLst/>
+          </a:prstGeom>
+        </p:spPr>
+        <p:txBody>
+          <a:bodyPr wrap="square">
+            <a:spAutoFit/>
+          </a:bodyPr>
+          <a:lstStyle/>
+          <a:p>
+            <a:pPr algn="ctr"/>
+            <a:r>
+              <a:rPr lang="fr-FR" sz="2400" dirty="0" smtClean="0"/>
+              <a:t>Pour </a:t>
+            </a:r>
+            <a:r>
+              <a:rPr lang="fr-FR" sz="2400" dirty="0"/>
+              <a:t>répondre, vous déplacerez le pointeur de la barre de défilement avec la souris.</a:t>
+            </a:r>
+          </a:p>
+          <a:p>
+            <a:pPr algn="ctr"/>
+            <a:endParaRPr lang="fr-FR" sz="2400" dirty="0"/>
+          </a:p>
+          <a:p>
+            <a:pPr algn="ctr"/>
+            <a:r>
+              <a:rPr lang="fr-FR" sz="2400" dirty="0" smtClean="0"/>
+              <a:t>Attention: si </a:t>
+            </a:r>
+            <a:r>
+              <a:rPr lang="fr-FR" sz="2400" dirty="0"/>
+              <a:t>vous ne déplacez pas la </a:t>
+            </a:r>
+            <a:r>
+              <a:rPr lang="fr-FR" sz="2400" dirty="0" smtClean="0"/>
+              <a:t>barre, </a:t>
+            </a:r>
+            <a:r>
+              <a:rPr lang="fr-FR" sz="2400" dirty="0"/>
+              <a:t>vous ne pourrez pas </a:t>
+            </a:r>
+            <a:r>
+              <a:rPr lang="fr-FR" sz="2400" dirty="0" smtClean="0"/>
+              <a:t>continuer le test.</a:t>
+            </a:r>
+            <a:endParaRPr lang="fr-FR" sz="2400" dirty="0"/>
           </a:p>
         </p:txBody>
       </p:sp>
     </p:spTree>
     <p:extLst>
       <p:ext uri="{BB962C8B-B14F-4D97-AF65-F5344CB8AC3E}">
-        <p14:creationId xmlns:p14="http://schemas.microsoft.com/office/powerpoint/2010/main" val="3798455815"/>
+        <p14:creationId xmlns:p14="http://schemas.microsoft.com/office/powerpoint/2010/main" val="97812483"/>
       </p:ext>
     </p:extLst>
   </p:cSld>
   <p:clrMapOvr>
     <a:masterClrMapping/>
   </p:clrMapOvr>
+  <p:timing>
+    <p:tnLst>
+      <p:par>
+        <p:cTn id="1" dur="indefinite" restart="never" nodeType="tmRoot"/>
+      </p:par>
+    </p:tnLst>
+  </p:timing>
 </p:sld>
 </file>
 
-<file path=ppt/slides/slide18.xml><?xml version="1.0" encoding="utf-8"?>
+<file path=ppt/slides/slide23.xml><?xml version="1.0" encoding="utf-8"?>
 <p:sld xmlns:a="http://schemas.openxmlformats.org/drawingml/2006/main" xmlns:r="http://schemas.openxmlformats.org/officeDocument/2006/relationships" xmlns:p="http://schemas.openxmlformats.org/presentationml/2006/main">
   <p:cSld>
     <p:spTree>
@@ -5315,8 +6483,8 @@
         </p:nvSpPr>
         <p:spPr>
           <a:xfrm>
-            <a:off x="2591147" y="2364012"/>
-            <a:ext cx="7009707" cy="2129977"/>
+            <a:off x="1879774" y="2364012"/>
+            <a:ext cx="8432453" cy="2129977"/>
           </a:xfrm>
         </p:spPr>
         <p:txBody>
@@ -5327,29 +6495,102 @@
           <a:p>
             <a:pPr algn="ctr"/>
             <a:r>
-              <a:rPr lang="fr-FR" dirty="0"/>
-              <a:t>L’expérience est terminée.</a:t>
+              <a:rPr lang="fr-FR" sz="2400" dirty="0" smtClean="0"/>
+              <a:t>Le test </a:t>
+            </a:r>
+            <a:r>
+              <a:rPr lang="fr-FR" sz="2400" dirty="0" smtClean="0"/>
+              <a:t>d’apprentissage </a:t>
+            </a:r>
+            <a:r>
+              <a:rPr lang="fr-FR" sz="2400" dirty="0"/>
+              <a:t>est maintenant </a:t>
+            </a:r>
+            <a:r>
+              <a:rPr lang="fr-FR" sz="2400" dirty="0" smtClean="0"/>
+              <a:t>terminé.</a:t>
+            </a:r>
+            <a:r>
+              <a:rPr lang="fr-FR" sz="2400" dirty="0"/>
+              <a:t/>
             </a:r>
             <a:br>
-              <a:rPr lang="fr-FR" dirty="0"/>
+              <a:rPr lang="fr-FR" sz="2400" dirty="0"/>
             </a:br>
             <a:r>
-              <a:rPr lang="fr-FR" dirty="0"/>
+              <a:rPr lang="fr-FR" sz="2400" dirty="0"/>
               <a:t> </a:t>
             </a:r>
             <a:br>
-              <a:rPr lang="fr-FR" dirty="0"/>
+              <a:rPr lang="fr-FR" sz="2400" dirty="0"/>
             </a:br>
             <a:r>
-              <a:rPr lang="fr-FR" dirty="0"/>
-              <a:t>Merci d’avoir participé.</a:t>
-            </a:r>
-          </a:p>
-        </p:txBody>
-      </p:sp>
-      <p:sp>
-        <p:nvSpPr>
-          <p:cNvPr id="5" name="Rectangle 3">
+              <a:rPr lang="fr-FR" sz="2400" dirty="0"/>
+              <a:t>Merci !</a:t>
+            </a:r>
+          </a:p>
+        </p:txBody>
+      </p:sp>
+      <p:sp>
+        <p:nvSpPr>
+          <p:cNvPr id="5" name="ZoneTexte 4"/>
+          <p:cNvSpPr txBox="1"/>
+          <p:nvPr/>
+        </p:nvSpPr>
+        <p:spPr>
+          <a:xfrm>
+            <a:off x="3878093" y="349649"/>
+            <a:ext cx="4435815" cy="461665"/>
+          </a:xfrm>
+          <a:prstGeom prst="rect">
+            <a:avLst/>
+          </a:prstGeom>
+          <a:noFill/>
+          <a:ln>
+            <a:noFill/>
+          </a:ln>
+        </p:spPr>
+        <p:txBody>
+          <a:bodyPr wrap="square" rtlCol="0" anchor="ctr">
+            <a:spAutoFit/>
+          </a:bodyPr>
+          <a:lstStyle/>
+          <a:p>
+            <a:pPr algn="ctr">
+              <a:spcBef>
+                <a:spcPts val="1800"/>
+              </a:spcBef>
+              <a:spcAft>
+                <a:spcPts val="1800"/>
+              </a:spcAft>
+            </a:pPr>
+            <a:r>
+              <a:rPr lang="en-GB" sz="2400" b="1" dirty="0" smtClean="0">
+                <a:solidFill>
+                  <a:srgbClr val="0070C0"/>
+                </a:solidFill>
+              </a:rPr>
+              <a:t>FIN DU TEST </a:t>
+            </a:r>
+            <a:r>
+              <a:rPr lang="en-GB" sz="2400" b="1" dirty="0" smtClean="0">
+                <a:solidFill>
+                  <a:srgbClr val="0070C0"/>
+                </a:solidFill>
+              </a:rPr>
+              <a:t>D’APPRENTISSAGE</a:t>
+            </a:r>
+            <a:endParaRPr lang="en-GB" sz="2400" b="1" dirty="0">
+              <a:solidFill>
+                <a:srgbClr val="0070C0"/>
+              </a:solidFill>
+            </a:endParaRPr>
+          </a:p>
+        </p:txBody>
+      </p:sp>
+      <p:sp>
+        <p:nvSpPr>
+          <p:cNvPr id="6" name="Rectangle 3">
             <a:extLst>
               <a:ext uri="{FF2B5EF4-FFF2-40B4-BE49-F238E27FC236}">
                 <a16:creationId xmlns:a16="http://schemas.microsoft.com/office/drawing/2014/main" id="{96E0DEE1-FC76-AB42-A24F-D4D41E2BA40D}"/>
@@ -5414,328 +6655,20 @@
     </p:spTree>
     <p:extLst>
       <p:ext uri="{BB962C8B-B14F-4D97-AF65-F5344CB8AC3E}">
-        <p14:creationId xmlns:p14="http://schemas.microsoft.com/office/powerpoint/2010/main" val="2830837562"/>
+        <p14:creationId xmlns:p14="http://schemas.microsoft.com/office/powerpoint/2010/main" val="4208260430"/>
       </p:ext>
     </p:extLst>
   </p:cSld>
   <p:clrMapOvr>
     <a:masterClrMapping/>
   </p:clrMapOvr>
-</p:sld>
-</file>
-
-<file path=ppt/slides/slide2.xml><?xml version="1.0" encoding="utf-8"?>
-<p:sld xmlns:a="http://schemas.openxmlformats.org/drawingml/2006/main" xmlns:r="http://schemas.openxmlformats.org/officeDocument/2006/relationships" xmlns:p="http://schemas.openxmlformats.org/presentationml/2006/main">
-  <p:cSld>
-    <p:spTree>
-      <p:nvGrpSpPr>
-        <p:cNvPr id="1" name=""/>
-        <p:cNvGrpSpPr/>
-        <p:nvPr/>
-      </p:nvGrpSpPr>
-      <p:grpSpPr>
-        <a:xfrm>
-          <a:off x="0" y="0"/>
-          <a:ext cx="0" cy="0"/>
-          <a:chOff x="0" y="0"/>
-          <a:chExt cx="0" cy="0"/>
-        </a:xfrm>
-      </p:grpSpPr>
-      <p:sp>
-        <p:nvSpPr>
-          <p:cNvPr id="3" name="Espace réservé du contenu 2"/>
-          <p:cNvSpPr>
-            <a:spLocks noGrp="1"/>
-          </p:cNvSpPr>
-          <p:nvPr>
-            <p:ph idx="1"/>
-          </p:nvPr>
-        </p:nvSpPr>
-        <p:spPr>
-          <a:xfrm>
-            <a:off x="838200" y="1072896"/>
-            <a:ext cx="10515600" cy="4513257"/>
-          </a:xfrm>
-        </p:spPr>
-        <p:txBody>
-          <a:bodyPr>
-            <a:normAutofit/>
-          </a:bodyPr>
-          <a:lstStyle/>
-          <a:p>
-            <a:pPr marL="0" indent="0" algn="just">
-              <a:buNone/>
-            </a:pPr>
-            <a:r>
-              <a:rPr lang="fr-FR" sz="2000" dirty="0"/>
-              <a:t>Vous allez jouer à un jeux qui dure environ </a:t>
-            </a:r>
-            <a:r>
-              <a:rPr lang="fr-FR" sz="2000" dirty="0">
-                <a:solidFill>
-                  <a:srgbClr val="FF0000"/>
-                </a:solidFill>
-              </a:rPr>
-              <a:t>1 heure</a:t>
-            </a:r>
-            <a:r>
-              <a:rPr lang="fr-FR" sz="2000" dirty="0"/>
-              <a:t>. </a:t>
-            </a:r>
-          </a:p>
-          <a:p>
-            <a:pPr marL="0" indent="0" algn="just">
-              <a:buNone/>
-            </a:pPr>
-            <a:r>
-              <a:rPr lang="fr-FR" sz="2000" dirty="0"/>
-              <a:t>L’expérience consiste en un test informatisé, impliquant deux phases alternant entre elles (une « phase de décision » et une « phase de prédiction »).</a:t>
-            </a:r>
-          </a:p>
-          <a:p>
-            <a:pPr algn="just"/>
-            <a:r>
-              <a:rPr lang="fr-FR" sz="2000" dirty="0"/>
-              <a:t>Durant la « </a:t>
-            </a:r>
-            <a:r>
-              <a:rPr lang="fr-FR" sz="2000" dirty="0">
-                <a:solidFill>
-                  <a:srgbClr val="FF0000"/>
-                </a:solidFill>
-              </a:rPr>
-              <a:t>phase de décision </a:t>
-            </a:r>
-            <a:r>
-              <a:rPr lang="fr-FR" sz="2000" dirty="0"/>
-              <a:t>», nous évaluerons votre prudence, c´est-à-dire votre tendance à prendre des risques.</a:t>
-            </a:r>
-          </a:p>
-          <a:p>
-            <a:pPr algn="just"/>
-            <a:r>
-              <a:rPr lang="fr-FR" sz="2000" dirty="0"/>
-              <a:t>Durant la « </a:t>
-            </a:r>
-            <a:r>
-              <a:rPr lang="fr-FR" sz="2000" dirty="0">
-                <a:solidFill>
-                  <a:srgbClr val="FF0000"/>
-                </a:solidFill>
-              </a:rPr>
-              <a:t>phase de prédiction </a:t>
-            </a:r>
-            <a:r>
-              <a:rPr lang="fr-FR" sz="2000" dirty="0"/>
-              <a:t>», vous devrez prédire les choix d’autres participants ayant participé au même jeu d´argent avant vous. </a:t>
-            </a:r>
-          </a:p>
-          <a:p>
-            <a:pPr marL="0" indent="0" algn="just">
-              <a:buNone/>
-            </a:pPr>
-            <a:endParaRPr lang="fr-FR" sz="2000" dirty="0"/>
-          </a:p>
-          <a:p>
-            <a:pPr marL="0" indent="0" algn="just">
-              <a:buNone/>
-            </a:pPr>
-            <a:r>
-              <a:rPr lang="fr-FR" sz="2000" dirty="0"/>
-              <a:t>Note: La rémunération est conditionnée par le respect de ces consignes. Vous recevrez une indemnisation financière de </a:t>
-            </a:r>
-            <a:r>
-              <a:rPr lang="fr-FR" sz="2000" dirty="0">
-                <a:solidFill>
-                  <a:srgbClr val="FF0000"/>
-                </a:solidFill>
-              </a:rPr>
-              <a:t>5€ de base </a:t>
-            </a:r>
-            <a:r>
-              <a:rPr lang="fr-FR" sz="2000" dirty="0"/>
-              <a:t>pour avoir participé à l'expérience aujourd'hui, quelle que soit votre performance. Vous recevrez un bonus financier proportionnel à votre performance. En effet, à la fin de l'expérience, nous sélectionnerons </a:t>
-            </a:r>
-            <a:r>
-              <a:rPr lang="fr-FR" sz="2000" dirty="0">
-                <a:solidFill>
-                  <a:srgbClr val="FF0000"/>
-                </a:solidFill>
-              </a:rPr>
-              <a:t>1 essai </a:t>
-            </a:r>
-            <a:r>
-              <a:rPr lang="fr-FR" sz="2000" dirty="0"/>
-              <a:t>de la « </a:t>
-            </a:r>
-            <a:r>
-              <a:rPr lang="fr-FR" sz="2000" dirty="0">
-                <a:solidFill>
-                  <a:srgbClr val="FF0000"/>
-                </a:solidFill>
-              </a:rPr>
-              <a:t>phase de décision </a:t>
-            </a:r>
-            <a:r>
-              <a:rPr lang="fr-FR" sz="2000" dirty="0"/>
-              <a:t>» au hasard, et vous recevrez la somme d'argent qui leur correspond, veuillez donc répondre attentivement.</a:t>
-            </a:r>
-            <a:endParaRPr lang="fr-FR" dirty="0"/>
-          </a:p>
-        </p:txBody>
-      </p:sp>
-      <p:sp>
-        <p:nvSpPr>
-          <p:cNvPr id="5" name="Rectángulo 4">
-            <a:extLst>
-              <a:ext uri="{FF2B5EF4-FFF2-40B4-BE49-F238E27FC236}">
-                <a16:creationId xmlns:a16="http://schemas.microsoft.com/office/drawing/2014/main" id="{7341A93F-6626-504F-B534-D779E9399A22}"/>
-              </a:ext>
-            </a:extLst>
-          </p:cNvPr>
-          <p:cNvSpPr/>
-          <p:nvPr/>
-        </p:nvSpPr>
-        <p:spPr>
-          <a:xfrm>
-            <a:off x="602559" y="432773"/>
-            <a:ext cx="2066591" cy="577850"/>
-          </a:xfrm>
-          <a:prstGeom prst="rect">
-            <a:avLst/>
-          </a:prstGeom>
-        </p:spPr>
-        <p:txBody>
-          <a:bodyPr wrap="none">
-            <a:spAutoFit/>
-          </a:bodyPr>
-          <a:lstStyle/>
-          <a:p>
-            <a:pPr algn="just">
-              <a:lnSpc>
-                <a:spcPct val="150000"/>
-              </a:lnSpc>
-              <a:spcBef>
-                <a:spcPts val="200"/>
-              </a:spcBef>
-              <a:spcAft>
-                <a:spcPts val="0"/>
-              </a:spcAft>
-            </a:pPr>
-            <a:r>
-              <a:rPr lang="fr-FR" sz="2400" b="1" dirty="0">
-                <a:solidFill>
-                  <a:srgbClr val="2E74B5"/>
-                </a:solidFill>
-                <a:latin typeface="Arial" panose="020B0604020202020204" pitchFamily="34" charset="0"/>
-                <a:cs typeface="Times New Roman" panose="02020603050405020304" pitchFamily="18" charset="0"/>
-              </a:rPr>
-              <a:t>Déroulement</a:t>
-            </a:r>
-            <a:endParaRPr lang="es-FR" b="1" dirty="0">
-              <a:solidFill>
-                <a:srgbClr val="2E74B5"/>
-              </a:solidFill>
-              <a:latin typeface="Arial" panose="020B0604020202020204" pitchFamily="34" charset="0"/>
-              <a:cs typeface="Times New Roman" panose="02020603050405020304" pitchFamily="18" charset="0"/>
-            </a:endParaRPr>
-          </a:p>
-        </p:txBody>
-      </p:sp>
-      <p:sp>
-        <p:nvSpPr>
-          <p:cNvPr id="6" name="Rectangle 3">
-            <a:extLst>
-              <a:ext uri="{FF2B5EF4-FFF2-40B4-BE49-F238E27FC236}">
-                <a16:creationId xmlns:a16="http://schemas.microsoft.com/office/drawing/2014/main" id="{950F77F6-D801-2A40-9828-736711F41D08}"/>
-              </a:ext>
-            </a:extLst>
-          </p:cNvPr>
-          <p:cNvSpPr/>
-          <p:nvPr/>
-        </p:nvSpPr>
-        <p:spPr>
-          <a:xfrm>
-            <a:off x="905636" y="6025117"/>
-            <a:ext cx="10380727" cy="400110"/>
-          </a:xfrm>
-          <a:prstGeom prst="rect">
-            <a:avLst/>
-          </a:prstGeom>
-        </p:spPr>
-        <p:txBody>
-          <a:bodyPr wrap="none">
-            <a:spAutoFit/>
-          </a:bodyPr>
-          <a:lstStyle/>
-          <a:p>
-            <a:r>
-              <a:rPr lang="fr-FR" sz="2000" i="1" dirty="0">
-                <a:solidFill>
-                  <a:schemeClr val="tx1">
-                    <a:lumMod val="50000"/>
-                    <a:lumOff val="50000"/>
-                  </a:schemeClr>
-                </a:solidFill>
-              </a:rPr>
-              <a:t>Appuyez sur la flèche droite [</a:t>
-            </a:r>
-            <a:r>
-              <a:rPr lang="fr-FR" sz="2000" i="1" dirty="0">
-                <a:solidFill>
-                  <a:schemeClr val="tx1">
-                    <a:lumMod val="50000"/>
-                    <a:lumOff val="50000"/>
-                  </a:schemeClr>
-                </a:solidFill>
-                <a:sym typeface="Wingdings" pitchFamily="2" charset="2"/>
-              </a:rPr>
-              <a:t></a:t>
-            </a:r>
-            <a:r>
-              <a:rPr lang="fr-FR" sz="2000" i="1" dirty="0">
-                <a:solidFill>
-                  <a:schemeClr val="tx1">
-                    <a:lumMod val="50000"/>
-                    <a:lumOff val="50000"/>
-                  </a:schemeClr>
-                </a:solidFill>
-              </a:rPr>
-              <a:t>] pour continuer ou sur la flèche gauche [</a:t>
-            </a:r>
-            <a:r>
-              <a:rPr lang="fr-FR" sz="2000" i="1" dirty="0">
-                <a:solidFill>
-                  <a:schemeClr val="tx1">
-                    <a:lumMod val="50000"/>
-                    <a:lumOff val="50000"/>
-                  </a:schemeClr>
-                </a:solidFill>
-                <a:sym typeface="Wingdings" pitchFamily="2" charset="2"/>
-              </a:rPr>
-              <a:t>] pour revenir en arrière</a:t>
-            </a:r>
-            <a:endParaRPr lang="fr-FR" sz="2000" i="1" dirty="0">
-              <a:solidFill>
-                <a:schemeClr val="tx1">
-                  <a:lumMod val="50000"/>
-                  <a:lumOff val="50000"/>
-                </a:schemeClr>
-              </a:solidFill>
-            </a:endParaRPr>
-          </a:p>
-        </p:txBody>
-      </p:sp>
-    </p:spTree>
-    <p:extLst>
-      <p:ext uri="{BB962C8B-B14F-4D97-AF65-F5344CB8AC3E}">
-        <p14:creationId xmlns:p14="http://schemas.microsoft.com/office/powerpoint/2010/main" val="4012922657"/>
-      </p:ext>
-    </p:extLst>
-  </p:cSld>
-  <p:clrMapOvr>
-    <a:masterClrMapping/>
-  </p:clrMapOvr>
+  <p:timing>
+    <p:tnLst>
+      <p:par>
+        <p:cTn id="1" dur="indefinite" restart="never" nodeType="tmRoot"/>
+      </p:par>
+    </p:tnLst>
+  </p:timing>
 </p:sld>
 </file>
 
@@ -5778,211 +6711,119 @@
           </a:bodyPr>
           <a:lstStyle/>
           <a:p>
-            <a:pPr marL="0" indent="0" algn="just">
-              <a:buNone/>
-            </a:pPr>
-            <a:r>
-              <a:rPr lang="fr-FR" sz="2000" dirty="0"/>
-              <a:t>Durant la « </a:t>
-            </a:r>
-            <a:r>
-              <a:rPr lang="fr-FR" sz="2000" dirty="0">
+            <a:pPr marL="0" indent="0" algn="ctr">
+              <a:buNone/>
+            </a:pPr>
+            <a:r>
+              <a:rPr lang="fr-FR" sz="2400" dirty="0"/>
+              <a:t>Durant la « phase de décision</a:t>
+            </a:r>
+            <a:r>
+              <a:rPr lang="fr-FR" sz="2400" dirty="0">
                 <a:solidFill>
                   <a:srgbClr val="FF0000"/>
                 </a:solidFill>
               </a:rPr>
-              <a:t>phase de décision </a:t>
-            </a:r>
-            <a:r>
-              <a:rPr lang="fr-FR" sz="2000" dirty="0"/>
+              <a:t> </a:t>
+            </a:r>
+            <a:r>
+              <a:rPr lang="fr-FR" sz="2400" dirty="0"/>
               <a:t>», nous évaluerons votre prudence, c´est-à-dire votre tendance à prendre des risques.</a:t>
             </a:r>
           </a:p>
           <a:p>
-            <a:pPr marL="0" indent="0" algn="just">
-              <a:buNone/>
-            </a:pPr>
-            <a:endParaRPr lang="fr-FR" sz="2000" dirty="0"/>
-          </a:p>
-          <a:p>
-            <a:pPr marL="0" indent="0" algn="just">
-              <a:buNone/>
-            </a:pPr>
-            <a:r>
-              <a:rPr lang="fr-FR" sz="2000" dirty="0"/>
-              <a:t>Vous allez jouer à un jeu d´argent dans lequel vous aurez à choisir entre un gain modéré mais certain (option 1) et un gain important mais risqué (option 2). </a:t>
-            </a:r>
-          </a:p>
-          <a:p>
-            <a:pPr marL="0" indent="0" algn="just">
-              <a:buNone/>
-            </a:pPr>
-            <a:endParaRPr lang="fr-FR" sz="2000" dirty="0"/>
-          </a:p>
-          <a:p>
-            <a:pPr marL="0" indent="0" algn="just">
-              <a:buNone/>
-            </a:pPr>
-            <a:r>
-              <a:rPr lang="fr-FR" sz="2000" dirty="0"/>
+            <a:pPr marL="0" indent="0" algn="ctr">
+              <a:buNone/>
+            </a:pPr>
+            <a:endParaRPr lang="fr-FR" sz="2400" dirty="0"/>
+          </a:p>
+          <a:p>
+            <a:pPr marL="0" indent="0" algn="ctr">
+              <a:buNone/>
+            </a:pPr>
+            <a:r>
+              <a:rPr lang="fr-FR" sz="2400" dirty="0"/>
+              <a:t>Vous allez jouer à un jeu d´argent </a:t>
+            </a:r>
+            <a:r>
+              <a:rPr lang="fr-FR" sz="2400" dirty="0" smtClean="0"/>
+              <a:t>virtuel dans </a:t>
+            </a:r>
+            <a:r>
+              <a:rPr lang="fr-FR" sz="2400" dirty="0"/>
+              <a:t>lequel vous aurez à choisir entre un gain modéré mais certain (option 1) et un gain important mais risqué (option 2). </a:t>
+            </a:r>
+            <a:r>
+              <a:rPr lang="fr-FR" sz="2400" dirty="0" smtClean="0"/>
+              <a:t>C’est ce que nous appelons un « choix risqué ». </a:t>
+            </a:r>
+            <a:r>
+              <a:rPr lang="fr-FR" sz="2400" dirty="0" smtClean="0"/>
+              <a:t>Nous vous proposerons 34 choix risqués pour chaque phase de prédiction.</a:t>
+            </a:r>
+            <a:endParaRPr lang="fr-FR" sz="2400" dirty="0"/>
+          </a:p>
+          <a:p>
+            <a:pPr marL="0" indent="0" algn="ctr">
+              <a:buNone/>
+            </a:pPr>
+            <a:endParaRPr lang="fr-FR" sz="2400" dirty="0"/>
+          </a:p>
+          <a:p>
+            <a:pPr marL="0" indent="0" algn="ctr">
+              <a:buNone/>
+            </a:pPr>
+            <a:r>
+              <a:rPr lang="fr-FR" sz="2400" dirty="0"/>
               <a:t>Il n’y a pas de bonne ou de mauvaise réponse ! La plupart des gens prennent des risques lorsqu´ils pensent que cela vaut le coup. Répondez simplement selon ce que vous préférez : désirez-vous prendre le risque ou non ? </a:t>
             </a:r>
           </a:p>
-          <a:p>
-            <a:pPr marL="0" indent="0" algn="just">
-              <a:buNone/>
-            </a:pPr>
-            <a:endParaRPr lang="fr-FR" sz="2000" dirty="0"/>
-          </a:p>
-          <a:p>
-            <a:pPr marL="0" indent="0" algn="just">
-              <a:buNone/>
-            </a:pPr>
-            <a:r>
-              <a:rPr lang="fr-FR" sz="2000" dirty="0"/>
-              <a:t>Vous effectuerez ce test plusieurs fois. Il permettra de savoir si vous êtes plus ou moins prudent que la moyenne.</a:t>
-            </a:r>
-          </a:p>
-          <a:p>
-            <a:pPr marL="0" indent="0" algn="just">
-              <a:buNone/>
-            </a:pPr>
-            <a:endParaRPr lang="fr-FR" sz="2000" dirty="0"/>
-          </a:p>
-        </p:txBody>
-      </p:sp>
-      <p:sp>
-        <p:nvSpPr>
-          <p:cNvPr id="6" name="Rectángulo 5">
-            <a:extLst>
-              <a:ext uri="{FF2B5EF4-FFF2-40B4-BE49-F238E27FC236}">
-                <a16:creationId xmlns:a16="http://schemas.microsoft.com/office/drawing/2014/main" id="{BC71BDF1-537C-9541-9137-2B0932AC2629}"/>
-              </a:ext>
-            </a:extLst>
-          </p:cNvPr>
-          <p:cNvSpPr/>
+        </p:txBody>
+      </p:sp>
+      <p:sp>
+        <p:nvSpPr>
+          <p:cNvPr id="7" name="ZoneTexte 6"/>
+          <p:cNvSpPr txBox="1"/>
           <p:nvPr/>
         </p:nvSpPr>
         <p:spPr>
           <a:xfrm>
-            <a:off x="450273" y="488080"/>
-            <a:ext cx="3294492" cy="577850"/>
+            <a:off x="1874204" y="237893"/>
+            <a:ext cx="8443609" cy="830997"/>
           </a:xfrm>
           <a:prstGeom prst="rect">
             <a:avLst/>
           </a:prstGeom>
-        </p:spPr>
-        <p:txBody>
-          <a:bodyPr wrap="none">
+          <a:noFill/>
+        </p:spPr>
+        <p:txBody>
+          <a:bodyPr wrap="square" rtlCol="0">
             <a:spAutoFit/>
           </a:bodyPr>
           <a:lstStyle/>
           <a:p>
-            <a:pPr algn="just">
-              <a:lnSpc>
-                <a:spcPct val="150000"/>
-              </a:lnSpc>
-              <a:spcBef>
-                <a:spcPts val="200"/>
-              </a:spcBef>
-              <a:spcAft>
-                <a:spcPts val="0"/>
-              </a:spcAft>
-            </a:pPr>
-            <a:r>
-              <a:rPr lang="fr-FR" sz="2400" b="1" dirty="0">
+            <a:pPr algn="ctr"/>
+            <a:r>
+              <a:rPr lang="fr-FR" sz="2400" b="1" dirty="0" smtClean="0">
                 <a:solidFill>
-                  <a:srgbClr val="2E74B5"/>
-                </a:solidFill>
-                <a:latin typeface="Arial" panose="020B0604020202020204" pitchFamily="34" charset="0"/>
-                <a:cs typeface="Times New Roman" panose="02020603050405020304" pitchFamily="18" charset="0"/>
-              </a:rPr>
-              <a:t>1. Phase de décision </a:t>
-            </a:r>
-          </a:p>
-        </p:txBody>
-      </p:sp>
-      <p:sp>
-        <p:nvSpPr>
-          <p:cNvPr id="5" name="Rectangle 3">
-            <a:extLst>
-              <a:ext uri="{FF2B5EF4-FFF2-40B4-BE49-F238E27FC236}">
-                <a16:creationId xmlns:a16="http://schemas.microsoft.com/office/drawing/2014/main" id="{6423D572-D4F0-1A4D-8D6C-A696178315A7}"/>
-              </a:ext>
-            </a:extLst>
-          </p:cNvPr>
-          <p:cNvSpPr/>
-          <p:nvPr/>
-        </p:nvSpPr>
-        <p:spPr>
-          <a:xfrm>
-            <a:off x="1198244" y="6163525"/>
-            <a:ext cx="10380727" cy="400110"/>
-          </a:xfrm>
-          <a:prstGeom prst="rect">
-            <a:avLst/>
-          </a:prstGeom>
-        </p:spPr>
-        <p:txBody>
-          <a:bodyPr wrap="none">
-            <a:spAutoFit/>
-          </a:bodyPr>
-          <a:lstStyle/>
-          <a:p>
-            <a:r>
-              <a:rPr lang="fr-FR" sz="2000" i="1" dirty="0">
-                <a:solidFill>
-                  <a:schemeClr val="tx1">
-                    <a:lumMod val="50000"/>
-                    <a:lumOff val="50000"/>
-                  </a:schemeClr>
+                  <a:srgbClr val="0070C0"/>
                 </a:solidFill>
               </a:rPr>
-              <a:t>Appuyez sur la flèche droite [</a:t>
-            </a:r>
-            <a:r>
-              <a:rPr lang="fr-FR" sz="2000" i="1" dirty="0">
+              <a:t>PHASE DE DÉCISION: </a:t>
+            </a:r>
+            <a:r>
+              <a:rPr lang="fr-FR" sz="2400" b="1" dirty="0" smtClean="0">
                 <a:solidFill>
-                  <a:schemeClr val="tx1">
-                    <a:lumMod val="50000"/>
-                    <a:lumOff val="50000"/>
-                  </a:schemeClr>
-                </a:solidFill>
-                <a:sym typeface="Wingdings" pitchFamily="2" charset="2"/>
-              </a:rPr>
-              <a:t></a:t>
-            </a:r>
-            <a:r>
-              <a:rPr lang="fr-FR" sz="2000" i="1" dirty="0">
-                <a:solidFill>
-                  <a:schemeClr val="tx1">
-                    <a:lumMod val="50000"/>
-                    <a:lumOff val="50000"/>
-                  </a:schemeClr>
+                  <a:srgbClr val="0070C0"/>
                 </a:solidFill>
               </a:rPr>
-              <a:t>] pour continuer ou sur la flèche gauche [</a:t>
-            </a:r>
-            <a:r>
-              <a:rPr lang="fr-FR" sz="2000" i="1" dirty="0">
-                <a:solidFill>
-                  <a:schemeClr val="tx1">
-                    <a:lumMod val="50000"/>
-                    <a:lumOff val="50000"/>
-                  </a:schemeClr>
-                </a:solidFill>
-                <a:sym typeface="Wingdings" pitchFamily="2" charset="2"/>
-              </a:rPr>
-              <a:t>] pour revenir en arrière</a:t>
-            </a:r>
-            <a:endParaRPr lang="fr-FR" sz="2000" i="1" dirty="0">
-              <a:solidFill>
-                <a:schemeClr val="tx1">
-                  <a:lumMod val="50000"/>
-                  <a:lumOff val="50000"/>
-                </a:schemeClr>
-              </a:solidFill>
-            </a:endParaRPr>
+              <a:t>PRINCIPE</a:t>
+            </a:r>
+            <a:endParaRPr lang="en-GB" sz="2400" dirty="0"/>
+          </a:p>
+          <a:p>
+            <a:pPr algn="ctr"/>
+            <a:endParaRPr lang="en-GB" sz="2400" dirty="0"/>
           </a:p>
         </p:txBody>
       </p:sp>
@@ -5996,6 +6837,13 @@
   <p:clrMapOvr>
     <a:masterClrMapping/>
   </p:clrMapOvr>
+  <p:timing>
+    <p:tnLst>
+      <p:par>
+        <p:cTn id="1" dur="indefinite" restart="never" nodeType="tmRoot"/>
+      </p:par>
+    </p:tnLst>
+  </p:timing>
 </p:sld>
 </file>
 
@@ -6034,204 +6882,82 @@
         </p:spPr>
         <p:txBody>
           <a:bodyPr>
-            <a:normAutofit fontScale="92500" lnSpcReduction="10000"/>
+            <a:normAutofit/>
           </a:bodyPr>
           <a:lstStyle/>
           <a:p>
-            <a:pPr marL="0" indent="0" algn="just">
-              <a:buNone/>
-            </a:pPr>
-            <a:r>
-              <a:rPr lang="fr-FR" sz="1800" dirty="0"/>
-              <a:t>Cette tache se compose de </a:t>
-            </a:r>
-            <a:r>
-              <a:rPr lang="fr-FR" sz="1800" dirty="0">
-                <a:solidFill>
-                  <a:srgbClr val="FF0000"/>
-                </a:solidFill>
-              </a:rPr>
-              <a:t>34 essais</a:t>
-            </a:r>
-            <a:r>
-              <a:rPr lang="fr-FR" sz="1800" dirty="0"/>
-              <a:t>. A chaque essai, vous recevrez une quantité initiale de </a:t>
-            </a:r>
-            <a:r>
-              <a:rPr lang="fr-FR" sz="1800" dirty="0">
-                <a:solidFill>
-                  <a:srgbClr val="FF0000"/>
-                </a:solidFill>
-              </a:rPr>
-              <a:t>50 euros</a:t>
-            </a:r>
-            <a:r>
-              <a:rPr lang="fr-FR" sz="1800" dirty="0"/>
-              <a:t>. Vous devrez choisir entre une option sûre et une option risquée:</a:t>
-            </a:r>
-          </a:p>
-          <a:p>
-            <a:pPr algn="just"/>
-            <a:r>
-              <a:rPr lang="fr-FR" sz="1800" dirty="0"/>
-              <a:t>Si vous choisissez </a:t>
-            </a:r>
-            <a:r>
-              <a:rPr lang="fr-FR" sz="1800" dirty="0">
-                <a:solidFill>
-                  <a:srgbClr val="FF0000"/>
-                </a:solidFill>
-              </a:rPr>
-              <a:t>l'option sûre</a:t>
-            </a:r>
-            <a:r>
-              <a:rPr lang="fr-FR" sz="1800" dirty="0"/>
-              <a:t>, vous garderez ou perdrez une partie des 50 euros initiaux. Lisez attentivement les instructions: parfois, les instructions indiqueront « Perdre X euros » et parfois, elles indiqueront « Garder X euros ».</a:t>
-            </a:r>
-          </a:p>
-          <a:p>
-            <a:pPr algn="just"/>
-            <a:r>
-              <a:rPr lang="fr-FR" sz="1800" dirty="0"/>
-              <a:t>Si vous choisissez </a:t>
-            </a:r>
-            <a:r>
-              <a:rPr lang="fr-FR" sz="1800" dirty="0">
-                <a:solidFill>
-                  <a:srgbClr val="FF0000"/>
-                </a:solidFill>
-              </a:rPr>
-              <a:t>l'option risquée</a:t>
-            </a:r>
-            <a:r>
-              <a:rPr lang="fr-FR" sz="1800" dirty="0"/>
-              <a:t>, vous pariez que vous gardez les 50 euros avec une probabilité P, par exemple 25%. Dans ce cas, évidemment, il y a 75% de risque que vous perdiez les 50 euros. Donc, plus la probabilité P est petite, plus vous prenez un risque important. La probabilité P de garder les 50 euros sera représentée par la portion verte d´un diagramme en camembert (voir la figure plus bas) et la probabilité 1-P de perdre les 50 euros sera représentée par la portion rouge.</a:t>
-            </a:r>
-          </a:p>
-          <a:p>
-            <a:pPr marL="0" indent="0">
-              <a:buNone/>
-            </a:pPr>
-            <a:r>
-              <a:rPr lang="fr-FR" sz="1800" dirty="0">
+            <a:pPr marL="0" indent="0" algn="ctr">
+              <a:buNone/>
+            </a:pPr>
+            <a:r>
+              <a:rPr lang="fr-FR" sz="2400" dirty="0" smtClean="0"/>
+              <a:t>A </a:t>
+            </a:r>
+            <a:r>
+              <a:rPr lang="fr-FR" sz="2400" dirty="0"/>
+              <a:t>chaque </a:t>
+            </a:r>
+            <a:r>
+              <a:rPr lang="fr-FR" sz="2400" dirty="0" smtClean="0"/>
+              <a:t>choix, </a:t>
+            </a:r>
+            <a:r>
+              <a:rPr lang="fr-FR" sz="2400" dirty="0"/>
+              <a:t>vous recevrez une quantité </a:t>
+            </a:r>
+            <a:r>
+              <a:rPr lang="fr-FR" sz="2400" dirty="0" smtClean="0"/>
+              <a:t>virtuelle d’argent </a:t>
+            </a:r>
+            <a:r>
+              <a:rPr lang="fr-FR" sz="2400" dirty="0"/>
+              <a:t>de 50 euros. Vous devrez choisir entre une option sûre et une option </a:t>
+            </a:r>
+            <a:r>
+              <a:rPr lang="fr-FR" sz="2400" dirty="0" smtClean="0"/>
+              <a:t>risquée.</a:t>
+            </a:r>
+          </a:p>
+          <a:p>
+            <a:pPr marL="0" indent="0" algn="ctr">
+              <a:buNone/>
+            </a:pPr>
+            <a:r>
+              <a:rPr lang="fr-FR" sz="2400" dirty="0" smtClean="0"/>
+              <a:t>Si </a:t>
+            </a:r>
+            <a:r>
+              <a:rPr lang="fr-FR" sz="2400" dirty="0"/>
+              <a:t>vous choisissez l'option sûre, vous garderez ou perdrez une partie des 50 euros initiaux. Lisez attentivement les instructions: parfois, les instructions indiqueront « Perdre X euros » et parfois, elles indiqueront « Garder X euros ».</a:t>
+            </a:r>
+          </a:p>
+          <a:p>
+            <a:pPr marL="0" indent="0" algn="ctr">
+              <a:buNone/>
+            </a:pPr>
+            <a:r>
+              <a:rPr lang="fr-FR" sz="2400" dirty="0"/>
+              <a:t>Si vous choisissez l'option risquée, vous pariez que vous gardez les 50 euros avec une probabilité P, par exemple 25%. Dans ce cas, évidemment, il y a 75% de risque que vous perdiez les 50 euros. Donc, plus la probabilité P est petite, plus vous prenez un risque important. La probabilité P de garder les 50 euros sera représentée par la portion verte d´un diagramme en camembert (voir la figure plus bas) et la probabilité 1-P de perdre les 50 euros sera représentée par la portion </a:t>
+            </a:r>
+            <a:r>
+              <a:rPr lang="fr-FR" sz="2400" dirty="0" smtClean="0"/>
+              <a:t>rouge:</a:t>
+            </a:r>
+            <a:endParaRPr lang="fr-FR" sz="2400" dirty="0"/>
+          </a:p>
+          <a:p>
+            <a:pPr marL="0" indent="0" algn="ctr">
+              <a:buNone/>
+            </a:pPr>
+            <a:r>
+              <a:rPr lang="fr-FR" sz="2400" dirty="0">
                 <a:solidFill>
                   <a:srgbClr val="FF0000"/>
                 </a:solidFill>
               </a:rPr>
               <a:t>                                        </a:t>
             </a:r>
-          </a:p>
-          <a:p>
-            <a:pPr marL="0" indent="0">
-              <a:buNone/>
-            </a:pPr>
-            <a:r>
-              <a:rPr lang="fr-FR" sz="1800" dirty="0">
-                <a:solidFill>
-                  <a:srgbClr val="FF0000"/>
-                </a:solidFill>
-              </a:rPr>
-              <a:t>                                          Option sûre                                                                             Option risquée</a:t>
-            </a:r>
-          </a:p>
-          <a:p>
-            <a:pPr marL="0" indent="0" algn="just">
-              <a:buNone/>
-            </a:pPr>
-            <a:endParaRPr lang="fr-FR" sz="1800" dirty="0"/>
-          </a:p>
-          <a:p>
-            <a:pPr marL="0" indent="0" algn="just">
-              <a:buNone/>
-            </a:pPr>
-            <a:endParaRPr lang="fr-FR" sz="1800" dirty="0"/>
-          </a:p>
-          <a:p>
-            <a:pPr marL="0" indent="0" algn="just">
-              <a:buNone/>
-            </a:pPr>
-            <a:r>
-              <a:rPr lang="fr-FR" sz="1800" dirty="0"/>
-              <a:t>		  Garder 13 euros                                 vs.</a:t>
-            </a:r>
-          </a:p>
-          <a:p>
-            <a:pPr marL="0" indent="0" algn="just">
-              <a:buNone/>
-            </a:pPr>
-            <a:endParaRPr lang="fr-FR" sz="1800" dirty="0"/>
-          </a:p>
-          <a:p>
-            <a:pPr marL="0" indent="0" algn="just">
-              <a:buNone/>
-            </a:pPr>
-            <a:endParaRPr lang="fr-FR" sz="1800" dirty="0"/>
-          </a:p>
-          <a:p>
-            <a:pPr marL="0" indent="0" algn="just">
-              <a:buNone/>
-            </a:pPr>
-            <a:endParaRPr lang="fr-FR" sz="1800" dirty="0"/>
-          </a:p>
-          <a:p>
-            <a:pPr marL="0" indent="0" algn="just">
-              <a:buNone/>
-            </a:pPr>
-            <a:r>
-              <a:rPr lang="fr-FR" sz="1800" dirty="0"/>
-              <a:t>Regardez les deux options et choisissez celle que vous préférez. Utilisez la souris pour appuyer sur le bouton "Je choisis cette option !" pour enregistrer votre réponse et passer à la suite. </a:t>
-            </a:r>
-          </a:p>
-        </p:txBody>
-      </p:sp>
-      <p:sp>
-        <p:nvSpPr>
-          <p:cNvPr id="5" name="Rectángulo 4">
-            <a:extLst>
-              <a:ext uri="{FF2B5EF4-FFF2-40B4-BE49-F238E27FC236}">
-                <a16:creationId xmlns:a16="http://schemas.microsoft.com/office/drawing/2014/main" id="{7341A93F-6626-504F-B534-D779E9399A22}"/>
-              </a:ext>
-            </a:extLst>
-          </p:cNvPr>
-          <p:cNvSpPr/>
-          <p:nvPr/>
-        </p:nvSpPr>
-        <p:spPr>
-          <a:xfrm>
-            <a:off x="519203" y="232313"/>
-            <a:ext cx="2776722" cy="496931"/>
-          </a:xfrm>
-          <a:prstGeom prst="rect">
-            <a:avLst/>
-          </a:prstGeom>
-        </p:spPr>
-        <p:txBody>
-          <a:bodyPr wrap="none">
-            <a:spAutoFit/>
-          </a:bodyPr>
-          <a:lstStyle/>
-          <a:p>
-            <a:pPr algn="just">
-              <a:lnSpc>
-                <a:spcPct val="150000"/>
-              </a:lnSpc>
-              <a:spcBef>
-                <a:spcPts val="200"/>
-              </a:spcBef>
-              <a:spcAft>
-                <a:spcPts val="0"/>
-              </a:spcAft>
-            </a:pPr>
-            <a:r>
-              <a:rPr lang="fr-FR" sz="2000" b="1" dirty="0">
-                <a:solidFill>
-                  <a:srgbClr val="2E74B5"/>
-                </a:solidFill>
-                <a:latin typeface="Arial" panose="020B0604020202020204" pitchFamily="34" charset="0"/>
-                <a:cs typeface="Times New Roman" panose="02020603050405020304" pitchFamily="18" charset="0"/>
-              </a:rPr>
-              <a:t>1. Phase de décision </a:t>
-            </a:r>
+            <a:endParaRPr lang="fr-FR" sz="2400" dirty="0"/>
           </a:p>
         </p:txBody>
       </p:sp>
@@ -6262,7 +6988,7 @@
         </p:blipFill>
         <p:spPr>
           <a:xfrm>
-            <a:off x="7498080" y="3640636"/>
+            <a:off x="5337185" y="5055457"/>
             <a:ext cx="1792224" cy="1679448"/>
           </a:xfrm>
           <a:prstGeom prst="rect">
@@ -6272,130 +6998,40 @@
       </p:pic>
       <p:sp>
         <p:nvSpPr>
-          <p:cNvPr id="6" name="Rectangle 3">
-            <a:extLst>
-              <a:ext uri="{FF2B5EF4-FFF2-40B4-BE49-F238E27FC236}">
-                <a16:creationId xmlns:a16="http://schemas.microsoft.com/office/drawing/2014/main" id="{4B90CD4B-3742-F444-BED2-24C4FA254327}"/>
-              </a:ext>
-            </a:extLst>
-          </p:cNvPr>
-          <p:cNvSpPr/>
+          <p:cNvPr id="7" name="ZoneTexte 6"/>
+          <p:cNvSpPr txBox="1"/>
           <p:nvPr/>
         </p:nvSpPr>
         <p:spPr>
           <a:xfrm>
-            <a:off x="905636" y="6275982"/>
-            <a:ext cx="10380727" cy="400110"/>
-          </a:xfrm>
-          <a:prstGeom prst="rect">
-            <a:avLst/>
-          </a:prstGeom>
-        </p:spPr>
-        <p:txBody>
-          <a:bodyPr wrap="none">
-            <a:spAutoFit/>
-          </a:bodyPr>
-          <a:lstStyle/>
-          <a:p>
-            <a:r>
-              <a:rPr lang="fr-FR" sz="2000" i="1" dirty="0">
-                <a:solidFill>
-                  <a:schemeClr val="tx1">
-                    <a:lumMod val="50000"/>
-                    <a:lumOff val="50000"/>
-                  </a:schemeClr>
-                </a:solidFill>
-              </a:rPr>
-              <a:t>Appuyez sur la flèche droite [</a:t>
-            </a:r>
-            <a:r>
-              <a:rPr lang="fr-FR" sz="2000" i="1" dirty="0">
-                <a:solidFill>
-                  <a:schemeClr val="tx1">
-                    <a:lumMod val="50000"/>
-                    <a:lumOff val="50000"/>
-                  </a:schemeClr>
-                </a:solidFill>
-                <a:sym typeface="Wingdings" pitchFamily="2" charset="2"/>
-              </a:rPr>
-              <a:t></a:t>
-            </a:r>
-            <a:r>
-              <a:rPr lang="fr-FR" sz="2000" i="1" dirty="0">
-                <a:solidFill>
-                  <a:schemeClr val="tx1">
-                    <a:lumMod val="50000"/>
-                    <a:lumOff val="50000"/>
-                  </a:schemeClr>
-                </a:solidFill>
-              </a:rPr>
-              <a:t>] pour continuer ou sur la flèche gauche [</a:t>
-            </a:r>
-            <a:r>
-              <a:rPr lang="fr-FR" sz="2000" i="1" dirty="0">
-                <a:solidFill>
-                  <a:schemeClr val="tx1">
-                    <a:lumMod val="50000"/>
-                    <a:lumOff val="50000"/>
-                  </a:schemeClr>
-                </a:solidFill>
-                <a:sym typeface="Wingdings" pitchFamily="2" charset="2"/>
-              </a:rPr>
-              <a:t>] pour revenir en arrière</a:t>
-            </a:r>
-            <a:endParaRPr lang="fr-FR" sz="2000" i="1" dirty="0">
-              <a:solidFill>
-                <a:schemeClr val="tx1">
-                  <a:lumMod val="50000"/>
-                  <a:lumOff val="50000"/>
-                </a:schemeClr>
-              </a:solidFill>
-            </a:endParaRPr>
-          </a:p>
-        </p:txBody>
-      </p:sp>
-      <p:sp>
-        <p:nvSpPr>
-          <p:cNvPr id="4" name="Rectángulo 3">
-            <a:extLst>
-              <a:ext uri="{FF2B5EF4-FFF2-40B4-BE49-F238E27FC236}">
-                <a16:creationId xmlns:a16="http://schemas.microsoft.com/office/drawing/2014/main" id="{B34BF889-E4E5-4A4D-9F95-F6683AE17FD0}"/>
-              </a:ext>
-            </a:extLst>
-          </p:cNvPr>
-          <p:cNvSpPr/>
-          <p:nvPr/>
-        </p:nvSpPr>
-        <p:spPr>
-          <a:xfrm>
-            <a:off x="2401824" y="3108960"/>
-            <a:ext cx="6888480" cy="2377440"/>
+            <a:off x="1874204" y="101416"/>
+            <a:ext cx="8443609" cy="830997"/>
           </a:xfrm>
           <a:prstGeom prst="rect">
             <a:avLst/>
           </a:prstGeom>
           <a:noFill/>
         </p:spPr>
-        <p:style>
-          <a:lnRef idx="2">
-            <a:schemeClr val="dk1"/>
-          </a:lnRef>
-          <a:fillRef idx="1">
-            <a:schemeClr val="lt1"/>
-          </a:fillRef>
-          <a:effectRef idx="0">
-            <a:schemeClr val="dk1"/>
-          </a:effectRef>
-          <a:fontRef idx="minor">
-            <a:schemeClr val="dk1"/>
-          </a:fontRef>
-        </p:style>
-        <p:txBody>
-          <a:bodyPr rtlCol="0" anchor="ctr"/>
+        <p:txBody>
+          <a:bodyPr wrap="square" rtlCol="0">
+            <a:spAutoFit/>
+          </a:bodyPr>
           <a:lstStyle/>
           <a:p>
             <a:pPr algn="ctr"/>
-            <a:endParaRPr lang="en-GB"/>
+            <a:r>
+              <a:rPr lang="fr-FR" sz="2400" b="1" dirty="0" smtClean="0">
+                <a:solidFill>
+                  <a:srgbClr val="0070C0"/>
+                </a:solidFill>
+              </a:rPr>
+              <a:t>PHASE DE DÉCISION: CHOIX RISQUÉ</a:t>
+            </a:r>
+            <a:endParaRPr lang="en-GB" sz="2400" dirty="0"/>
+          </a:p>
+          <a:p>
+            <a:pPr algn="ctr"/>
+            <a:endParaRPr lang="en-GB" sz="2400" dirty="0"/>
           </a:p>
         </p:txBody>
       </p:sp>
@@ -6409,6 +7045,13 @@
   <p:clrMapOvr>
     <a:masterClrMapping/>
   </p:clrMapOvr>
+  <p:timing>
+    <p:tnLst>
+      <p:par>
+        <p:cTn id="1" dur="indefinite" restart="never" nodeType="tmRoot"/>
+      </p:par>
+    </p:tnLst>
+  </p:timing>
 </p:sld>
 </file>
 
@@ -6441,8 +7084,8 @@
         </p:nvSpPr>
         <p:spPr>
           <a:xfrm>
-            <a:off x="838200" y="1339879"/>
-            <a:ext cx="10515600" cy="4690305"/>
+            <a:off x="648245" y="2304043"/>
+            <a:ext cx="10705555" cy="3832907"/>
           </a:xfrm>
         </p:spPr>
         <p:txBody>
@@ -6451,447 +7094,127 @@
           </a:bodyPr>
           <a:lstStyle/>
           <a:p>
+            <a:pPr marL="0" indent="0" algn="ctr">
+              <a:buNone/>
+            </a:pPr>
+            <a:r>
+              <a:rPr lang="fr-FR" sz="2400" i="1" dirty="0" smtClean="0"/>
+              <a:t>Vous recevez </a:t>
+            </a:r>
+            <a:r>
+              <a:rPr lang="fr-FR" sz="2400" i="1" dirty="0"/>
+              <a:t>une somme initial de 50 euros. Quelle option </a:t>
+            </a:r>
+            <a:r>
+              <a:rPr lang="fr-FR" sz="2400" i="1" dirty="0" smtClean="0"/>
+              <a:t>allez-vous </a:t>
+            </a:r>
+            <a:r>
+              <a:rPr lang="fr-FR" sz="2400" i="1" dirty="0"/>
+              <a:t>choisir ?</a:t>
+            </a:r>
+          </a:p>
+          <a:p>
             <a:pPr marL="0" indent="0" algn="just">
               <a:buNone/>
             </a:pPr>
-            <a:r>
-              <a:rPr lang="fr-FR" sz="2000" dirty="0"/>
-              <a:t>Durant la « </a:t>
-            </a:r>
-            <a:r>
-              <a:rPr lang="fr-FR" sz="2000" dirty="0">
+            <a:endParaRPr lang="fr-FR" sz="2400" dirty="0"/>
+          </a:p>
+          <a:p>
+            <a:pPr marL="0" indent="0" algn="just">
+              <a:buNone/>
+            </a:pPr>
+            <a:r>
+              <a:rPr lang="fr-FR" sz="2400" dirty="0">
                 <a:solidFill>
                   <a:srgbClr val="FF0000"/>
                 </a:solidFill>
               </a:rPr>
-              <a:t>phase de prédiction </a:t>
-            </a:r>
-            <a:r>
-              <a:rPr lang="fr-FR" sz="2000" dirty="0"/>
-              <a:t>», vous devrez prédire les choix d’autres participants ayant participé au même jeu d´argent avant vous. </a:t>
-            </a:r>
-          </a:p>
-          <a:p>
-            <a:pPr marL="0" indent="0" algn="just">
-              <a:buNone/>
-            </a:pPr>
-            <a:endParaRPr lang="fr-FR" sz="2000" dirty="0"/>
-          </a:p>
-          <a:p>
-            <a:pPr marL="0" indent="0">
-              <a:buNone/>
-            </a:pPr>
-            <a:r>
-              <a:rPr lang="fr-FR" sz="2000" dirty="0"/>
-              <a:t>Ici, nous évaluerons votre capacité à comprendre et à anticiper la prise de risque d´autres personnes. Vous aurez la possibilité d´améliorer progressivement vos prédictions. En effet, après chaque prédictions, nous vous dirons si elle était correcte ou non. </a:t>
-            </a:r>
-          </a:p>
-          <a:p>
-            <a:pPr marL="0" indent="0">
-              <a:buNone/>
-            </a:pPr>
-            <a:endParaRPr lang="fr-FR" sz="2000" dirty="0"/>
-          </a:p>
-          <a:p>
-            <a:pPr marL="0" indent="0">
-              <a:buNone/>
-            </a:pPr>
-            <a:r>
-              <a:rPr lang="fr-FR" sz="2000" dirty="0"/>
-              <a:t>Vous devrez effectuer ce jeu plusieurs fois. Attention : chaque phase de prédiction correspond à un participant diffèrent qui pourra être plus ou moins prudent(e) que la normale. </a:t>
-            </a:r>
-            <a:endParaRPr lang="es-FR" sz="2000" dirty="0"/>
-          </a:p>
-          <a:p>
-            <a:pPr marL="0" indent="0" algn="just">
-              <a:buNone/>
-            </a:pPr>
-            <a:endParaRPr lang="fr-FR" sz="2000" dirty="0"/>
-          </a:p>
-        </p:txBody>
-      </p:sp>
-      <p:sp>
-        <p:nvSpPr>
-          <p:cNvPr id="6" name="Rectángulo 5">
-            <a:extLst>
-              <a:ext uri="{FF2B5EF4-FFF2-40B4-BE49-F238E27FC236}">
-                <a16:creationId xmlns:a16="http://schemas.microsoft.com/office/drawing/2014/main" id="{4280B72D-014F-7C4A-BDC1-1F7C1AE5B6C5}"/>
-              </a:ext>
-            </a:extLst>
-          </p:cNvPr>
-          <p:cNvSpPr/>
-          <p:nvPr/>
-        </p:nvSpPr>
-        <p:spPr>
-          <a:xfrm>
-            <a:off x="420618" y="488080"/>
-            <a:ext cx="3533340" cy="577850"/>
-          </a:xfrm>
-          <a:prstGeom prst="rect">
-            <a:avLst/>
-          </a:prstGeom>
-        </p:spPr>
-        <p:txBody>
-          <a:bodyPr wrap="none">
-            <a:spAutoFit/>
-          </a:bodyPr>
-          <a:lstStyle/>
-          <a:p>
-            <a:pPr algn="just">
-              <a:lnSpc>
-                <a:spcPct val="150000"/>
-              </a:lnSpc>
-              <a:spcBef>
-                <a:spcPts val="200"/>
-              </a:spcBef>
-              <a:spcAft>
-                <a:spcPts val="0"/>
-              </a:spcAft>
-            </a:pPr>
-            <a:r>
-              <a:rPr lang="fr-FR" sz="2400" b="1" dirty="0">
-                <a:solidFill>
-                  <a:srgbClr val="2E74B5"/>
-                </a:solidFill>
-                <a:latin typeface="Arial" panose="020B0604020202020204" pitchFamily="34" charset="0"/>
-                <a:cs typeface="Times New Roman" panose="02020603050405020304" pitchFamily="18" charset="0"/>
-              </a:rPr>
-              <a:t>2. Phase de prédiction </a:t>
-            </a:r>
-          </a:p>
-        </p:txBody>
-      </p:sp>
-      <p:sp>
-        <p:nvSpPr>
-          <p:cNvPr id="5" name="Rectangle 3">
-            <a:extLst>
-              <a:ext uri="{FF2B5EF4-FFF2-40B4-BE49-F238E27FC236}">
-                <a16:creationId xmlns:a16="http://schemas.microsoft.com/office/drawing/2014/main" id="{F7258FF3-E7FF-604E-B675-45D1C8B294DA}"/>
-              </a:ext>
-            </a:extLst>
-          </p:cNvPr>
-          <p:cNvSpPr/>
-          <p:nvPr/>
-        </p:nvSpPr>
-        <p:spPr>
-          <a:xfrm>
-            <a:off x="905636" y="6104078"/>
-            <a:ext cx="10380727" cy="400110"/>
-          </a:xfrm>
-          <a:prstGeom prst="rect">
-            <a:avLst/>
-          </a:prstGeom>
-        </p:spPr>
-        <p:txBody>
-          <a:bodyPr wrap="none">
-            <a:spAutoFit/>
-          </a:bodyPr>
-          <a:lstStyle/>
-          <a:p>
-            <a:r>
-              <a:rPr lang="fr-FR" sz="2000" i="1" dirty="0">
-                <a:solidFill>
-                  <a:schemeClr val="tx1">
-                    <a:lumMod val="50000"/>
-                    <a:lumOff val="50000"/>
-                  </a:schemeClr>
-                </a:solidFill>
-              </a:rPr>
-              <a:t>Appuyez sur la flèche droite [</a:t>
-            </a:r>
-            <a:r>
-              <a:rPr lang="fr-FR" sz="2000" i="1" dirty="0">
-                <a:solidFill>
-                  <a:schemeClr val="tx1">
-                    <a:lumMod val="50000"/>
-                    <a:lumOff val="50000"/>
-                  </a:schemeClr>
-                </a:solidFill>
-                <a:sym typeface="Wingdings" pitchFamily="2" charset="2"/>
-              </a:rPr>
-              <a:t></a:t>
-            </a:r>
-            <a:r>
-              <a:rPr lang="fr-FR" sz="2000" i="1" dirty="0">
-                <a:solidFill>
-                  <a:schemeClr val="tx1">
-                    <a:lumMod val="50000"/>
-                    <a:lumOff val="50000"/>
-                  </a:schemeClr>
-                </a:solidFill>
-              </a:rPr>
-              <a:t>] pour continuer ou sur la flèche gauche [</a:t>
-            </a:r>
-            <a:r>
-              <a:rPr lang="fr-FR" sz="2000" i="1" dirty="0">
-                <a:solidFill>
-                  <a:schemeClr val="tx1">
-                    <a:lumMod val="50000"/>
-                    <a:lumOff val="50000"/>
-                  </a:schemeClr>
-                </a:solidFill>
-                <a:sym typeface="Wingdings" pitchFamily="2" charset="2"/>
-              </a:rPr>
-              <a:t>] pour revenir en arrière</a:t>
-            </a:r>
-            <a:endParaRPr lang="fr-FR" sz="2000" i="1" dirty="0">
-              <a:solidFill>
-                <a:schemeClr val="tx1">
-                  <a:lumMod val="50000"/>
-                  <a:lumOff val="50000"/>
-                </a:schemeClr>
-              </a:solidFill>
-            </a:endParaRPr>
-          </a:p>
-        </p:txBody>
-      </p:sp>
-    </p:spTree>
-    <p:extLst>
-      <p:ext uri="{BB962C8B-B14F-4D97-AF65-F5344CB8AC3E}">
-        <p14:creationId xmlns:p14="http://schemas.microsoft.com/office/powerpoint/2010/main" val="4101977217"/>
-      </p:ext>
-    </p:extLst>
-  </p:cSld>
-  <p:clrMapOvr>
-    <a:masterClrMapping/>
-  </p:clrMapOvr>
-</p:sld>
-</file>
-
-<file path=ppt/slides/slide6.xml><?xml version="1.0" encoding="utf-8"?>
-<p:sld xmlns:a="http://schemas.openxmlformats.org/drawingml/2006/main" xmlns:r="http://schemas.openxmlformats.org/officeDocument/2006/relationships" xmlns:p="http://schemas.openxmlformats.org/presentationml/2006/main">
-  <p:cSld>
-    <p:spTree>
-      <p:nvGrpSpPr>
-        <p:cNvPr id="1" name=""/>
-        <p:cNvGrpSpPr/>
-        <p:nvPr/>
-      </p:nvGrpSpPr>
-      <p:grpSpPr>
-        <a:xfrm>
-          <a:off x="0" y="0"/>
-          <a:ext cx="0" cy="0"/>
-          <a:chOff x="0" y="0"/>
-          <a:chExt cx="0" cy="0"/>
-        </a:xfrm>
-      </p:grpSpPr>
-      <p:sp>
-        <p:nvSpPr>
-          <p:cNvPr id="3" name="Espace réservé du contenu 2"/>
-          <p:cNvSpPr>
-            <a:spLocks noGrp="1"/>
-          </p:cNvSpPr>
-          <p:nvPr>
-            <p:ph idx="1"/>
-          </p:nvPr>
-        </p:nvSpPr>
-        <p:spPr>
-          <a:xfrm>
-            <a:off x="648245" y="716347"/>
-            <a:ext cx="10705555" cy="5653572"/>
-          </a:xfrm>
-        </p:spPr>
-        <p:txBody>
-          <a:bodyPr>
-            <a:normAutofit fontScale="92500" lnSpcReduction="20000"/>
-          </a:bodyPr>
-          <a:lstStyle/>
-          <a:p>
-            <a:pPr marL="0" indent="0" algn="just">
-              <a:buNone/>
-            </a:pPr>
-            <a:r>
-              <a:rPr lang="fr-FR" sz="1900" dirty="0"/>
-              <a:t>Dans cette tache, vous devez deviner les choix qu'a fait une autre personne dans la tache de décision précédente (</a:t>
-            </a:r>
-            <a:r>
-              <a:rPr lang="fr-FR" sz="1900" dirty="0">
+              <a:t>                              </a:t>
+            </a:r>
+            <a:r>
+              <a:rPr lang="fr-FR" sz="2400" dirty="0" smtClean="0">
                 <a:solidFill>
                   <a:srgbClr val="FF0000"/>
                 </a:solidFill>
               </a:rPr>
-              <a:t>34 choix, </a:t>
-            </a:r>
-            <a:r>
-              <a:rPr lang="fr-FR" sz="1900" dirty="0"/>
-              <a:t>comme pour vous). Rappelez-vous que cette personne peut être plus ou moins prudente que la moyenne.</a:t>
-            </a:r>
-          </a:p>
-          <a:p>
-            <a:pPr marL="0" indent="0" algn="just">
-              <a:buNone/>
-            </a:pPr>
-            <a:endParaRPr lang="fr-FR" sz="1900" dirty="0"/>
-          </a:p>
-          <a:p>
-            <a:pPr marL="0" indent="0" algn="ctr">
-              <a:buNone/>
-            </a:pPr>
-            <a:r>
-              <a:rPr lang="fr-FR" sz="1900" i="1" dirty="0"/>
-              <a:t>Julia reçoit une somme initial de 50 euros. Quelle option va t-elle choisir ?</a:t>
-            </a:r>
-          </a:p>
-          <a:p>
-            <a:pPr marL="0" indent="0" algn="just">
-              <a:buNone/>
-            </a:pPr>
-            <a:endParaRPr lang="fr-FR" sz="1900" dirty="0"/>
-          </a:p>
-          <a:p>
-            <a:pPr marL="0" indent="0" algn="just">
-              <a:buNone/>
-            </a:pPr>
-            <a:r>
-              <a:rPr lang="fr-FR" sz="1900" dirty="0">
+              <a:t>      </a:t>
+            </a:r>
+            <a:r>
+              <a:rPr lang="fr-FR" sz="2400" dirty="0" smtClean="0"/>
+              <a:t>Option </a:t>
+            </a:r>
+            <a:r>
+              <a:rPr lang="fr-FR" sz="2400" dirty="0"/>
+              <a:t>sûre</a:t>
+            </a:r>
+            <a:r>
+              <a:rPr lang="fr-FR" sz="2400" dirty="0">
                 <a:solidFill>
                   <a:srgbClr val="FF0000"/>
                 </a:solidFill>
               </a:rPr>
-              <a:t>                                          Option sûre                                                                      Option risquée</a:t>
+              <a:t>                                 </a:t>
+            </a:r>
+            <a:r>
+              <a:rPr lang="fr-FR" sz="2400" dirty="0" smtClean="0"/>
+              <a:t>Option </a:t>
+            </a:r>
+            <a:r>
+              <a:rPr lang="fr-FR" sz="2400" dirty="0"/>
+              <a:t>risquée</a:t>
             </a:r>
           </a:p>
           <a:p>
             <a:pPr marL="0" indent="0" algn="just">
               <a:buNone/>
             </a:pPr>
-            <a:endParaRPr lang="fr-FR" sz="1900" dirty="0"/>
+            <a:endParaRPr lang="fr-FR" sz="2400" dirty="0"/>
           </a:p>
           <a:p>
             <a:pPr marL="0" indent="0" algn="just">
               <a:buNone/>
             </a:pPr>
-            <a:endParaRPr lang="fr-FR" sz="1900" dirty="0"/>
+            <a:endParaRPr lang="fr-FR" sz="2400" dirty="0"/>
           </a:p>
           <a:p>
             <a:pPr marL="0" indent="0" algn="just">
               <a:buNone/>
             </a:pPr>
             <a:r>
-              <a:rPr lang="fr-FR" sz="1900" dirty="0"/>
-              <a:t>		  Garder 13 euros                                vs. </a:t>
+              <a:rPr lang="fr-FR" sz="2400" dirty="0"/>
+              <a:t>		  </a:t>
+            </a:r>
+            <a:r>
+              <a:rPr lang="fr-FR" sz="2400" dirty="0" smtClean="0"/>
+              <a:t>    Garder </a:t>
+            </a:r>
+            <a:r>
+              <a:rPr lang="fr-FR" sz="2400" dirty="0"/>
+              <a:t>13 euros            </a:t>
+            </a:r>
+            <a:r>
+              <a:rPr lang="fr-FR" sz="2400" dirty="0" smtClean="0"/>
+              <a:t>vs. </a:t>
             </a:r>
           </a:p>
           <a:p>
             <a:pPr marL="0" indent="0" algn="just">
               <a:buNone/>
             </a:pPr>
-            <a:endParaRPr lang="fr-FR" sz="1900" dirty="0"/>
+            <a:endParaRPr lang="fr-FR" sz="2400" dirty="0"/>
           </a:p>
           <a:p>
             <a:pPr marL="0" indent="0" algn="just">
               <a:buNone/>
             </a:pPr>
-            <a:endParaRPr lang="fr-FR" sz="1900" dirty="0"/>
+            <a:endParaRPr lang="fr-FR" sz="2400" dirty="0"/>
           </a:p>
           <a:p>
             <a:pPr marL="0" indent="0" algn="just">
               <a:buNone/>
             </a:pPr>
-            <a:endParaRPr lang="fr-FR" sz="1900" dirty="0"/>
-          </a:p>
-          <a:p>
-            <a:pPr marL="0" indent="0" algn="just">
-              <a:buNone/>
-            </a:pPr>
-            <a:r>
-              <a:rPr lang="fr-FR" sz="1900" dirty="0"/>
-              <a:t>A chaque essai, regardez les deux options qui ont été présentées à l’autre personne et indiquez celle que vous pensez qu’elle a choisi en cliquant sur le bouton "Il / Elle choisira cette option !". Nous vous informerons alors si votre prédiction était correcte ou non. </a:t>
-            </a:r>
-          </a:p>
-          <a:p>
-            <a:pPr marL="0" indent="0" algn="just">
-              <a:buNone/>
-            </a:pPr>
-            <a:r>
-              <a:rPr lang="fr-FR" sz="1900" dirty="0"/>
-              <a:t>Si vous aviez raison, vous verrez sur l’écran : </a:t>
-            </a:r>
-            <a:r>
-              <a:rPr lang="fr-FR" sz="1900" dirty="0">
-                <a:solidFill>
-                  <a:srgbClr val="00B050"/>
-                </a:solidFill>
-              </a:rPr>
-              <a:t>'Bien joué! Il / Elle a effectivement choisi cette option</a:t>
-            </a:r>
-            <a:r>
-              <a:rPr lang="fr-FR" sz="1900" dirty="0"/>
-              <a:t>´.</a:t>
-            </a:r>
-          </a:p>
-          <a:p>
-            <a:pPr marL="0" indent="0" algn="just">
-              <a:buNone/>
-            </a:pPr>
-            <a:r>
-              <a:rPr lang="fr-FR" sz="1900" dirty="0"/>
-              <a:t>Si vous vous êtes trompé, vous verrez sur l’écran : </a:t>
-            </a:r>
-            <a:r>
-              <a:rPr lang="fr-FR" sz="1900" dirty="0">
-                <a:solidFill>
-                  <a:srgbClr val="C00000"/>
-                </a:solidFill>
-              </a:rPr>
-              <a:t>'Désolé, il / elle a choisi l'autre option</a:t>
-            </a:r>
-            <a:r>
-              <a:rPr lang="fr-FR" sz="1900" dirty="0"/>
-              <a:t>.’</a:t>
-            </a:r>
-            <a:endParaRPr lang="fr-FR" sz="1800" dirty="0"/>
-          </a:p>
-        </p:txBody>
-      </p:sp>
-      <p:sp>
-        <p:nvSpPr>
-          <p:cNvPr id="5" name="Rectángulo 4">
-            <a:extLst>
-              <a:ext uri="{FF2B5EF4-FFF2-40B4-BE49-F238E27FC236}">
-                <a16:creationId xmlns:a16="http://schemas.microsoft.com/office/drawing/2014/main" id="{7341A93F-6626-504F-B534-D779E9399A22}"/>
-              </a:ext>
-            </a:extLst>
-          </p:cNvPr>
-          <p:cNvSpPr/>
-          <p:nvPr/>
-        </p:nvSpPr>
-        <p:spPr>
-          <a:xfrm>
-            <a:off x="419817" y="232313"/>
-            <a:ext cx="2975495" cy="496931"/>
-          </a:xfrm>
-          <a:prstGeom prst="rect">
-            <a:avLst/>
-          </a:prstGeom>
-        </p:spPr>
-        <p:txBody>
-          <a:bodyPr wrap="none">
-            <a:spAutoFit/>
-          </a:bodyPr>
-          <a:lstStyle/>
-          <a:p>
-            <a:pPr algn="just">
-              <a:lnSpc>
-                <a:spcPct val="150000"/>
-              </a:lnSpc>
-              <a:spcBef>
-                <a:spcPts val="200"/>
-              </a:spcBef>
-              <a:spcAft>
-                <a:spcPts val="0"/>
-              </a:spcAft>
-            </a:pPr>
-            <a:r>
-              <a:rPr lang="fr-FR" sz="2000" b="1" dirty="0">
-                <a:solidFill>
-                  <a:srgbClr val="2E74B5"/>
-                </a:solidFill>
-                <a:latin typeface="Arial" panose="020B0604020202020204" pitchFamily="34" charset="0"/>
-                <a:cs typeface="Times New Roman" panose="02020603050405020304" pitchFamily="18" charset="0"/>
-              </a:rPr>
-              <a:t>2. Phase de prédiction </a:t>
-            </a:r>
+            <a:endParaRPr lang="fr-FR" sz="2400" dirty="0"/>
           </a:p>
         </p:txBody>
       </p:sp>
@@ -6922,7 +7245,7 @@
         </p:blipFill>
         <p:spPr>
           <a:xfrm>
-            <a:off x="7693152" y="2703409"/>
+            <a:off x="7101746" y="3959011"/>
             <a:ext cx="1792224" cy="1679448"/>
           </a:xfrm>
           <a:prstGeom prst="rect">
@@ -6930,90 +7253,6 @@
           </a:prstGeom>
         </p:spPr>
       </p:pic>
-      <p:sp>
-        <p:nvSpPr>
-          <p:cNvPr id="7" name="Rectangle 3">
-            <a:extLst>
-              <a:ext uri="{FF2B5EF4-FFF2-40B4-BE49-F238E27FC236}">
-                <a16:creationId xmlns:a16="http://schemas.microsoft.com/office/drawing/2014/main" id="{898F8EAA-E907-DD42-AA2B-C629B95113B2}"/>
-              </a:ext>
-            </a:extLst>
-          </p:cNvPr>
-          <p:cNvSpPr/>
-          <p:nvPr/>
-        </p:nvSpPr>
-        <p:spPr>
-          <a:xfrm>
-            <a:off x="905636" y="6225577"/>
-            <a:ext cx="10380727" cy="400110"/>
-          </a:xfrm>
-          <a:prstGeom prst="rect">
-            <a:avLst/>
-          </a:prstGeom>
-        </p:spPr>
-        <p:txBody>
-          <a:bodyPr wrap="none">
-            <a:spAutoFit/>
-          </a:bodyPr>
-          <a:lstStyle/>
-          <a:p>
-            <a:r>
-              <a:rPr lang="fr-FR" sz="2000" i="1" dirty="0">
-                <a:solidFill>
-                  <a:schemeClr val="tx1">
-                    <a:lumMod val="50000"/>
-                    <a:lumOff val="50000"/>
-                  </a:schemeClr>
-                </a:solidFill>
-              </a:rPr>
-              <a:t>Appuyez sur la flèche droite [</a:t>
-            </a:r>
-            <a:r>
-              <a:rPr lang="fr-FR" sz="2000" i="1" dirty="0">
-                <a:solidFill>
-                  <a:schemeClr val="tx1">
-                    <a:lumMod val="50000"/>
-                    <a:lumOff val="50000"/>
-                  </a:schemeClr>
-                </a:solidFill>
-                <a:sym typeface="Wingdings" pitchFamily="2" charset="2"/>
-              </a:rPr>
-              <a:t></a:t>
-            </a:r>
-            <a:r>
-              <a:rPr lang="fr-FR" sz="2000" i="1" dirty="0">
-                <a:solidFill>
-                  <a:schemeClr val="tx1">
-                    <a:lumMod val="50000"/>
-                    <a:lumOff val="50000"/>
-                  </a:schemeClr>
-                </a:solidFill>
-              </a:rPr>
-              <a:t>] pour continuer ou sur la flèche gauche [</a:t>
-            </a:r>
-            <a:r>
-              <a:rPr lang="fr-FR" sz="2000" i="1" dirty="0">
-                <a:solidFill>
-                  <a:schemeClr val="tx1">
-                    <a:lumMod val="50000"/>
-                    <a:lumOff val="50000"/>
-                  </a:schemeClr>
-                </a:solidFill>
-                <a:sym typeface="Wingdings" pitchFamily="2" charset="2"/>
-              </a:rPr>
-              <a:t>] pour revenir en arrière</a:t>
-            </a:r>
-            <a:endParaRPr lang="fr-FR" sz="2000" i="1" dirty="0">
-              <a:solidFill>
-                <a:schemeClr val="tx1">
-                  <a:lumMod val="50000"/>
-                  <a:lumOff val="50000"/>
-                </a:schemeClr>
-              </a:solidFill>
-            </a:endParaRPr>
-          </a:p>
-        </p:txBody>
-      </p:sp>
       <p:sp>
         <p:nvSpPr>
           <p:cNvPr id="8" name="Rectángulo 7">
@@ -7028,8 +7267,8 @@
         </p:nvSpPr>
         <p:spPr>
           <a:xfrm>
-            <a:off x="2380488" y="1383243"/>
-            <a:ext cx="7239000" cy="2999613"/>
+            <a:off x="2380488" y="2852658"/>
+            <a:ext cx="7239000" cy="3652775"/>
           </a:xfrm>
           <a:prstGeom prst="rect">
             <a:avLst/>
@@ -7059,16 +7298,447 @@
           </a:p>
         </p:txBody>
       </p:sp>
+      <p:sp>
+        <p:nvSpPr>
+          <p:cNvPr id="9" name="ZoneTexte 8"/>
+          <p:cNvSpPr txBox="1"/>
+          <p:nvPr/>
+        </p:nvSpPr>
+        <p:spPr>
+          <a:xfrm>
+            <a:off x="1874204" y="192401"/>
+            <a:ext cx="8443609" cy="830997"/>
+          </a:xfrm>
+          <a:prstGeom prst="rect">
+            <a:avLst/>
+          </a:prstGeom>
+          <a:noFill/>
+        </p:spPr>
+        <p:txBody>
+          <a:bodyPr wrap="square" rtlCol="0">
+            <a:spAutoFit/>
+          </a:bodyPr>
+          <a:lstStyle/>
+          <a:p>
+            <a:pPr algn="ctr"/>
+            <a:r>
+              <a:rPr lang="fr-FR" sz="2400" b="1" dirty="0" smtClean="0">
+                <a:solidFill>
+                  <a:srgbClr val="0070C0"/>
+                </a:solidFill>
+              </a:rPr>
+              <a:t>PHASE DE PRÉDICTION: CHOIX RISQUÉ</a:t>
+            </a:r>
+            <a:endParaRPr lang="en-GB" sz="2400" dirty="0"/>
+          </a:p>
+          <a:p>
+            <a:pPr algn="ctr"/>
+            <a:endParaRPr lang="en-GB" sz="2400" dirty="0"/>
+          </a:p>
+        </p:txBody>
+      </p:sp>
+      <p:sp>
+        <p:nvSpPr>
+          <p:cNvPr id="2" name="Rectangle 1"/>
+          <p:cNvSpPr/>
+          <p:nvPr/>
+        </p:nvSpPr>
+        <p:spPr>
+          <a:xfrm>
+            <a:off x="764274" y="911728"/>
+            <a:ext cx="10589525" cy="830997"/>
+          </a:xfrm>
+          <a:prstGeom prst="rect">
+            <a:avLst/>
+          </a:prstGeom>
+        </p:spPr>
+        <p:txBody>
+          <a:bodyPr wrap="square">
+            <a:spAutoFit/>
+          </a:bodyPr>
+          <a:lstStyle/>
+          <a:p>
+            <a:pPr algn="just"/>
+            <a:r>
+              <a:rPr lang="fr-FR" sz="2400" dirty="0"/>
+              <a:t>A chaque essai, regardez les deux options qui </a:t>
+            </a:r>
+            <a:r>
+              <a:rPr lang="fr-FR" sz="2400" dirty="0" smtClean="0"/>
+              <a:t>vous sont présentées et </a:t>
+            </a:r>
+            <a:r>
+              <a:rPr lang="fr-FR" sz="2400" dirty="0"/>
+              <a:t>indiquez celle </a:t>
+            </a:r>
+            <a:r>
+              <a:rPr lang="fr-FR" sz="2400" dirty="0" smtClean="0"/>
+              <a:t>qui a votre préférence </a:t>
+            </a:r>
+            <a:r>
+              <a:rPr lang="fr-FR" sz="2400" dirty="0"/>
+              <a:t>en cliquant sur le bouton </a:t>
+            </a:r>
+            <a:r>
+              <a:rPr lang="fr-FR" sz="2400" dirty="0" smtClean="0"/>
+              <a:t>« je choisis </a:t>
+            </a:r>
+            <a:r>
+              <a:rPr lang="fr-FR" sz="2400" dirty="0"/>
+              <a:t>cette option </a:t>
+            </a:r>
+            <a:r>
+              <a:rPr lang="fr-FR" sz="2400" dirty="0" smtClean="0"/>
+              <a:t>! »:</a:t>
+            </a:r>
+            <a:endParaRPr lang="fr-FR" sz="2400" dirty="0"/>
+          </a:p>
+        </p:txBody>
+      </p:sp>
+      <p:sp>
+        <p:nvSpPr>
+          <p:cNvPr id="11" name="Rectangle 10"/>
+          <p:cNvSpPr/>
+          <p:nvPr/>
+        </p:nvSpPr>
+        <p:spPr>
+          <a:xfrm>
+            <a:off x="2702255" y="5859438"/>
+            <a:ext cx="2711355" cy="432179"/>
+          </a:xfrm>
+          <a:prstGeom prst="rect">
+            <a:avLst/>
+          </a:prstGeom>
+          <a:solidFill>
+            <a:schemeClr val="bg2">
+              <a:lumMod val="90000"/>
+            </a:schemeClr>
+          </a:solidFill>
+          <a:ln>
+            <a:solidFill>
+              <a:schemeClr val="tx1"/>
+            </a:solidFill>
+          </a:ln>
+        </p:spPr>
+        <p:style>
+          <a:lnRef idx="2">
+            <a:schemeClr val="accent1">
+              <a:shade val="50000"/>
+            </a:schemeClr>
+          </a:lnRef>
+          <a:fillRef idx="1">
+            <a:schemeClr val="accent1"/>
+          </a:fillRef>
+          <a:effectRef idx="0">
+            <a:schemeClr val="accent1"/>
+          </a:effectRef>
+          <a:fontRef idx="minor">
+            <a:schemeClr val="lt1"/>
+          </a:fontRef>
+        </p:style>
+        <p:txBody>
+          <a:bodyPr rtlCol="0" anchor="ctr"/>
+          <a:lstStyle/>
+          <a:p>
+            <a:pPr algn="ctr"/>
+            <a:endParaRPr lang="fr-FR"/>
+          </a:p>
+        </p:txBody>
+      </p:sp>
+      <p:sp>
+        <p:nvSpPr>
+          <p:cNvPr id="12" name="ZoneTexte 11"/>
+          <p:cNvSpPr txBox="1"/>
+          <p:nvPr/>
+        </p:nvSpPr>
+        <p:spPr>
+          <a:xfrm>
+            <a:off x="2813711" y="5890861"/>
+            <a:ext cx="2488442" cy="369332"/>
+          </a:xfrm>
+          <a:prstGeom prst="rect">
+            <a:avLst/>
+          </a:prstGeom>
+          <a:noFill/>
+        </p:spPr>
+        <p:txBody>
+          <a:bodyPr wrap="square" rtlCol="0">
+            <a:spAutoFit/>
+          </a:bodyPr>
+          <a:lstStyle/>
+          <a:p>
+            <a:pPr algn="ctr"/>
+            <a:r>
+              <a:rPr lang="fr-FR" dirty="0" smtClean="0"/>
+              <a:t>Je choisis cette option</a:t>
+            </a:r>
+            <a:endParaRPr lang="fr-FR" dirty="0"/>
+          </a:p>
+        </p:txBody>
+      </p:sp>
+      <p:sp>
+        <p:nvSpPr>
+          <p:cNvPr id="13" name="Rectangle 12"/>
+          <p:cNvSpPr/>
+          <p:nvPr/>
+        </p:nvSpPr>
+        <p:spPr>
+          <a:xfrm>
+            <a:off x="6657864" y="5857162"/>
+            <a:ext cx="2711355" cy="432179"/>
+          </a:xfrm>
+          <a:prstGeom prst="rect">
+            <a:avLst/>
+          </a:prstGeom>
+          <a:solidFill>
+            <a:schemeClr val="bg2">
+              <a:lumMod val="90000"/>
+            </a:schemeClr>
+          </a:solidFill>
+          <a:ln>
+            <a:solidFill>
+              <a:schemeClr val="tx1"/>
+            </a:solidFill>
+          </a:ln>
+        </p:spPr>
+        <p:style>
+          <a:lnRef idx="2">
+            <a:schemeClr val="accent1">
+              <a:shade val="50000"/>
+            </a:schemeClr>
+          </a:lnRef>
+          <a:fillRef idx="1">
+            <a:schemeClr val="accent1"/>
+          </a:fillRef>
+          <a:effectRef idx="0">
+            <a:schemeClr val="accent1"/>
+          </a:effectRef>
+          <a:fontRef idx="minor">
+            <a:schemeClr val="lt1"/>
+          </a:fontRef>
+        </p:style>
+        <p:txBody>
+          <a:bodyPr rtlCol="0" anchor="ctr"/>
+          <a:lstStyle/>
+          <a:p>
+            <a:pPr algn="ctr"/>
+            <a:endParaRPr lang="fr-FR"/>
+          </a:p>
+        </p:txBody>
+      </p:sp>
+      <p:sp>
+        <p:nvSpPr>
+          <p:cNvPr id="14" name="ZoneTexte 13"/>
+          <p:cNvSpPr txBox="1"/>
+          <p:nvPr/>
+        </p:nvSpPr>
+        <p:spPr>
+          <a:xfrm>
+            <a:off x="6769320" y="5888585"/>
+            <a:ext cx="2488442" cy="369332"/>
+          </a:xfrm>
+          <a:prstGeom prst="rect">
+            <a:avLst/>
+          </a:prstGeom>
+          <a:noFill/>
+        </p:spPr>
+        <p:txBody>
+          <a:bodyPr wrap="square" rtlCol="0">
+            <a:spAutoFit/>
+          </a:bodyPr>
+          <a:lstStyle/>
+          <a:p>
+            <a:pPr algn="ctr"/>
+            <a:r>
+              <a:rPr lang="fr-FR" dirty="0" smtClean="0"/>
+              <a:t>Je choisis cette option</a:t>
+            </a:r>
+            <a:endParaRPr lang="fr-FR" dirty="0"/>
+          </a:p>
+        </p:txBody>
+      </p:sp>
     </p:spTree>
     <p:extLst>
       <p:ext uri="{BB962C8B-B14F-4D97-AF65-F5344CB8AC3E}">
-        <p14:creationId xmlns:p14="http://schemas.microsoft.com/office/powerpoint/2010/main" val="2322816937"/>
+        <p14:creationId xmlns:p14="http://schemas.microsoft.com/office/powerpoint/2010/main" val="1643585439"/>
       </p:ext>
     </p:extLst>
   </p:cSld>
   <p:clrMapOvr>
     <a:masterClrMapping/>
   </p:clrMapOvr>
+  <p:timing>
+    <p:tnLst>
+      <p:par>
+        <p:cTn id="1" dur="indefinite" restart="never" nodeType="tmRoot"/>
+      </p:par>
+    </p:tnLst>
+  </p:timing>
+</p:sld>
+</file>
+
+<file path=ppt/slides/slide6.xml><?xml version="1.0" encoding="utf-8"?>
+<p:sld xmlns:a="http://schemas.openxmlformats.org/drawingml/2006/main" xmlns:r="http://schemas.openxmlformats.org/officeDocument/2006/relationships" xmlns:p="http://schemas.openxmlformats.org/presentationml/2006/main">
+  <p:cSld>
+    <p:spTree>
+      <p:nvGrpSpPr>
+        <p:cNvPr id="1" name=""/>
+        <p:cNvGrpSpPr/>
+        <p:nvPr/>
+      </p:nvGrpSpPr>
+      <p:grpSpPr>
+        <a:xfrm>
+          <a:off x="0" y="0"/>
+          <a:ext cx="0" cy="0"/>
+          <a:chOff x="0" y="0"/>
+          <a:chExt cx="0" cy="0"/>
+        </a:xfrm>
+      </p:grpSpPr>
+      <p:sp>
+        <p:nvSpPr>
+          <p:cNvPr id="3" name="Espace réservé du contenu 2"/>
+          <p:cNvSpPr>
+            <a:spLocks noGrp="1"/>
+          </p:cNvSpPr>
+          <p:nvPr>
+            <p:ph idx="1"/>
+          </p:nvPr>
+        </p:nvSpPr>
+        <p:spPr>
+          <a:xfrm>
+            <a:off x="838200" y="1339879"/>
+            <a:ext cx="10515600" cy="4690305"/>
+          </a:xfrm>
+        </p:spPr>
+        <p:txBody>
+          <a:bodyPr>
+            <a:normAutofit/>
+          </a:bodyPr>
+          <a:lstStyle/>
+          <a:p>
+            <a:pPr marL="0" indent="0" algn="ctr">
+              <a:buNone/>
+            </a:pPr>
+            <a:r>
+              <a:rPr lang="fr-FR" sz="2400" dirty="0"/>
+              <a:t>Durant la « phase de prédiction</a:t>
+            </a:r>
+            <a:r>
+              <a:rPr lang="fr-FR" sz="2400" dirty="0">
+                <a:solidFill>
+                  <a:srgbClr val="FF0000"/>
+                </a:solidFill>
+              </a:rPr>
+              <a:t> </a:t>
+            </a:r>
+            <a:r>
+              <a:rPr lang="fr-FR" sz="2400" dirty="0"/>
+              <a:t>», vous devrez prédire les choix d’autres participants ayant participé au même jeu d´argent avant vous. </a:t>
+            </a:r>
+          </a:p>
+          <a:p>
+            <a:pPr marL="0" indent="0" algn="ctr">
+              <a:buNone/>
+            </a:pPr>
+            <a:endParaRPr lang="fr-FR" sz="2400" dirty="0"/>
+          </a:p>
+          <a:p>
+            <a:pPr marL="0" indent="0" algn="ctr">
+              <a:buNone/>
+            </a:pPr>
+            <a:r>
+              <a:rPr lang="fr-FR" sz="2400" dirty="0"/>
+              <a:t>Ici, nous évaluerons votre capacité à comprendre et à anticiper la prise de risque d´autres personnes. Vous aurez la possibilité d´améliorer progressivement vos prédictions. En effet, après chaque prédictions, nous vous dirons si elle était correcte ou non. </a:t>
+            </a:r>
+          </a:p>
+          <a:p>
+            <a:pPr marL="0" indent="0" algn="ctr">
+              <a:buNone/>
+            </a:pPr>
+            <a:endParaRPr lang="fr-FR" sz="2400" dirty="0"/>
+          </a:p>
+          <a:p>
+            <a:pPr marL="0" indent="0" algn="ctr">
+              <a:buNone/>
+            </a:pPr>
+            <a:r>
+              <a:rPr lang="fr-FR" sz="2400" dirty="0"/>
+              <a:t>Vous devrez effectuer ce jeu plusieurs fois. Attention : chaque phase de prédiction correspond à un participant diffèrent qui pourra être plus ou moins prudent(e) que la normale. </a:t>
+            </a:r>
+            <a:endParaRPr lang="es-FR" sz="2400" dirty="0"/>
+          </a:p>
+          <a:p>
+            <a:pPr marL="0" indent="0" algn="ctr">
+              <a:buNone/>
+            </a:pPr>
+            <a:endParaRPr lang="fr-FR" sz="2400" dirty="0"/>
+          </a:p>
+        </p:txBody>
+      </p:sp>
+      <p:sp>
+        <p:nvSpPr>
+          <p:cNvPr id="7" name="ZoneTexte 6"/>
+          <p:cNvSpPr txBox="1"/>
+          <p:nvPr/>
+        </p:nvSpPr>
+        <p:spPr>
+          <a:xfrm>
+            <a:off x="1874204" y="237893"/>
+            <a:ext cx="8443609" cy="830997"/>
+          </a:xfrm>
+          <a:prstGeom prst="rect">
+            <a:avLst/>
+          </a:prstGeom>
+          <a:noFill/>
+        </p:spPr>
+        <p:txBody>
+          <a:bodyPr wrap="square" rtlCol="0">
+            <a:spAutoFit/>
+          </a:bodyPr>
+          <a:lstStyle/>
+          <a:p>
+            <a:pPr algn="ctr"/>
+            <a:r>
+              <a:rPr lang="fr-FR" sz="2400" b="1" dirty="0" smtClean="0">
+                <a:solidFill>
+                  <a:srgbClr val="0070C0"/>
+                </a:solidFill>
+              </a:rPr>
+              <a:t>PHASE DE PRÉDICTION: </a:t>
+            </a:r>
+            <a:r>
+              <a:rPr lang="fr-FR" sz="2400" b="1" dirty="0" smtClean="0">
+                <a:solidFill>
+                  <a:srgbClr val="0070C0"/>
+                </a:solidFill>
+              </a:rPr>
+              <a:t>PRINCIPE</a:t>
+            </a:r>
+            <a:endParaRPr lang="en-GB" sz="2400" dirty="0"/>
+          </a:p>
+          <a:p>
+            <a:pPr algn="ctr"/>
+            <a:endParaRPr lang="en-GB" sz="2400" dirty="0"/>
+          </a:p>
+        </p:txBody>
+      </p:sp>
+    </p:spTree>
+    <p:extLst>
+      <p:ext uri="{BB962C8B-B14F-4D97-AF65-F5344CB8AC3E}">
+        <p14:creationId xmlns:p14="http://schemas.microsoft.com/office/powerpoint/2010/main" val="4101977217"/>
+      </p:ext>
+    </p:extLst>
+  </p:cSld>
+  <p:clrMapOvr>
+    <a:masterClrMapping/>
+  </p:clrMapOvr>
+  <p:timing>
+    <p:tnLst>
+      <p:par>
+        <p:cTn id="1" dur="indefinite" restart="never" nodeType="tmRoot"/>
+      </p:par>
+    </p:tnLst>
+  </p:timing>
 </p:sld>
 </file>
 
@@ -7101,8 +7771,8 @@
         </p:nvSpPr>
         <p:spPr>
           <a:xfrm>
-            <a:off x="648245" y="916402"/>
-            <a:ext cx="10705555" cy="5653572"/>
+            <a:off x="648245" y="2304043"/>
+            <a:ext cx="10705555" cy="3832907"/>
           </a:xfrm>
         </p:spPr>
         <p:txBody>
@@ -7111,94 +7781,163 @@
           </a:bodyPr>
           <a:lstStyle/>
           <a:p>
+            <a:pPr marL="0" indent="0" algn="ctr">
+              <a:buNone/>
+            </a:pPr>
+            <a:r>
+              <a:rPr lang="fr-FR" sz="2400" i="1" dirty="0" smtClean="0"/>
+              <a:t>Julia </a:t>
+            </a:r>
+            <a:r>
+              <a:rPr lang="fr-FR" sz="2400" i="1" dirty="0"/>
+              <a:t>reçoit une somme initial de 50 euros. Quelle option va t-elle choisir ?</a:t>
+            </a:r>
+          </a:p>
+          <a:p>
             <a:pPr marL="0" indent="0" algn="just">
               <a:buNone/>
             </a:pPr>
-            <a:r>
-              <a:rPr lang="fr-FR" sz="2000" dirty="0"/>
-              <a:t>Dans cette tache, pour certains essais, on vous demandera d’exprimer votre </a:t>
-            </a:r>
-            <a:r>
-              <a:rPr lang="fr-FR" sz="2000" dirty="0">
+            <a:endParaRPr lang="fr-FR" sz="2400" dirty="0"/>
+          </a:p>
+          <a:p>
+            <a:pPr marL="0" indent="0" algn="just">
+              <a:buNone/>
+            </a:pPr>
+            <a:r>
+              <a:rPr lang="fr-FR" sz="2400" dirty="0">
                 <a:solidFill>
                   <a:srgbClr val="FF0000"/>
                 </a:solidFill>
               </a:rPr>
-              <a:t>degré de certitude </a:t>
-            </a:r>
-            <a:r>
-              <a:rPr lang="fr-FR" sz="2000" dirty="0"/>
-              <a:t>quant à votre prédiction (à quel point vous êtes confiant en votre prédiction) avant de vous dire si vous avez eu raison. </a:t>
+              <a:t>                              </a:t>
+            </a:r>
+            <a:r>
+              <a:rPr lang="fr-FR" sz="2400" dirty="0" smtClean="0">
+                <a:solidFill>
+                  <a:srgbClr val="FF0000"/>
+                </a:solidFill>
+              </a:rPr>
+              <a:t>      </a:t>
+            </a:r>
+            <a:r>
+              <a:rPr lang="fr-FR" sz="2400" dirty="0" smtClean="0"/>
+              <a:t>Option </a:t>
+            </a:r>
+            <a:r>
+              <a:rPr lang="fr-FR" sz="2400" dirty="0"/>
+              <a:t>sûre</a:t>
+            </a:r>
+            <a:r>
+              <a:rPr lang="fr-FR" sz="2400" dirty="0">
+                <a:solidFill>
+                  <a:srgbClr val="FF0000"/>
+                </a:solidFill>
+              </a:rPr>
+              <a:t>                                 </a:t>
+            </a:r>
+            <a:r>
+              <a:rPr lang="fr-FR" sz="2400" dirty="0" smtClean="0"/>
+              <a:t>Option </a:t>
+            </a:r>
+            <a:r>
+              <a:rPr lang="fr-FR" sz="2400" dirty="0"/>
+              <a:t>risquée</a:t>
             </a:r>
           </a:p>
           <a:p>
             <a:pPr marL="0" indent="0" algn="just">
               <a:buNone/>
             </a:pPr>
-            <a:r>
-              <a:rPr lang="fr-FR" sz="2000" dirty="0"/>
-              <a:t>Pour répondre, vous déplacerez le pointeur de la barre de défilement avec la souris.</a:t>
-            </a:r>
+            <a:endParaRPr lang="fr-FR" sz="2400" dirty="0"/>
           </a:p>
           <a:p>
             <a:pPr marL="0" indent="0" algn="just">
               <a:buNone/>
             </a:pPr>
-            <a:endParaRPr lang="fr-FR" sz="2000" dirty="0"/>
+            <a:endParaRPr lang="fr-FR" sz="2400" dirty="0"/>
           </a:p>
           <a:p>
             <a:pPr marL="0" indent="0" algn="just">
               <a:buNone/>
             </a:pPr>
-            <a:endParaRPr lang="fr-FR" sz="2000" dirty="0"/>
+            <a:r>
+              <a:rPr lang="fr-FR" sz="2400" dirty="0"/>
+              <a:t>		  </a:t>
+            </a:r>
+            <a:r>
+              <a:rPr lang="fr-FR" sz="2400" dirty="0" smtClean="0"/>
+              <a:t>    Garder </a:t>
+            </a:r>
+            <a:r>
+              <a:rPr lang="fr-FR" sz="2400" dirty="0"/>
+              <a:t>13 euros            </a:t>
+            </a:r>
+            <a:r>
+              <a:rPr lang="fr-FR" sz="2400" dirty="0" smtClean="0"/>
+              <a:t>vs. </a:t>
+            </a:r>
           </a:p>
           <a:p>
             <a:pPr marL="0" indent="0" algn="just">
               <a:buNone/>
             </a:pPr>
-            <a:endParaRPr lang="fr-FR" sz="2000" dirty="0"/>
+            <a:endParaRPr lang="fr-FR" sz="2400" dirty="0"/>
           </a:p>
           <a:p>
             <a:pPr marL="0" indent="0" algn="just">
               <a:buNone/>
             </a:pPr>
-            <a:endParaRPr lang="fr-FR" sz="2000" dirty="0"/>
+            <a:endParaRPr lang="fr-FR" sz="2400" dirty="0"/>
           </a:p>
           <a:p>
             <a:pPr marL="0" indent="0" algn="just">
               <a:buNone/>
             </a:pPr>
-            <a:endParaRPr lang="fr-FR" sz="2000" dirty="0"/>
-          </a:p>
-          <a:p>
-            <a:pPr marL="0" indent="0" algn="just">
-              <a:buNone/>
-            </a:pPr>
-            <a:endParaRPr lang="fr-FR" sz="2000" dirty="0"/>
-          </a:p>
-          <a:p>
-            <a:pPr marL="0" indent="0" algn="just">
-              <a:buNone/>
-            </a:pPr>
-            <a:endParaRPr lang="fr-FR" sz="2000" dirty="0"/>
-          </a:p>
-          <a:p>
-            <a:pPr marL="0" indent="0" algn="just">
-              <a:buNone/>
-            </a:pPr>
-            <a:r>
-              <a:rPr lang="fr-FR" sz="2000" dirty="0"/>
-              <a:t>Si vous ne déplacez pas la barre avant d'appuyer sur le bouton OK, vous ne pourrez pas passer au essai suivant.</a:t>
-            </a:r>
-          </a:p>
-        </p:txBody>
-      </p:sp>
-      <p:sp>
-        <p:nvSpPr>
-          <p:cNvPr id="5" name="Rectángulo 4">
+            <a:endParaRPr lang="fr-FR" sz="2400" dirty="0"/>
+          </a:p>
+        </p:txBody>
+      </p:sp>
+      <p:pic>
+        <p:nvPicPr>
+          <p:cNvPr id="6" name="Imagen 5" descr="Imagen que contiene cd&#10;&#10;Descripción generada automáticamente">
             <a:extLst>
               <a:ext uri="{FF2B5EF4-FFF2-40B4-BE49-F238E27FC236}">
-                <a16:creationId xmlns:a16="http://schemas.microsoft.com/office/drawing/2014/main" id="{7341A93F-6626-504F-B534-D779E9399A22}"/>
+                <a16:creationId xmlns:a16="http://schemas.microsoft.com/office/drawing/2014/main" id="{AB879153-7034-454E-A9DD-67142BFF7BE4}"/>
+              </a:ext>
+            </a:extLst>
+          </p:cNvPr>
+          <p:cNvPicPr>
+            <a:picLocks noChangeAspect="1"/>
+          </p:cNvPicPr>
+          <p:nvPr/>
+        </p:nvPicPr>
+        <p:blipFill rotWithShape="1">
+          <a:blip r:embed="rId2">
+            <a:extLst>
+              <a:ext uri="{28A0092B-C50C-407E-A947-70E740481C1C}">
+                <a14:useLocalDpi xmlns:a14="http://schemas.microsoft.com/office/drawing/2010/main" val="0"/>
+              </a:ext>
+            </a:extLst>
+          </a:blip>
+          <a:srcRect l="15920" t="20240" r="13521" b="13640"/>
+          <a:stretch/>
+        </p:blipFill>
+        <p:spPr>
+          <a:xfrm>
+            <a:off x="7101746" y="3959011"/>
+            <a:ext cx="1792224" cy="1679448"/>
+          </a:xfrm>
+          <a:prstGeom prst="rect">
+            <a:avLst/>
+          </a:prstGeom>
+        </p:spPr>
+      </p:pic>
+      <p:sp>
+        <p:nvSpPr>
+          <p:cNvPr id="8" name="Rectángulo 7">
+            <a:extLst>
+              <a:ext uri="{FF2B5EF4-FFF2-40B4-BE49-F238E27FC236}">
+                <a16:creationId xmlns:a16="http://schemas.microsoft.com/office/drawing/2014/main" id="{3185A225-8110-D840-8071-BC74BD54C6B1}"/>
               </a:ext>
             </a:extLst>
           </p:cNvPr>
@@ -7207,40 +7946,748 @@
         </p:nvSpPr>
         <p:spPr>
           <a:xfrm>
-            <a:off x="468709" y="259845"/>
-            <a:ext cx="5096267" cy="496931"/>
+            <a:off x="2380488" y="2852658"/>
+            <a:ext cx="7239000" cy="3652775"/>
           </a:xfrm>
           <a:prstGeom prst="rect">
             <a:avLst/>
           </a:prstGeom>
-        </p:spPr>
-        <p:txBody>
-          <a:bodyPr wrap="none">
+          <a:noFill/>
+        </p:spPr>
+        <p:style>
+          <a:lnRef idx="2">
+            <a:schemeClr val="dk1"/>
+          </a:lnRef>
+          <a:fillRef idx="1">
+            <a:schemeClr val="lt1"/>
+          </a:fillRef>
+          <a:effectRef idx="0">
+            <a:schemeClr val="dk1"/>
+          </a:effectRef>
+          <a:fontRef idx="minor">
+            <a:schemeClr val="dk1"/>
+          </a:fontRef>
+        </p:style>
+        <p:txBody>
+          <a:bodyPr rtlCol="0" anchor="ctr"/>
+          <a:lstStyle/>
+          <a:p>
+            <a:pPr algn="ctr"/>
+            <a:endParaRPr lang="en-GB"/>
+          </a:p>
+        </p:txBody>
+      </p:sp>
+      <p:sp>
+        <p:nvSpPr>
+          <p:cNvPr id="9" name="ZoneTexte 8"/>
+          <p:cNvSpPr txBox="1"/>
+          <p:nvPr/>
+        </p:nvSpPr>
+        <p:spPr>
+          <a:xfrm>
+            <a:off x="1874204" y="192401"/>
+            <a:ext cx="8443609" cy="830997"/>
+          </a:xfrm>
+          <a:prstGeom prst="rect">
+            <a:avLst/>
+          </a:prstGeom>
+          <a:noFill/>
+        </p:spPr>
+        <p:txBody>
+          <a:bodyPr wrap="square" rtlCol="0">
             <a:spAutoFit/>
           </a:bodyPr>
           <a:lstStyle/>
           <a:p>
-            <a:pPr algn="just">
-              <a:lnSpc>
-                <a:spcPct val="150000"/>
-              </a:lnSpc>
-              <a:spcBef>
-                <a:spcPts val="200"/>
-              </a:spcBef>
-              <a:spcAft>
-                <a:spcPts val="0"/>
-              </a:spcAft>
-            </a:pPr>
-            <a:r>
-              <a:rPr lang="fr-FR" sz="2000" b="1" dirty="0">
+            <a:pPr algn="ctr"/>
+            <a:r>
+              <a:rPr lang="fr-FR" sz="2400" b="1" dirty="0" smtClean="0">
                 <a:solidFill>
-                  <a:srgbClr val="2E74B5"/>
+                  <a:srgbClr val="0070C0"/>
                 </a:solidFill>
-                <a:latin typeface="Arial" panose="020B0604020202020204" pitchFamily="34" charset="0"/>
-                <a:cs typeface="Times New Roman" panose="02020603050405020304" pitchFamily="18" charset="0"/>
               </a:rPr>
-              <a:t>3. Degré de certitude en votre prédiction</a:t>
-            </a:r>
+              <a:t>PHASE DE PRÉDICTION: </a:t>
+            </a:r>
+            <a:r>
+              <a:rPr lang="fr-FR" sz="2400" b="1" dirty="0" smtClean="0">
+                <a:solidFill>
+                  <a:srgbClr val="0070C0"/>
+                </a:solidFill>
+              </a:rPr>
+              <a:t>PRINCIPE</a:t>
+            </a:r>
+            <a:endParaRPr lang="en-GB" sz="2400" dirty="0"/>
+          </a:p>
+          <a:p>
+            <a:pPr algn="ctr"/>
+            <a:endParaRPr lang="en-GB" sz="2400" dirty="0"/>
+          </a:p>
+        </p:txBody>
+      </p:sp>
+      <p:sp>
+        <p:nvSpPr>
+          <p:cNvPr id="2" name="Rectangle 1"/>
+          <p:cNvSpPr/>
+          <p:nvPr/>
+        </p:nvSpPr>
+        <p:spPr>
+          <a:xfrm>
+            <a:off x="764274" y="911728"/>
+            <a:ext cx="10589525" cy="1200329"/>
+          </a:xfrm>
+          <a:prstGeom prst="rect">
+            <a:avLst/>
+          </a:prstGeom>
+        </p:spPr>
+        <p:txBody>
+          <a:bodyPr wrap="square">
+            <a:spAutoFit/>
+          </a:bodyPr>
+          <a:lstStyle/>
+          <a:p>
+            <a:pPr algn="just"/>
+            <a:r>
+              <a:rPr lang="fr-FR" sz="2400" dirty="0"/>
+              <a:t>A chaque essai, regardez les deux options qui ont été présentées à l’autre personne et indiquez celle que vous pensez qu’elle a choisi en cliquant sur le bouton </a:t>
+            </a:r>
+            <a:r>
+              <a:rPr lang="fr-FR" sz="2400" dirty="0" smtClean="0"/>
+              <a:t>« Il </a:t>
+            </a:r>
+            <a:r>
+              <a:rPr lang="fr-FR" sz="2400" dirty="0"/>
+              <a:t>/ Elle choisira cette option </a:t>
+            </a:r>
+            <a:r>
+              <a:rPr lang="fr-FR" sz="2400" dirty="0" smtClean="0"/>
+              <a:t>! »:</a:t>
+            </a:r>
+            <a:endParaRPr lang="fr-FR" sz="2400" dirty="0"/>
+          </a:p>
+        </p:txBody>
+      </p:sp>
+      <p:sp>
+        <p:nvSpPr>
+          <p:cNvPr id="11" name="Rectangle 10"/>
+          <p:cNvSpPr/>
+          <p:nvPr/>
+        </p:nvSpPr>
+        <p:spPr>
+          <a:xfrm>
+            <a:off x="2702255" y="5859438"/>
+            <a:ext cx="2711355" cy="432179"/>
+          </a:xfrm>
+          <a:prstGeom prst="rect">
+            <a:avLst/>
+          </a:prstGeom>
+          <a:solidFill>
+            <a:schemeClr val="bg2">
+              <a:lumMod val="90000"/>
+            </a:schemeClr>
+          </a:solidFill>
+          <a:ln>
+            <a:solidFill>
+              <a:schemeClr val="tx1"/>
+            </a:solidFill>
+          </a:ln>
+        </p:spPr>
+        <p:style>
+          <a:lnRef idx="2">
+            <a:schemeClr val="accent1">
+              <a:shade val="50000"/>
+            </a:schemeClr>
+          </a:lnRef>
+          <a:fillRef idx="1">
+            <a:schemeClr val="accent1"/>
+          </a:fillRef>
+          <a:effectRef idx="0">
+            <a:schemeClr val="accent1"/>
+          </a:effectRef>
+          <a:fontRef idx="minor">
+            <a:schemeClr val="lt1"/>
+          </a:fontRef>
+        </p:style>
+        <p:txBody>
+          <a:bodyPr rtlCol="0" anchor="ctr"/>
+          <a:lstStyle/>
+          <a:p>
+            <a:pPr algn="ctr"/>
+            <a:endParaRPr lang="fr-FR"/>
+          </a:p>
+        </p:txBody>
+      </p:sp>
+      <p:sp>
+        <p:nvSpPr>
+          <p:cNvPr id="12" name="ZoneTexte 11"/>
+          <p:cNvSpPr txBox="1"/>
+          <p:nvPr/>
+        </p:nvSpPr>
+        <p:spPr>
+          <a:xfrm>
+            <a:off x="2813711" y="5890861"/>
+            <a:ext cx="2488442" cy="369332"/>
+          </a:xfrm>
+          <a:prstGeom prst="rect">
+            <a:avLst/>
+          </a:prstGeom>
+          <a:noFill/>
+        </p:spPr>
+        <p:txBody>
+          <a:bodyPr wrap="square" rtlCol="0">
+            <a:spAutoFit/>
+          </a:bodyPr>
+          <a:lstStyle/>
+          <a:p>
+            <a:pPr algn="ctr"/>
+            <a:r>
+              <a:rPr lang="fr-FR" dirty="0" smtClean="0"/>
+              <a:t>Elle choisira cette option</a:t>
+            </a:r>
+            <a:endParaRPr lang="fr-FR" dirty="0"/>
+          </a:p>
+        </p:txBody>
+      </p:sp>
+      <p:sp>
+        <p:nvSpPr>
+          <p:cNvPr id="13" name="Rectangle 12"/>
+          <p:cNvSpPr/>
+          <p:nvPr/>
+        </p:nvSpPr>
+        <p:spPr>
+          <a:xfrm>
+            <a:off x="6657864" y="5857162"/>
+            <a:ext cx="2711355" cy="432179"/>
+          </a:xfrm>
+          <a:prstGeom prst="rect">
+            <a:avLst/>
+          </a:prstGeom>
+          <a:solidFill>
+            <a:schemeClr val="bg2">
+              <a:lumMod val="90000"/>
+            </a:schemeClr>
+          </a:solidFill>
+          <a:ln>
+            <a:solidFill>
+              <a:schemeClr val="tx1"/>
+            </a:solidFill>
+          </a:ln>
+        </p:spPr>
+        <p:style>
+          <a:lnRef idx="2">
+            <a:schemeClr val="accent1">
+              <a:shade val="50000"/>
+            </a:schemeClr>
+          </a:lnRef>
+          <a:fillRef idx="1">
+            <a:schemeClr val="accent1"/>
+          </a:fillRef>
+          <a:effectRef idx="0">
+            <a:schemeClr val="accent1"/>
+          </a:effectRef>
+          <a:fontRef idx="minor">
+            <a:schemeClr val="lt1"/>
+          </a:fontRef>
+        </p:style>
+        <p:txBody>
+          <a:bodyPr rtlCol="0" anchor="ctr"/>
+          <a:lstStyle/>
+          <a:p>
+            <a:pPr algn="ctr"/>
+            <a:endParaRPr lang="fr-FR"/>
+          </a:p>
+        </p:txBody>
+      </p:sp>
+      <p:sp>
+        <p:nvSpPr>
+          <p:cNvPr id="14" name="ZoneTexte 13"/>
+          <p:cNvSpPr txBox="1"/>
+          <p:nvPr/>
+        </p:nvSpPr>
+        <p:spPr>
+          <a:xfrm>
+            <a:off x="6769320" y="5888585"/>
+            <a:ext cx="2488442" cy="369332"/>
+          </a:xfrm>
+          <a:prstGeom prst="rect">
+            <a:avLst/>
+          </a:prstGeom>
+          <a:noFill/>
+        </p:spPr>
+        <p:txBody>
+          <a:bodyPr wrap="square" rtlCol="0">
+            <a:spAutoFit/>
+          </a:bodyPr>
+          <a:lstStyle/>
+          <a:p>
+            <a:pPr algn="ctr"/>
+            <a:r>
+              <a:rPr lang="fr-FR" dirty="0" smtClean="0"/>
+              <a:t>Elle choisira cette option</a:t>
+            </a:r>
+            <a:endParaRPr lang="fr-FR" dirty="0"/>
+          </a:p>
+        </p:txBody>
+      </p:sp>
+    </p:spTree>
+    <p:extLst>
+      <p:ext uri="{BB962C8B-B14F-4D97-AF65-F5344CB8AC3E}">
+        <p14:creationId xmlns:p14="http://schemas.microsoft.com/office/powerpoint/2010/main" val="2322816937"/>
+      </p:ext>
+    </p:extLst>
+  </p:cSld>
+  <p:clrMapOvr>
+    <a:masterClrMapping/>
+  </p:clrMapOvr>
+  <p:timing>
+    <p:tnLst>
+      <p:par>
+        <p:cTn id="1" dur="indefinite" restart="never" nodeType="tmRoot"/>
+      </p:par>
+    </p:tnLst>
+  </p:timing>
+</p:sld>
+</file>
+
+<file path=ppt/slides/slide8.xml><?xml version="1.0" encoding="utf-8"?>
+<p:sld xmlns:a="http://schemas.openxmlformats.org/drawingml/2006/main" xmlns:r="http://schemas.openxmlformats.org/officeDocument/2006/relationships" xmlns:p="http://schemas.openxmlformats.org/presentationml/2006/main">
+  <p:cSld>
+    <p:spTree>
+      <p:nvGrpSpPr>
+        <p:cNvPr id="1" name=""/>
+        <p:cNvGrpSpPr/>
+        <p:nvPr/>
+      </p:nvGrpSpPr>
+      <p:grpSpPr>
+        <a:xfrm>
+          <a:off x="0" y="0"/>
+          <a:ext cx="0" cy="0"/>
+          <a:chOff x="0" y="0"/>
+          <a:chExt cx="0" cy="0"/>
+        </a:xfrm>
+      </p:grpSpPr>
+      <p:sp>
+        <p:nvSpPr>
+          <p:cNvPr id="9" name="ZoneTexte 8"/>
+          <p:cNvSpPr txBox="1"/>
+          <p:nvPr/>
+        </p:nvSpPr>
+        <p:spPr>
+          <a:xfrm>
+            <a:off x="1874204" y="237893"/>
+            <a:ext cx="8443609" cy="830997"/>
+          </a:xfrm>
+          <a:prstGeom prst="rect">
+            <a:avLst/>
+          </a:prstGeom>
+          <a:noFill/>
+        </p:spPr>
+        <p:txBody>
+          <a:bodyPr wrap="square" rtlCol="0">
+            <a:spAutoFit/>
+          </a:bodyPr>
+          <a:lstStyle/>
+          <a:p>
+            <a:pPr algn="ctr"/>
+            <a:r>
+              <a:rPr lang="fr-FR" sz="2400" b="1" dirty="0" smtClean="0">
+                <a:solidFill>
+                  <a:srgbClr val="0070C0"/>
+                </a:solidFill>
+              </a:rPr>
+              <a:t>PHASE DE PRÉDICTION: </a:t>
+            </a:r>
+            <a:r>
+              <a:rPr lang="fr-FR" sz="2400" b="1" dirty="0" smtClean="0">
+                <a:solidFill>
+                  <a:srgbClr val="0070C0"/>
+                </a:solidFill>
+              </a:rPr>
+              <a:t>PRINCIPE</a:t>
+            </a:r>
+            <a:endParaRPr lang="en-GB" sz="2400" dirty="0"/>
+          </a:p>
+          <a:p>
+            <a:pPr algn="ctr"/>
+            <a:endParaRPr lang="en-GB" sz="2400" dirty="0"/>
+          </a:p>
+        </p:txBody>
+      </p:sp>
+      <p:sp>
+        <p:nvSpPr>
+          <p:cNvPr id="10" name="Rectangle 9"/>
+          <p:cNvSpPr/>
+          <p:nvPr/>
+        </p:nvSpPr>
+        <p:spPr>
+          <a:xfrm>
+            <a:off x="823416" y="3256986"/>
+            <a:ext cx="10526973" cy="3416320"/>
+          </a:xfrm>
+          <a:prstGeom prst="rect">
+            <a:avLst/>
+          </a:prstGeom>
+        </p:spPr>
+        <p:txBody>
+          <a:bodyPr wrap="square">
+            <a:spAutoFit/>
+          </a:bodyPr>
+          <a:lstStyle/>
+          <a:p>
+            <a:pPr algn="ctr"/>
+            <a:r>
+              <a:rPr lang="fr-FR" sz="2400" dirty="0" smtClean="0"/>
+              <a:t>Pour la phase de prédiction, il y a une réponse correcte: il s’agit du choix qui a effectivement été pris par le participant avant vous.</a:t>
+            </a:r>
+          </a:p>
+          <a:p>
+            <a:pPr algn="ctr"/>
+            <a:r>
+              <a:rPr lang="fr-FR" sz="2400" dirty="0" smtClean="0"/>
+              <a:t>Nous </a:t>
+            </a:r>
+            <a:r>
+              <a:rPr lang="fr-FR" sz="2400" dirty="0"/>
+              <a:t>vous informerons </a:t>
+            </a:r>
+            <a:r>
+              <a:rPr lang="fr-FR" sz="2400" dirty="0" smtClean="0"/>
+              <a:t>donc </a:t>
+            </a:r>
+            <a:r>
+              <a:rPr lang="fr-FR" sz="2400" dirty="0"/>
+              <a:t>si votre prédiction était correcte ou non. </a:t>
+            </a:r>
+          </a:p>
+          <a:p>
+            <a:pPr algn="ctr"/>
+            <a:endParaRPr lang="fr-FR" sz="2400" dirty="0" smtClean="0"/>
+          </a:p>
+          <a:p>
+            <a:pPr algn="ctr"/>
+            <a:r>
+              <a:rPr lang="fr-FR" sz="2400" dirty="0" smtClean="0"/>
+              <a:t>Si </a:t>
+            </a:r>
+            <a:r>
+              <a:rPr lang="fr-FR" sz="2400" dirty="0"/>
+              <a:t>vous aviez raison, vous verrez sur l’écran </a:t>
+            </a:r>
+            <a:r>
+              <a:rPr lang="fr-FR" sz="2400" dirty="0" smtClean="0"/>
+              <a:t>:</a:t>
+            </a:r>
+          </a:p>
+          <a:p>
+            <a:pPr algn="ctr"/>
+            <a:r>
+              <a:rPr lang="fr-FR" sz="2400" dirty="0" smtClean="0">
+                <a:solidFill>
+                  <a:srgbClr val="00B050"/>
+                </a:solidFill>
+              </a:rPr>
+              <a:t>'Bien </a:t>
+            </a:r>
+            <a:r>
+              <a:rPr lang="fr-FR" sz="2400" dirty="0">
+                <a:solidFill>
+                  <a:srgbClr val="00B050"/>
+                </a:solidFill>
+              </a:rPr>
+              <a:t>joué! Il / Elle a effectivement choisi cette option</a:t>
+            </a:r>
+            <a:r>
+              <a:rPr lang="fr-FR" sz="2400" dirty="0" smtClean="0"/>
+              <a:t>´. </a:t>
+            </a:r>
+          </a:p>
+          <a:p>
+            <a:pPr algn="ctr"/>
+            <a:endParaRPr lang="fr-FR" sz="2400" dirty="0" smtClean="0"/>
+          </a:p>
+          <a:p>
+            <a:pPr algn="ctr"/>
+            <a:r>
+              <a:rPr lang="fr-FR" sz="2400" dirty="0" smtClean="0"/>
+              <a:t>Si </a:t>
+            </a:r>
+            <a:r>
+              <a:rPr lang="fr-FR" sz="2400" dirty="0"/>
+              <a:t>vous vous êtes trompé, vous verrez sur l’écran </a:t>
+            </a:r>
+            <a:r>
+              <a:rPr lang="fr-FR" sz="2400" dirty="0" smtClean="0"/>
+              <a:t>:</a:t>
+            </a:r>
+          </a:p>
+          <a:p>
+            <a:pPr algn="ctr"/>
+            <a:r>
+              <a:rPr lang="fr-FR" sz="2400" dirty="0" smtClean="0">
+                <a:solidFill>
+                  <a:srgbClr val="C00000"/>
+                </a:solidFill>
+              </a:rPr>
+              <a:t>'Désolé</a:t>
+            </a:r>
+            <a:r>
+              <a:rPr lang="fr-FR" sz="2400" dirty="0">
+                <a:solidFill>
+                  <a:srgbClr val="C00000"/>
+                </a:solidFill>
+              </a:rPr>
+              <a:t>, il / elle a choisi l'autre option</a:t>
+            </a:r>
+            <a:r>
+              <a:rPr lang="fr-FR" sz="2400" dirty="0"/>
+              <a:t>.’</a:t>
+            </a:r>
+            <a:endParaRPr lang="fr-FR" sz="2400" dirty="0"/>
+          </a:p>
+        </p:txBody>
+      </p:sp>
+      <p:sp>
+        <p:nvSpPr>
+          <p:cNvPr id="11" name="Espace réservé du contenu 2"/>
+          <p:cNvSpPr>
+            <a:spLocks noGrp="1"/>
+          </p:cNvSpPr>
+          <p:nvPr>
+            <p:ph idx="1"/>
+          </p:nvPr>
+        </p:nvSpPr>
+        <p:spPr>
+          <a:xfrm>
+            <a:off x="941695" y="1329744"/>
+            <a:ext cx="6435022" cy="1476401"/>
+          </a:xfrm>
+        </p:spPr>
+        <p:txBody>
+          <a:bodyPr>
+            <a:normAutofit/>
+          </a:bodyPr>
+          <a:lstStyle/>
+          <a:p>
+            <a:pPr marL="0" indent="0" algn="just">
+              <a:buNone/>
+            </a:pPr>
+            <a:endParaRPr lang="fr-FR" sz="2400" dirty="0" smtClean="0"/>
+          </a:p>
+          <a:p>
+            <a:pPr marL="0" indent="0" algn="just">
+              <a:buNone/>
+            </a:pPr>
+            <a:r>
+              <a:rPr lang="fr-FR" sz="2400" dirty="0" smtClean="0"/>
+              <a:t>	</a:t>
+            </a:r>
+            <a:r>
+              <a:rPr lang="fr-FR" sz="2400" dirty="0"/>
+              <a:t>	  </a:t>
+            </a:r>
+            <a:r>
+              <a:rPr lang="fr-FR" sz="2400" dirty="0" smtClean="0"/>
+              <a:t>    Garder </a:t>
+            </a:r>
+            <a:r>
+              <a:rPr lang="fr-FR" sz="2400" dirty="0"/>
+              <a:t>13 euros            </a:t>
+            </a:r>
+            <a:r>
+              <a:rPr lang="fr-FR" sz="2400" dirty="0" smtClean="0"/>
+              <a:t>vs. </a:t>
+            </a:r>
+          </a:p>
+          <a:p>
+            <a:pPr marL="0" indent="0" algn="just">
+              <a:buNone/>
+            </a:pPr>
+            <a:endParaRPr lang="fr-FR" sz="2400" dirty="0"/>
+          </a:p>
+          <a:p>
+            <a:pPr marL="0" indent="0" algn="just">
+              <a:buNone/>
+            </a:pPr>
+            <a:endParaRPr lang="fr-FR" sz="2400" dirty="0"/>
+          </a:p>
+          <a:p>
+            <a:pPr marL="0" indent="0" algn="just">
+              <a:buNone/>
+            </a:pPr>
+            <a:endParaRPr lang="fr-FR" sz="2400" dirty="0"/>
+          </a:p>
+        </p:txBody>
+      </p:sp>
+      <p:pic>
+        <p:nvPicPr>
+          <p:cNvPr id="12" name="Imagen 5" descr="Imagen que contiene cd&#10;&#10;Descripción generada automáticamente">
+            <a:extLst>
+              <a:ext uri="{FF2B5EF4-FFF2-40B4-BE49-F238E27FC236}">
+                <a16:creationId xmlns:a16="http://schemas.microsoft.com/office/drawing/2014/main" id="{AB879153-7034-454E-A9DD-67142BFF7BE4}"/>
+              </a:ext>
+            </a:extLst>
+          </p:cNvPr>
+          <p:cNvPicPr>
+            <a:picLocks noChangeAspect="1"/>
+          </p:cNvPicPr>
+          <p:nvPr/>
+        </p:nvPicPr>
+        <p:blipFill rotWithShape="1">
+          <a:blip r:embed="rId2">
+            <a:extLst>
+              <a:ext uri="{28A0092B-C50C-407E-A947-70E740481C1C}">
+                <a14:useLocalDpi xmlns:a14="http://schemas.microsoft.com/office/drawing/2010/main" val="0"/>
+              </a:ext>
+            </a:extLst>
+          </a:blip>
+          <a:srcRect l="15920" t="20240" r="13521" b="13640"/>
+          <a:stretch/>
+        </p:blipFill>
+        <p:spPr>
+          <a:xfrm>
+            <a:off x="6997112" y="1193048"/>
+            <a:ext cx="1792224" cy="1679448"/>
+          </a:xfrm>
+          <a:prstGeom prst="rect">
+            <a:avLst/>
+          </a:prstGeom>
+        </p:spPr>
+      </p:pic>
+      <p:sp>
+        <p:nvSpPr>
+          <p:cNvPr id="13" name="Rectángulo 7">
+            <a:extLst>
+              <a:ext uri="{FF2B5EF4-FFF2-40B4-BE49-F238E27FC236}">
+                <a16:creationId xmlns:a16="http://schemas.microsoft.com/office/drawing/2014/main" id="{3185A225-8110-D840-8071-BC74BD54C6B1}"/>
+              </a:ext>
+            </a:extLst>
+          </p:cNvPr>
+          <p:cNvSpPr/>
+          <p:nvPr/>
+        </p:nvSpPr>
+        <p:spPr>
+          <a:xfrm>
+            <a:off x="2380488" y="1001099"/>
+            <a:ext cx="7239000" cy="2015058"/>
+          </a:xfrm>
+          <a:prstGeom prst="rect">
+            <a:avLst/>
+          </a:prstGeom>
+          <a:noFill/>
+        </p:spPr>
+        <p:style>
+          <a:lnRef idx="2">
+            <a:schemeClr val="dk1"/>
+          </a:lnRef>
+          <a:fillRef idx="1">
+            <a:schemeClr val="lt1"/>
+          </a:fillRef>
+          <a:effectRef idx="0">
+            <a:schemeClr val="dk1"/>
+          </a:effectRef>
+          <a:fontRef idx="minor">
+            <a:schemeClr val="dk1"/>
+          </a:fontRef>
+        </p:style>
+        <p:txBody>
+          <a:bodyPr rtlCol="0" anchor="ctr"/>
+          <a:lstStyle/>
+          <a:p>
+            <a:pPr algn="ctr"/>
+            <a:endParaRPr lang="en-GB"/>
+          </a:p>
+        </p:txBody>
+      </p:sp>
+    </p:spTree>
+    <p:extLst>
+      <p:ext uri="{BB962C8B-B14F-4D97-AF65-F5344CB8AC3E}">
+        <p14:creationId xmlns:p14="http://schemas.microsoft.com/office/powerpoint/2010/main" val="524047729"/>
+      </p:ext>
+    </p:extLst>
+  </p:cSld>
+  <p:clrMapOvr>
+    <a:masterClrMapping/>
+  </p:clrMapOvr>
+  <p:timing>
+    <p:tnLst>
+      <p:par>
+        <p:cTn id="1" dur="indefinite" restart="never" nodeType="tmRoot"/>
+      </p:par>
+    </p:tnLst>
+  </p:timing>
+</p:sld>
+</file>
+
+<file path=ppt/slides/slide9.xml><?xml version="1.0" encoding="utf-8"?>
+<p:sld xmlns:a="http://schemas.openxmlformats.org/drawingml/2006/main" xmlns:r="http://schemas.openxmlformats.org/officeDocument/2006/relationships" xmlns:p="http://schemas.openxmlformats.org/presentationml/2006/main">
+  <p:cSld>
+    <p:spTree>
+      <p:nvGrpSpPr>
+        <p:cNvPr id="1" name=""/>
+        <p:cNvGrpSpPr/>
+        <p:nvPr/>
+      </p:nvGrpSpPr>
+      <p:grpSpPr>
+        <a:xfrm>
+          <a:off x="0" y="0"/>
+          <a:ext cx="0" cy="0"/>
+          <a:chOff x="0" y="0"/>
+          <a:chExt cx="0" cy="0"/>
+        </a:xfrm>
+      </p:grpSpPr>
+      <p:sp>
+        <p:nvSpPr>
+          <p:cNvPr id="3" name="Espace réservé du contenu 2"/>
+          <p:cNvSpPr>
+            <a:spLocks noGrp="1"/>
+          </p:cNvSpPr>
+          <p:nvPr>
+            <p:ph idx="1"/>
+          </p:nvPr>
+        </p:nvSpPr>
+        <p:spPr>
+          <a:xfrm>
+            <a:off x="597445" y="938127"/>
+            <a:ext cx="10705555" cy="1239944"/>
+          </a:xfrm>
+        </p:spPr>
+        <p:txBody>
+          <a:bodyPr>
+            <a:normAutofit/>
+          </a:bodyPr>
+          <a:lstStyle/>
+          <a:p>
+            <a:pPr marL="0" indent="0" algn="ctr">
+              <a:buNone/>
+            </a:pPr>
+            <a:r>
+              <a:rPr lang="fr-FR" sz="2400" dirty="0" smtClean="0"/>
+              <a:t>Pour certaines prédictions, nous </a:t>
+            </a:r>
+            <a:r>
+              <a:rPr lang="fr-FR" sz="2400" dirty="0"/>
+              <a:t>vous </a:t>
+            </a:r>
+            <a:r>
+              <a:rPr lang="fr-FR" sz="2400" dirty="0" smtClean="0"/>
+              <a:t>demanderons </a:t>
+            </a:r>
+            <a:r>
+              <a:rPr lang="fr-FR" sz="2400" dirty="0"/>
+              <a:t>d’exprimer votre degré de </a:t>
+            </a:r>
+            <a:r>
+              <a:rPr lang="fr-FR" sz="2400" dirty="0" smtClean="0"/>
+              <a:t>confiance </a:t>
+            </a:r>
+            <a:r>
+              <a:rPr lang="fr-FR" sz="2400" dirty="0"/>
+              <a:t>avant de vous dire si </a:t>
+            </a:r>
+            <a:r>
+              <a:rPr lang="fr-FR" sz="2400" dirty="0" smtClean="0"/>
+              <a:t>votre prédiction était correcte: </a:t>
+            </a:r>
+            <a:endParaRPr lang="fr-FR" sz="2400" dirty="0"/>
           </a:p>
         </p:txBody>
       </p:sp>
@@ -7272,7 +8719,7 @@
         </p:blipFill>
         <p:spPr>
           <a:xfrm>
-            <a:off x="889000" y="2376007"/>
+            <a:off x="889000" y="1921079"/>
             <a:ext cx="10414000" cy="2493879"/>
           </a:xfrm>
           <a:prstGeom prst="rect">
@@ -7282,85 +8729,101 @@
       </p:pic>
       <p:sp>
         <p:nvSpPr>
-          <p:cNvPr id="6" name="Rectangle 3">
-            <a:extLst>
-              <a:ext uri="{FF2B5EF4-FFF2-40B4-BE49-F238E27FC236}">
-                <a16:creationId xmlns:a16="http://schemas.microsoft.com/office/drawing/2014/main" id="{C49CE132-C670-544E-A6AB-88C14FAB759B}"/>
-              </a:ext>
-            </a:extLst>
-          </p:cNvPr>
-          <p:cNvSpPr/>
+          <p:cNvPr id="15" name="ZoneTexte 14"/>
+          <p:cNvSpPr txBox="1"/>
           <p:nvPr/>
         </p:nvSpPr>
         <p:spPr>
           <a:xfrm>
-            <a:off x="973073" y="6329490"/>
-            <a:ext cx="10380727" cy="400110"/>
+            <a:off x="1874204" y="237893"/>
+            <a:ext cx="8443609" cy="830997"/>
           </a:xfrm>
           <a:prstGeom prst="rect">
             <a:avLst/>
           </a:prstGeom>
-        </p:spPr>
-        <p:txBody>
-          <a:bodyPr wrap="none">
+          <a:noFill/>
+        </p:spPr>
+        <p:txBody>
+          <a:bodyPr wrap="square" rtlCol="0">
             <a:spAutoFit/>
           </a:bodyPr>
           <a:lstStyle/>
           <a:p>
-            <a:r>
-              <a:rPr lang="fr-FR" sz="2000" i="1" dirty="0">
+            <a:pPr algn="ctr"/>
+            <a:r>
+              <a:rPr lang="fr-FR" sz="2400" b="1" dirty="0" smtClean="0">
                 <a:solidFill>
-                  <a:schemeClr val="tx1">
-                    <a:lumMod val="50000"/>
-                    <a:lumOff val="50000"/>
-                  </a:schemeClr>
+                  <a:srgbClr val="0070C0"/>
                 </a:solidFill>
               </a:rPr>
-              <a:t>Appuyez sur la flèche droite [</a:t>
-            </a:r>
-            <a:r>
-              <a:rPr lang="fr-FR" sz="2000" i="1" dirty="0">
-                <a:solidFill>
-                  <a:schemeClr val="tx1">
-                    <a:lumMod val="50000"/>
-                    <a:lumOff val="50000"/>
-                  </a:schemeClr>
-                </a:solidFill>
-                <a:sym typeface="Wingdings" pitchFamily="2" charset="2"/>
-              </a:rPr>
-              <a:t></a:t>
-            </a:r>
-            <a:r>
-              <a:rPr lang="fr-FR" sz="2000" i="1" dirty="0">
-                <a:solidFill>
-                  <a:schemeClr val="tx1">
-                    <a:lumMod val="50000"/>
-                    <a:lumOff val="50000"/>
-                  </a:schemeClr>
-                </a:solidFill>
-              </a:rPr>
-              <a:t>] pour continuer ou sur la flèche gauche [</a:t>
-            </a:r>
-            <a:r>
-              <a:rPr lang="fr-FR" sz="2000" i="1" dirty="0">
-                <a:solidFill>
-                  <a:schemeClr val="tx1">
-                    <a:lumMod val="50000"/>
-                    <a:lumOff val="50000"/>
-                  </a:schemeClr>
-                </a:solidFill>
-                <a:sym typeface="Wingdings" pitchFamily="2" charset="2"/>
-              </a:rPr>
-              <a:t>] pour revenir en arrière</a:t>
-            </a:r>
-            <a:endParaRPr lang="fr-FR" sz="2000" i="1" dirty="0">
-              <a:solidFill>
-                <a:schemeClr val="tx1">
-                  <a:lumMod val="50000"/>
-                  <a:lumOff val="50000"/>
-                </a:schemeClr>
-              </a:solidFill>
-            </a:endParaRPr>
+              <a:t>PHASE DE PRÉDICTION: JUGEMENT DE CONFIANCE</a:t>
+            </a:r>
+            <a:endParaRPr lang="en-GB" sz="2400" dirty="0"/>
+          </a:p>
+          <a:p>
+            <a:pPr algn="ctr"/>
+            <a:endParaRPr lang="en-GB" sz="2400" dirty="0"/>
+          </a:p>
+        </p:txBody>
+      </p:sp>
+      <p:sp>
+        <p:nvSpPr>
+          <p:cNvPr id="2" name="Rectangle 1"/>
+          <p:cNvSpPr/>
+          <p:nvPr/>
+        </p:nvSpPr>
+        <p:spPr>
+          <a:xfrm>
+            <a:off x="1756012" y="4714252"/>
+            <a:ext cx="8679976" cy="1938992"/>
+          </a:xfrm>
+          <a:prstGeom prst="rect">
+            <a:avLst/>
+          </a:prstGeom>
+        </p:spPr>
+        <p:txBody>
+          <a:bodyPr wrap="square">
+            <a:spAutoFit/>
+          </a:bodyPr>
+          <a:lstStyle/>
+          <a:p>
+            <a:pPr algn="ctr"/>
+            <a:r>
+              <a:rPr lang="fr-FR" sz="2400" dirty="0" smtClean="0"/>
+              <a:t>Pour </a:t>
+            </a:r>
+            <a:r>
+              <a:rPr lang="fr-FR" sz="2400" dirty="0"/>
+              <a:t>répondre, vous déplacerez le pointeur de la barre de défilement avec la souris.</a:t>
+            </a:r>
+          </a:p>
+          <a:p>
+            <a:pPr algn="ctr"/>
+            <a:endParaRPr lang="fr-FR" sz="2400" dirty="0"/>
+          </a:p>
+          <a:p>
+            <a:pPr algn="ctr"/>
+            <a:r>
+              <a:rPr lang="fr-FR" sz="2400" dirty="0" smtClean="0"/>
+              <a:t>Attention: si </a:t>
+            </a:r>
+            <a:r>
+              <a:rPr lang="fr-FR" sz="2400" dirty="0"/>
+              <a:t>vous ne déplacez pas la </a:t>
+            </a:r>
+            <a:r>
+              <a:rPr lang="fr-FR" sz="2400" dirty="0" smtClean="0"/>
+              <a:t>barre, </a:t>
+            </a:r>
+            <a:r>
+              <a:rPr lang="fr-FR" sz="2400" dirty="0"/>
+              <a:t>vous ne pourrez pas </a:t>
+            </a:r>
+            <a:r>
+              <a:rPr lang="fr-FR" sz="2400" dirty="0" smtClean="0"/>
+              <a:t>continuer le test.</a:t>
+            </a:r>
+            <a:endParaRPr lang="fr-FR" sz="2400" dirty="0"/>
           </a:p>
         </p:txBody>
       </p:sp>
@@ -7374,500 +8837,13 @@
   <p:clrMapOvr>
     <a:masterClrMapping/>
   </p:clrMapOvr>
-</p:sld>
-</file>
-
-<file path=ppt/slides/slide8.xml><?xml version="1.0" encoding="utf-8"?>
-<p:sld xmlns:a="http://schemas.openxmlformats.org/drawingml/2006/main" xmlns:r="http://schemas.openxmlformats.org/officeDocument/2006/relationships" xmlns:p="http://schemas.openxmlformats.org/presentationml/2006/main">
-  <p:cSld>
-    <p:spTree>
-      <p:nvGrpSpPr>
-        <p:cNvPr id="1" name=""/>
-        <p:cNvGrpSpPr/>
-        <p:nvPr/>
-      </p:nvGrpSpPr>
-      <p:grpSpPr>
-        <a:xfrm>
-          <a:off x="0" y="0"/>
-          <a:ext cx="0" cy="0"/>
-          <a:chOff x="0" y="0"/>
-          <a:chExt cx="0" cy="0"/>
-        </a:xfrm>
-      </p:grpSpPr>
-      <p:sp>
-        <p:nvSpPr>
-          <p:cNvPr id="3" name="Espace réservé du contenu 2"/>
-          <p:cNvSpPr>
-            <a:spLocks noGrp="1"/>
-          </p:cNvSpPr>
-          <p:nvPr>
-            <p:ph idx="1"/>
-          </p:nvPr>
-        </p:nvSpPr>
-        <p:spPr>
-          <a:xfrm>
-            <a:off x="648245" y="916402"/>
-            <a:ext cx="10705555" cy="5653572"/>
-          </a:xfrm>
-        </p:spPr>
-        <p:txBody>
-          <a:bodyPr>
-            <a:normAutofit/>
-          </a:bodyPr>
-          <a:lstStyle/>
-          <a:p>
-            <a:pPr marL="0" indent="0" algn="just">
-              <a:buNone/>
-            </a:pPr>
-            <a:r>
-              <a:rPr lang="fr-FR" sz="2000" dirty="0"/>
-              <a:t>Finalement, à la fin de chaque test de prédiction, on vous demandera à quel point vous pensez que l’autre participant(e) est plus prudent(e) que la normale.  Pour répondre, vous devrez également l'indiquer en déplaçant le pointeur de la barre de défilement avec la souris (voir figure ci-dessous).</a:t>
-            </a:r>
-          </a:p>
-          <a:p>
-            <a:pPr marL="0" indent="0" algn="just">
-              <a:buNone/>
-            </a:pPr>
-            <a:r>
-              <a:rPr lang="fr-FR" sz="2000" dirty="0"/>
-              <a:t>Pour répondre, vous déplacerez le pointeur de la barre de défilement avec la souris. </a:t>
-            </a:r>
-          </a:p>
-          <a:p>
-            <a:pPr marL="0" indent="0" algn="just">
-              <a:buNone/>
-            </a:pPr>
-            <a:endParaRPr lang="fr-FR" sz="2000" dirty="0"/>
-          </a:p>
-          <a:p>
-            <a:pPr marL="0" indent="0" algn="just">
-              <a:buNone/>
-            </a:pPr>
-            <a:endParaRPr lang="fr-FR" sz="2000" dirty="0"/>
-          </a:p>
-          <a:p>
-            <a:pPr marL="0" indent="0" algn="just">
-              <a:buNone/>
-            </a:pPr>
-            <a:endParaRPr lang="fr-FR" sz="2000" dirty="0"/>
-          </a:p>
-          <a:p>
-            <a:pPr marL="0" indent="0" algn="just">
-              <a:buNone/>
-            </a:pPr>
-            <a:endParaRPr lang="fr-FR" sz="2000" dirty="0"/>
-          </a:p>
-          <a:p>
-            <a:pPr marL="0" indent="0" algn="just">
-              <a:buNone/>
-            </a:pPr>
-            <a:endParaRPr lang="fr-FR" sz="2000" dirty="0"/>
-          </a:p>
-          <a:p>
-            <a:pPr marL="0" indent="0" algn="just">
-              <a:buNone/>
-            </a:pPr>
-            <a:endParaRPr lang="fr-FR" sz="2000" dirty="0"/>
-          </a:p>
-          <a:p>
-            <a:pPr marL="0" indent="0" algn="just">
-              <a:buNone/>
-            </a:pPr>
-            <a:endParaRPr lang="fr-FR" sz="2000" dirty="0"/>
-          </a:p>
-          <a:p>
-            <a:pPr marL="0" indent="0" algn="just">
-              <a:buNone/>
-            </a:pPr>
-            <a:r>
-              <a:rPr lang="fr-FR" sz="2000" dirty="0"/>
-              <a:t>Si vous ne déplacez pas la barre avant d'appuyer sur le bouton OK, vous ne pourrez pas passer au essai suivant.</a:t>
-            </a:r>
-          </a:p>
-        </p:txBody>
-      </p:sp>
-      <p:sp>
-        <p:nvSpPr>
-          <p:cNvPr id="5" name="Rectángulo 4">
-            <a:extLst>
-              <a:ext uri="{FF2B5EF4-FFF2-40B4-BE49-F238E27FC236}">
-                <a16:creationId xmlns:a16="http://schemas.microsoft.com/office/drawing/2014/main" id="{7341A93F-6626-504F-B534-D779E9399A22}"/>
-              </a:ext>
-            </a:extLst>
-          </p:cNvPr>
-          <p:cNvSpPr/>
-          <p:nvPr/>
-        </p:nvSpPr>
-        <p:spPr>
-          <a:xfrm>
-            <a:off x="648245" y="288026"/>
-            <a:ext cx="2318263" cy="496996"/>
-          </a:xfrm>
-          <a:prstGeom prst="rect">
-            <a:avLst/>
-          </a:prstGeom>
-        </p:spPr>
-        <p:txBody>
-          <a:bodyPr wrap="none">
-            <a:spAutoFit/>
-          </a:bodyPr>
-          <a:lstStyle/>
-          <a:p>
-            <a:pPr algn="just">
-              <a:lnSpc>
-                <a:spcPct val="150000"/>
-              </a:lnSpc>
-              <a:spcBef>
-                <a:spcPts val="200"/>
-              </a:spcBef>
-              <a:spcAft>
-                <a:spcPts val="0"/>
-              </a:spcAft>
-            </a:pPr>
-            <a:r>
-              <a:rPr lang="fr-FR" sz="2000" b="1" dirty="0">
-                <a:solidFill>
-                  <a:srgbClr val="2E74B5"/>
-                </a:solidFill>
-                <a:latin typeface="Arial" panose="020B0604020202020204" pitchFamily="34" charset="0"/>
-                <a:cs typeface="Times New Roman" panose="02020603050405020304" pitchFamily="18" charset="0"/>
-              </a:rPr>
-              <a:t>4. Question finale</a:t>
-            </a:r>
-          </a:p>
-        </p:txBody>
-      </p:sp>
-      <p:sp>
-        <p:nvSpPr>
-          <p:cNvPr id="6" name="Rectangle 3">
-            <a:extLst>
-              <a:ext uri="{FF2B5EF4-FFF2-40B4-BE49-F238E27FC236}">
-                <a16:creationId xmlns:a16="http://schemas.microsoft.com/office/drawing/2014/main" id="{C49CE132-C670-544E-A6AB-88C14FAB759B}"/>
-              </a:ext>
-            </a:extLst>
-          </p:cNvPr>
-          <p:cNvSpPr/>
-          <p:nvPr/>
-        </p:nvSpPr>
-        <p:spPr>
-          <a:xfrm>
-            <a:off x="973073" y="6329490"/>
-            <a:ext cx="10380727" cy="400110"/>
-          </a:xfrm>
-          <a:prstGeom prst="rect">
-            <a:avLst/>
-          </a:prstGeom>
-        </p:spPr>
-        <p:txBody>
-          <a:bodyPr wrap="none">
-            <a:spAutoFit/>
-          </a:bodyPr>
-          <a:lstStyle/>
-          <a:p>
-            <a:r>
-              <a:rPr lang="fr-FR" sz="2000" i="1" dirty="0">
-                <a:solidFill>
-                  <a:schemeClr val="tx1">
-                    <a:lumMod val="50000"/>
-                    <a:lumOff val="50000"/>
-                  </a:schemeClr>
-                </a:solidFill>
-              </a:rPr>
-              <a:t>Appuyez sur la flèche droite [</a:t>
-            </a:r>
-            <a:r>
-              <a:rPr lang="fr-FR" sz="2000" i="1" dirty="0">
-                <a:solidFill>
-                  <a:schemeClr val="tx1">
-                    <a:lumMod val="50000"/>
-                    <a:lumOff val="50000"/>
-                  </a:schemeClr>
-                </a:solidFill>
-                <a:sym typeface="Wingdings" pitchFamily="2" charset="2"/>
-              </a:rPr>
-              <a:t></a:t>
-            </a:r>
-            <a:r>
-              <a:rPr lang="fr-FR" sz="2000" i="1" dirty="0">
-                <a:solidFill>
-                  <a:schemeClr val="tx1">
-                    <a:lumMod val="50000"/>
-                    <a:lumOff val="50000"/>
-                  </a:schemeClr>
-                </a:solidFill>
-              </a:rPr>
-              <a:t>] pour continuer ou sur la flèche gauche [</a:t>
-            </a:r>
-            <a:r>
-              <a:rPr lang="fr-FR" sz="2000" i="1" dirty="0">
-                <a:solidFill>
-                  <a:schemeClr val="tx1">
-                    <a:lumMod val="50000"/>
-                    <a:lumOff val="50000"/>
-                  </a:schemeClr>
-                </a:solidFill>
-                <a:sym typeface="Wingdings" pitchFamily="2" charset="2"/>
-              </a:rPr>
-              <a:t>] pour revenir en arrière</a:t>
-            </a:r>
-            <a:endParaRPr lang="fr-FR" sz="2000" i="1" dirty="0">
-              <a:solidFill>
-                <a:schemeClr val="tx1">
-                  <a:lumMod val="50000"/>
-                  <a:lumOff val="50000"/>
-                </a:schemeClr>
-              </a:solidFill>
-            </a:endParaRPr>
-          </a:p>
-        </p:txBody>
-      </p:sp>
-      <p:pic>
-        <p:nvPicPr>
-          <p:cNvPr id="10" name="Imagen 9" descr="Captura de pantalla de un celular con texto&#10;&#10;Descripción generada automáticamente">
-            <a:extLst>
-              <a:ext uri="{FF2B5EF4-FFF2-40B4-BE49-F238E27FC236}">
-                <a16:creationId xmlns:a16="http://schemas.microsoft.com/office/drawing/2014/main" id="{92299531-E646-3F46-A73C-E74CEBA665F8}"/>
-              </a:ext>
-            </a:extLst>
-          </p:cNvPr>
-          <p:cNvPicPr>
-            <a:picLocks noChangeAspect="1"/>
-          </p:cNvPicPr>
-          <p:nvPr/>
-        </p:nvPicPr>
-        <p:blipFill>
-          <a:blip r:embed="rId2">
-            <a:extLst>
-              <a:ext uri="{28A0092B-C50C-407E-A947-70E740481C1C}">
-                <a14:useLocalDpi xmlns:a14="http://schemas.microsoft.com/office/drawing/2010/main" val="0"/>
-              </a:ext>
-            </a:extLst>
-          </a:blip>
-          <a:stretch>
-            <a:fillRect/>
-          </a:stretch>
-        </p:blipFill>
-        <p:spPr>
-          <a:xfrm>
-            <a:off x="580235" y="2402500"/>
-            <a:ext cx="11166401" cy="2681375"/>
-          </a:xfrm>
-          <a:prstGeom prst="rect">
-            <a:avLst/>
-          </a:prstGeom>
-        </p:spPr>
-      </p:pic>
-    </p:spTree>
-    <p:extLst>
-      <p:ext uri="{BB962C8B-B14F-4D97-AF65-F5344CB8AC3E}">
-        <p14:creationId xmlns:p14="http://schemas.microsoft.com/office/powerpoint/2010/main" val="906590627"/>
-      </p:ext>
-    </p:extLst>
-  </p:cSld>
-  <p:clrMapOvr>
-    <a:masterClrMapping/>
-  </p:clrMapOvr>
-</p:sld>
-</file>
-
-<file path=ppt/slides/slide9.xml><?xml version="1.0" encoding="utf-8"?>
-<p:sld xmlns:a="http://schemas.openxmlformats.org/drawingml/2006/main" xmlns:r="http://schemas.openxmlformats.org/officeDocument/2006/relationships" xmlns:p="http://schemas.openxmlformats.org/presentationml/2006/main">
-  <p:cSld>
-    <p:spTree>
-      <p:nvGrpSpPr>
-        <p:cNvPr id="1" name=""/>
-        <p:cNvGrpSpPr/>
-        <p:nvPr/>
-      </p:nvGrpSpPr>
-      <p:grpSpPr>
-        <a:xfrm>
-          <a:off x="0" y="0"/>
-          <a:ext cx="0" cy="0"/>
-          <a:chOff x="0" y="0"/>
-          <a:chExt cx="0" cy="0"/>
-        </a:xfrm>
-      </p:grpSpPr>
-      <p:sp>
-        <p:nvSpPr>
-          <p:cNvPr id="3" name="Espace réservé du contenu 2"/>
-          <p:cNvSpPr>
-            <a:spLocks noGrp="1"/>
-          </p:cNvSpPr>
-          <p:nvPr>
-            <p:ph idx="1"/>
-          </p:nvPr>
-        </p:nvSpPr>
-        <p:spPr>
-          <a:xfrm>
-            <a:off x="838200" y="2167695"/>
-            <a:ext cx="10515600" cy="4690305"/>
-          </a:xfrm>
-        </p:spPr>
-        <p:txBody>
-          <a:bodyPr>
-            <a:normAutofit/>
-          </a:bodyPr>
-          <a:lstStyle/>
-          <a:p>
-            <a:pPr marL="0" indent="0" algn="ctr">
-              <a:buNone/>
-            </a:pPr>
-            <a:endParaRPr lang="fr-FR" sz="2000" dirty="0"/>
-          </a:p>
-          <a:p>
-            <a:pPr marL="0" indent="0" algn="ctr">
-              <a:buNone/>
-            </a:pPr>
-            <a:r>
-              <a:rPr lang="fr-FR" sz="2000" dirty="0"/>
-              <a:t>Vous aurez maintenant l'occasion de vous familiariser la tâche pendant certains essais.</a:t>
-            </a:r>
-          </a:p>
-          <a:p>
-            <a:pPr marL="0" indent="0" algn="ctr">
-              <a:buNone/>
-            </a:pPr>
-            <a:endParaRPr lang="fr-FR" sz="2000" dirty="0"/>
-          </a:p>
-          <a:p>
-            <a:pPr marL="0" indent="0" algn="ctr">
-              <a:buNone/>
-            </a:pPr>
-            <a:endParaRPr lang="fr-FR" sz="2000" dirty="0"/>
-          </a:p>
-          <a:p>
-            <a:pPr marL="0" indent="0" algn="ctr">
-              <a:buNone/>
-            </a:pPr>
-            <a:r>
-              <a:rPr lang="fr-FR" sz="2000" dirty="0"/>
-              <a:t>Votre performance dans cette phase </a:t>
-            </a:r>
-            <a:r>
-              <a:rPr lang="fr-FR" sz="2000" dirty="0">
-                <a:solidFill>
-                  <a:srgbClr val="FF0000"/>
-                </a:solidFill>
-              </a:rPr>
-              <a:t>ne sera pas prise en compte </a:t>
-            </a:r>
-            <a:r>
-              <a:rPr lang="fr-FR" sz="2000" dirty="0"/>
-              <a:t>pour votre bonus financier. </a:t>
-            </a:r>
-          </a:p>
-        </p:txBody>
-      </p:sp>
-      <p:sp>
-        <p:nvSpPr>
-          <p:cNvPr id="7" name="Titre 1">
-            <a:extLst>
-              <a:ext uri="{FF2B5EF4-FFF2-40B4-BE49-F238E27FC236}">
-                <a16:creationId xmlns:a16="http://schemas.microsoft.com/office/drawing/2014/main" id="{7636C7F2-D3B8-7D4C-9EBF-161B37C6DF05}"/>
-              </a:ext>
-            </a:extLst>
-          </p:cNvPr>
-          <p:cNvSpPr>
-            <a:spLocks noGrp="1"/>
-          </p:cNvSpPr>
-          <p:nvPr>
-            <p:ph type="title"/>
-          </p:nvPr>
-        </p:nvSpPr>
-        <p:spPr>
-          <a:xfrm>
-            <a:off x="2493611" y="681037"/>
-            <a:ext cx="7576981" cy="2129977"/>
-          </a:xfrm>
-        </p:spPr>
-        <p:txBody>
-          <a:bodyPr>
-            <a:normAutofit/>
-          </a:bodyPr>
-          <a:lstStyle/>
-          <a:p>
-            <a:pPr algn="ctr"/>
-            <a:r>
-              <a:rPr lang="fr-FR" dirty="0"/>
-              <a:t>Entrainement – Phase Décision</a:t>
-            </a:r>
-          </a:p>
-        </p:txBody>
-      </p:sp>
-      <p:sp>
-        <p:nvSpPr>
-          <p:cNvPr id="5" name="Rectangle 3">
-            <a:extLst>
-              <a:ext uri="{FF2B5EF4-FFF2-40B4-BE49-F238E27FC236}">
-                <a16:creationId xmlns:a16="http://schemas.microsoft.com/office/drawing/2014/main" id="{8D4A4AC5-717D-F343-BCBE-5E4E31179B80}"/>
-              </a:ext>
-            </a:extLst>
-          </p:cNvPr>
-          <p:cNvSpPr/>
-          <p:nvPr/>
-        </p:nvSpPr>
-        <p:spPr>
-          <a:xfrm>
-            <a:off x="3551393" y="6176963"/>
-            <a:ext cx="5089214" cy="400110"/>
-          </a:xfrm>
-          <a:prstGeom prst="rect">
-            <a:avLst/>
-          </a:prstGeom>
-        </p:spPr>
-        <p:txBody>
-          <a:bodyPr wrap="none">
-            <a:spAutoFit/>
-          </a:bodyPr>
-          <a:lstStyle/>
-          <a:p>
-            <a:r>
-              <a:rPr lang="fr-FR" sz="2000" i="1" dirty="0">
-                <a:solidFill>
-                  <a:schemeClr val="tx1">
-                    <a:lumMod val="50000"/>
-                    <a:lumOff val="50000"/>
-                  </a:schemeClr>
-                </a:solidFill>
-              </a:rPr>
-              <a:t>Appuyez sur la flèche droite [</a:t>
-            </a:r>
-            <a:r>
-              <a:rPr lang="fr-FR" sz="2000" i="1" dirty="0">
-                <a:solidFill>
-                  <a:schemeClr val="tx1">
-                    <a:lumMod val="50000"/>
-                    <a:lumOff val="50000"/>
-                  </a:schemeClr>
-                </a:solidFill>
-                <a:sym typeface="Wingdings" pitchFamily="2" charset="2"/>
-              </a:rPr>
-              <a:t></a:t>
-            </a:r>
-            <a:r>
-              <a:rPr lang="fr-FR" sz="2000" i="1" dirty="0">
-                <a:solidFill>
-                  <a:schemeClr val="tx1">
-                    <a:lumMod val="50000"/>
-                    <a:lumOff val="50000"/>
-                  </a:schemeClr>
-                </a:solidFill>
-              </a:rPr>
-              <a:t>] pour continuer</a:t>
-            </a:r>
-          </a:p>
-        </p:txBody>
-      </p:sp>
-    </p:spTree>
-    <p:extLst>
-      <p:ext uri="{BB962C8B-B14F-4D97-AF65-F5344CB8AC3E}">
-        <p14:creationId xmlns:p14="http://schemas.microsoft.com/office/powerpoint/2010/main" val="246414199"/>
-      </p:ext>
-    </p:extLst>
-  </p:cSld>
-  <p:clrMapOvr>
-    <a:masterClrMapping/>
-  </p:clrMapOvr>
+  <p:timing>
+    <p:tnLst>
+      <p:par>
+        <p:cTn id="1" dur="indefinite" restart="never" nodeType="tmRoot"/>
+      </p:par>
+    </p:tnLst>
+  </p:timing>
 </p:sld>
 </file>
 

--- a/src/DPD_task/stimuli/instructions/instructionsDPD.pptx
+++ b/src/DPD_task/stimuli/instructions/instructionsDPD.pptx
@@ -263,7 +263,7 @@
           <a:p>
             <a:fld id="{712DDF4E-9AD6-4EE5-9343-468C572CABA6}" type="datetimeFigureOut">
               <a:rPr lang="fr-FR" smtClean="0"/>
-              <a:t>17/07/2020</a:t>
+              <a:t>19/07/2020</a:t>
             </a:fld>
             <a:endParaRPr lang="fr-FR" dirty="0"/>
           </a:p>
@@ -431,7 +431,7 @@
           <a:p>
             <a:fld id="{712DDF4E-9AD6-4EE5-9343-468C572CABA6}" type="datetimeFigureOut">
               <a:rPr lang="fr-FR" smtClean="0"/>
-              <a:t>17/07/2020</a:t>
+              <a:t>19/07/2020</a:t>
             </a:fld>
             <a:endParaRPr lang="fr-FR" dirty="0"/>
           </a:p>
@@ -609,7 +609,7 @@
           <a:p>
             <a:fld id="{712DDF4E-9AD6-4EE5-9343-468C572CABA6}" type="datetimeFigureOut">
               <a:rPr lang="fr-FR" smtClean="0"/>
-              <a:t>17/07/2020</a:t>
+              <a:t>19/07/2020</a:t>
             </a:fld>
             <a:endParaRPr lang="fr-FR" dirty="0"/>
           </a:p>
@@ -777,7 +777,7 @@
           <a:p>
             <a:fld id="{712DDF4E-9AD6-4EE5-9343-468C572CABA6}" type="datetimeFigureOut">
               <a:rPr lang="fr-FR" smtClean="0"/>
-              <a:t>17/07/2020</a:t>
+              <a:t>19/07/2020</a:t>
             </a:fld>
             <a:endParaRPr lang="fr-FR" dirty="0"/>
           </a:p>
@@ -1022,7 +1022,7 @@
           <a:p>
             <a:fld id="{712DDF4E-9AD6-4EE5-9343-468C572CABA6}" type="datetimeFigureOut">
               <a:rPr lang="fr-FR" smtClean="0"/>
-              <a:t>17/07/2020</a:t>
+              <a:t>19/07/2020</a:t>
             </a:fld>
             <a:endParaRPr lang="fr-FR" dirty="0"/>
           </a:p>
@@ -1251,7 +1251,7 @@
           <a:p>
             <a:fld id="{712DDF4E-9AD6-4EE5-9343-468C572CABA6}" type="datetimeFigureOut">
               <a:rPr lang="fr-FR" smtClean="0"/>
-              <a:t>17/07/2020</a:t>
+              <a:t>19/07/2020</a:t>
             </a:fld>
             <a:endParaRPr lang="fr-FR" dirty="0"/>
           </a:p>
@@ -1615,7 +1615,7 @@
           <a:p>
             <a:fld id="{712DDF4E-9AD6-4EE5-9343-468C572CABA6}" type="datetimeFigureOut">
               <a:rPr lang="fr-FR" smtClean="0"/>
-              <a:t>17/07/2020</a:t>
+              <a:t>19/07/2020</a:t>
             </a:fld>
             <a:endParaRPr lang="fr-FR" dirty="0"/>
           </a:p>
@@ -1732,7 +1732,7 @@
           <a:p>
             <a:fld id="{712DDF4E-9AD6-4EE5-9343-468C572CABA6}" type="datetimeFigureOut">
               <a:rPr lang="fr-FR" smtClean="0"/>
-              <a:t>17/07/2020</a:t>
+              <a:t>19/07/2020</a:t>
             </a:fld>
             <a:endParaRPr lang="fr-FR" dirty="0"/>
           </a:p>
@@ -1827,7 +1827,7 @@
           <a:p>
             <a:fld id="{712DDF4E-9AD6-4EE5-9343-468C572CABA6}" type="datetimeFigureOut">
               <a:rPr lang="fr-FR" smtClean="0"/>
-              <a:t>17/07/2020</a:t>
+              <a:t>19/07/2020</a:t>
             </a:fld>
             <a:endParaRPr lang="fr-FR" dirty="0"/>
           </a:p>
@@ -2102,7 +2102,7 @@
           <a:p>
             <a:fld id="{712DDF4E-9AD6-4EE5-9343-468C572CABA6}" type="datetimeFigureOut">
               <a:rPr lang="fr-FR" smtClean="0"/>
-              <a:t>17/07/2020</a:t>
+              <a:t>19/07/2020</a:t>
             </a:fld>
             <a:endParaRPr lang="fr-FR" dirty="0"/>
           </a:p>
@@ -2354,7 +2354,7 @@
           <a:p>
             <a:fld id="{712DDF4E-9AD6-4EE5-9343-468C572CABA6}" type="datetimeFigureOut">
               <a:rPr lang="fr-FR" smtClean="0"/>
-              <a:t>17/07/2020</a:t>
+              <a:t>19/07/2020</a:t>
             </a:fld>
             <a:endParaRPr lang="fr-FR" dirty="0"/>
           </a:p>
@@ -2565,7 +2565,7 @@
           <a:p>
             <a:fld id="{712DDF4E-9AD6-4EE5-9343-468C572CABA6}" type="datetimeFigureOut">
               <a:rPr lang="fr-FR" smtClean="0"/>
-              <a:t>17/07/2020</a:t>
+              <a:t>19/07/2020</a:t>
             </a:fld>
             <a:endParaRPr lang="fr-FR" dirty="0"/>
           </a:p>
@@ -2999,21 +2999,8 @@
                   <a:srgbClr val="0070C0"/>
                 </a:solidFill>
               </a:rPr>
-              <a:t>TEST DE </a:t>
-            </a:r>
-            <a:r>
-              <a:rPr lang="fr-FR" sz="2400" b="1" dirty="0" smtClean="0">
-                <a:solidFill>
-                  <a:srgbClr val="0070C0"/>
-                </a:solidFill>
-              </a:rPr>
-              <a:t>COGNITION SOCIALE:</a:t>
-            </a:r>
-            <a:endParaRPr lang="fr-FR" sz="2400" b="1" dirty="0" smtClean="0">
-              <a:solidFill>
-                <a:srgbClr val="0070C0"/>
-              </a:solidFill>
-            </a:endParaRPr>
+              <a:t>TEST DE COGNITION SOCIALE:</a:t>
+            </a:r>
           </a:p>
           <a:p>
             <a:pPr algn="ctr"/>
@@ -3556,13 +3543,8 @@
             </a:r>
             <a:r>
               <a:rPr lang="en-GB" sz="2400" dirty="0" smtClean="0"/>
-              <a:t> </a:t>
-            </a:r>
-            <a:r>
-              <a:rPr lang="en-GB" sz="2400" dirty="0" smtClean="0"/>
-              <a:t>4 phases de decision, et 3 phases de prediction.</a:t>
-            </a:r>
-            <a:endParaRPr lang="en-GB" sz="2400" dirty="0" smtClean="0"/>
+              <a:t> 4 phases de decision, et 3 phases de prediction.</a:t>
+            </a:r>
           </a:p>
           <a:p>
             <a:pPr algn="ctr"/>
@@ -3574,7 +3556,6 @@
               <a:rPr lang="fr-FR" sz="2400" dirty="0" smtClean="0"/>
               <a:t>Chaque phase de décision et/ou prédiction comprend 32 choix risqués.</a:t>
             </a:r>
-            <a:endParaRPr lang="fr-FR" sz="2400" dirty="0" smtClean="0"/>
           </a:p>
           <a:p>
             <a:pPr algn="ctr"/>
@@ -4912,11 +4893,7 @@
             <a:pPr algn="ctr"/>
             <a:r>
               <a:rPr lang="fr-FR" sz="2400" dirty="0" smtClean="0"/>
-              <a:t>Le test </a:t>
-            </a:r>
-            <a:r>
-              <a:rPr lang="fr-FR" sz="2400" dirty="0" smtClean="0"/>
-              <a:t>de cognition sociale </a:t>
+              <a:t>Le test de cognition sociale </a:t>
             </a:r>
             <a:r>
               <a:rPr lang="fr-FR" sz="2400" dirty="0"/>
@@ -5021,15 +4998,7 @@
                   <a:srgbClr val="0070C0"/>
                 </a:solidFill>
               </a:rPr>
-              <a:t>FIN DU TEST </a:t>
-            </a:r>
-            <a:r>
-              <a:rPr lang="en-GB" sz="2400" b="1" dirty="0" smtClean="0">
-                <a:solidFill>
-                  <a:srgbClr val="0070C0"/>
-                </a:solidFill>
-              </a:rPr>
-              <a:t>DE COGNITION SOCIALE</a:t>
+              <a:t>FIN DU TEST DE COGNITION SOCIALE</a:t>
             </a:r>
             <a:endParaRPr lang="en-GB" sz="2400" b="1" dirty="0">
               <a:solidFill>
@@ -5105,21 +5074,8 @@
                   <a:srgbClr val="0070C0"/>
                 </a:solidFill>
               </a:rPr>
-              <a:t>TEST </a:t>
-            </a:r>
-            <a:r>
-              <a:rPr lang="fr-FR" sz="2400" b="1" dirty="0" smtClean="0">
-                <a:solidFill>
-                  <a:srgbClr val="0070C0"/>
-                </a:solidFill>
-              </a:rPr>
-              <a:t>D’APPRENTISSAGE:</a:t>
-            </a:r>
-            <a:endParaRPr lang="fr-FR" sz="2400" b="1" dirty="0" smtClean="0">
-              <a:solidFill>
-                <a:srgbClr val="0070C0"/>
-              </a:solidFill>
-            </a:endParaRPr>
+              <a:t>TEST D’APPRENTISSAGE:</a:t>
+            </a:r>
           </a:p>
           <a:p>
             <a:pPr algn="ctr"/>
@@ -5401,11 +5357,7 @@
             </a:r>
             <a:r>
               <a:rPr lang="fr-FR" sz="2400" dirty="0"/>
-              <a:t>dure environ </a:t>
-            </a:r>
-            <a:r>
-              <a:rPr lang="fr-FR" sz="2400" dirty="0"/>
-              <a:t>1</a:t>
+              <a:t>dure environ 1</a:t>
             </a:r>
             <a:r>
               <a:rPr lang="fr-FR" sz="2400" dirty="0" smtClean="0"/>
@@ -5614,8 +5566,13 @@
             </a:r>
             <a:r>
               <a:rPr lang="fr-FR" sz="2400" dirty="0"/>
-              <a:t>», vous devrez prédire les choix d’autres participants ayant participé au même jeu d´argent avant vous. </a:t>
-            </a:r>
+              <a:t>», vous devrez prédire les choix </a:t>
+            </a:r>
+            <a:r>
+              <a:rPr lang="fr-FR" sz="2400" dirty="0" smtClean="0"/>
+              <a:t>plus ou moins prudents d’autres participants. </a:t>
+            </a:r>
+            <a:endParaRPr lang="fr-FR" sz="2400" dirty="0"/>
           </a:p>
           <a:p>
             <a:pPr marL="0" indent="0" algn="ctr">
@@ -5773,15 +5730,7 @@
             </a:r>
             <a:r>
               <a:rPr lang="fr-FR" sz="2400" dirty="0" smtClean="0"/>
-              <a:t>reproduction</a:t>
-            </a:r>
-            <a:r>
-              <a:rPr lang="fr-FR" sz="2400" dirty="0" smtClean="0"/>
-              <a:t>: </a:t>
-            </a:r>
-            <a:r>
-              <a:rPr lang="fr-FR" sz="2400" dirty="0" smtClean="0"/>
-              <a:t>plus </a:t>
+              <a:t>reproduction: plus </a:t>
             </a:r>
             <a:r>
               <a:rPr lang="fr-FR" sz="2400" dirty="0"/>
@@ -6496,11 +6445,7 @@
             <a:pPr algn="ctr"/>
             <a:r>
               <a:rPr lang="fr-FR" sz="2400" dirty="0" smtClean="0"/>
-              <a:t>Le test </a:t>
-            </a:r>
-            <a:r>
-              <a:rPr lang="fr-FR" sz="2400" dirty="0" smtClean="0"/>
-              <a:t>d’apprentissage </a:t>
+              <a:t>Le test d’apprentissage </a:t>
             </a:r>
             <a:r>
               <a:rPr lang="fr-FR" sz="2400" dirty="0"/>
@@ -6570,15 +6515,7 @@
                   <a:srgbClr val="0070C0"/>
                 </a:solidFill>
               </a:rPr>
-              <a:t>FIN DU TEST </a:t>
-            </a:r>
-            <a:r>
-              <a:rPr lang="en-GB" sz="2400" b="1" dirty="0" smtClean="0">
-                <a:solidFill>
-                  <a:srgbClr val="0070C0"/>
-                </a:solidFill>
-              </a:rPr>
-              <a:t>D’APPRENTISSAGE</a:t>
+              <a:t>FIN DU TEST D’APPRENTISSAGE</a:t>
             </a:r>
             <a:endParaRPr lang="en-GB" sz="2400" b="1" dirty="0">
               <a:solidFill>
@@ -6755,11 +6692,7 @@
             </a:r>
             <a:r>
               <a:rPr lang="fr-FR" sz="2400" dirty="0" smtClean="0"/>
-              <a:t>C’est ce que nous appelons un « choix risqué ». </a:t>
-            </a:r>
-            <a:r>
-              <a:rPr lang="fr-FR" sz="2400" dirty="0" smtClean="0"/>
-              <a:t>Nous vous proposerons 34 choix risqués pour chaque phase de prédiction.</a:t>
+              <a:t>C’est ce que nous appelons un « choix risqué ». Nous vous proposerons 34 choix risqués pour chaque phase de prédiction.</a:t>
             </a:r>
             <a:endParaRPr lang="fr-FR" sz="2400" dirty="0"/>
           </a:p>
@@ -6809,15 +6742,7 @@
                   <a:srgbClr val="0070C0"/>
                 </a:solidFill>
               </a:rPr>
-              <a:t>PHASE DE DÉCISION: </a:t>
-            </a:r>
-            <a:r>
-              <a:rPr lang="fr-FR" sz="2400" b="1" dirty="0" smtClean="0">
-                <a:solidFill>
-                  <a:srgbClr val="0070C0"/>
-                </a:solidFill>
-              </a:rPr>
-              <a:t>PRINCIPE</a:t>
+              <a:t>PHASE DE DÉCISION: PRINCIPE</a:t>
             </a:r>
             <a:endParaRPr lang="en-GB" sz="2400" dirty="0"/>
           </a:p>
@@ -7103,7 +7028,15 @@
             </a:r>
             <a:r>
               <a:rPr lang="fr-FR" sz="2400" i="1" dirty="0"/>
-              <a:t>une somme initial de 50 euros. Quelle option </a:t>
+              <a:t>une somme </a:t>
+            </a:r>
+            <a:r>
+              <a:rPr lang="fr-FR" sz="2400" i="1" dirty="0" smtClean="0"/>
+              <a:t>initiale </a:t>
+            </a:r>
+            <a:r>
+              <a:rPr lang="fr-FR" sz="2400" i="1" dirty="0"/>
+              <a:t>de 50 euros. Quelle option </a:t>
             </a:r>
             <a:r>
               <a:rPr lang="fr-FR" sz="2400" i="1" dirty="0" smtClean="0"/>
@@ -7373,7 +7306,7 @@
             </a:r>
             <a:r>
               <a:rPr lang="fr-FR" sz="2400" dirty="0" smtClean="0"/>
-              <a:t>qui a votre préférence </a:t>
+              <a:t>que vous préférez </a:t>
             </a:r>
             <a:r>
               <a:rPr lang="fr-FR" sz="2400" dirty="0"/>
@@ -7648,7 +7581,15 @@
             </a:pPr>
             <a:r>
               <a:rPr lang="fr-FR" sz="2400" dirty="0"/>
-              <a:t>Ici, nous évaluerons votre capacité à comprendre et à anticiper la prise de risque d´autres personnes. Vous aurez la possibilité d´améliorer progressivement vos prédictions. En effet, après chaque prédictions, nous vous dirons si elle était correcte ou non. </a:t>
+              <a:t>Ici, nous évaluerons votre capacité à comprendre et à anticiper la prise de risque d´autres personnes. Vous aurez la possibilité d´améliorer progressivement vos prédictions. En effet, après chaque </a:t>
+            </a:r>
+            <a:r>
+              <a:rPr lang="fr-FR" sz="2400" dirty="0" smtClean="0"/>
+              <a:t>prédiction, </a:t>
+            </a:r>
+            <a:r>
+              <a:rPr lang="fr-FR" sz="2400" dirty="0"/>
+              <a:t>nous vous dirons si elle était correcte ou non. </a:t>
             </a:r>
           </a:p>
           <a:p>
@@ -7663,7 +7604,15 @@
             </a:pPr>
             <a:r>
               <a:rPr lang="fr-FR" sz="2400" dirty="0"/>
-              <a:t>Vous devrez effectuer ce jeu plusieurs fois. Attention : chaque phase de prédiction correspond à un participant diffèrent qui pourra être plus ou moins prudent(e) que la normale. </a:t>
+              <a:t>Vous devrez effectuer ce jeu plusieurs fois. Attention : chaque phase de prédiction correspond à un participant </a:t>
+            </a:r>
+            <a:r>
+              <a:rPr lang="fr-FR" sz="2400" dirty="0" smtClean="0"/>
+              <a:t>différent </a:t>
+            </a:r>
+            <a:r>
+              <a:rPr lang="fr-FR" sz="2400" dirty="0"/>
+              <a:t>qui pourra être plus ou moins prudent(e) que la normale. </a:t>
             </a:r>
             <a:endParaRPr lang="es-FR" sz="2400" dirty="0"/>
           </a:p>
@@ -7704,15 +7653,7 @@
                   <a:srgbClr val="0070C0"/>
                 </a:solidFill>
               </a:rPr>
-              <a:t>PHASE DE PRÉDICTION: </a:t>
-            </a:r>
-            <a:r>
-              <a:rPr lang="fr-FR" sz="2400" b="1" dirty="0" smtClean="0">
-                <a:solidFill>
-                  <a:srgbClr val="0070C0"/>
-                </a:solidFill>
-              </a:rPr>
-              <a:t>PRINCIPE</a:t>
+              <a:t>PHASE DE PRÉDICTION: PRINCIPE</a:t>
             </a:r>
             <a:endParaRPr lang="en-GB" sz="2400" dirty="0"/>
           </a:p>
@@ -7790,7 +7731,15 @@
             </a:r>
             <a:r>
               <a:rPr lang="fr-FR" sz="2400" i="1" dirty="0"/>
-              <a:t>reçoit une somme initial de 50 euros. Quelle option va t-elle choisir ?</a:t>
+              <a:t>reçoit une somme </a:t>
+            </a:r>
+            <a:r>
+              <a:rPr lang="fr-FR" sz="2400" i="1" dirty="0" smtClean="0"/>
+              <a:t>initiale </a:t>
+            </a:r>
+            <a:r>
+              <a:rPr lang="fr-FR" sz="2400" i="1" dirty="0"/>
+              <a:t>de 50 euros. Quelle option va t-elle choisir ?</a:t>
             </a:r>
           </a:p>
           <a:p>
@@ -8006,15 +7955,7 @@
                   <a:srgbClr val="0070C0"/>
                 </a:solidFill>
               </a:rPr>
-              <a:t>PHASE DE PRÉDICTION: </a:t>
-            </a:r>
-            <a:r>
-              <a:rPr lang="fr-FR" sz="2400" b="1" dirty="0" smtClean="0">
-                <a:solidFill>
-                  <a:srgbClr val="0070C0"/>
-                </a:solidFill>
-              </a:rPr>
-              <a:t>PRINCIPE</a:t>
+              <a:t>PHASE DE PRÉDICTION: PRINCIPE</a:t>
             </a:r>
             <a:endParaRPr lang="en-GB" sz="2400" dirty="0"/>
           </a:p>
@@ -8294,15 +8235,7 @@
                   <a:srgbClr val="0070C0"/>
                 </a:solidFill>
               </a:rPr>
-              <a:t>PHASE DE PRÉDICTION: </a:t>
-            </a:r>
-            <a:r>
-              <a:rPr lang="fr-FR" sz="2400" b="1" dirty="0" smtClean="0">
-                <a:solidFill>
-                  <a:srgbClr val="0070C0"/>
-                </a:solidFill>
-              </a:rPr>
-              <a:t>PRINCIPE</a:t>
+              <a:t>PHASE DE PRÉDICTION: PRINCIPE</a:t>
             </a:r>
             <a:endParaRPr lang="en-GB" sz="2400" dirty="0"/>
           </a:p>
@@ -8441,7 +8374,6 @@
               <a:rPr lang="fr-FR" sz="2400" dirty="0"/>
               <a:t>.’</a:t>
             </a:r>
-            <a:endParaRPr lang="fr-FR" sz="2400" dirty="0"/>
           </a:p>
         </p:txBody>
       </p:sp>

--- a/src/DPD_task/stimuli/instructions/instructionsDPD.pptx
+++ b/src/DPD_task/stimuli/instructions/instructionsDPD.pptx
@@ -5,24 +5,29 @@
     <p:sldMasterId id="2147483648" r:id="rId1"/>
   </p:sldMasterIdLst>
   <p:sldIdLst>
-    <p:sldId id="257" r:id="rId2"/>
+    <p:sldId id="309" r:id="rId2"/>
     <p:sldId id="271" r:id="rId3"/>
     <p:sldId id="292" r:id="rId4"/>
     <p:sldId id="294" r:id="rId5"/>
-    <p:sldId id="293" r:id="rId6"/>
-    <p:sldId id="296" r:id="rId7"/>
-    <p:sldId id="297" r:id="rId8"/>
-    <p:sldId id="308" r:id="rId9"/>
-    <p:sldId id="298" r:id="rId10"/>
-    <p:sldId id="302" r:id="rId11"/>
-    <p:sldId id="276" r:id="rId12"/>
-    <p:sldId id="287" r:id="rId13"/>
-    <p:sldId id="301" r:id="rId14"/>
-    <p:sldId id="303" r:id="rId15"/>
-    <p:sldId id="304" r:id="rId16"/>
-    <p:sldId id="306" r:id="rId17"/>
-    <p:sldId id="307" r:id="rId18"/>
-    <p:sldId id="300" r:id="rId19"/>
+    <p:sldId id="323" r:id="rId6"/>
+    <p:sldId id="293" r:id="rId7"/>
+    <p:sldId id="296" r:id="rId8"/>
+    <p:sldId id="310" r:id="rId9"/>
+    <p:sldId id="297" r:id="rId10"/>
+    <p:sldId id="308" r:id="rId11"/>
+    <p:sldId id="311" r:id="rId12"/>
+    <p:sldId id="312" r:id="rId13"/>
+    <p:sldId id="313" r:id="rId14"/>
+    <p:sldId id="314" r:id="rId15"/>
+    <p:sldId id="315" r:id="rId16"/>
+    <p:sldId id="316" r:id="rId17"/>
+    <p:sldId id="322" r:id="rId18"/>
+    <p:sldId id="317" r:id="rId19"/>
+    <p:sldId id="318" r:id="rId20"/>
+    <p:sldId id="306" r:id="rId21"/>
+    <p:sldId id="319" r:id="rId22"/>
+    <p:sldId id="320" r:id="rId23"/>
+    <p:sldId id="321" r:id="rId24"/>
   </p:sldIdLst>
   <p:sldSz cx="12192000" cy="6858000"/>
   <p:notesSz cx="6858000" cy="9144000"/>
@@ -258,7 +263,7 @@
           <a:p>
             <a:fld id="{712DDF4E-9AD6-4EE5-9343-468C572CABA6}" type="datetimeFigureOut">
               <a:rPr lang="fr-FR" smtClean="0"/>
-              <a:t>07/05/2020</a:t>
+              <a:t>22/07/2020</a:t>
             </a:fld>
             <a:endParaRPr lang="fr-FR" dirty="0"/>
           </a:p>
@@ -426,7 +431,7 @@
           <a:p>
             <a:fld id="{712DDF4E-9AD6-4EE5-9343-468C572CABA6}" type="datetimeFigureOut">
               <a:rPr lang="fr-FR" smtClean="0"/>
-              <a:t>07/05/2020</a:t>
+              <a:t>22/07/2020</a:t>
             </a:fld>
             <a:endParaRPr lang="fr-FR" dirty="0"/>
           </a:p>
@@ -604,7 +609,7 @@
           <a:p>
             <a:fld id="{712DDF4E-9AD6-4EE5-9343-468C572CABA6}" type="datetimeFigureOut">
               <a:rPr lang="fr-FR" smtClean="0"/>
-              <a:t>07/05/2020</a:t>
+              <a:t>22/07/2020</a:t>
             </a:fld>
             <a:endParaRPr lang="fr-FR" dirty="0"/>
           </a:p>
@@ -772,7 +777,7 @@
           <a:p>
             <a:fld id="{712DDF4E-9AD6-4EE5-9343-468C572CABA6}" type="datetimeFigureOut">
               <a:rPr lang="fr-FR" smtClean="0"/>
-              <a:t>07/05/2020</a:t>
+              <a:t>22/07/2020</a:t>
             </a:fld>
             <a:endParaRPr lang="fr-FR" dirty="0"/>
           </a:p>
@@ -1017,7 +1022,7 @@
           <a:p>
             <a:fld id="{712DDF4E-9AD6-4EE5-9343-468C572CABA6}" type="datetimeFigureOut">
               <a:rPr lang="fr-FR" smtClean="0"/>
-              <a:t>07/05/2020</a:t>
+              <a:t>22/07/2020</a:t>
             </a:fld>
             <a:endParaRPr lang="fr-FR" dirty="0"/>
           </a:p>
@@ -1246,7 +1251,7 @@
           <a:p>
             <a:fld id="{712DDF4E-9AD6-4EE5-9343-468C572CABA6}" type="datetimeFigureOut">
               <a:rPr lang="fr-FR" smtClean="0"/>
-              <a:t>07/05/2020</a:t>
+              <a:t>22/07/2020</a:t>
             </a:fld>
             <a:endParaRPr lang="fr-FR" dirty="0"/>
           </a:p>
@@ -1610,7 +1615,7 @@
           <a:p>
             <a:fld id="{712DDF4E-9AD6-4EE5-9343-468C572CABA6}" type="datetimeFigureOut">
               <a:rPr lang="fr-FR" smtClean="0"/>
-              <a:t>07/05/2020</a:t>
+              <a:t>22/07/2020</a:t>
             </a:fld>
             <a:endParaRPr lang="fr-FR" dirty="0"/>
           </a:p>
@@ -1727,7 +1732,7 @@
           <a:p>
             <a:fld id="{712DDF4E-9AD6-4EE5-9343-468C572CABA6}" type="datetimeFigureOut">
               <a:rPr lang="fr-FR" smtClean="0"/>
-              <a:t>07/05/2020</a:t>
+              <a:t>22/07/2020</a:t>
             </a:fld>
             <a:endParaRPr lang="fr-FR" dirty="0"/>
           </a:p>
@@ -1822,7 +1827,7 @@
           <a:p>
             <a:fld id="{712DDF4E-9AD6-4EE5-9343-468C572CABA6}" type="datetimeFigureOut">
               <a:rPr lang="fr-FR" smtClean="0"/>
-              <a:t>07/05/2020</a:t>
+              <a:t>22/07/2020</a:t>
             </a:fld>
             <a:endParaRPr lang="fr-FR" dirty="0"/>
           </a:p>
@@ -2097,7 +2102,7 @@
           <a:p>
             <a:fld id="{712DDF4E-9AD6-4EE5-9343-468C572CABA6}" type="datetimeFigureOut">
               <a:rPr lang="fr-FR" smtClean="0"/>
-              <a:t>07/05/2020</a:t>
+              <a:t>22/07/2020</a:t>
             </a:fld>
             <a:endParaRPr lang="fr-FR" dirty="0"/>
           </a:p>
@@ -2349,7 +2354,7 @@
           <a:p>
             <a:fld id="{712DDF4E-9AD6-4EE5-9343-468C572CABA6}" type="datetimeFigureOut">
               <a:rPr lang="fr-FR" smtClean="0"/>
-              <a:t>07/05/2020</a:t>
+              <a:t>22/07/2020</a:t>
             </a:fld>
             <a:endParaRPr lang="fr-FR" dirty="0"/>
           </a:p>
@@ -2560,7 +2565,7 @@
           <a:p>
             <a:fld id="{712DDF4E-9AD6-4EE5-9343-468C572CABA6}" type="datetimeFigureOut">
               <a:rPr lang="fr-FR" smtClean="0"/>
-              <a:t>07/05/2020</a:t>
+              <a:t>22/07/2020</a:t>
             </a:fld>
             <a:endParaRPr lang="fr-FR" dirty="0"/>
           </a:p>
@@ -2967,324 +2972,14 @@
       </p:grpSpPr>
       <p:sp>
         <p:nvSpPr>
-          <p:cNvPr id="4" name="Rectangle 3"/>
-          <p:cNvSpPr/>
-          <p:nvPr/>
-        </p:nvSpPr>
-        <p:spPr>
-          <a:xfrm>
-            <a:off x="3551392" y="5977652"/>
-            <a:ext cx="5089214" cy="400110"/>
-          </a:xfrm>
-          <a:prstGeom prst="rect">
-            <a:avLst/>
-          </a:prstGeom>
-        </p:spPr>
-        <p:txBody>
-          <a:bodyPr wrap="none">
-            <a:spAutoFit/>
-          </a:bodyPr>
-          <a:lstStyle/>
-          <a:p>
-            <a:r>
-              <a:rPr lang="fr-FR" sz="2000" i="1" dirty="0">
-                <a:solidFill>
-                  <a:schemeClr val="tx1">
-                    <a:lumMod val="50000"/>
-                    <a:lumOff val="50000"/>
-                  </a:schemeClr>
-                </a:solidFill>
-              </a:rPr>
-              <a:t>Appuyez sur la flèche droite [</a:t>
-            </a:r>
-            <a:r>
-              <a:rPr lang="fr-FR" sz="2000" i="1" dirty="0">
-                <a:solidFill>
-                  <a:schemeClr val="tx1">
-                    <a:lumMod val="50000"/>
-                    <a:lumOff val="50000"/>
-                  </a:schemeClr>
-                </a:solidFill>
-                <a:sym typeface="Wingdings" pitchFamily="2" charset="2"/>
-              </a:rPr>
-              <a:t></a:t>
-            </a:r>
-            <a:r>
-              <a:rPr lang="fr-FR" sz="2000" i="1" dirty="0">
-                <a:solidFill>
-                  <a:schemeClr val="tx1">
-                    <a:lumMod val="50000"/>
-                    <a:lumOff val="50000"/>
-                  </a:schemeClr>
-                </a:solidFill>
-              </a:rPr>
-              <a:t>] pour continuer</a:t>
-            </a:r>
-          </a:p>
-        </p:txBody>
-      </p:sp>
-      <p:sp>
-        <p:nvSpPr>
-          <p:cNvPr id="6" name="Titre 1"/>
-          <p:cNvSpPr txBox="1">
-            <a:spLocks/>
-          </p:cNvSpPr>
-          <p:nvPr/>
-        </p:nvSpPr>
-        <p:spPr>
-          <a:xfrm>
-            <a:off x="1523999" y="1604503"/>
-            <a:ext cx="9144000" cy="1379767"/>
-          </a:xfrm>
-          <a:prstGeom prst="rect">
-            <a:avLst/>
-          </a:prstGeom>
-        </p:spPr>
-        <p:txBody>
-          <a:bodyPr vert="horz" lIns="91440" tIns="45720" rIns="91440" bIns="45720" rtlCol="0" anchor="ctr">
-            <a:normAutofit/>
-          </a:bodyPr>
-          <a:lstStyle>
-            <a:lvl1pPr algn="l" defTabSz="914400" rtl="0" eaLnBrk="1" latinLnBrk="0" hangingPunct="1">
-              <a:lnSpc>
-                <a:spcPct val="90000"/>
-              </a:lnSpc>
-              <a:spcBef>
-                <a:spcPct val="0"/>
-              </a:spcBef>
-              <a:buNone/>
-              <a:defRPr sz="4400" kern="1200">
-                <a:solidFill>
-                  <a:schemeClr val="tx1"/>
-                </a:solidFill>
-                <a:latin typeface="+mj-lt"/>
-                <a:ea typeface="+mj-ea"/>
-                <a:cs typeface="+mj-cs"/>
-              </a:defRPr>
-            </a:lvl1pPr>
-          </a:lstStyle>
-          <a:p>
-            <a:pPr algn="ctr"/>
-            <a:r>
-              <a:rPr lang="fr-FR" sz="4800" dirty="0"/>
-              <a:t>Bonjour ! </a:t>
-            </a:r>
-            <a:endParaRPr lang="fr-FR" sz="4000" dirty="0"/>
-          </a:p>
-        </p:txBody>
-      </p:sp>
-      <p:sp>
-        <p:nvSpPr>
-          <p:cNvPr id="7" name="Sous-titre 2"/>
-          <p:cNvSpPr txBox="1">
-            <a:spLocks/>
-          </p:cNvSpPr>
-          <p:nvPr/>
-        </p:nvSpPr>
-        <p:spPr>
-          <a:xfrm>
-            <a:off x="2439786" y="3250276"/>
-            <a:ext cx="7312429" cy="1762299"/>
-          </a:xfrm>
-          <a:prstGeom prst="rect">
-            <a:avLst/>
-          </a:prstGeom>
-        </p:spPr>
-        <p:txBody>
-          <a:bodyPr vert="horz" lIns="91440" tIns="45720" rIns="91440" bIns="45720" rtlCol="0">
-            <a:normAutofit/>
-          </a:bodyPr>
-          <a:lstStyle>
-            <a:lvl1pPr marL="228600" indent="-228600" algn="l" defTabSz="914400" rtl="0" eaLnBrk="1" latinLnBrk="0" hangingPunct="1">
-              <a:lnSpc>
-                <a:spcPct val="90000"/>
-              </a:lnSpc>
-              <a:spcBef>
-                <a:spcPts val="1000"/>
-              </a:spcBef>
-              <a:buFont typeface="Arial" panose="020B0604020202020204" pitchFamily="34" charset="0"/>
-              <a:buChar char="•"/>
-              <a:defRPr sz="2800" kern="1200">
-                <a:solidFill>
-                  <a:schemeClr val="tx1"/>
-                </a:solidFill>
-                <a:latin typeface="+mn-lt"/>
-                <a:ea typeface="+mn-ea"/>
-                <a:cs typeface="+mn-cs"/>
-              </a:defRPr>
-            </a:lvl1pPr>
-            <a:lvl2pPr marL="685800" indent="-228600" algn="l" defTabSz="914400" rtl="0" eaLnBrk="1" latinLnBrk="0" hangingPunct="1">
-              <a:lnSpc>
-                <a:spcPct val="90000"/>
-              </a:lnSpc>
-              <a:spcBef>
-                <a:spcPts val="500"/>
-              </a:spcBef>
-              <a:buFont typeface="Arial" panose="020B0604020202020204" pitchFamily="34" charset="0"/>
-              <a:buChar char="•"/>
-              <a:defRPr sz="2400" kern="1200">
-                <a:solidFill>
-                  <a:schemeClr val="tx1"/>
-                </a:solidFill>
-                <a:latin typeface="+mn-lt"/>
-                <a:ea typeface="+mn-ea"/>
-                <a:cs typeface="+mn-cs"/>
-              </a:defRPr>
-            </a:lvl2pPr>
-            <a:lvl3pPr marL="1143000" indent="-228600" algn="l" defTabSz="914400" rtl="0" eaLnBrk="1" latinLnBrk="0" hangingPunct="1">
-              <a:lnSpc>
-                <a:spcPct val="90000"/>
-              </a:lnSpc>
-              <a:spcBef>
-                <a:spcPts val="500"/>
-              </a:spcBef>
-              <a:buFont typeface="Arial" panose="020B0604020202020204" pitchFamily="34" charset="0"/>
-              <a:buChar char="•"/>
-              <a:defRPr sz="2000" kern="1200">
-                <a:solidFill>
-                  <a:schemeClr val="tx1"/>
-                </a:solidFill>
-                <a:latin typeface="+mn-lt"/>
-                <a:ea typeface="+mn-ea"/>
-                <a:cs typeface="+mn-cs"/>
-              </a:defRPr>
-            </a:lvl3pPr>
-            <a:lvl4pPr marL="1600200" indent="-228600" algn="l" defTabSz="914400" rtl="0" eaLnBrk="1" latinLnBrk="0" hangingPunct="1">
-              <a:lnSpc>
-                <a:spcPct val="90000"/>
-              </a:lnSpc>
-              <a:spcBef>
-                <a:spcPts val="500"/>
-              </a:spcBef>
-              <a:buFont typeface="Arial" panose="020B0604020202020204" pitchFamily="34" charset="0"/>
-              <a:buChar char="•"/>
-              <a:defRPr sz="1800" kern="1200">
-                <a:solidFill>
-                  <a:schemeClr val="tx1"/>
-                </a:solidFill>
-                <a:latin typeface="+mn-lt"/>
-                <a:ea typeface="+mn-ea"/>
-                <a:cs typeface="+mn-cs"/>
-              </a:defRPr>
-            </a:lvl4pPr>
-            <a:lvl5pPr marL="2057400" indent="-228600" algn="l" defTabSz="914400" rtl="0" eaLnBrk="1" latinLnBrk="0" hangingPunct="1">
-              <a:lnSpc>
-                <a:spcPct val="90000"/>
-              </a:lnSpc>
-              <a:spcBef>
-                <a:spcPts val="500"/>
-              </a:spcBef>
-              <a:buFont typeface="Arial" panose="020B0604020202020204" pitchFamily="34" charset="0"/>
-              <a:buChar char="•"/>
-              <a:defRPr sz="1800" kern="1200">
-                <a:solidFill>
-                  <a:schemeClr val="tx1"/>
-                </a:solidFill>
-                <a:latin typeface="+mn-lt"/>
-                <a:ea typeface="+mn-ea"/>
-                <a:cs typeface="+mn-cs"/>
-              </a:defRPr>
-            </a:lvl5pPr>
-            <a:lvl6pPr marL="2514600" indent="-228600" algn="l" defTabSz="914400" rtl="0" eaLnBrk="1" latinLnBrk="0" hangingPunct="1">
-              <a:lnSpc>
-                <a:spcPct val="90000"/>
-              </a:lnSpc>
-              <a:spcBef>
-                <a:spcPts val="500"/>
-              </a:spcBef>
-              <a:buFont typeface="Arial" panose="020B0604020202020204" pitchFamily="34" charset="0"/>
-              <a:buChar char="•"/>
-              <a:defRPr sz="1800" kern="1200">
-                <a:solidFill>
-                  <a:schemeClr val="tx1"/>
-                </a:solidFill>
-                <a:latin typeface="+mn-lt"/>
-                <a:ea typeface="+mn-ea"/>
-                <a:cs typeface="+mn-cs"/>
-              </a:defRPr>
-            </a:lvl6pPr>
-            <a:lvl7pPr marL="2971800" indent="-228600" algn="l" defTabSz="914400" rtl="0" eaLnBrk="1" latinLnBrk="0" hangingPunct="1">
-              <a:lnSpc>
-                <a:spcPct val="90000"/>
-              </a:lnSpc>
-              <a:spcBef>
-                <a:spcPts val="500"/>
-              </a:spcBef>
-              <a:buFont typeface="Arial" panose="020B0604020202020204" pitchFamily="34" charset="0"/>
-              <a:buChar char="•"/>
-              <a:defRPr sz="1800" kern="1200">
-                <a:solidFill>
-                  <a:schemeClr val="tx1"/>
-                </a:solidFill>
-                <a:latin typeface="+mn-lt"/>
-                <a:ea typeface="+mn-ea"/>
-                <a:cs typeface="+mn-cs"/>
-              </a:defRPr>
-            </a:lvl7pPr>
-            <a:lvl8pPr marL="3429000" indent="-228600" algn="l" defTabSz="914400" rtl="0" eaLnBrk="1" latinLnBrk="0" hangingPunct="1">
-              <a:lnSpc>
-                <a:spcPct val="90000"/>
-              </a:lnSpc>
-              <a:spcBef>
-                <a:spcPts val="500"/>
-              </a:spcBef>
-              <a:buFont typeface="Arial" panose="020B0604020202020204" pitchFamily="34" charset="0"/>
-              <a:buChar char="•"/>
-              <a:defRPr sz="1800" kern="1200">
-                <a:solidFill>
-                  <a:schemeClr val="tx1"/>
-                </a:solidFill>
-                <a:latin typeface="+mn-lt"/>
-                <a:ea typeface="+mn-ea"/>
-                <a:cs typeface="+mn-cs"/>
-              </a:defRPr>
-            </a:lvl8pPr>
-            <a:lvl9pPr marL="3886200" indent="-228600" algn="l" defTabSz="914400" rtl="0" eaLnBrk="1" latinLnBrk="0" hangingPunct="1">
-              <a:lnSpc>
-                <a:spcPct val="90000"/>
-              </a:lnSpc>
-              <a:spcBef>
-                <a:spcPts val="500"/>
-              </a:spcBef>
-              <a:buFont typeface="Arial" panose="020B0604020202020204" pitchFamily="34" charset="0"/>
-              <a:buChar char="•"/>
-              <a:defRPr sz="1800" kern="1200">
-                <a:solidFill>
-                  <a:schemeClr val="tx1"/>
-                </a:solidFill>
-                <a:latin typeface="+mn-lt"/>
-                <a:ea typeface="+mn-ea"/>
-                <a:cs typeface="+mn-cs"/>
-              </a:defRPr>
-            </a:lvl9pPr>
-          </a:lstStyle>
-          <a:p>
-            <a:pPr marL="0" indent="0" algn="ctr">
-              <a:buNone/>
-            </a:pPr>
-            <a:r>
-              <a:rPr lang="fr-FR" sz="2400" dirty="0"/>
-              <a:t>Merci d’avoir accepté de participer à notre expérience.</a:t>
-            </a:r>
-          </a:p>
-        </p:txBody>
-      </p:sp>
-      <p:sp>
-        <p:nvSpPr>
-          <p:cNvPr id="2" name="CuadroTexto 1">
-            <a:extLst>
-              <a:ext uri="{FF2B5EF4-FFF2-40B4-BE49-F238E27FC236}">
-                <a16:creationId xmlns:a16="http://schemas.microsoft.com/office/drawing/2014/main" id="{3FCD3309-5285-FF43-8879-F16EBE72893D}"/>
-              </a:ext>
-            </a:extLst>
-          </p:cNvPr>
+          <p:cNvPr id="6" name="ZoneTexte 5"/>
           <p:cNvSpPr txBox="1"/>
           <p:nvPr/>
         </p:nvSpPr>
         <p:spPr>
           <a:xfrm>
-            <a:off x="5657088" y="5608320"/>
-            <a:ext cx="184731" cy="369332"/>
+            <a:off x="1874204" y="2274838"/>
+            <a:ext cx="8443609" cy="1569660"/>
           </a:xfrm>
           <a:prstGeom prst="rect">
             <a:avLst/>
@@ -3292,19 +2987,106 @@
           <a:noFill/>
         </p:spPr>
         <p:txBody>
-          <a:bodyPr wrap="none" rtlCol="0">
+          <a:bodyPr wrap="square" rtlCol="0">
             <a:spAutoFit/>
           </a:bodyPr>
           <a:lstStyle/>
           <a:p>
-            <a:endParaRPr lang="en-GB" dirty="0"/>
+            <a:pPr algn="ctr"/>
+            <a:r>
+              <a:rPr lang="fr-FR" sz="2400" b="1" dirty="0">
+                <a:solidFill>
+                  <a:srgbClr val="0070C0"/>
+                </a:solidFill>
+              </a:rPr>
+              <a:t>TEST DE COGNITION SOCIALE:</a:t>
+            </a:r>
+          </a:p>
+          <a:p>
+            <a:pPr algn="ctr"/>
+            <a:r>
+              <a:rPr lang="fr-FR" sz="2400" b="1" dirty="0">
+                <a:solidFill>
+                  <a:srgbClr val="0070C0"/>
+                </a:solidFill>
+              </a:rPr>
+              <a:t>INSTRUCTIONS</a:t>
+            </a:r>
+            <a:endParaRPr lang="en-GB" sz="2400" b="1" dirty="0">
+              <a:solidFill>
+                <a:srgbClr val="0070C0"/>
+              </a:solidFill>
+            </a:endParaRPr>
+          </a:p>
+          <a:p>
+            <a:pPr algn="ctr"/>
+            <a:endParaRPr lang="en-GB" sz="2400" dirty="0"/>
+          </a:p>
+          <a:p>
+            <a:pPr algn="ctr"/>
+            <a:endParaRPr lang="en-GB" sz="2400" dirty="0"/>
+          </a:p>
+        </p:txBody>
+      </p:sp>
+      <p:sp>
+        <p:nvSpPr>
+          <p:cNvPr id="3" name="Rectangle 2"/>
+          <p:cNvSpPr/>
+          <p:nvPr/>
+        </p:nvSpPr>
+        <p:spPr>
+          <a:xfrm>
+            <a:off x="1041966" y="4317964"/>
+            <a:ext cx="10108088" cy="1754326"/>
+          </a:xfrm>
+          <a:prstGeom prst="rect">
+            <a:avLst/>
+          </a:prstGeom>
+        </p:spPr>
+        <p:txBody>
+          <a:bodyPr wrap="none">
+            <a:spAutoFit/>
+          </a:bodyPr>
+          <a:lstStyle/>
+          <a:p>
+            <a:pPr algn="ctr">
+              <a:lnSpc>
+                <a:spcPct val="150000"/>
+              </a:lnSpc>
+            </a:pPr>
+            <a:r>
+              <a:rPr lang="fr-FR" sz="2400" dirty="0"/>
+              <a:t>Veuillez lire attentivement les instructions qui vont suivre.</a:t>
+            </a:r>
+          </a:p>
+          <a:p>
+            <a:pPr algn="ctr">
+              <a:lnSpc>
+                <a:spcPct val="150000"/>
+              </a:lnSpc>
+            </a:pPr>
+            <a:r>
+              <a:rPr lang="fr-FR" sz="2400" dirty="0"/>
+              <a:t>Appuyez sur « la flèche de droite » pour continuer et lire la suite.</a:t>
+            </a:r>
+          </a:p>
+          <a:p>
+            <a:pPr algn="ctr">
+              <a:lnSpc>
+                <a:spcPct val="150000"/>
+              </a:lnSpc>
+            </a:pPr>
+            <a:r>
+              <a:rPr lang="fr-FR" sz="2400" dirty="0"/>
+              <a:t>Appuyez sur « la flèche de gauche » pour revenir et lire l’instruction précédente.</a:t>
+            </a:r>
           </a:p>
         </p:txBody>
       </p:sp>
     </p:spTree>
     <p:extLst>
       <p:ext uri="{BB962C8B-B14F-4D97-AF65-F5344CB8AC3E}">
-        <p14:creationId xmlns:p14="http://schemas.microsoft.com/office/powerpoint/2010/main" val="4272704946"/>
+        <p14:creationId xmlns:p14="http://schemas.microsoft.com/office/powerpoint/2010/main" val="244932338"/>
       </p:ext>
     </p:extLst>
   </p:cSld>
@@ -3343,8 +3125,8 @@
         </p:nvSpPr>
         <p:spPr>
           <a:xfrm>
-            <a:off x="838200" y="2167695"/>
-            <a:ext cx="10515600" cy="4690305"/>
+            <a:off x="743228" y="1300833"/>
+            <a:ext cx="10705555" cy="1230846"/>
           </a:xfrm>
         </p:spPr>
         <p:txBody>
@@ -3356,148 +3138,113 @@
             <a:pPr marL="0" indent="0" algn="ctr">
               <a:buNone/>
             </a:pPr>
-            <a:endParaRPr lang="fr-FR" sz="2000" dirty="0"/>
-          </a:p>
-          <a:p>
-            <a:pPr marL="0" indent="0" algn="ctr">
-              <a:buNone/>
-            </a:pPr>
-            <a:r>
-              <a:rPr lang="fr-FR" sz="2000" dirty="0"/>
-              <a:t>Vous aurez maintenant l'occasion de vous familiariser la tâche pendant certains essais.</a:t>
-            </a:r>
-          </a:p>
-          <a:p>
-            <a:pPr marL="0" indent="0" algn="ctr">
-              <a:buNone/>
-            </a:pPr>
-            <a:endParaRPr lang="fr-FR" sz="2000" dirty="0"/>
-          </a:p>
-          <a:p>
-            <a:pPr marL="0" indent="0" algn="ctr">
-              <a:buNone/>
-            </a:pPr>
-            <a:endParaRPr lang="fr-FR" sz="2000" dirty="0"/>
-          </a:p>
-          <a:p>
-            <a:pPr marL="0" indent="0" algn="ctr">
-              <a:buNone/>
-            </a:pPr>
-            <a:r>
-              <a:rPr lang="fr-FR" sz="2000" dirty="0"/>
-              <a:t>Votre performance dans cette phase </a:t>
-            </a:r>
-            <a:r>
-              <a:rPr lang="fr-FR" sz="2000" dirty="0">
-                <a:solidFill>
-                  <a:srgbClr val="FF0000"/>
-                </a:solidFill>
-              </a:rPr>
-              <a:t>ne sera pas prise en compte </a:t>
-            </a:r>
-            <a:r>
-              <a:rPr lang="fr-FR" sz="2000" dirty="0"/>
-              <a:t>pour votre bonus financier. </a:t>
-            </a:r>
-          </a:p>
-        </p:txBody>
-      </p:sp>
-      <p:sp>
-        <p:nvSpPr>
-          <p:cNvPr id="7" name="Titre 1">
+            <a:r>
+              <a:rPr lang="fr-FR" sz="2400" dirty="0"/>
+              <a:t>Finalement, à la fin de chaque phase de prédiction, nous vous demanderons à quel point vous pensez que l’autre participant(e) est prudent(e):</a:t>
+            </a:r>
+          </a:p>
+        </p:txBody>
+      </p:sp>
+      <p:pic>
+        <p:nvPicPr>
+          <p:cNvPr id="10" name="Imagen 9" descr="Captura de pantalla de un celular con texto&#10;&#10;Descripción generada automáticamente">
             <a:extLst>
               <a:ext uri="{FF2B5EF4-FFF2-40B4-BE49-F238E27FC236}">
-                <a16:creationId xmlns:a16="http://schemas.microsoft.com/office/drawing/2014/main" id="{7636C7F2-D3B8-7D4C-9EBF-161B37C6DF05}"/>
+                <a16:creationId xmlns:a16="http://schemas.microsoft.com/office/drawing/2014/main" id="{92299531-E646-3F46-A73C-E74CEBA665F8}"/>
               </a:ext>
             </a:extLst>
           </p:cNvPr>
-          <p:cNvSpPr>
-            <a:spLocks noGrp="1"/>
-          </p:cNvSpPr>
-          <p:nvPr>
-            <p:ph type="title"/>
-          </p:nvPr>
-        </p:nvSpPr>
-        <p:spPr>
-          <a:xfrm>
-            <a:off x="2493611" y="681037"/>
-            <a:ext cx="7576981" cy="2129977"/>
-          </a:xfrm>
-        </p:spPr>
-        <p:txBody>
-          <a:bodyPr>
-            <a:normAutofit/>
-          </a:bodyPr>
-          <a:lstStyle/>
-          <a:p>
-            <a:pPr algn="ctr"/>
-            <a:r>
-              <a:rPr lang="fr-FR" dirty="0"/>
-              <a:t>Entrainement – Phase Prédiction</a:t>
-            </a:r>
-          </a:p>
-        </p:txBody>
-      </p:sp>
-      <p:sp>
-        <p:nvSpPr>
-          <p:cNvPr id="5" name="Rectangle 3">
+          <p:cNvPicPr>
+            <a:picLocks noChangeAspect="1"/>
+          </p:cNvPicPr>
+          <p:nvPr/>
+        </p:nvPicPr>
+        <p:blipFill>
+          <a:blip r:embed="rId2">
             <a:extLst>
-              <a:ext uri="{FF2B5EF4-FFF2-40B4-BE49-F238E27FC236}">
-                <a16:creationId xmlns:a16="http://schemas.microsoft.com/office/drawing/2014/main" id="{8D4A4AC5-717D-F343-BCBE-5E4E31179B80}"/>
+              <a:ext uri="{28A0092B-C50C-407E-A947-70E740481C1C}">
+                <a14:useLocalDpi xmlns:a14="http://schemas.microsoft.com/office/drawing/2010/main" val="0"/>
               </a:ext>
             </a:extLst>
-          </p:cNvPr>
-          <p:cNvSpPr/>
-          <p:nvPr/>
-        </p:nvSpPr>
-        <p:spPr>
-          <a:xfrm>
-            <a:off x="3551393" y="6176963"/>
-            <a:ext cx="5089214" cy="400110"/>
+          </a:blip>
+          <a:stretch>
+            <a:fillRect/>
+          </a:stretch>
+        </p:blipFill>
+        <p:spPr>
+          <a:xfrm>
+            <a:off x="512805" y="2429233"/>
+            <a:ext cx="11166401" cy="2681375"/>
           </a:xfrm>
           <a:prstGeom prst="rect">
             <a:avLst/>
           </a:prstGeom>
         </p:spPr>
-        <p:txBody>
-          <a:bodyPr wrap="none">
+      </p:pic>
+      <p:sp>
+        <p:nvSpPr>
+          <p:cNvPr id="7" name="ZoneTexte 6"/>
+          <p:cNvSpPr txBox="1"/>
+          <p:nvPr/>
+        </p:nvSpPr>
+        <p:spPr>
+          <a:xfrm>
+            <a:off x="1874204" y="192400"/>
+            <a:ext cx="8443609" cy="830997"/>
+          </a:xfrm>
+          <a:prstGeom prst="rect">
+            <a:avLst/>
+          </a:prstGeom>
+          <a:noFill/>
+        </p:spPr>
+        <p:txBody>
+          <a:bodyPr wrap="square" rtlCol="0">
             <a:spAutoFit/>
           </a:bodyPr>
           <a:lstStyle/>
           <a:p>
-            <a:r>
-              <a:rPr lang="fr-FR" sz="2000" i="1" dirty="0">
+            <a:pPr algn="ctr"/>
+            <a:r>
+              <a:rPr lang="fr-FR" sz="2400" b="1" dirty="0">
                 <a:solidFill>
-                  <a:schemeClr val="tx1">
-                    <a:lumMod val="50000"/>
-                    <a:lumOff val="50000"/>
-                  </a:schemeClr>
+                  <a:srgbClr val="0070C0"/>
                 </a:solidFill>
               </a:rPr>
-              <a:t>Appuyez sur la flèche droite [</a:t>
-            </a:r>
-            <a:r>
-              <a:rPr lang="fr-FR" sz="2000" i="1" dirty="0">
-                <a:solidFill>
-                  <a:schemeClr val="tx1">
-                    <a:lumMod val="50000"/>
-                    <a:lumOff val="50000"/>
-                  </a:schemeClr>
-                </a:solidFill>
-                <a:sym typeface="Wingdings" pitchFamily="2" charset="2"/>
-              </a:rPr>
-              <a:t></a:t>
-            </a:r>
-            <a:r>
-              <a:rPr lang="fr-FR" sz="2000" i="1" dirty="0">
-                <a:solidFill>
-                  <a:schemeClr val="tx1">
-                    <a:lumMod val="50000"/>
-                    <a:lumOff val="50000"/>
-                  </a:schemeClr>
-                </a:solidFill>
-              </a:rPr>
-              <a:t>] pour continuer</a:t>
+              <a:t>PHASE DE PRÉDICTION: JUGEMENT FINAL</a:t>
+            </a:r>
+            <a:endParaRPr lang="en-GB" sz="2400" dirty="0"/>
+          </a:p>
+          <a:p>
+            <a:pPr algn="ctr"/>
+            <a:endParaRPr lang="en-GB" sz="2400" dirty="0"/>
+          </a:p>
+        </p:txBody>
+      </p:sp>
+      <p:sp>
+        <p:nvSpPr>
+          <p:cNvPr id="2" name="Rectangle 1"/>
+          <p:cNvSpPr/>
+          <p:nvPr/>
+        </p:nvSpPr>
+        <p:spPr>
+          <a:xfrm>
+            <a:off x="598232" y="5392593"/>
+            <a:ext cx="10995547" cy="830997"/>
+          </a:xfrm>
+          <a:prstGeom prst="rect">
+            <a:avLst/>
+          </a:prstGeom>
+        </p:spPr>
+        <p:txBody>
+          <a:bodyPr wrap="square">
+            <a:spAutoFit/>
+          </a:bodyPr>
+          <a:lstStyle/>
+          <a:p>
+            <a:pPr algn="ctr"/>
+            <a:r>
+              <a:rPr lang="fr-FR" sz="2400" dirty="0"/>
+              <a:t> Vous indiquerez votre réponse en déplaçant le pointeur de la barre de défilement avec la souris.</a:t>
             </a:r>
           </a:p>
         </p:txBody>
@@ -3505,7 +3252,7 @@
     </p:spTree>
     <p:extLst>
       <p:ext uri="{BB962C8B-B14F-4D97-AF65-F5344CB8AC3E}">
-        <p14:creationId xmlns:p14="http://schemas.microsoft.com/office/powerpoint/2010/main" val="1201254129"/>
+        <p14:creationId xmlns:p14="http://schemas.microsoft.com/office/powerpoint/2010/main" val="906590627"/>
       </p:ext>
     </p:extLst>
   </p:cSld>
@@ -3534,201 +3281,138 @@
       </p:grpSpPr>
       <p:sp>
         <p:nvSpPr>
-          <p:cNvPr id="5" name="Espace réservé du contenu 4"/>
-          <p:cNvSpPr>
-            <a:spLocks noGrp="1"/>
-          </p:cNvSpPr>
-          <p:nvPr>
-            <p:ph idx="1"/>
-          </p:nvPr>
-        </p:nvSpPr>
-        <p:spPr>
-          <a:xfrm>
-            <a:off x="791787" y="2025680"/>
-            <a:ext cx="10608425" cy="4351338"/>
-          </a:xfrm>
-        </p:spPr>
-        <p:txBody>
-          <a:bodyPr/>
-          <a:lstStyle/>
-          <a:p>
-            <a:pPr marL="0" indent="0">
-              <a:buNone/>
-            </a:pPr>
-            <a:endParaRPr lang="fr-FR" sz="2000" dirty="0"/>
-          </a:p>
-          <a:p>
-            <a:pPr marL="0" indent="0" algn="ctr">
-              <a:buNone/>
-            </a:pPr>
-            <a:r>
-              <a:rPr lang="fr-FR" sz="2000" dirty="0"/>
-              <a:t>L’entrainement est désormais terminé.  Vous allez maintenant commencer le jeu. </a:t>
-            </a:r>
-          </a:p>
-          <a:p>
-            <a:pPr marL="0" indent="0">
-              <a:buNone/>
-            </a:pPr>
-            <a:endParaRPr lang="fr-FR" sz="2000" dirty="0"/>
-          </a:p>
-          <a:p>
-            <a:pPr marL="0" indent="0">
-              <a:buNone/>
-            </a:pPr>
-            <a:endParaRPr lang="fr-FR" sz="2000" dirty="0"/>
-          </a:p>
-          <a:p>
-            <a:pPr marL="0" indent="0" algn="ctr">
-              <a:buNone/>
-            </a:pPr>
-            <a:r>
-              <a:rPr lang="fr-FR" sz="2000" dirty="0"/>
-              <a:t>Votre performance dans cette phase </a:t>
-            </a:r>
-            <a:r>
-              <a:rPr lang="fr-FR" sz="2000" dirty="0">
-                <a:solidFill>
-                  <a:srgbClr val="FF0000"/>
-                </a:solidFill>
-              </a:rPr>
-              <a:t>sera prise en compte</a:t>
-            </a:r>
-            <a:r>
-              <a:rPr lang="fr-FR" sz="2000" dirty="0"/>
-              <a:t> pour votre bonus financier. </a:t>
-            </a:r>
-          </a:p>
-          <a:p>
-            <a:pPr marL="0" indent="0">
-              <a:buNone/>
-            </a:pPr>
-            <a:endParaRPr lang="fr-FR" sz="2000" dirty="0"/>
-          </a:p>
-          <a:p>
-            <a:pPr marL="0" indent="0">
-              <a:buNone/>
-            </a:pPr>
-            <a:endParaRPr lang="fr-FR" sz="2000" dirty="0"/>
-          </a:p>
-          <a:p>
-            <a:pPr marL="0" indent="0">
-              <a:buNone/>
-            </a:pPr>
-            <a:endParaRPr lang="fr-FR" sz="2000" dirty="0"/>
-          </a:p>
-          <a:p>
-            <a:pPr marL="0" indent="0">
-              <a:buNone/>
-            </a:pPr>
-            <a:endParaRPr lang="fr-FR" dirty="0"/>
-          </a:p>
-        </p:txBody>
-      </p:sp>
-      <p:sp>
-        <p:nvSpPr>
-          <p:cNvPr id="8" name="Titre 1">
-            <a:extLst>
-              <a:ext uri="{FF2B5EF4-FFF2-40B4-BE49-F238E27FC236}">
-                <a16:creationId xmlns:a16="http://schemas.microsoft.com/office/drawing/2014/main" id="{20521D2B-EC16-7D4C-B167-A6D999618EE3}"/>
-              </a:ext>
-            </a:extLst>
-          </p:cNvPr>
-          <p:cNvSpPr>
-            <a:spLocks noGrp="1"/>
-          </p:cNvSpPr>
-          <p:nvPr>
-            <p:ph type="title"/>
-          </p:nvPr>
-        </p:nvSpPr>
-        <p:spPr>
-          <a:xfrm>
-            <a:off x="2493611" y="480982"/>
-            <a:ext cx="7009707" cy="2129977"/>
-          </a:xfrm>
-        </p:spPr>
-        <p:txBody>
-          <a:bodyPr>
-            <a:normAutofit/>
-          </a:bodyPr>
-          <a:lstStyle/>
-          <a:p>
-            <a:pPr algn="ctr"/>
-            <a:r>
-              <a:rPr lang="fr-FR" dirty="0"/>
-              <a:t>Fin d’entrainement</a:t>
-            </a:r>
-          </a:p>
-        </p:txBody>
-      </p:sp>
-      <p:sp>
-        <p:nvSpPr>
-          <p:cNvPr id="6" name="Rectangle 3">
-            <a:extLst>
-              <a:ext uri="{FF2B5EF4-FFF2-40B4-BE49-F238E27FC236}">
-                <a16:creationId xmlns:a16="http://schemas.microsoft.com/office/drawing/2014/main" id="{08F612B9-A7F2-CD4B-8853-3F42027E847D}"/>
-              </a:ext>
-            </a:extLst>
-          </p:cNvPr>
-          <p:cNvSpPr/>
+          <p:cNvPr id="5" name="ZoneTexte 4"/>
+          <p:cNvSpPr txBox="1"/>
           <p:nvPr/>
         </p:nvSpPr>
         <p:spPr>
           <a:xfrm>
-            <a:off x="3551392" y="6176963"/>
-            <a:ext cx="5089214" cy="400110"/>
+            <a:off x="3878093" y="379385"/>
+            <a:ext cx="4435815" cy="461665"/>
           </a:xfrm>
           <a:prstGeom prst="rect">
             <a:avLst/>
           </a:prstGeom>
-        </p:spPr>
-        <p:txBody>
-          <a:bodyPr wrap="none">
+          <a:noFill/>
+          <a:ln>
+            <a:noFill/>
+          </a:ln>
+        </p:spPr>
+        <p:txBody>
+          <a:bodyPr wrap="square" rtlCol="0" anchor="ctr">
             <a:spAutoFit/>
           </a:bodyPr>
           <a:lstStyle/>
           <a:p>
-            <a:r>
-              <a:rPr lang="fr-FR" sz="2000" i="1" dirty="0">
+            <a:pPr algn="ctr">
+              <a:spcBef>
+                <a:spcPts val="1800"/>
+              </a:spcBef>
+              <a:spcAft>
+                <a:spcPts val="1800"/>
+              </a:spcAft>
+            </a:pPr>
+            <a:r>
+              <a:rPr lang="en-GB" sz="2400" b="1" dirty="0">
                 <a:solidFill>
-                  <a:schemeClr val="tx1">
-                    <a:lumMod val="50000"/>
-                    <a:lumOff val="50000"/>
-                  </a:schemeClr>
+                  <a:srgbClr val="0070C0"/>
                 </a:solidFill>
               </a:rPr>
-              <a:t>Appuyez sur la flèche droite [</a:t>
-            </a:r>
-            <a:r>
-              <a:rPr lang="fr-FR" sz="2000" i="1" dirty="0">
-                <a:solidFill>
-                  <a:schemeClr val="tx1">
-                    <a:lumMod val="50000"/>
-                    <a:lumOff val="50000"/>
-                  </a:schemeClr>
-                </a:solidFill>
-                <a:sym typeface="Wingdings" pitchFamily="2" charset="2"/>
-              </a:rPr>
-              <a:t></a:t>
-            </a:r>
-            <a:r>
-              <a:rPr lang="fr-FR" sz="2000" i="1" dirty="0">
-                <a:solidFill>
-                  <a:schemeClr val="tx1">
-                    <a:lumMod val="50000"/>
-                    <a:lumOff val="50000"/>
-                  </a:schemeClr>
-                </a:solidFill>
-              </a:rPr>
-              <a:t>] pour continuer</a:t>
-            </a:r>
+              <a:t>RÉSUMÉ</a:t>
+            </a:r>
+          </a:p>
+        </p:txBody>
+      </p:sp>
+      <p:sp>
+        <p:nvSpPr>
+          <p:cNvPr id="6" name="ZoneTexte 5"/>
+          <p:cNvSpPr txBox="1"/>
+          <p:nvPr/>
+        </p:nvSpPr>
+        <p:spPr>
+          <a:xfrm>
+            <a:off x="1467086" y="1210306"/>
+            <a:ext cx="9257828" cy="4893647"/>
+          </a:xfrm>
+          <a:prstGeom prst="rect">
+            <a:avLst/>
+          </a:prstGeom>
+          <a:noFill/>
+        </p:spPr>
+        <p:txBody>
+          <a:bodyPr wrap="square" rtlCol="0">
+            <a:spAutoFit/>
+          </a:bodyPr>
+          <a:lstStyle/>
+          <a:p>
+            <a:pPr algn="ctr"/>
+            <a:r>
+              <a:rPr lang="fr-FR" sz="2400" dirty="0"/>
+              <a:t>Au total, le test </a:t>
+            </a:r>
+            <a:r>
+              <a:rPr lang="fr-FR" sz="2400"/>
+              <a:t>comprends 4 </a:t>
+            </a:r>
+            <a:r>
+              <a:rPr lang="fr-FR" sz="2400" dirty="0"/>
+              <a:t>phases de décision, et 3 phases de prédiction.</a:t>
+            </a:r>
+          </a:p>
+          <a:p>
+            <a:pPr algn="ctr"/>
+            <a:endParaRPr lang="fr-FR" sz="2400" dirty="0"/>
+          </a:p>
+          <a:p>
+            <a:pPr algn="ctr"/>
+            <a:r>
+              <a:rPr lang="fr-FR" sz="2400" dirty="0"/>
+              <a:t>Chaque phase de décision et/ou prédiction comprend 18 choix risqués.</a:t>
+            </a:r>
+          </a:p>
+          <a:p>
+            <a:pPr algn="ctr"/>
+            <a:endParaRPr lang="fr-FR" sz="2400" dirty="0"/>
+          </a:p>
+          <a:p>
+            <a:pPr algn="ctr"/>
+            <a:r>
+              <a:rPr lang="fr-FR" sz="2400" dirty="0"/>
+              <a:t>Un choix risqué impose une décision entre une option « sûre » et une option « risquée ». Dans la phase de décision, il n’y a pas de bonne ou de mauvaise réponse.</a:t>
+            </a:r>
+          </a:p>
+          <a:p>
+            <a:pPr algn="ctr"/>
+            <a:endParaRPr lang="fr-FR" sz="2400" dirty="0"/>
+          </a:p>
+          <a:p>
+            <a:pPr algn="ctr"/>
+            <a:r>
+              <a:rPr lang="fr-FR" sz="2400" dirty="0"/>
+              <a:t>Relisez ces instructions jusqu’à ce qu’elles soient parfaitement claires.</a:t>
+            </a:r>
+          </a:p>
+          <a:p>
+            <a:pPr algn="ctr"/>
+            <a:endParaRPr lang="fr-FR" sz="2400" dirty="0"/>
+          </a:p>
+          <a:p>
+            <a:pPr algn="ctr"/>
+            <a:r>
+              <a:rPr lang="fr-FR" sz="2400" dirty="0"/>
+              <a:t>Vous êtes prêt(e)? Passons à l’entraînement…</a:t>
+            </a:r>
+          </a:p>
+          <a:p>
+            <a:pPr algn="ctr"/>
+            <a:endParaRPr lang="en-GB" sz="2400" b="1" dirty="0"/>
           </a:p>
         </p:txBody>
       </p:sp>
     </p:spTree>
     <p:extLst>
       <p:ext uri="{BB962C8B-B14F-4D97-AF65-F5344CB8AC3E}">
-        <p14:creationId xmlns:p14="http://schemas.microsoft.com/office/powerpoint/2010/main" val="3249193195"/>
+        <p14:creationId xmlns:p14="http://schemas.microsoft.com/office/powerpoint/2010/main" val="2532824988"/>
       </p:ext>
     </p:extLst>
   </p:cSld>
@@ -3757,44 +3441,135 @@
       </p:grpSpPr>
       <p:sp>
         <p:nvSpPr>
-          <p:cNvPr id="2" name="Titre 1"/>
-          <p:cNvSpPr>
-            <a:spLocks noGrp="1"/>
-          </p:cNvSpPr>
-          <p:nvPr>
-            <p:ph type="title"/>
-          </p:nvPr>
-        </p:nvSpPr>
-        <p:spPr>
-          <a:xfrm>
-            <a:off x="2591146" y="1952843"/>
-            <a:ext cx="7009707" cy="2129977"/>
+          <p:cNvPr id="5" name="Espace réservé du contenu 4"/>
+          <p:cNvSpPr>
+            <a:spLocks noGrp="1"/>
+          </p:cNvSpPr>
+          <p:nvPr>
+            <p:ph idx="1"/>
+          </p:nvPr>
+        </p:nvSpPr>
+        <p:spPr>
+          <a:xfrm>
+            <a:off x="838200" y="1193722"/>
+            <a:ext cx="10608425" cy="5207077"/>
           </a:xfrm>
         </p:spPr>
         <p:txBody>
           <a:bodyPr>
-            <a:normAutofit/>
+            <a:noAutofit/>
           </a:bodyPr>
           <a:lstStyle/>
           <a:p>
-            <a:pPr algn="ctr"/>
-            <a:r>
-              <a:rPr lang="fr-FR" dirty="0"/>
-              <a:t>Phase de Décision</a:t>
-            </a:r>
-            <a:br>
-              <a:rPr lang="fr-FR" dirty="0"/>
-            </a:br>
-            <a:endParaRPr lang="fr-FR" dirty="0"/>
-          </a:p>
-        </p:txBody>
-      </p:sp>
-      <p:sp>
-        <p:nvSpPr>
-          <p:cNvPr id="3" name="Rectángulo 2">
+            <a:pPr marL="0" indent="0" algn="ctr">
+              <a:buNone/>
+            </a:pPr>
+            <a:endParaRPr lang="fr-FR" sz="2400" dirty="0"/>
+          </a:p>
+          <a:p>
+            <a:pPr marL="0" indent="0" algn="ctr">
+              <a:buNone/>
+            </a:pPr>
+            <a:endParaRPr lang="fr-FR" sz="2400" dirty="0"/>
+          </a:p>
+          <a:p>
+            <a:pPr marL="0" indent="0" algn="ctr">
+              <a:buNone/>
+            </a:pPr>
+            <a:r>
+              <a:rPr lang="fr-FR" sz="2400" dirty="0"/>
+              <a:t>Vous allez maintenant avoir plusieurs essais d’entrainement. </a:t>
+            </a:r>
+          </a:p>
+          <a:p>
+            <a:pPr algn="ctr"/>
+            <a:endParaRPr lang="fr-FR" sz="2400" dirty="0"/>
+          </a:p>
+          <a:p>
+            <a:pPr marL="0" indent="0" algn="ctr">
+              <a:buNone/>
+            </a:pPr>
+            <a:endParaRPr lang="fr-FR" sz="2400" dirty="0"/>
+          </a:p>
+          <a:p>
+            <a:pPr marL="0" indent="0" algn="ctr">
+              <a:buNone/>
+            </a:pPr>
+            <a:r>
+              <a:rPr lang="fr-FR" sz="2400" dirty="0"/>
+              <a:t>Votre performance dans cette phase ne sera pas prise en compte pour votre bonus financier. </a:t>
+            </a:r>
+          </a:p>
+          <a:p>
+            <a:pPr marL="0" indent="0" algn="ctr">
+              <a:buNone/>
+            </a:pPr>
+            <a:endParaRPr lang="fr-FR" sz="2400" dirty="0"/>
+          </a:p>
+          <a:p>
+            <a:pPr marL="0" indent="0" algn="ctr">
+              <a:buNone/>
+            </a:pPr>
+            <a:endParaRPr lang="fr-FR" sz="2400" dirty="0"/>
+          </a:p>
+          <a:p>
+            <a:pPr marL="0" indent="0" algn="ctr">
+              <a:buNone/>
+            </a:pPr>
+            <a:endParaRPr lang="fr-FR" sz="2400" dirty="0"/>
+          </a:p>
+        </p:txBody>
+      </p:sp>
+      <p:sp>
+        <p:nvSpPr>
+          <p:cNvPr id="6" name="ZoneTexte 5"/>
+          <p:cNvSpPr txBox="1"/>
+          <p:nvPr/>
+        </p:nvSpPr>
+        <p:spPr>
+          <a:xfrm>
+            <a:off x="3533560" y="379385"/>
+            <a:ext cx="5124881" cy="461665"/>
+          </a:xfrm>
+          <a:prstGeom prst="rect">
+            <a:avLst/>
+          </a:prstGeom>
+          <a:noFill/>
+          <a:ln>
+            <a:noFill/>
+          </a:ln>
+        </p:spPr>
+        <p:txBody>
+          <a:bodyPr wrap="square" rtlCol="0" anchor="ctr">
+            <a:spAutoFit/>
+          </a:bodyPr>
+          <a:lstStyle/>
+          <a:p>
+            <a:pPr algn="ctr">
+              <a:spcBef>
+                <a:spcPts val="1800"/>
+              </a:spcBef>
+              <a:spcAft>
+                <a:spcPts val="1800"/>
+              </a:spcAft>
+            </a:pPr>
+            <a:r>
+              <a:rPr lang="en-GB" sz="2400" b="1" dirty="0">
+                <a:solidFill>
+                  <a:srgbClr val="0070C0"/>
+                </a:solidFill>
+              </a:rPr>
+              <a:t>ENTRAÎNEMENT – PHASE DE DÉCISION</a:t>
+            </a:r>
+          </a:p>
+        </p:txBody>
+      </p:sp>
+      <p:sp>
+        <p:nvSpPr>
+          <p:cNvPr id="4" name="Rectangle 3">
             <a:extLst>
               <a:ext uri="{FF2B5EF4-FFF2-40B4-BE49-F238E27FC236}">
-                <a16:creationId xmlns:a16="http://schemas.microsoft.com/office/drawing/2014/main" id="{FDF4A276-8EF1-5C49-B88E-71188E8EA0A3}"/>
+                <a16:creationId xmlns:a16="http://schemas.microsoft.com/office/drawing/2014/main" id="{8D4A4AC5-717D-F343-BCBE-5E4E31179B80}"/>
               </a:ext>
             </a:extLst>
           </p:cNvPr>
@@ -3803,54 +3578,7 @@
         </p:nvSpPr>
         <p:spPr>
           <a:xfrm>
-            <a:off x="2097022" y="3525587"/>
-            <a:ext cx="9095234" cy="400110"/>
-          </a:xfrm>
-          <a:prstGeom prst="rect">
-            <a:avLst/>
-          </a:prstGeom>
-        </p:spPr>
-        <p:txBody>
-          <a:bodyPr wrap="square">
-            <a:spAutoFit/>
-          </a:bodyPr>
-          <a:lstStyle/>
-          <a:p>
-            <a:pPr algn="just"/>
-            <a:r>
-              <a:rPr lang="fr-FR" sz="2000" dirty="0"/>
-              <a:t>Nous évaluerons </a:t>
-            </a:r>
-            <a:r>
-              <a:rPr lang="fr-FR" sz="2000" dirty="0">
-                <a:solidFill>
-                  <a:srgbClr val="FF0000"/>
-                </a:solidFill>
-              </a:rPr>
-              <a:t>votre prudence</a:t>
-            </a:r>
-            <a:r>
-              <a:rPr lang="fr-FR" sz="2000" dirty="0"/>
-              <a:t>, c´est-à-dire votre tendance à prendre des risques.</a:t>
-            </a:r>
-          </a:p>
-        </p:txBody>
-      </p:sp>
-      <p:sp>
-        <p:nvSpPr>
-          <p:cNvPr id="5" name="Rectangle 3">
-            <a:extLst>
-              <a:ext uri="{FF2B5EF4-FFF2-40B4-BE49-F238E27FC236}">
-                <a16:creationId xmlns:a16="http://schemas.microsoft.com/office/drawing/2014/main" id="{451BE0B6-F3DD-BC45-A6CC-3E722B5C2A43}"/>
-              </a:ext>
-            </a:extLst>
-          </p:cNvPr>
-          <p:cNvSpPr/>
-          <p:nvPr/>
-        </p:nvSpPr>
-        <p:spPr>
-          <a:xfrm>
-            <a:off x="4100032" y="6087380"/>
+            <a:off x="3551393" y="6176963"/>
             <a:ext cx="5089214" cy="400110"/>
           </a:xfrm>
           <a:prstGeom prst="rect">
@@ -3903,7 +3631,7 @@
     </p:spTree>
     <p:extLst>
       <p:ext uri="{BB962C8B-B14F-4D97-AF65-F5344CB8AC3E}">
-        <p14:creationId xmlns:p14="http://schemas.microsoft.com/office/powerpoint/2010/main" val="255671310"/>
+        <p14:creationId xmlns:p14="http://schemas.microsoft.com/office/powerpoint/2010/main" val="28561386"/>
       </p:ext>
     </p:extLst>
   </p:cSld>
@@ -3932,40 +3660,135 @@
       </p:grpSpPr>
       <p:sp>
         <p:nvSpPr>
-          <p:cNvPr id="2" name="Titre 1"/>
-          <p:cNvSpPr>
-            <a:spLocks noGrp="1"/>
-          </p:cNvSpPr>
-          <p:nvPr>
-            <p:ph type="title"/>
-          </p:nvPr>
-        </p:nvSpPr>
-        <p:spPr>
-          <a:xfrm>
-            <a:off x="2719162" y="1570148"/>
-            <a:ext cx="7009707" cy="2129977"/>
+          <p:cNvPr id="5" name="Espace réservé du contenu 4"/>
+          <p:cNvSpPr>
+            <a:spLocks noGrp="1"/>
+          </p:cNvSpPr>
+          <p:nvPr>
+            <p:ph idx="1"/>
+          </p:nvPr>
+        </p:nvSpPr>
+        <p:spPr>
+          <a:xfrm>
+            <a:off x="838200" y="1193722"/>
+            <a:ext cx="10608425" cy="5207077"/>
           </a:xfrm>
         </p:spPr>
         <p:txBody>
           <a:bodyPr>
-            <a:normAutofit/>
+            <a:noAutofit/>
           </a:bodyPr>
           <a:lstStyle/>
           <a:p>
-            <a:pPr algn="ctr"/>
-            <a:r>
-              <a:rPr lang="fr-FR" dirty="0"/>
-              <a:t>Phase de Prédiction</a:t>
-            </a:r>
-          </a:p>
-        </p:txBody>
-      </p:sp>
-      <p:sp>
-        <p:nvSpPr>
-          <p:cNvPr id="3" name="Rectángulo 2">
+            <a:pPr marL="0" indent="0" algn="ctr">
+              <a:buNone/>
+            </a:pPr>
+            <a:endParaRPr lang="fr-FR" sz="2400" dirty="0"/>
+          </a:p>
+          <a:p>
+            <a:pPr marL="0" indent="0" algn="ctr">
+              <a:buNone/>
+            </a:pPr>
+            <a:endParaRPr lang="fr-FR" sz="2400" dirty="0"/>
+          </a:p>
+          <a:p>
+            <a:pPr marL="0" indent="0" algn="ctr">
+              <a:buNone/>
+            </a:pPr>
+            <a:r>
+              <a:rPr lang="fr-FR" sz="2400" dirty="0"/>
+              <a:t>Vous allez maintenant avoir plusieurs essais d’entrainement. </a:t>
+            </a:r>
+          </a:p>
+          <a:p>
+            <a:pPr algn="ctr"/>
+            <a:endParaRPr lang="fr-FR" sz="2400" dirty="0"/>
+          </a:p>
+          <a:p>
+            <a:pPr marL="0" indent="0" algn="ctr">
+              <a:buNone/>
+            </a:pPr>
+            <a:endParaRPr lang="fr-FR" sz="2400" dirty="0"/>
+          </a:p>
+          <a:p>
+            <a:pPr marL="0" indent="0" algn="ctr">
+              <a:buNone/>
+            </a:pPr>
+            <a:r>
+              <a:rPr lang="fr-FR" sz="2400" dirty="0"/>
+              <a:t>Votre performance dans cette phase ne sera pas prise en compte pour votre bonus financier. </a:t>
+            </a:r>
+          </a:p>
+          <a:p>
+            <a:pPr marL="0" indent="0" algn="ctr">
+              <a:buNone/>
+            </a:pPr>
+            <a:endParaRPr lang="fr-FR" sz="2400" dirty="0"/>
+          </a:p>
+          <a:p>
+            <a:pPr marL="0" indent="0" algn="ctr">
+              <a:buNone/>
+            </a:pPr>
+            <a:endParaRPr lang="fr-FR" sz="2400" dirty="0"/>
+          </a:p>
+          <a:p>
+            <a:pPr marL="0" indent="0" algn="ctr">
+              <a:buNone/>
+            </a:pPr>
+            <a:endParaRPr lang="fr-FR" sz="2400" dirty="0"/>
+          </a:p>
+        </p:txBody>
+      </p:sp>
+      <p:sp>
+        <p:nvSpPr>
+          <p:cNvPr id="6" name="ZoneTexte 5"/>
+          <p:cNvSpPr txBox="1"/>
+          <p:nvPr/>
+        </p:nvSpPr>
+        <p:spPr>
+          <a:xfrm>
+            <a:off x="3299878" y="379385"/>
+            <a:ext cx="5592244" cy="461665"/>
+          </a:xfrm>
+          <a:prstGeom prst="rect">
+            <a:avLst/>
+          </a:prstGeom>
+          <a:noFill/>
+          <a:ln>
+            <a:noFill/>
+          </a:ln>
+        </p:spPr>
+        <p:txBody>
+          <a:bodyPr wrap="square" rtlCol="0" anchor="ctr">
+            <a:spAutoFit/>
+          </a:bodyPr>
+          <a:lstStyle/>
+          <a:p>
+            <a:pPr algn="ctr">
+              <a:spcBef>
+                <a:spcPts val="1800"/>
+              </a:spcBef>
+              <a:spcAft>
+                <a:spcPts val="1800"/>
+              </a:spcAft>
+            </a:pPr>
+            <a:r>
+              <a:rPr lang="en-GB" sz="2400" b="1" dirty="0">
+                <a:solidFill>
+                  <a:srgbClr val="0070C0"/>
+                </a:solidFill>
+              </a:rPr>
+              <a:t>ENTRAÎNEMENT – PHASE DE PRÉDICTION</a:t>
+            </a:r>
+          </a:p>
+        </p:txBody>
+      </p:sp>
+      <p:sp>
+        <p:nvSpPr>
+          <p:cNvPr id="4" name="Rectangle 3">
             <a:extLst>
               <a:ext uri="{FF2B5EF4-FFF2-40B4-BE49-F238E27FC236}">
-                <a16:creationId xmlns:a16="http://schemas.microsoft.com/office/drawing/2014/main" id="{EA7F033E-7ED6-294E-93DA-0440AE30B9E1}"/>
+                <a16:creationId xmlns:a16="http://schemas.microsoft.com/office/drawing/2014/main" id="{8D4A4AC5-717D-F343-BCBE-5E4E31179B80}"/>
               </a:ext>
             </a:extLst>
           </p:cNvPr>
@@ -3974,54 +3797,7 @@
         </p:nvSpPr>
         <p:spPr>
           <a:xfrm>
-            <a:off x="1975104" y="3522703"/>
-            <a:ext cx="8497824" cy="707886"/>
-          </a:xfrm>
-          <a:prstGeom prst="rect">
-            <a:avLst/>
-          </a:prstGeom>
-        </p:spPr>
-        <p:txBody>
-          <a:bodyPr wrap="square">
-            <a:spAutoFit/>
-          </a:bodyPr>
-          <a:lstStyle/>
-          <a:p>
-            <a:pPr algn="ctr"/>
-            <a:r>
-              <a:rPr lang="fr-FR" sz="2000" dirty="0"/>
-              <a:t>Nous évaluerons votre capacité à prédire les </a:t>
-            </a:r>
-            <a:r>
-              <a:rPr lang="fr-FR" sz="2000" dirty="0">
-                <a:solidFill>
-                  <a:srgbClr val="FF0000"/>
-                </a:solidFill>
-              </a:rPr>
-              <a:t>choix d’autres participants </a:t>
-            </a:r>
-            <a:r>
-              <a:rPr lang="fr-FR" sz="2000" dirty="0"/>
-              <a:t>ayant participé au même jeu d´argent avant vous. </a:t>
-            </a:r>
-          </a:p>
-        </p:txBody>
-      </p:sp>
-      <p:sp>
-        <p:nvSpPr>
-          <p:cNvPr id="5" name="Rectangle 3">
-            <a:extLst>
-              <a:ext uri="{FF2B5EF4-FFF2-40B4-BE49-F238E27FC236}">
-                <a16:creationId xmlns:a16="http://schemas.microsoft.com/office/drawing/2014/main" id="{D1E306A8-AF16-F644-98D9-0F53FCDF400D}"/>
-              </a:ext>
-            </a:extLst>
-          </p:cNvPr>
-          <p:cNvSpPr/>
-          <p:nvPr/>
-        </p:nvSpPr>
-        <p:spPr>
-          <a:xfrm>
-            <a:off x="3551393" y="6183144"/>
+            <a:off x="3551393" y="6176963"/>
             <a:ext cx="5089214" cy="400110"/>
           </a:xfrm>
           <a:prstGeom prst="rect">
@@ -4074,7 +3850,7 @@
     </p:spTree>
     <p:extLst>
       <p:ext uri="{BB962C8B-B14F-4D97-AF65-F5344CB8AC3E}">
-        <p14:creationId xmlns:p14="http://schemas.microsoft.com/office/powerpoint/2010/main" val="1246639158"/>
+        <p14:creationId xmlns:p14="http://schemas.microsoft.com/office/powerpoint/2010/main" val="2402639795"/>
       </p:ext>
     </p:extLst>
   </p:cSld>
@@ -4103,40 +3879,150 @@
       </p:grpSpPr>
       <p:sp>
         <p:nvSpPr>
-          <p:cNvPr id="2" name="Titre 1"/>
-          <p:cNvSpPr>
-            <a:spLocks noGrp="1"/>
-          </p:cNvSpPr>
-          <p:nvPr>
-            <p:ph type="title"/>
-          </p:nvPr>
-        </p:nvSpPr>
-        <p:spPr>
-          <a:xfrm>
-            <a:off x="2719162" y="1570148"/>
-            <a:ext cx="7009707" cy="2129977"/>
+          <p:cNvPr id="5" name="Espace réservé du contenu 4"/>
+          <p:cNvSpPr>
+            <a:spLocks noGrp="1"/>
+          </p:cNvSpPr>
+          <p:nvPr>
+            <p:ph idx="1"/>
+          </p:nvPr>
+        </p:nvSpPr>
+        <p:spPr>
+          <a:xfrm>
+            <a:off x="838200" y="1193722"/>
+            <a:ext cx="10608425" cy="5207077"/>
           </a:xfrm>
         </p:spPr>
         <p:txBody>
           <a:bodyPr>
-            <a:normAutofit/>
+            <a:noAutofit/>
           </a:bodyPr>
           <a:lstStyle/>
           <a:p>
-            <a:pPr algn="ctr"/>
-            <a:r>
-              <a:rPr lang="fr-FR" dirty="0"/>
-              <a:t>Jeu des Ecosystèmes</a:t>
-            </a:r>
-          </a:p>
-        </p:txBody>
-      </p:sp>
-      <p:sp>
-        <p:nvSpPr>
-          <p:cNvPr id="3" name="Rectángulo 2">
+            <a:pPr marL="0" indent="0" algn="ctr">
+              <a:buNone/>
+            </a:pPr>
+            <a:endParaRPr lang="fr-FR" sz="2400" dirty="0"/>
+          </a:p>
+          <a:p>
+            <a:pPr marL="0" indent="0" algn="ctr">
+              <a:buNone/>
+            </a:pPr>
+            <a:endParaRPr lang="fr-FR" sz="2400" dirty="0"/>
+          </a:p>
+          <a:p>
+            <a:pPr marL="0" indent="0" algn="ctr">
+              <a:buNone/>
+            </a:pPr>
+            <a:r>
+              <a:rPr lang="fr-FR" sz="2400" dirty="0"/>
+              <a:t>L’entrainement est maintenant terminé. Vous allez maintenant commencer le test. </a:t>
+            </a:r>
+          </a:p>
+          <a:p>
+            <a:pPr algn="ctr"/>
+            <a:endParaRPr lang="fr-FR" sz="2400" dirty="0"/>
+          </a:p>
+          <a:p>
+            <a:pPr marL="0" indent="0" algn="ctr">
+              <a:buNone/>
+            </a:pPr>
+            <a:endParaRPr lang="fr-FR" sz="2400" dirty="0"/>
+          </a:p>
+          <a:p>
+            <a:pPr marL="0" indent="0" algn="ctr">
+              <a:buNone/>
+            </a:pPr>
+            <a:r>
+              <a:rPr lang="fr-FR" sz="2400" dirty="0"/>
+              <a:t>Votre performance dans cette phase ne sera pas prise en compte pour votre bonus financier. </a:t>
+            </a:r>
+          </a:p>
+          <a:p>
+            <a:pPr marL="0" indent="0" algn="ctr">
+              <a:buNone/>
+            </a:pPr>
+            <a:endParaRPr lang="fr-FR" sz="2400" dirty="0"/>
+          </a:p>
+          <a:p>
+            <a:pPr marL="0" indent="0" algn="ctr">
+              <a:buNone/>
+            </a:pPr>
+            <a:r>
+              <a:rPr lang="fr-FR" sz="2400" dirty="0"/>
+              <a:t>Vous êtes prêt(e)?</a:t>
+            </a:r>
+          </a:p>
+          <a:p>
+            <a:pPr marL="0" indent="0" algn="ctr">
+              <a:buNone/>
+            </a:pPr>
+            <a:endParaRPr lang="fr-FR" sz="2400" dirty="0"/>
+          </a:p>
+          <a:p>
+            <a:pPr marL="0" indent="0" algn="ctr">
+              <a:buNone/>
+            </a:pPr>
+            <a:endParaRPr lang="fr-FR" sz="2400" dirty="0"/>
+          </a:p>
+          <a:p>
+            <a:pPr marL="0" indent="0" algn="ctr">
+              <a:buNone/>
+            </a:pPr>
+            <a:endParaRPr lang="fr-FR" sz="2400" dirty="0"/>
+          </a:p>
+        </p:txBody>
+      </p:sp>
+      <p:sp>
+        <p:nvSpPr>
+          <p:cNvPr id="6" name="ZoneTexte 5"/>
+          <p:cNvSpPr txBox="1"/>
+          <p:nvPr/>
+        </p:nvSpPr>
+        <p:spPr>
+          <a:xfrm>
+            <a:off x="3299878" y="379385"/>
+            <a:ext cx="5592244" cy="461665"/>
+          </a:xfrm>
+          <a:prstGeom prst="rect">
+            <a:avLst/>
+          </a:prstGeom>
+          <a:noFill/>
+          <a:ln>
+            <a:noFill/>
+          </a:ln>
+        </p:spPr>
+        <p:txBody>
+          <a:bodyPr wrap="square" rtlCol="0" anchor="ctr">
+            <a:spAutoFit/>
+          </a:bodyPr>
+          <a:lstStyle/>
+          <a:p>
+            <a:pPr algn="ctr">
+              <a:spcBef>
+                <a:spcPts val="1800"/>
+              </a:spcBef>
+              <a:spcAft>
+                <a:spcPts val="1800"/>
+              </a:spcAft>
+            </a:pPr>
+            <a:r>
+              <a:rPr lang="en-GB" sz="2400" b="1" dirty="0">
+                <a:solidFill>
+                  <a:srgbClr val="0070C0"/>
+                </a:solidFill>
+              </a:rPr>
+              <a:t>FIN DE L’ENTRAÎNEMENT</a:t>
+            </a:r>
+          </a:p>
+        </p:txBody>
+      </p:sp>
+      <p:sp>
+        <p:nvSpPr>
+          <p:cNvPr id="4" name="Rectangle 3">
             <a:extLst>
               <a:ext uri="{FF2B5EF4-FFF2-40B4-BE49-F238E27FC236}">
-                <a16:creationId xmlns:a16="http://schemas.microsoft.com/office/drawing/2014/main" id="{EA7F033E-7ED6-294E-93DA-0440AE30B9E1}"/>
+                <a16:creationId xmlns:a16="http://schemas.microsoft.com/office/drawing/2014/main" id="{8D4A4AC5-717D-F343-BCBE-5E4E31179B80}"/>
               </a:ext>
             </a:extLst>
           </p:cNvPr>
@@ -4145,55 +4031,7 @@
         </p:nvSpPr>
         <p:spPr>
           <a:xfrm>
-            <a:off x="1975104" y="3522703"/>
-            <a:ext cx="8497824" cy="707886"/>
-          </a:xfrm>
-          <a:prstGeom prst="rect">
-            <a:avLst/>
-          </a:prstGeom>
-        </p:spPr>
-        <p:txBody>
-          <a:bodyPr wrap="square">
-            <a:spAutoFit/>
-          </a:bodyPr>
-          <a:lstStyle/>
-          <a:p>
-            <a:pPr algn="ctr"/>
-            <a:r>
-              <a:rPr lang="fr-FR" sz="2000" dirty="0"/>
-              <a:t>Nous évaluerons votre capacité à </a:t>
-            </a:r>
-            <a:r>
-              <a:rPr lang="fr-FR" sz="2000" dirty="0">
-                <a:solidFill>
-                  <a:srgbClr val="FF0000"/>
-                </a:solidFill>
-              </a:rPr>
-              <a:t>apprendre et comprendre, en présence d'incertitude, une règle cachée </a:t>
-            </a:r>
-            <a:r>
-              <a:rPr lang="fr-FR" sz="2000" dirty="0"/>
-              <a:t>qui permet d'établir une prévision fiable.</a:t>
-            </a:r>
-            <a:endParaRPr lang="es-FR" sz="2000" dirty="0"/>
-          </a:p>
-        </p:txBody>
-      </p:sp>
-      <p:sp>
-        <p:nvSpPr>
-          <p:cNvPr id="5" name="Rectangle 3">
-            <a:extLst>
-              <a:ext uri="{FF2B5EF4-FFF2-40B4-BE49-F238E27FC236}">
-                <a16:creationId xmlns:a16="http://schemas.microsoft.com/office/drawing/2014/main" id="{D1E306A8-AF16-F644-98D9-0F53FCDF400D}"/>
-              </a:ext>
-            </a:extLst>
-          </p:cNvPr>
-          <p:cNvSpPr/>
-          <p:nvPr/>
-        </p:nvSpPr>
-        <p:spPr>
-          <a:xfrm>
-            <a:off x="3551393" y="6183144"/>
+            <a:off x="3551393" y="6176963"/>
             <a:ext cx="5089214" cy="400110"/>
           </a:xfrm>
           <a:prstGeom prst="rect">
@@ -4246,7 +4084,7 @@
     </p:spTree>
     <p:extLst>
       <p:ext uri="{BB962C8B-B14F-4D97-AF65-F5344CB8AC3E}">
-        <p14:creationId xmlns:p14="http://schemas.microsoft.com/office/powerpoint/2010/main" val="61276001"/>
+        <p14:creationId xmlns:p14="http://schemas.microsoft.com/office/powerpoint/2010/main" val="1034551"/>
       </p:ext>
     </p:extLst>
   </p:cSld>
@@ -4275,7 +4113,7 @@
       </p:grpSpPr>
       <p:sp>
         <p:nvSpPr>
-          <p:cNvPr id="3" name="Espace réservé du contenu 2"/>
+          <p:cNvPr id="5" name="Espace réservé du contenu 4"/>
           <p:cNvSpPr>
             <a:spLocks noGrp="1"/>
           </p:cNvSpPr>
@@ -4285,109 +4123,110 @@
         </p:nvSpPr>
         <p:spPr>
           <a:xfrm>
-            <a:off x="838200" y="1072896"/>
-            <a:ext cx="10515600" cy="4513257"/>
+            <a:off x="838200" y="1193722"/>
+            <a:ext cx="10608425" cy="5207077"/>
           </a:xfrm>
         </p:spPr>
         <p:txBody>
           <a:bodyPr>
-            <a:normAutofit/>
+            <a:noAutofit/>
           </a:bodyPr>
           <a:lstStyle/>
           <a:p>
-            <a:pPr marL="0" indent="0" algn="just">
-              <a:buNone/>
-            </a:pPr>
-            <a:r>
-              <a:rPr lang="fr-FR" sz="2000" dirty="0"/>
-              <a:t>Nous allons vous demander de comparer des écosystèmes virtuels, composés de plantes dont la croissance naturelle est variable. En particulier, les écosystèmes diffèrent par:</a:t>
-            </a:r>
-          </a:p>
-          <a:p>
-            <a:pPr algn="just">
-              <a:buFontTx/>
-              <a:buChar char="-"/>
-            </a:pPr>
-            <a:r>
-              <a:rPr lang="fr-FR" sz="2000" dirty="0"/>
-              <a:t>La </a:t>
-            </a:r>
-            <a:r>
-              <a:rPr lang="fr-FR" sz="2000" dirty="0">
+            <a:pPr marL="0" indent="0" algn="ctr">
+              <a:buNone/>
+            </a:pPr>
+            <a:endParaRPr lang="fr-FR" sz="2400" dirty="0"/>
+          </a:p>
+          <a:p>
+            <a:pPr marL="0" indent="0" algn="ctr">
+              <a:buNone/>
+            </a:pPr>
+            <a:endParaRPr lang="fr-FR" sz="2400" dirty="0"/>
+          </a:p>
+          <a:p>
+            <a:pPr marL="0" indent="0" algn="ctr">
+              <a:buNone/>
+            </a:pPr>
+            <a:r>
+              <a:rPr lang="fr-FR" sz="2400" dirty="0"/>
+              <a:t>Nous allons évaluer votre prudence, c’est-à-dire votre tendance à prendre en compte les risques. </a:t>
+            </a:r>
+          </a:p>
+          <a:p>
+            <a:pPr algn="ctr"/>
+            <a:endParaRPr lang="fr-FR" sz="2400" dirty="0"/>
+          </a:p>
+          <a:p>
+            <a:pPr marL="0" indent="0" algn="ctr">
+              <a:buNone/>
+            </a:pPr>
+            <a:endParaRPr lang="fr-FR" sz="2400" dirty="0"/>
+          </a:p>
+          <a:p>
+            <a:pPr marL="0" indent="0" algn="ctr">
+              <a:buNone/>
+            </a:pPr>
+            <a:endParaRPr lang="fr-FR" sz="2400" dirty="0"/>
+          </a:p>
+          <a:p>
+            <a:pPr marL="0" indent="0" algn="ctr">
+              <a:buNone/>
+            </a:pPr>
+            <a:endParaRPr lang="fr-FR" sz="2400" dirty="0"/>
+          </a:p>
+        </p:txBody>
+      </p:sp>
+      <p:sp>
+        <p:nvSpPr>
+          <p:cNvPr id="6" name="ZoneTexte 5"/>
+          <p:cNvSpPr txBox="1"/>
+          <p:nvPr/>
+        </p:nvSpPr>
+        <p:spPr>
+          <a:xfrm>
+            <a:off x="3299878" y="379385"/>
+            <a:ext cx="5592244" cy="461665"/>
+          </a:xfrm>
+          <a:prstGeom prst="rect">
+            <a:avLst/>
+          </a:prstGeom>
+          <a:noFill/>
+          <a:ln>
+            <a:noFill/>
+          </a:ln>
+        </p:spPr>
+        <p:txBody>
+          <a:bodyPr wrap="square" rtlCol="0" anchor="ctr">
+            <a:spAutoFit/>
+          </a:bodyPr>
+          <a:lstStyle/>
+          <a:p>
+            <a:pPr algn="ctr">
+              <a:spcBef>
+                <a:spcPts val="1800"/>
+              </a:spcBef>
+              <a:spcAft>
+                <a:spcPts val="1800"/>
+              </a:spcAft>
+            </a:pPr>
+            <a:r>
+              <a:rPr lang="en-GB" sz="2400" b="1" dirty="0">
                 <a:solidFill>
-                  <a:srgbClr val="FF0000"/>
+                  <a:srgbClr val="0070C0"/>
                 </a:solidFill>
               </a:rPr>
-              <a:t>fertilité des plantes </a:t>
-            </a:r>
-            <a:r>
-              <a:rPr lang="fr-FR" sz="2000" dirty="0"/>
-              <a:t>(certaines peuvent être incapables de se reproduire) </a:t>
-            </a:r>
-          </a:p>
-          <a:p>
-            <a:pPr algn="just">
-              <a:buFontTx/>
-              <a:buChar char="-"/>
-            </a:pPr>
-            <a:r>
-              <a:rPr lang="fr-FR" sz="2000" dirty="0"/>
-              <a:t>Le </a:t>
-            </a:r>
-            <a:r>
-              <a:rPr lang="fr-FR" sz="2000" dirty="0">
-                <a:solidFill>
-                  <a:srgbClr val="FF0000"/>
-                </a:solidFill>
-              </a:rPr>
-              <a:t>taux de plantes en contact avec des prédateurs </a:t>
-            </a:r>
-            <a:r>
-              <a:rPr lang="fr-FR" sz="2000" dirty="0"/>
-              <a:t>(p. ex. : des herbivores comme des insectes). </a:t>
-            </a:r>
-          </a:p>
-          <a:p>
-            <a:pPr marL="0" indent="0" algn="just">
-              <a:buNone/>
-            </a:pPr>
-            <a:endParaRPr lang="fr-FR" sz="2000" dirty="0"/>
-          </a:p>
-          <a:p>
-            <a:pPr marL="0" indent="0" algn="just">
-              <a:buNone/>
-            </a:pPr>
-            <a:r>
-              <a:rPr lang="fr-FR" sz="2000" dirty="0"/>
-              <a:t>Vous devrez essayer de deviner lequel des deux écosystèmes aura donné le plus de plantes au bout d'un an. </a:t>
-            </a:r>
-          </a:p>
-          <a:p>
-            <a:pPr marL="0" indent="0" algn="just">
-              <a:buNone/>
-            </a:pPr>
-            <a:r>
-              <a:rPr lang="fr-FR" sz="2000" dirty="0"/>
-              <a:t>Après chacune de vos prévisions, nous vous donnerons la bonne réponse. Cela vous permettra d'améliorer progressivement votre compréhension du problème. </a:t>
-            </a:r>
-          </a:p>
-          <a:p>
-            <a:pPr marL="0" indent="0" algn="just">
-              <a:buNone/>
-            </a:pPr>
-            <a:r>
-              <a:rPr lang="fr-FR" sz="2000" dirty="0"/>
-              <a:t>Ici, nous évaluons votre capacité à apprendre et comprendre, en présence d'incertitude, une règle cachée qui permet d'établir une prévision fiable. </a:t>
-            </a:r>
-          </a:p>
-        </p:txBody>
-      </p:sp>
-      <p:sp>
-        <p:nvSpPr>
-          <p:cNvPr id="5" name="Rectángulo 4">
+              <a:t>PHASE DE DÉCISION</a:t>
+            </a:r>
+          </a:p>
+        </p:txBody>
+      </p:sp>
+      <p:sp>
+        <p:nvSpPr>
+          <p:cNvPr id="4" name="Rectangle 3">
             <a:extLst>
               <a:ext uri="{FF2B5EF4-FFF2-40B4-BE49-F238E27FC236}">
-                <a16:creationId xmlns:a16="http://schemas.microsoft.com/office/drawing/2014/main" id="{7341A93F-6626-504F-B534-D779E9399A22}"/>
+                <a16:creationId xmlns:a16="http://schemas.microsoft.com/office/drawing/2014/main" id="{8D4A4AC5-717D-F343-BCBE-5E4E31179B80}"/>
               </a:ext>
             </a:extLst>
           </p:cNvPr>
@@ -4396,66 +4235,8 @@
         </p:nvSpPr>
         <p:spPr>
           <a:xfrm>
-            <a:off x="602559" y="432773"/>
-            <a:ext cx="2066591" cy="577850"/>
-          </a:xfrm>
-          <a:prstGeom prst="rect">
-            <a:avLst/>
-          </a:prstGeom>
-        </p:spPr>
-        <p:txBody>
-          <a:bodyPr wrap="none">
-            <a:spAutoFit/>
-          </a:bodyPr>
-          <a:lstStyle/>
-          <a:p>
-            <a:pPr algn="just">
-              <a:lnSpc>
-                <a:spcPct val="150000"/>
-              </a:lnSpc>
-              <a:spcBef>
-                <a:spcPts val="200"/>
-              </a:spcBef>
-              <a:spcAft>
-                <a:spcPts val="0"/>
-              </a:spcAft>
-            </a:pPr>
-            <a:r>
-              <a:rPr lang="fr-FR" sz="2400" b="1" dirty="0">
-                <a:solidFill>
-                  <a:srgbClr val="2E74B5"/>
-                </a:solidFill>
-                <a:latin typeface="Arial" panose="020B0604020202020204" pitchFamily="34" charset="0"/>
-                <a:cs typeface="Times New Roman" panose="02020603050405020304" pitchFamily="18" charset="0"/>
-              </a:rPr>
-              <a:t>Déroulement</a:t>
-            </a:r>
-            <a:endParaRPr lang="es-FR" b="1" dirty="0">
-              <a:solidFill>
-                <a:srgbClr val="2E74B5"/>
-              </a:solidFill>
-              <a:latin typeface="Arial" panose="020B0604020202020204" pitchFamily="34" charset="0"/>
-              <a:cs typeface="Times New Roman" panose="02020603050405020304" pitchFamily="18" charset="0"/>
-            </a:endParaRPr>
-          </a:p>
-        </p:txBody>
-      </p:sp>
-      <p:sp>
-        <p:nvSpPr>
-          <p:cNvPr id="6" name="Rectangle 3">
-            <a:extLst>
-              <a:ext uri="{FF2B5EF4-FFF2-40B4-BE49-F238E27FC236}">
-                <a16:creationId xmlns:a16="http://schemas.microsoft.com/office/drawing/2014/main" id="{950F77F6-D801-2A40-9828-736711F41D08}"/>
-              </a:ext>
-            </a:extLst>
-          </p:cNvPr>
-          <p:cNvSpPr/>
-          <p:nvPr/>
-        </p:nvSpPr>
-        <p:spPr>
-          <a:xfrm>
-            <a:off x="905636" y="6025117"/>
-            <a:ext cx="10380727" cy="400110"/>
+            <a:off x="3551393" y="6176963"/>
+            <a:ext cx="5089214" cy="400110"/>
           </a:xfrm>
           <a:prstGeom prst="rect">
             <a:avLst/>
@@ -4499,35 +4280,15 @@
                   </a:schemeClr>
                 </a:solidFill>
               </a:rPr>
-              <a:t>] pour continuer ou sur la flèche gauche [</a:t>
-            </a:r>
-            <a:r>
-              <a:rPr lang="fr-FR" sz="2000" i="1" dirty="0">
-                <a:solidFill>
-                  <a:schemeClr val="tx1">
-                    <a:lumMod val="50000"/>
-                    <a:lumOff val="50000"/>
-                  </a:schemeClr>
-                </a:solidFill>
-                <a:sym typeface="Wingdings" pitchFamily="2" charset="2"/>
-              </a:rPr>
-              <a:t>] pour revenir en arrière</a:t>
-            </a:r>
-            <a:endParaRPr lang="fr-FR" sz="2000" i="1" dirty="0">
-              <a:solidFill>
-                <a:schemeClr val="tx1">
-                  <a:lumMod val="50000"/>
-                  <a:lumOff val="50000"/>
-                </a:schemeClr>
-              </a:solidFill>
-            </a:endParaRPr>
+              <a:t>] pour continuer</a:t>
+            </a:r>
           </a:p>
         </p:txBody>
       </p:sp>
     </p:spTree>
     <p:extLst>
       <p:ext uri="{BB962C8B-B14F-4D97-AF65-F5344CB8AC3E}">
-        <p14:creationId xmlns:p14="http://schemas.microsoft.com/office/powerpoint/2010/main" val="197218460"/>
+        <p14:creationId xmlns:p14="http://schemas.microsoft.com/office/powerpoint/2010/main" val="354585915"/>
       </p:ext>
     </p:extLst>
   </p:cSld>
@@ -4556,7 +4317,7 @@
       </p:grpSpPr>
       <p:sp>
         <p:nvSpPr>
-          <p:cNvPr id="3" name="Espace réservé du contenu 2"/>
+          <p:cNvPr id="5" name="Espace réservé du contenu 4"/>
           <p:cNvSpPr>
             <a:spLocks noGrp="1"/>
           </p:cNvSpPr>
@@ -4566,133 +4327,110 @@
         </p:nvSpPr>
         <p:spPr>
           <a:xfrm>
-            <a:off x="648245" y="716347"/>
-            <a:ext cx="10705555" cy="5653572"/>
+            <a:off x="838200" y="1193722"/>
+            <a:ext cx="10608425" cy="5207077"/>
           </a:xfrm>
         </p:spPr>
         <p:txBody>
           <a:bodyPr>
-            <a:normAutofit/>
+            <a:noAutofit/>
           </a:bodyPr>
           <a:lstStyle/>
           <a:p>
-            <a:pPr marL="0" indent="0" algn="just">
-              <a:buNone/>
-            </a:pPr>
-            <a:r>
-              <a:rPr lang="fr-FR" sz="1800" dirty="0"/>
-              <a:t>Cette tache se compose de </a:t>
-            </a:r>
-            <a:r>
-              <a:rPr lang="fr-FR" sz="1800" dirty="0">
+            <a:pPr marL="0" indent="0" algn="ctr">
+              <a:buNone/>
+            </a:pPr>
+            <a:endParaRPr lang="fr-FR" sz="2400" dirty="0"/>
+          </a:p>
+          <a:p>
+            <a:pPr marL="0" indent="0" algn="ctr">
+              <a:buNone/>
+            </a:pPr>
+            <a:endParaRPr lang="fr-FR" sz="2400" dirty="0"/>
+          </a:p>
+          <a:p>
+            <a:pPr marL="0" indent="0" algn="ctr">
+              <a:buNone/>
+            </a:pPr>
+            <a:r>
+              <a:rPr lang="fr-FR" sz="2400" dirty="0"/>
+              <a:t>Nous allons évaluer votre capacité à évaluer la prudence des autres. </a:t>
+            </a:r>
+          </a:p>
+          <a:p>
+            <a:pPr algn="ctr"/>
+            <a:endParaRPr lang="fr-FR" sz="2400" dirty="0"/>
+          </a:p>
+          <a:p>
+            <a:pPr marL="0" indent="0" algn="ctr">
+              <a:buNone/>
+            </a:pPr>
+            <a:endParaRPr lang="fr-FR" sz="2400" dirty="0"/>
+          </a:p>
+          <a:p>
+            <a:pPr marL="0" indent="0" algn="ctr">
+              <a:buNone/>
+            </a:pPr>
+            <a:endParaRPr lang="fr-FR" sz="2400" dirty="0"/>
+          </a:p>
+          <a:p>
+            <a:pPr marL="0" indent="0" algn="ctr">
+              <a:buNone/>
+            </a:pPr>
+            <a:endParaRPr lang="fr-FR" sz="2400" dirty="0"/>
+          </a:p>
+        </p:txBody>
+      </p:sp>
+      <p:sp>
+        <p:nvSpPr>
+          <p:cNvPr id="6" name="ZoneTexte 5"/>
+          <p:cNvSpPr txBox="1"/>
+          <p:nvPr/>
+        </p:nvSpPr>
+        <p:spPr>
+          <a:xfrm>
+            <a:off x="3299878" y="379385"/>
+            <a:ext cx="5592244" cy="461665"/>
+          </a:xfrm>
+          <a:prstGeom prst="rect">
+            <a:avLst/>
+          </a:prstGeom>
+          <a:noFill/>
+          <a:ln>
+            <a:noFill/>
+          </a:ln>
+        </p:spPr>
+        <p:txBody>
+          <a:bodyPr wrap="square" rtlCol="0" anchor="ctr">
+            <a:spAutoFit/>
+          </a:bodyPr>
+          <a:lstStyle/>
+          <a:p>
+            <a:pPr algn="ctr">
+              <a:spcBef>
+                <a:spcPts val="1800"/>
+              </a:spcBef>
+              <a:spcAft>
+                <a:spcPts val="1800"/>
+              </a:spcAft>
+            </a:pPr>
+            <a:r>
+              <a:rPr lang="en-GB" sz="2400" b="1" dirty="0">
                 <a:solidFill>
-                  <a:srgbClr val="FF0000"/>
+                  <a:srgbClr val="0070C0"/>
                 </a:solidFill>
               </a:rPr>
-              <a:t>34 essais</a:t>
-            </a:r>
-            <a:r>
-              <a:rPr lang="fr-FR" sz="1800" dirty="0"/>
-              <a:t>. A chaque essai, nous vous présentons deux écosystèmes, dont chacun commence l'année avec 80 plantes. Vous devrez deviner lequel de ces deux écosystèmes contiendra le plus de plantes au bout d'un an, en prenant compte des aspects suivants:</a:t>
-            </a:r>
-          </a:p>
-          <a:p>
-            <a:r>
-              <a:rPr lang="fr-FR" sz="1800" dirty="0"/>
-              <a:t> </a:t>
-            </a:r>
-            <a:r>
-              <a:rPr lang="fr-FR" sz="1800" dirty="0">
-                <a:solidFill>
-                  <a:srgbClr val="FF0000"/>
-                </a:solidFill>
-              </a:rPr>
-              <a:t>Succès de la reproduction</a:t>
-            </a:r>
-            <a:r>
-              <a:rPr lang="fr-FR" sz="1800" dirty="0"/>
-              <a:t>.  Plus les plantes réussissent à se reproduire, plus la quantité de plantes sera importante à la fin de l'année. Bien que le taux de reproduction des plantes soit inconnu a priori, vous saurez combien de ces plantes sont fertiles. </a:t>
-            </a:r>
-            <a:endParaRPr lang="es-FR" sz="1800" dirty="0"/>
-          </a:p>
-          <a:p>
-            <a:r>
-              <a:rPr lang="fr-FR" sz="1800" dirty="0"/>
-              <a:t> </a:t>
-            </a:r>
-            <a:r>
-              <a:rPr lang="fr-FR" sz="1800" dirty="0">
-                <a:solidFill>
-                  <a:srgbClr val="FF0000"/>
-                </a:solidFill>
-              </a:rPr>
-              <a:t>Fréquence du contact avec des prédateurs</a:t>
-            </a:r>
-            <a:r>
-              <a:rPr lang="fr-FR" sz="1800" dirty="0"/>
-              <a:t>. Plus les plantes sont en contact avec des prédateurs, moins la quantité de plantes sera importante à la fin de l'année. Bien que l'agressivité des prédateurs soit inconnu a priori, vous connaitrez la proportion P de plantes qui sont effectivement en contact avec le prédateur. Celle-ci sera représentée par la portion rouge d´un diagramme en camembert (voir la figure plus bas). Réciproquement, la portion verte du camembert représentera la proportion de plantes qui ne sont pas en contact avec les prédateurs.</a:t>
-            </a:r>
-          </a:p>
-          <a:p>
-            <a:pPr marL="0" indent="0">
-              <a:buNone/>
-            </a:pPr>
-            <a:endParaRPr lang="fr-FR" sz="1800" dirty="0"/>
-          </a:p>
-          <a:p>
-            <a:pPr marL="0" indent="0">
-              <a:buNone/>
-            </a:pPr>
-            <a:r>
-              <a:rPr lang="fr-FR" sz="1800" dirty="0">
-                <a:solidFill>
-                  <a:srgbClr val="FF0000"/>
-                </a:solidFill>
-              </a:rPr>
-              <a:t>                                        </a:t>
-            </a:r>
-          </a:p>
-          <a:p>
-            <a:pPr marL="0" indent="0" algn="just">
-              <a:buNone/>
-            </a:pPr>
-            <a:r>
-              <a:rPr lang="fr-FR" sz="1800" dirty="0"/>
-              <a:t>                                           </a:t>
-            </a:r>
-          </a:p>
-          <a:p>
-            <a:pPr marL="0" indent="0" algn="just">
-              <a:buNone/>
-            </a:pPr>
-            <a:r>
-              <a:rPr lang="fr-FR" sz="1800" dirty="0"/>
-              <a:t>                           Aucun contact avec des herbivores</a:t>
-            </a:r>
-          </a:p>
-          <a:p>
-            <a:pPr marL="0" indent="0" algn="just">
-              <a:buNone/>
-            </a:pPr>
-            <a:r>
-              <a:rPr lang="fr-FR" sz="1800" dirty="0"/>
-              <a:t>                            </a:t>
-            </a:r>
-          </a:p>
-          <a:p>
-            <a:pPr marL="0" indent="0" algn="just">
-              <a:buNone/>
-            </a:pPr>
-            <a:endParaRPr lang="fr-FR" sz="1800" dirty="0"/>
-          </a:p>
-        </p:txBody>
-      </p:sp>
-      <p:sp>
-        <p:nvSpPr>
-          <p:cNvPr id="5" name="Rectángulo 4">
+              <a:t>PHASE DE PRÉDICTION</a:t>
+            </a:r>
+          </a:p>
+        </p:txBody>
+      </p:sp>
+      <p:sp>
+        <p:nvSpPr>
+          <p:cNvPr id="4" name="Rectangle 3">
             <a:extLst>
               <a:ext uri="{FF2B5EF4-FFF2-40B4-BE49-F238E27FC236}">
-                <a16:creationId xmlns:a16="http://schemas.microsoft.com/office/drawing/2014/main" id="{7341A93F-6626-504F-B534-D779E9399A22}"/>
+                <a16:creationId xmlns:a16="http://schemas.microsoft.com/office/drawing/2014/main" id="{8D4A4AC5-717D-F343-BCBE-5E4E31179B80}"/>
               </a:ext>
             </a:extLst>
           </p:cNvPr>
@@ -4701,59 +4439,8 @@
         </p:nvSpPr>
         <p:spPr>
           <a:xfrm>
-            <a:off x="648245" y="237429"/>
-            <a:ext cx="1752403" cy="496996"/>
-          </a:xfrm>
-          <a:prstGeom prst="rect">
-            <a:avLst/>
-          </a:prstGeom>
-        </p:spPr>
-        <p:txBody>
-          <a:bodyPr wrap="none">
-            <a:spAutoFit/>
-          </a:bodyPr>
-          <a:lstStyle/>
-          <a:p>
-            <a:pPr algn="just">
-              <a:lnSpc>
-                <a:spcPct val="150000"/>
-              </a:lnSpc>
-              <a:spcBef>
-                <a:spcPts val="200"/>
-              </a:spcBef>
-              <a:spcAft>
-                <a:spcPts val="0"/>
-              </a:spcAft>
-            </a:pPr>
-            <a:r>
-              <a:rPr lang="fr-FR" sz="2000" b="1" dirty="0">
-                <a:solidFill>
-                  <a:srgbClr val="2E74B5"/>
-                </a:solidFill>
-                <a:latin typeface="Arial" panose="020B0604020202020204" pitchFamily="34" charset="0"/>
-                <a:cs typeface="Times New Roman" panose="02020603050405020304" pitchFamily="18" charset="0"/>
-              </a:rPr>
-              <a:t>Déroulement</a:t>
-            </a:r>
-          </a:p>
-        </p:txBody>
-      </p:sp>
-      <p:sp>
-        <p:nvSpPr>
-          <p:cNvPr id="6" name="Rectangle 3">
-            <a:extLst>
-              <a:ext uri="{FF2B5EF4-FFF2-40B4-BE49-F238E27FC236}">
-                <a16:creationId xmlns:a16="http://schemas.microsoft.com/office/drawing/2014/main" id="{4B90CD4B-3742-F444-BED2-24C4FA254327}"/>
-              </a:ext>
-            </a:extLst>
-          </p:cNvPr>
-          <p:cNvSpPr/>
-          <p:nvPr/>
-        </p:nvSpPr>
-        <p:spPr>
-          <a:xfrm>
-            <a:off x="905636" y="6275982"/>
-            <a:ext cx="10380727" cy="400110"/>
+            <a:off x="3551393" y="6176963"/>
+            <a:ext cx="5089214" cy="400110"/>
           </a:xfrm>
           <a:prstGeom prst="rect">
             <a:avLst/>
@@ -4797,169 +4484,15 @@
                   </a:schemeClr>
                 </a:solidFill>
               </a:rPr>
-              <a:t>] pour continuer ou sur la flèche gauche [</a:t>
-            </a:r>
-            <a:r>
-              <a:rPr lang="fr-FR" sz="2000" i="1" dirty="0">
-                <a:solidFill>
-                  <a:schemeClr val="tx1">
-                    <a:lumMod val="50000"/>
-                    <a:lumOff val="50000"/>
-                  </a:schemeClr>
-                </a:solidFill>
-                <a:sym typeface="Wingdings" pitchFamily="2" charset="2"/>
-              </a:rPr>
-              <a:t>] pour revenir en arrière</a:t>
-            </a:r>
-            <a:endParaRPr lang="fr-FR" sz="2000" i="1" dirty="0">
-              <a:solidFill>
-                <a:schemeClr val="tx1">
-                  <a:lumMod val="50000"/>
-                  <a:lumOff val="50000"/>
-                </a:schemeClr>
-              </a:solidFill>
-            </a:endParaRPr>
-          </a:p>
-        </p:txBody>
-      </p:sp>
-      <p:sp>
-        <p:nvSpPr>
-          <p:cNvPr id="2" name="CuadroTexto 1">
-            <a:extLst>
-              <a:ext uri="{FF2B5EF4-FFF2-40B4-BE49-F238E27FC236}">
-                <a16:creationId xmlns:a16="http://schemas.microsoft.com/office/drawing/2014/main" id="{84F0600F-7E63-A04A-B978-D862BB883491}"/>
-              </a:ext>
-            </a:extLst>
-          </p:cNvPr>
-          <p:cNvSpPr txBox="1"/>
-          <p:nvPr/>
-        </p:nvSpPr>
-        <p:spPr>
-          <a:xfrm>
-            <a:off x="2400648" y="3719478"/>
-            <a:ext cx="7653493" cy="1477328"/>
-          </a:xfrm>
-          <a:prstGeom prst="rect">
-            <a:avLst/>
-          </a:prstGeom>
-          <a:noFill/>
-        </p:spPr>
-        <p:txBody>
-          <a:bodyPr wrap="square" rtlCol="0">
-            <a:spAutoFit/>
-          </a:bodyPr>
-          <a:lstStyle/>
-          <a:p>
-            <a:pPr algn="just"/>
-            <a:endParaRPr lang="fr-FR" dirty="0"/>
-          </a:p>
-          <a:p>
-            <a:pPr algn="just"/>
-            <a:endParaRPr lang="fr-FR" dirty="0"/>
-          </a:p>
-          <a:p>
-            <a:pPr algn="just"/>
-            <a:r>
-              <a:rPr lang="fr-FR" dirty="0"/>
-              <a:t>60 plantes sont fertiles                                           Toutes les plantes sont fertiles</a:t>
-            </a:r>
-          </a:p>
-          <a:p>
-            <a:pPr algn="just"/>
-            <a:endParaRPr lang="fr-FR" dirty="0"/>
-          </a:p>
-          <a:p>
-            <a:r>
-              <a:rPr lang="en-GB" dirty="0"/>
-              <a:t>                                                                   vs.</a:t>
-            </a:r>
-          </a:p>
-        </p:txBody>
-      </p:sp>
-      <p:pic>
-        <p:nvPicPr>
-          <p:cNvPr id="7" name="Imagen 6" descr="Imagen que contiene fruta, competencia de atletismo, cd&#10;&#10;Descripción generada automáticamente">
-            <a:extLst>
-              <a:ext uri="{FF2B5EF4-FFF2-40B4-BE49-F238E27FC236}">
-                <a16:creationId xmlns:a16="http://schemas.microsoft.com/office/drawing/2014/main" id="{CE7E1695-9971-E044-97C4-78170A2BFA48}"/>
-              </a:ext>
-            </a:extLst>
-          </p:cNvPr>
-          <p:cNvPicPr>
-            <a:picLocks noChangeAspect="1"/>
-          </p:cNvPicPr>
-          <p:nvPr/>
-        </p:nvPicPr>
-        <p:blipFill rotWithShape="1">
-          <a:blip r:embed="rId2">
-            <a:extLst>
-              <a:ext uri="{28A0092B-C50C-407E-A947-70E740481C1C}">
-                <a14:useLocalDpi xmlns:a14="http://schemas.microsoft.com/office/drawing/2010/main" val="0"/>
-              </a:ext>
-            </a:extLst>
-          </a:blip>
-          <a:srcRect l="16420" t="18963" r="14673" b="15062"/>
-          <a:stretch/>
-        </p:blipFill>
-        <p:spPr>
-          <a:xfrm>
-            <a:off x="7700120" y="4550917"/>
-            <a:ext cx="1591734" cy="1524000"/>
-          </a:xfrm>
-          <a:prstGeom prst="rect">
-            <a:avLst/>
-          </a:prstGeom>
-        </p:spPr>
-      </p:pic>
-      <p:sp>
-        <p:nvSpPr>
-          <p:cNvPr id="10" name="Rectángulo 9">
-            <a:extLst>
-              <a:ext uri="{FF2B5EF4-FFF2-40B4-BE49-F238E27FC236}">
-                <a16:creationId xmlns:a16="http://schemas.microsoft.com/office/drawing/2014/main" id="{DF90F87B-C33D-E549-9349-87E099859D8A}"/>
-              </a:ext>
-            </a:extLst>
-          </p:cNvPr>
-          <p:cNvSpPr/>
-          <p:nvPr/>
-        </p:nvSpPr>
-        <p:spPr>
-          <a:xfrm>
-            <a:off x="1928553" y="4126415"/>
-            <a:ext cx="8125588" cy="1964016"/>
-          </a:xfrm>
-          <a:prstGeom prst="rect">
-            <a:avLst/>
-          </a:prstGeom>
-          <a:noFill/>
-        </p:spPr>
-        <p:style>
-          <a:lnRef idx="2">
-            <a:schemeClr val="dk1"/>
-          </a:lnRef>
-          <a:fillRef idx="1">
-            <a:schemeClr val="lt1"/>
-          </a:fillRef>
-          <a:effectRef idx="0">
-            <a:schemeClr val="dk1"/>
-          </a:effectRef>
-          <a:fontRef idx="minor">
-            <a:schemeClr val="dk1"/>
-          </a:fontRef>
-        </p:style>
-        <p:txBody>
-          <a:bodyPr rtlCol="0" anchor="ctr"/>
-          <a:lstStyle/>
-          <a:p>
-            <a:pPr algn="ctr"/>
-            <a:endParaRPr lang="en-GB"/>
+              <a:t>] pour continuer</a:t>
+            </a:r>
           </a:p>
         </p:txBody>
       </p:sp>
     </p:spTree>
     <p:extLst>
       <p:ext uri="{BB962C8B-B14F-4D97-AF65-F5344CB8AC3E}">
-        <p14:creationId xmlns:p14="http://schemas.microsoft.com/office/powerpoint/2010/main" val="2948591915"/>
+        <p14:creationId xmlns:p14="http://schemas.microsoft.com/office/powerpoint/2010/main" val="3792071299"/>
       </p:ext>
     </p:extLst>
   </p:cSld>
@@ -4988,126 +4521,98 @@
       </p:grpSpPr>
       <p:sp>
         <p:nvSpPr>
-          <p:cNvPr id="3" name="Espace réservé du contenu 2"/>
-          <p:cNvSpPr>
-            <a:spLocks noGrp="1"/>
-          </p:cNvSpPr>
-          <p:nvPr>
-            <p:ph idx="1"/>
-          </p:nvPr>
-        </p:nvSpPr>
-        <p:spPr>
-          <a:xfrm>
-            <a:off x="648245" y="916402"/>
-            <a:ext cx="10705555" cy="5653572"/>
+          <p:cNvPr id="2" name="Titre 1"/>
+          <p:cNvSpPr>
+            <a:spLocks noGrp="1"/>
+          </p:cNvSpPr>
+          <p:nvPr>
+            <p:ph type="title"/>
+          </p:nvPr>
+        </p:nvSpPr>
+        <p:spPr>
+          <a:xfrm>
+            <a:off x="1879774" y="2364012"/>
+            <a:ext cx="8432453" cy="2129977"/>
           </a:xfrm>
         </p:spPr>
         <p:txBody>
           <a:bodyPr>
-            <a:normAutofit lnSpcReduction="10000"/>
+            <a:normAutofit/>
           </a:bodyPr>
           <a:lstStyle/>
           <a:p>
-            <a:pPr marL="0" indent="0" algn="just">
-              <a:buNone/>
-            </a:pPr>
-            <a:r>
-              <a:rPr lang="fr-FR" sz="2000" dirty="0"/>
-              <a:t>Dans cette tache, pour certains essais, on vous demandera d’exprimer votre </a:t>
-            </a:r>
-            <a:r>
-              <a:rPr lang="fr-FR" sz="2000" dirty="0">
+            <a:pPr algn="ctr"/>
+            <a:r>
+              <a:rPr lang="fr-FR" sz="2400" dirty="0"/>
+              <a:t>Le test de cognition sociale est maintenant terminé.</a:t>
+            </a:r>
+            <a:br>
+              <a:rPr lang="fr-FR" sz="2400" dirty="0"/>
+            </a:br>
+            <a:r>
+              <a:rPr lang="fr-FR" sz="2400" dirty="0"/>
+              <a:t> </a:t>
+            </a:r>
+            <a:br>
+              <a:rPr lang="fr-FR" sz="2400" dirty="0"/>
+            </a:br>
+            <a:r>
+              <a:rPr lang="fr-FR" sz="2400" dirty="0"/>
+              <a:t>Merci !</a:t>
+            </a:r>
+          </a:p>
+        </p:txBody>
+      </p:sp>
+      <p:sp>
+        <p:nvSpPr>
+          <p:cNvPr id="5" name="ZoneTexte 4"/>
+          <p:cNvSpPr txBox="1"/>
+          <p:nvPr/>
+        </p:nvSpPr>
+        <p:spPr>
+          <a:xfrm>
+            <a:off x="3565404" y="349649"/>
+            <a:ext cx="5061192" cy="461665"/>
+          </a:xfrm>
+          <a:prstGeom prst="rect">
+            <a:avLst/>
+          </a:prstGeom>
+          <a:noFill/>
+          <a:ln>
+            <a:noFill/>
+          </a:ln>
+        </p:spPr>
+        <p:txBody>
+          <a:bodyPr wrap="square" rtlCol="0" anchor="ctr">
+            <a:spAutoFit/>
+          </a:bodyPr>
+          <a:lstStyle/>
+          <a:p>
+            <a:pPr algn="ctr">
+              <a:spcBef>
+                <a:spcPts val="1800"/>
+              </a:spcBef>
+              <a:spcAft>
+                <a:spcPts val="1800"/>
+              </a:spcAft>
+            </a:pPr>
+            <a:r>
+              <a:rPr lang="en-GB" sz="2400" b="1" dirty="0">
                 <a:solidFill>
-                  <a:srgbClr val="FF0000"/>
+                  <a:srgbClr val="0070C0"/>
                 </a:solidFill>
               </a:rPr>
-              <a:t>degré de certitude </a:t>
-            </a:r>
-            <a:r>
-              <a:rPr lang="fr-FR" sz="2000" dirty="0"/>
-              <a:t>quant à votre prédiction (à quel point vous êtes confiant en votre prédiction) avant de vous dire si vous avez eu raison. </a:t>
-            </a:r>
-          </a:p>
-          <a:p>
-            <a:pPr marL="0" indent="0" algn="just">
-              <a:buNone/>
-            </a:pPr>
-            <a:endParaRPr lang="fr-FR" sz="2000" dirty="0"/>
-          </a:p>
-          <a:p>
-            <a:pPr marL="0" indent="0" algn="just">
-              <a:buNone/>
-            </a:pPr>
-            <a:r>
-              <a:rPr lang="fr-FR" sz="2000" dirty="0"/>
-              <a:t>Pour répondre, vous déplacerez le pointeur de la barre de défilement avec la souris (voir figure prochaine). </a:t>
-            </a:r>
-          </a:p>
-          <a:p>
-            <a:pPr marL="0" indent="0" algn="just">
-              <a:buNone/>
-            </a:pPr>
-            <a:endParaRPr lang="fr-FR" sz="2000" dirty="0"/>
-          </a:p>
-          <a:p>
-            <a:pPr marL="0" indent="0" algn="just">
-              <a:buNone/>
-            </a:pPr>
-            <a:endParaRPr lang="fr-FR" sz="2000" dirty="0"/>
-          </a:p>
-          <a:p>
-            <a:pPr marL="0" indent="0" algn="just">
-              <a:buNone/>
-            </a:pPr>
-            <a:endParaRPr lang="fr-FR" sz="2000" dirty="0"/>
-          </a:p>
-          <a:p>
-            <a:pPr marL="0" indent="0" algn="just">
-              <a:buNone/>
-            </a:pPr>
-            <a:endParaRPr lang="fr-FR" sz="2000" dirty="0"/>
-          </a:p>
-          <a:p>
-            <a:pPr marL="0" indent="0" algn="just">
-              <a:buNone/>
-            </a:pPr>
-            <a:endParaRPr lang="fr-FR" sz="2000" dirty="0"/>
-          </a:p>
-          <a:p>
-            <a:pPr marL="0" indent="0" algn="just">
-              <a:buNone/>
-            </a:pPr>
-            <a:endParaRPr lang="fr-FR" sz="2000" dirty="0"/>
-          </a:p>
-          <a:p>
-            <a:pPr marL="0" indent="0" algn="just">
-              <a:buNone/>
-            </a:pPr>
-            <a:endParaRPr lang="fr-FR" sz="2000" dirty="0"/>
-          </a:p>
-          <a:p>
-            <a:pPr marL="0" indent="0" algn="just">
-              <a:buNone/>
-            </a:pPr>
-            <a:endParaRPr lang="fr-FR" sz="2000" dirty="0"/>
-          </a:p>
-          <a:p>
-            <a:pPr marL="0" indent="0" algn="just">
-              <a:buNone/>
-            </a:pPr>
-            <a:r>
-              <a:rPr lang="fr-FR" sz="2000" dirty="0"/>
-              <a:t>Si vous ne déplacez pas la barre avant d'appuyer sur le bouton OK, vous ne pourrez pas passer au essai suivant.</a:t>
-            </a:r>
-          </a:p>
-        </p:txBody>
-      </p:sp>
-      <p:sp>
-        <p:nvSpPr>
-          <p:cNvPr id="5" name="Rectángulo 4">
+              <a:t>FIN DU TEST DE COGNITION SOCIALE</a:t>
+            </a:r>
+          </a:p>
+        </p:txBody>
+      </p:sp>
+      <p:sp>
+        <p:nvSpPr>
+          <p:cNvPr id="6" name="Rectangle 3">
             <a:extLst>
               <a:ext uri="{FF2B5EF4-FFF2-40B4-BE49-F238E27FC236}">
-                <a16:creationId xmlns:a16="http://schemas.microsoft.com/office/drawing/2014/main" id="{7341A93F-6626-504F-B534-D779E9399A22}"/>
+                <a16:creationId xmlns:a16="http://schemas.microsoft.com/office/drawing/2014/main" id="{B84B9E4F-DE8B-D249-8DA5-DA610F2CACBA}"/>
               </a:ext>
             </a:extLst>
           </p:cNvPr>
@@ -5116,8 +4621,8 @@
         </p:nvSpPr>
         <p:spPr>
           <a:xfrm>
-            <a:off x="610574" y="259845"/>
-            <a:ext cx="4812536" cy="496996"/>
+            <a:off x="3856192" y="6233684"/>
+            <a:ext cx="4521559" cy="400110"/>
           </a:xfrm>
           <a:prstGeom prst="rect">
             <a:avLst/>
@@ -5129,26 +4634,977 @@
           </a:bodyPr>
           <a:lstStyle/>
           <a:p>
-            <a:pPr algn="just">
+            <a:r>
+              <a:rPr lang="fr-FR" sz="2000" i="1" dirty="0">
+                <a:solidFill>
+                  <a:schemeClr val="tx1">
+                    <a:lumMod val="50000"/>
+                    <a:lumOff val="50000"/>
+                  </a:schemeClr>
+                </a:solidFill>
+              </a:rPr>
+              <a:t>Appuyez sur la flèche droite [</a:t>
+            </a:r>
+            <a:r>
+              <a:rPr lang="fr-FR" sz="2000" i="1" dirty="0">
+                <a:solidFill>
+                  <a:schemeClr val="tx1">
+                    <a:lumMod val="50000"/>
+                    <a:lumOff val="50000"/>
+                  </a:schemeClr>
+                </a:solidFill>
+                <a:sym typeface="Wingdings" pitchFamily="2" charset="2"/>
+              </a:rPr>
+              <a:t></a:t>
+            </a:r>
+            <a:r>
+              <a:rPr lang="fr-FR" sz="2000" i="1" dirty="0">
+                <a:solidFill>
+                  <a:schemeClr val="tx1">
+                    <a:lumMod val="50000"/>
+                    <a:lumOff val="50000"/>
+                  </a:schemeClr>
+                </a:solidFill>
+              </a:rPr>
+              <a:t>] pour finir</a:t>
+            </a:r>
+          </a:p>
+        </p:txBody>
+      </p:sp>
+    </p:spTree>
+    <p:extLst>
+      <p:ext uri="{BB962C8B-B14F-4D97-AF65-F5344CB8AC3E}">
+        <p14:creationId xmlns:p14="http://schemas.microsoft.com/office/powerpoint/2010/main" val="1166089334"/>
+      </p:ext>
+    </p:extLst>
+  </p:cSld>
+  <p:clrMapOvr>
+    <a:masterClrMapping/>
+  </p:clrMapOvr>
+</p:sld>
+</file>
+
+<file path=ppt/slides/slide18.xml><?xml version="1.0" encoding="utf-8"?>
+<p:sld xmlns:a="http://schemas.openxmlformats.org/drawingml/2006/main" xmlns:r="http://schemas.openxmlformats.org/officeDocument/2006/relationships" xmlns:p="http://schemas.openxmlformats.org/presentationml/2006/main">
+  <p:cSld>
+    <p:spTree>
+      <p:nvGrpSpPr>
+        <p:cNvPr id="1" name=""/>
+        <p:cNvGrpSpPr/>
+        <p:nvPr/>
+      </p:nvGrpSpPr>
+      <p:grpSpPr>
+        <a:xfrm>
+          <a:off x="0" y="0"/>
+          <a:ext cx="0" cy="0"/>
+          <a:chOff x="0" y="0"/>
+          <a:chExt cx="0" cy="0"/>
+        </a:xfrm>
+      </p:grpSpPr>
+      <p:sp>
+        <p:nvSpPr>
+          <p:cNvPr id="6" name="ZoneTexte 5"/>
+          <p:cNvSpPr txBox="1"/>
+          <p:nvPr/>
+        </p:nvSpPr>
+        <p:spPr>
+          <a:xfrm>
+            <a:off x="1874204" y="2274838"/>
+            <a:ext cx="8443609" cy="1569660"/>
+          </a:xfrm>
+          <a:prstGeom prst="rect">
+            <a:avLst/>
+          </a:prstGeom>
+          <a:noFill/>
+        </p:spPr>
+        <p:txBody>
+          <a:bodyPr wrap="square" rtlCol="0">
+            <a:spAutoFit/>
+          </a:bodyPr>
+          <a:lstStyle/>
+          <a:p>
+            <a:pPr algn="ctr"/>
+            <a:r>
+              <a:rPr lang="fr-FR" sz="2400" b="1" dirty="0">
+                <a:solidFill>
+                  <a:srgbClr val="0070C0"/>
+                </a:solidFill>
+              </a:rPr>
+              <a:t>TEST D’APPRENTISSAGE:</a:t>
+            </a:r>
+          </a:p>
+          <a:p>
+            <a:pPr algn="ctr"/>
+            <a:r>
+              <a:rPr lang="fr-FR" sz="2400" b="1" dirty="0">
+                <a:solidFill>
+                  <a:srgbClr val="0070C0"/>
+                </a:solidFill>
+              </a:rPr>
+              <a:t>INSTRUCTIONS</a:t>
+            </a:r>
+            <a:endParaRPr lang="en-GB" sz="2400" b="1" dirty="0">
+              <a:solidFill>
+                <a:srgbClr val="0070C0"/>
+              </a:solidFill>
+            </a:endParaRPr>
+          </a:p>
+          <a:p>
+            <a:pPr algn="ctr"/>
+            <a:endParaRPr lang="en-GB" sz="2400" dirty="0"/>
+          </a:p>
+          <a:p>
+            <a:pPr algn="ctr"/>
+            <a:endParaRPr lang="en-GB" sz="2400" dirty="0"/>
+          </a:p>
+        </p:txBody>
+      </p:sp>
+      <p:sp>
+        <p:nvSpPr>
+          <p:cNvPr id="3" name="Rectangle 2"/>
+          <p:cNvSpPr/>
+          <p:nvPr/>
+        </p:nvSpPr>
+        <p:spPr>
+          <a:xfrm>
+            <a:off x="1041966" y="4317964"/>
+            <a:ext cx="10108088" cy="1754326"/>
+          </a:xfrm>
+          <a:prstGeom prst="rect">
+            <a:avLst/>
+          </a:prstGeom>
+        </p:spPr>
+        <p:txBody>
+          <a:bodyPr wrap="none">
+            <a:spAutoFit/>
+          </a:bodyPr>
+          <a:lstStyle/>
+          <a:p>
+            <a:pPr algn="ctr">
               <a:lnSpc>
                 <a:spcPct val="150000"/>
               </a:lnSpc>
-              <a:spcBef>
-                <a:spcPts val="200"/>
-              </a:spcBef>
-              <a:spcAft>
-                <a:spcPts val="0"/>
-              </a:spcAft>
-            </a:pPr>
-            <a:r>
-              <a:rPr lang="fr-FR" sz="2000" b="1" dirty="0">
+            </a:pPr>
+            <a:r>
+              <a:rPr lang="fr-FR" sz="2400" dirty="0"/>
+              <a:t>Veuillez lire attentivement les instructions qui vont suivre.</a:t>
+            </a:r>
+          </a:p>
+          <a:p>
+            <a:pPr algn="ctr">
+              <a:lnSpc>
+                <a:spcPct val="150000"/>
+              </a:lnSpc>
+            </a:pPr>
+            <a:r>
+              <a:rPr lang="fr-FR" sz="2400" dirty="0"/>
+              <a:t>Appuyez sur « la flèche de droite » pour continuer et lire la suite.</a:t>
+            </a:r>
+          </a:p>
+          <a:p>
+            <a:pPr algn="ctr">
+              <a:lnSpc>
+                <a:spcPct val="150000"/>
+              </a:lnSpc>
+            </a:pPr>
+            <a:r>
+              <a:rPr lang="fr-FR" sz="2400" dirty="0"/>
+              <a:t>Appuyez sur « la flèche de gauche » pour revenir et lire l’instruction précédente.</a:t>
+            </a:r>
+          </a:p>
+        </p:txBody>
+      </p:sp>
+    </p:spTree>
+    <p:extLst>
+      <p:ext uri="{BB962C8B-B14F-4D97-AF65-F5344CB8AC3E}">
+        <p14:creationId xmlns:p14="http://schemas.microsoft.com/office/powerpoint/2010/main" val="515980910"/>
+      </p:ext>
+    </p:extLst>
+  </p:cSld>
+  <p:clrMapOvr>
+    <a:masterClrMapping/>
+  </p:clrMapOvr>
+</p:sld>
+</file>
+
+<file path=ppt/slides/slide19.xml><?xml version="1.0" encoding="utf-8"?>
+<p:sld xmlns:a="http://schemas.openxmlformats.org/drawingml/2006/main" xmlns:r="http://schemas.openxmlformats.org/officeDocument/2006/relationships" xmlns:p="http://schemas.openxmlformats.org/presentationml/2006/main">
+  <p:cSld>
+    <p:spTree>
+      <p:nvGrpSpPr>
+        <p:cNvPr id="1" name=""/>
+        <p:cNvGrpSpPr/>
+        <p:nvPr/>
+      </p:nvGrpSpPr>
+      <p:grpSpPr>
+        <a:xfrm>
+          <a:off x="0" y="0"/>
+          <a:ext cx="0" cy="0"/>
+          <a:chOff x="0" y="0"/>
+          <a:chExt cx="0" cy="0"/>
+        </a:xfrm>
+      </p:grpSpPr>
+      <p:sp>
+        <p:nvSpPr>
+          <p:cNvPr id="3" name="Espace réservé du contenu 2"/>
+          <p:cNvSpPr>
+            <a:spLocks noGrp="1"/>
+          </p:cNvSpPr>
+          <p:nvPr>
+            <p:ph idx="1"/>
+          </p:nvPr>
+        </p:nvSpPr>
+        <p:spPr>
+          <a:xfrm>
+            <a:off x="838200" y="640716"/>
+            <a:ext cx="10515600" cy="5459835"/>
+          </a:xfrm>
+        </p:spPr>
+        <p:txBody>
+          <a:bodyPr>
+            <a:noAutofit/>
+          </a:bodyPr>
+          <a:lstStyle/>
+          <a:p>
+            <a:pPr marL="0" indent="0" algn="ctr">
+              <a:buNone/>
+            </a:pPr>
+            <a:r>
+              <a:rPr lang="fr-FR" sz="2400" dirty="0"/>
+              <a:t>Ce test dure environ 10 minutes. </a:t>
+            </a:r>
+          </a:p>
+          <a:p>
+            <a:pPr marL="0" indent="0" algn="ctr">
+              <a:buNone/>
+            </a:pPr>
+            <a:endParaRPr lang="fr-FR" sz="2400" dirty="0"/>
+          </a:p>
+          <a:p>
+            <a:pPr marL="0" indent="0" algn="ctr">
+              <a:buNone/>
+            </a:pPr>
+            <a:r>
+              <a:rPr lang="fr-FR" sz="2400" dirty="0"/>
+              <a:t>Nous allons vous demander de comparer des écosystèmes virtuels, composés de plantes dont la croissance naturelle est variable. En particulier, les écosystèmes diffèrent par:</a:t>
+            </a:r>
+          </a:p>
+          <a:p>
+            <a:pPr algn="ctr"/>
+            <a:r>
+              <a:rPr lang="fr-FR" sz="2400" dirty="0"/>
+              <a:t>La fertilité des plantes (certaines peuvent être incapables de se reproduire) </a:t>
+            </a:r>
+          </a:p>
+          <a:p>
+            <a:pPr algn="ctr"/>
+            <a:r>
+              <a:rPr lang="fr-FR" sz="2400" dirty="0"/>
+              <a:t>Le taux de plantes en contact avec des prédateurs (p. ex. : des herbivores comme des insectes). </a:t>
+            </a:r>
+          </a:p>
+          <a:p>
+            <a:pPr marL="0" indent="0" algn="ctr">
+              <a:buNone/>
+            </a:pPr>
+            <a:r>
+              <a:rPr lang="fr-FR" sz="2400" dirty="0"/>
+              <a:t>Vous devrez essayer de deviner lequel des deux écosystèmes aura donné le plus de plantes au bout d'un an. </a:t>
+            </a:r>
+          </a:p>
+          <a:p>
+            <a:pPr marL="0" indent="0" algn="ctr">
+              <a:buNone/>
+            </a:pPr>
+            <a:r>
+              <a:rPr lang="fr-FR" sz="2400" dirty="0"/>
+              <a:t> </a:t>
+            </a:r>
+          </a:p>
+          <a:p>
+            <a:pPr marL="0" indent="0" algn="ctr">
+              <a:buNone/>
+            </a:pPr>
+            <a:r>
+              <a:rPr lang="fr-FR" sz="2400" dirty="0"/>
+              <a:t>Ici, nous évaluons votre capacité à apprendre et comprendre, en présence d'incertitude, une règle cachée qui permet d'établir une prévision fiable.</a:t>
+            </a:r>
+          </a:p>
+        </p:txBody>
+      </p:sp>
+    </p:spTree>
+    <p:extLst>
+      <p:ext uri="{BB962C8B-B14F-4D97-AF65-F5344CB8AC3E}">
+        <p14:creationId xmlns:p14="http://schemas.microsoft.com/office/powerpoint/2010/main" val="3152234627"/>
+      </p:ext>
+    </p:extLst>
+  </p:cSld>
+  <p:clrMapOvr>
+    <a:masterClrMapping/>
+  </p:clrMapOvr>
+</p:sld>
+</file>
+
+<file path=ppt/slides/slide2.xml><?xml version="1.0" encoding="utf-8"?>
+<p:sld xmlns:a="http://schemas.openxmlformats.org/drawingml/2006/main" xmlns:r="http://schemas.openxmlformats.org/officeDocument/2006/relationships" xmlns:p="http://schemas.openxmlformats.org/presentationml/2006/main">
+  <p:cSld>
+    <p:spTree>
+      <p:nvGrpSpPr>
+        <p:cNvPr id="1" name=""/>
+        <p:cNvGrpSpPr/>
+        <p:nvPr/>
+      </p:nvGrpSpPr>
+      <p:grpSpPr>
+        <a:xfrm>
+          <a:off x="0" y="0"/>
+          <a:ext cx="0" cy="0"/>
+          <a:chOff x="0" y="0"/>
+          <a:chExt cx="0" cy="0"/>
+        </a:xfrm>
+      </p:grpSpPr>
+      <p:sp>
+        <p:nvSpPr>
+          <p:cNvPr id="3" name="Espace réservé du contenu 2"/>
+          <p:cNvSpPr>
+            <a:spLocks noGrp="1"/>
+          </p:cNvSpPr>
+          <p:nvPr>
+            <p:ph idx="1"/>
+          </p:nvPr>
+        </p:nvSpPr>
+        <p:spPr>
+          <a:xfrm>
+            <a:off x="838200" y="345014"/>
+            <a:ext cx="10515600" cy="5992096"/>
+          </a:xfrm>
+        </p:spPr>
+        <p:txBody>
+          <a:bodyPr>
+            <a:noAutofit/>
+          </a:bodyPr>
+          <a:lstStyle/>
+          <a:p>
+            <a:pPr marL="0" indent="0" algn="ctr">
+              <a:buNone/>
+            </a:pPr>
+            <a:r>
+              <a:rPr lang="fr-FR" sz="2400" dirty="0"/>
+              <a:t>Ce test dure environ 30 minutes. </a:t>
+            </a:r>
+          </a:p>
+          <a:p>
+            <a:pPr marL="0" indent="0" algn="ctr">
+              <a:buNone/>
+            </a:pPr>
+            <a:r>
+              <a:rPr lang="fr-FR" sz="2400" dirty="0"/>
+              <a:t>Il implique deux phases alternant entre elles :</a:t>
+            </a:r>
+          </a:p>
+          <a:p>
+            <a:pPr algn="ctr"/>
+            <a:r>
+              <a:rPr lang="fr-FR" sz="2400" dirty="0"/>
+              <a:t>Durant la « </a:t>
+            </a:r>
+            <a:r>
+              <a:rPr lang="fr-FR" sz="2400" b="1" dirty="0"/>
+              <a:t>phase de décision</a:t>
+            </a:r>
+            <a:r>
+              <a:rPr lang="fr-FR" sz="2400" dirty="0">
                 <a:solidFill>
-                  <a:srgbClr val="2E74B5"/>
+                  <a:srgbClr val="FF0000"/>
                 </a:solidFill>
-                <a:latin typeface="Arial" panose="020B0604020202020204" pitchFamily="34" charset="0"/>
-                <a:cs typeface="Times New Roman" panose="02020603050405020304" pitchFamily="18" charset="0"/>
               </a:rPr>
-              <a:t>Degré de certitude en votre prédiction</a:t>
+              <a:t> </a:t>
+            </a:r>
+            <a:r>
+              <a:rPr lang="fr-FR" sz="2400" dirty="0"/>
+              <a:t>», nous évaluerons votre prudence, c´est-à-dire votre tendance à prendre des risques.</a:t>
+            </a:r>
+          </a:p>
+          <a:p>
+            <a:pPr algn="ctr"/>
+            <a:r>
+              <a:rPr lang="fr-FR" sz="2400" dirty="0"/>
+              <a:t>Durant la « </a:t>
+            </a:r>
+            <a:r>
+              <a:rPr lang="fr-FR" sz="2400" b="1" dirty="0"/>
+              <a:t>phase de prédiction</a:t>
+            </a:r>
+            <a:r>
+              <a:rPr lang="fr-FR" sz="2400" dirty="0">
+                <a:solidFill>
+                  <a:srgbClr val="FF0000"/>
+                </a:solidFill>
+              </a:rPr>
+              <a:t> </a:t>
+            </a:r>
+            <a:r>
+              <a:rPr lang="fr-FR" sz="2400" dirty="0"/>
+              <a:t>», vous devrez prédire les choix plus ou moins prudents d’autres participants. </a:t>
+            </a:r>
+          </a:p>
+          <a:p>
+            <a:pPr marL="0" indent="0" algn="ctr">
+              <a:buNone/>
+            </a:pPr>
+            <a:endParaRPr lang="fr-FR" sz="2400" dirty="0"/>
+          </a:p>
+          <a:p>
+            <a:pPr marL="0" indent="0" algn="ctr">
+              <a:buNone/>
+            </a:pPr>
+            <a:r>
+              <a:rPr lang="fr-FR" sz="2400" dirty="0"/>
+              <a:t>Chaque phase (décision ou prédiction) comporte 18 essais.</a:t>
+            </a:r>
+          </a:p>
+          <a:p>
+            <a:pPr marL="0" indent="0" algn="ctr">
+              <a:buNone/>
+            </a:pPr>
+            <a:endParaRPr lang="fr-FR" sz="2400" dirty="0"/>
+          </a:p>
+          <a:p>
+            <a:pPr marL="0" indent="0" algn="ctr">
+              <a:buNone/>
+            </a:pPr>
+            <a:r>
+              <a:rPr lang="fr-FR" sz="2400" dirty="0"/>
+              <a:t>Note: vous recevrez une indemnisation financière de 2€</a:t>
+            </a:r>
+            <a:r>
+              <a:rPr lang="fr-FR" sz="2400" dirty="0">
+                <a:solidFill>
+                  <a:srgbClr val="FF0000"/>
+                </a:solidFill>
+              </a:rPr>
+              <a:t> </a:t>
+            </a:r>
+            <a:r>
+              <a:rPr lang="fr-FR" sz="2400" dirty="0"/>
+              <a:t>pour avoir effectué ce test, quelle que soit votre performance. De plus, nous sélectionnerons 1 essai</a:t>
+            </a:r>
+            <a:r>
+              <a:rPr lang="fr-FR" sz="2400" b="1" dirty="0"/>
+              <a:t> </a:t>
+            </a:r>
+            <a:r>
+              <a:rPr lang="fr-FR" sz="2400" dirty="0"/>
+              <a:t>d’une phase de prédiction au hasard, et vous recevrez 2 euros si votre réponse est correcte.</a:t>
+            </a:r>
+          </a:p>
+        </p:txBody>
+      </p:sp>
+    </p:spTree>
+    <p:extLst>
+      <p:ext uri="{BB962C8B-B14F-4D97-AF65-F5344CB8AC3E}">
+        <p14:creationId xmlns:p14="http://schemas.microsoft.com/office/powerpoint/2010/main" val="4012922657"/>
+      </p:ext>
+    </p:extLst>
+  </p:cSld>
+  <p:clrMapOvr>
+    <a:masterClrMapping/>
+  </p:clrMapOvr>
+</p:sld>
+</file>
+
+<file path=ppt/slides/slide20.xml><?xml version="1.0" encoding="utf-8"?>
+<p:sld xmlns:a="http://schemas.openxmlformats.org/drawingml/2006/main" xmlns:r="http://schemas.openxmlformats.org/officeDocument/2006/relationships" xmlns:p="http://schemas.openxmlformats.org/presentationml/2006/main">
+  <p:cSld>
+    <p:spTree>
+      <p:nvGrpSpPr>
+        <p:cNvPr id="1" name=""/>
+        <p:cNvGrpSpPr/>
+        <p:nvPr/>
+      </p:nvGrpSpPr>
+      <p:grpSpPr>
+        <a:xfrm>
+          <a:off x="0" y="0"/>
+          <a:ext cx="0" cy="0"/>
+          <a:chOff x="0" y="0"/>
+          <a:chExt cx="0" cy="0"/>
+        </a:xfrm>
+      </p:grpSpPr>
+      <p:sp>
+        <p:nvSpPr>
+          <p:cNvPr id="3" name="Espace réservé du contenu 2"/>
+          <p:cNvSpPr>
+            <a:spLocks noGrp="1"/>
+          </p:cNvSpPr>
+          <p:nvPr>
+            <p:ph idx="1"/>
+          </p:nvPr>
+        </p:nvSpPr>
+        <p:spPr>
+          <a:xfrm>
+            <a:off x="648245" y="857375"/>
+            <a:ext cx="10705555" cy="5653572"/>
+          </a:xfrm>
+        </p:spPr>
+        <p:txBody>
+          <a:bodyPr>
+            <a:noAutofit/>
+          </a:bodyPr>
+          <a:lstStyle/>
+          <a:p>
+            <a:pPr marL="0" indent="0" algn="just">
+              <a:buNone/>
+            </a:pPr>
+            <a:r>
+              <a:rPr lang="fr-FR" sz="2400" dirty="0"/>
+              <a:t>Cette tache se compose de 34 essais. A chaque essai, nous vous présentons deux écosystèmes, dont chacun commence l'année avec 80 plantes. Vous devrez deviner lequel de ces deux écosystèmes contiendra le plus de plantes au bout d'un an, en prenant compte des aspects suivants:</a:t>
+            </a:r>
+          </a:p>
+          <a:p>
+            <a:r>
+              <a:rPr lang="fr-FR" sz="2400" dirty="0"/>
+              <a:t> Succès de la reproduction: plus les plantes réussissent à se reproduire, plus la quantité de plantes sera importante à la fin de l'année. Bien que le taux de reproduction des plantes soit inconnu a priori, vous saurez combien de ces plantes sont fertiles. </a:t>
+            </a:r>
+            <a:endParaRPr lang="es-FR" sz="2400" dirty="0"/>
+          </a:p>
+          <a:p>
+            <a:r>
+              <a:rPr lang="fr-FR" sz="2400" dirty="0"/>
+              <a:t> Fréquence du contact avec des prédateurs: plus les plantes sont en contact avec des prédateurs, moins la quantité de plantes sera importante à la fin de l'année. Bien que l'agressivité des prédateurs soit inconnu a priori, vous connaitrez la proportion P de plantes qui sont effectivement en contact avec le prédateur. Celle-ci sera représentée par la portion rouge d´un diagramme en camembert (voir la figure plus bas). Réciproquement, la portion verte du camembert représentera la proportion de plantes qui ne sont pas en contact avec les prédateurs.</a:t>
+            </a:r>
+          </a:p>
+          <a:p>
+            <a:pPr marL="0" indent="0" algn="just">
+              <a:buNone/>
+            </a:pPr>
+            <a:r>
+              <a:rPr lang="fr-FR" sz="2400" dirty="0"/>
+              <a:t>                            </a:t>
+            </a:r>
+          </a:p>
+          <a:p>
+            <a:pPr marL="0" indent="0" algn="just">
+              <a:buNone/>
+            </a:pPr>
+            <a:endParaRPr lang="fr-FR" sz="2400" dirty="0"/>
+          </a:p>
+        </p:txBody>
+      </p:sp>
+      <p:sp>
+        <p:nvSpPr>
+          <p:cNvPr id="8" name="ZoneTexte 7"/>
+          <p:cNvSpPr txBox="1"/>
+          <p:nvPr/>
+        </p:nvSpPr>
+        <p:spPr>
+          <a:xfrm>
+            <a:off x="1874204" y="101416"/>
+            <a:ext cx="8443609" cy="830997"/>
+          </a:xfrm>
+          <a:prstGeom prst="rect">
+            <a:avLst/>
+          </a:prstGeom>
+          <a:noFill/>
+        </p:spPr>
+        <p:txBody>
+          <a:bodyPr wrap="square" rtlCol="0">
+            <a:spAutoFit/>
+          </a:bodyPr>
+          <a:lstStyle/>
+          <a:p>
+            <a:pPr algn="ctr"/>
+            <a:r>
+              <a:rPr lang="fr-FR" sz="2400" b="1" dirty="0">
+                <a:solidFill>
+                  <a:srgbClr val="0070C0"/>
+                </a:solidFill>
+              </a:rPr>
+              <a:t>TEST D’APPRENTISSAGE: PRINCIPE</a:t>
+            </a:r>
+            <a:endParaRPr lang="en-GB" sz="2400" dirty="0"/>
+          </a:p>
+          <a:p>
+            <a:pPr algn="ctr"/>
+            <a:endParaRPr lang="en-GB" sz="2400" dirty="0"/>
+          </a:p>
+        </p:txBody>
+      </p:sp>
+    </p:spTree>
+    <p:extLst>
+      <p:ext uri="{BB962C8B-B14F-4D97-AF65-F5344CB8AC3E}">
+        <p14:creationId xmlns:p14="http://schemas.microsoft.com/office/powerpoint/2010/main" val="2948591915"/>
+      </p:ext>
+    </p:extLst>
+  </p:cSld>
+  <p:clrMapOvr>
+    <a:masterClrMapping/>
+  </p:clrMapOvr>
+</p:sld>
+</file>
+
+<file path=ppt/slides/slide21.xml><?xml version="1.0" encoding="utf-8"?>
+<p:sld xmlns:a="http://schemas.openxmlformats.org/drawingml/2006/main" xmlns:r="http://schemas.openxmlformats.org/officeDocument/2006/relationships" xmlns:p="http://schemas.openxmlformats.org/presentationml/2006/main">
+  <p:cSld>
+    <p:spTree>
+      <p:nvGrpSpPr>
+        <p:cNvPr id="1" name=""/>
+        <p:cNvGrpSpPr/>
+        <p:nvPr/>
+      </p:nvGrpSpPr>
+      <p:grpSpPr>
+        <a:xfrm>
+          <a:off x="0" y="0"/>
+          <a:ext cx="0" cy="0"/>
+          <a:chOff x="0" y="0"/>
+          <a:chExt cx="0" cy="0"/>
+        </a:xfrm>
+      </p:grpSpPr>
+      <p:grpSp>
+        <p:nvGrpSpPr>
+          <p:cNvPr id="9" name="Groupe 8"/>
+          <p:cNvGrpSpPr/>
+          <p:nvPr/>
+        </p:nvGrpSpPr>
+        <p:grpSpPr>
+          <a:xfrm>
+            <a:off x="1928553" y="2881858"/>
+            <a:ext cx="8258058" cy="2644461"/>
+            <a:chOff x="1928553" y="2363238"/>
+            <a:chExt cx="8258058" cy="2644461"/>
+          </a:xfrm>
+        </p:grpSpPr>
+        <p:sp>
+          <p:nvSpPr>
+            <p:cNvPr id="2" name="CuadroTexto 1">
+              <a:extLst>
+                <a:ext uri="{FF2B5EF4-FFF2-40B4-BE49-F238E27FC236}">
+                  <a16:creationId xmlns:a16="http://schemas.microsoft.com/office/drawing/2014/main" id="{84F0600F-7E63-A04A-B978-D862BB883491}"/>
+                </a:ext>
+              </a:extLst>
+            </p:cNvPr>
+            <p:cNvSpPr txBox="1"/>
+            <p:nvPr/>
+          </p:nvSpPr>
+          <p:spPr>
+            <a:xfrm>
+              <a:off x="2192410" y="2363238"/>
+              <a:ext cx="7994201" cy="1938992"/>
+            </a:xfrm>
+            <a:prstGeom prst="rect">
+              <a:avLst/>
+            </a:prstGeom>
+            <a:noFill/>
+          </p:spPr>
+          <p:txBody>
+            <a:bodyPr wrap="square" rtlCol="0">
+              <a:spAutoFit/>
+            </a:bodyPr>
+            <a:lstStyle/>
+            <a:p>
+              <a:pPr algn="just"/>
+              <a:endParaRPr lang="fr-FR" sz="2400" dirty="0"/>
+            </a:p>
+            <a:p>
+              <a:pPr algn="just"/>
+              <a:endParaRPr lang="fr-FR" sz="2400" dirty="0"/>
+            </a:p>
+            <a:p>
+              <a:pPr algn="just"/>
+              <a:r>
+                <a:rPr lang="fr-FR" sz="2400" dirty="0"/>
+                <a:t>60 plantes sont fertiles            Toutes les plantes sont fertiles</a:t>
+              </a:r>
+            </a:p>
+            <a:p>
+              <a:pPr algn="just"/>
+              <a:endParaRPr lang="fr-FR" sz="2400" dirty="0"/>
+            </a:p>
+            <a:p>
+              <a:r>
+                <a:rPr lang="en-GB" sz="2400" dirty="0"/>
+                <a:t>                                              vs.</a:t>
+              </a:r>
+            </a:p>
+          </p:txBody>
+        </p:sp>
+        <p:pic>
+          <p:nvPicPr>
+            <p:cNvPr id="7" name="Imagen 6" descr="Imagen que contiene fruta, competencia de atletismo, cd&#10;&#10;Descripción generada automáticamente">
+              <a:extLst>
+                <a:ext uri="{FF2B5EF4-FFF2-40B4-BE49-F238E27FC236}">
+                  <a16:creationId xmlns:a16="http://schemas.microsoft.com/office/drawing/2014/main" id="{CE7E1695-9971-E044-97C4-78170A2BFA48}"/>
+                </a:ext>
+              </a:extLst>
+            </p:cNvPr>
+            <p:cNvPicPr>
+              <a:picLocks noChangeAspect="1"/>
+            </p:cNvPicPr>
+            <p:nvPr/>
+          </p:nvPicPr>
+          <p:blipFill rotWithShape="1">
+            <a:blip r:embed="rId2">
+              <a:extLst>
+                <a:ext uri="{28A0092B-C50C-407E-A947-70E740481C1C}">
+                  <a14:useLocalDpi xmlns:a14="http://schemas.microsoft.com/office/drawing/2010/main" val="0"/>
+                </a:ext>
+              </a:extLst>
+            </a:blip>
+            <a:srcRect l="16420" t="18963" r="14673" b="15062"/>
+            <a:stretch/>
+          </p:blipFill>
+          <p:spPr>
+            <a:xfrm>
+              <a:off x="7072321" y="3468185"/>
+              <a:ext cx="1591734" cy="1524000"/>
+            </a:xfrm>
+            <a:prstGeom prst="rect">
+              <a:avLst/>
+            </a:prstGeom>
+          </p:spPr>
+        </p:pic>
+        <p:sp>
+          <p:nvSpPr>
+            <p:cNvPr id="10" name="Rectángulo 9">
+              <a:extLst>
+                <a:ext uri="{FF2B5EF4-FFF2-40B4-BE49-F238E27FC236}">
+                  <a16:creationId xmlns:a16="http://schemas.microsoft.com/office/drawing/2014/main" id="{DF90F87B-C33D-E549-9349-87E099859D8A}"/>
+                </a:ext>
+              </a:extLst>
+            </p:cNvPr>
+            <p:cNvSpPr/>
+            <p:nvPr/>
+          </p:nvSpPr>
+          <p:spPr>
+            <a:xfrm>
+              <a:off x="1928553" y="3043683"/>
+              <a:ext cx="8125588" cy="1964016"/>
+            </a:xfrm>
+            <a:prstGeom prst="rect">
+              <a:avLst/>
+            </a:prstGeom>
+            <a:noFill/>
+          </p:spPr>
+          <p:style>
+            <a:lnRef idx="2">
+              <a:schemeClr val="dk1"/>
+            </a:lnRef>
+            <a:fillRef idx="1">
+              <a:schemeClr val="lt1"/>
+            </a:fillRef>
+            <a:effectRef idx="0">
+              <a:schemeClr val="dk1"/>
+            </a:effectRef>
+            <a:fontRef idx="minor">
+              <a:schemeClr val="dk1"/>
+            </a:fontRef>
+          </p:style>
+          <p:txBody>
+            <a:bodyPr rtlCol="0" anchor="ctr"/>
+            <a:lstStyle/>
+            <a:p>
+              <a:pPr algn="ctr"/>
+              <a:endParaRPr lang="en-GB"/>
+            </a:p>
+          </p:txBody>
+        </p:sp>
+      </p:grpSp>
+      <p:sp>
+        <p:nvSpPr>
+          <p:cNvPr id="8" name="ZoneTexte 7"/>
+          <p:cNvSpPr txBox="1"/>
+          <p:nvPr/>
+        </p:nvSpPr>
+        <p:spPr>
+          <a:xfrm>
+            <a:off x="1874204" y="55924"/>
+            <a:ext cx="8443609" cy="830997"/>
+          </a:xfrm>
+          <a:prstGeom prst="rect">
+            <a:avLst/>
+          </a:prstGeom>
+          <a:noFill/>
+        </p:spPr>
+        <p:txBody>
+          <a:bodyPr wrap="square" rtlCol="0">
+            <a:spAutoFit/>
+          </a:bodyPr>
+          <a:lstStyle/>
+          <a:p>
+            <a:pPr algn="ctr"/>
+            <a:r>
+              <a:rPr lang="fr-FR" sz="2400" b="1" dirty="0">
+                <a:solidFill>
+                  <a:srgbClr val="0070C0"/>
+                </a:solidFill>
+              </a:rPr>
+              <a:t>TEST D’APPRENTISSAGE: PARI</a:t>
+            </a:r>
+            <a:endParaRPr lang="en-GB" sz="2400" dirty="0"/>
+          </a:p>
+          <a:p>
+            <a:pPr algn="ctr"/>
+            <a:endParaRPr lang="en-GB" sz="2400" dirty="0"/>
+          </a:p>
+        </p:txBody>
+      </p:sp>
+      <p:sp>
+        <p:nvSpPr>
+          <p:cNvPr id="5" name="Rectangle 4"/>
+          <p:cNvSpPr/>
+          <p:nvPr/>
+        </p:nvSpPr>
+        <p:spPr>
+          <a:xfrm>
+            <a:off x="407138" y="760947"/>
+            <a:ext cx="11168418" cy="1938992"/>
+          </a:xfrm>
+          <a:prstGeom prst="rect">
+            <a:avLst/>
+          </a:prstGeom>
+        </p:spPr>
+        <p:txBody>
+          <a:bodyPr wrap="square">
+            <a:spAutoFit/>
+          </a:bodyPr>
+          <a:lstStyle/>
+          <a:p>
+            <a:pPr algn="ctr"/>
+            <a:r>
+              <a:rPr lang="fr-FR" sz="2400" dirty="0"/>
+              <a:t>L’un des écosystème n’aura aucun contact avec les prédateurs, mais seulement certaines de ses plantes seront fertiles.</a:t>
+            </a:r>
+          </a:p>
+          <a:p>
+            <a:pPr algn="ctr"/>
+            <a:r>
+              <a:rPr lang="fr-FR" sz="2400" dirty="0"/>
+              <a:t>L’autre sera tel que ses plantes seront toutes fertiles, mais une proportion P d’entre elles seront en contact avec des prédateurs.</a:t>
+            </a:r>
+          </a:p>
+          <a:p>
+            <a:pPr algn="ctr"/>
+            <a:r>
+              <a:rPr lang="fr-FR" sz="2400" dirty="0"/>
+              <a:t>Vous devrez parier sur celui qui aura le plus de plantes à la fin de l’année:</a:t>
+            </a:r>
+          </a:p>
+        </p:txBody>
+      </p:sp>
+      <p:sp>
+        <p:nvSpPr>
+          <p:cNvPr id="11" name="Rectangle 10"/>
+          <p:cNvSpPr/>
+          <p:nvPr/>
+        </p:nvSpPr>
+        <p:spPr>
+          <a:xfrm>
+            <a:off x="970129" y="5774227"/>
+            <a:ext cx="10251743" cy="830997"/>
+          </a:xfrm>
+          <a:prstGeom prst="rect">
+            <a:avLst/>
+          </a:prstGeom>
+        </p:spPr>
+        <p:txBody>
+          <a:bodyPr wrap="square">
+            <a:spAutoFit/>
+          </a:bodyPr>
+          <a:lstStyle/>
+          <a:p>
+            <a:pPr algn="ctr"/>
+            <a:r>
+              <a:rPr lang="fr-FR" sz="2400" dirty="0"/>
+              <a:t>Après chacune de vos prévisions, nous vous donnerons la bonne réponse. Cela vous permettra d'améliorer progressivement votre compréhension du problème.</a:t>
+            </a:r>
+          </a:p>
+        </p:txBody>
+      </p:sp>
+      <p:sp>
+        <p:nvSpPr>
+          <p:cNvPr id="12" name="Rectangle 11"/>
+          <p:cNvSpPr/>
+          <p:nvPr/>
+        </p:nvSpPr>
+        <p:spPr>
+          <a:xfrm>
+            <a:off x="543636" y="3015079"/>
+            <a:ext cx="11104729" cy="461665"/>
+          </a:xfrm>
+          <a:prstGeom prst="rect">
+            <a:avLst/>
+          </a:prstGeom>
+        </p:spPr>
+        <p:txBody>
+          <a:bodyPr wrap="square">
+            <a:spAutoFit/>
+          </a:bodyPr>
+          <a:lstStyle/>
+          <a:p>
+            <a:pPr algn="ctr"/>
+            <a:r>
+              <a:rPr lang="fr-FR" sz="2400" i="1" dirty="0"/>
+              <a:t>Chaque écosystème démarre avec 80 plantes. Lequel en aura le plus à la fin de l’année?</a:t>
+            </a:r>
+          </a:p>
+        </p:txBody>
+      </p:sp>
+    </p:spTree>
+    <p:extLst>
+      <p:ext uri="{BB962C8B-B14F-4D97-AF65-F5344CB8AC3E}">
+        <p14:creationId xmlns:p14="http://schemas.microsoft.com/office/powerpoint/2010/main" val="280190230"/>
+      </p:ext>
+    </p:extLst>
+  </p:cSld>
+  <p:clrMapOvr>
+    <a:masterClrMapping/>
+  </p:clrMapOvr>
+</p:sld>
+</file>
+
+<file path=ppt/slides/slide22.xml><?xml version="1.0" encoding="utf-8"?>
+<p:sld xmlns:a="http://schemas.openxmlformats.org/drawingml/2006/main" xmlns:r="http://schemas.openxmlformats.org/officeDocument/2006/relationships" xmlns:p="http://schemas.openxmlformats.org/presentationml/2006/main">
+  <p:cSld>
+    <p:spTree>
+      <p:nvGrpSpPr>
+        <p:cNvPr id="1" name=""/>
+        <p:cNvGrpSpPr/>
+        <p:nvPr/>
+      </p:nvGrpSpPr>
+      <p:grpSpPr>
+        <a:xfrm>
+          <a:off x="0" y="0"/>
+          <a:ext cx="0" cy="0"/>
+          <a:chOff x="0" y="0"/>
+          <a:chExt cx="0" cy="0"/>
+        </a:xfrm>
+      </p:grpSpPr>
+      <p:sp>
+        <p:nvSpPr>
+          <p:cNvPr id="3" name="Espace réservé du contenu 2"/>
+          <p:cNvSpPr>
+            <a:spLocks noGrp="1"/>
+          </p:cNvSpPr>
+          <p:nvPr>
+            <p:ph idx="1"/>
+          </p:nvPr>
+        </p:nvSpPr>
+        <p:spPr>
+          <a:xfrm>
+            <a:off x="597445" y="938127"/>
+            <a:ext cx="10705555" cy="1239944"/>
+          </a:xfrm>
+        </p:spPr>
+        <p:txBody>
+          <a:bodyPr>
+            <a:normAutofit/>
+          </a:bodyPr>
+          <a:lstStyle/>
+          <a:p>
+            <a:pPr marL="0" indent="0" algn="ctr">
+              <a:buNone/>
+            </a:pPr>
+            <a:r>
+              <a:rPr lang="fr-FR" sz="2400" dirty="0"/>
+              <a:t>Pour certaines prédictions, nous vous demanderons d’exprimer votre degré de confiance avant de vous dire si votre prédiction était correcte: </a:t>
             </a:r>
           </a:p>
         </p:txBody>
@@ -5181,7 +5637,7 @@
         </p:blipFill>
         <p:spPr>
           <a:xfrm>
-            <a:off x="939800" y="2739715"/>
+            <a:off x="889000" y="1921079"/>
             <a:ext cx="10414000" cy="2493879"/>
           </a:xfrm>
           <a:prstGeom prst="rect">
@@ -5191,92 +5647,87 @@
       </p:pic>
       <p:sp>
         <p:nvSpPr>
-          <p:cNvPr id="6" name="Rectangle 3">
-            <a:extLst>
-              <a:ext uri="{FF2B5EF4-FFF2-40B4-BE49-F238E27FC236}">
-                <a16:creationId xmlns:a16="http://schemas.microsoft.com/office/drawing/2014/main" id="{C49CE132-C670-544E-A6AB-88C14FAB759B}"/>
-              </a:ext>
-            </a:extLst>
-          </p:cNvPr>
-          <p:cNvSpPr/>
+          <p:cNvPr id="15" name="ZoneTexte 14"/>
+          <p:cNvSpPr txBox="1"/>
           <p:nvPr/>
         </p:nvSpPr>
         <p:spPr>
           <a:xfrm>
-            <a:off x="973073" y="6329490"/>
-            <a:ext cx="10380727" cy="400110"/>
+            <a:off x="1874204" y="237893"/>
+            <a:ext cx="8443609" cy="830997"/>
           </a:xfrm>
           <a:prstGeom prst="rect">
             <a:avLst/>
           </a:prstGeom>
-        </p:spPr>
-        <p:txBody>
-          <a:bodyPr wrap="none">
+          <a:noFill/>
+        </p:spPr>
+        <p:txBody>
+          <a:bodyPr wrap="square" rtlCol="0">
             <a:spAutoFit/>
           </a:bodyPr>
           <a:lstStyle/>
           <a:p>
-            <a:r>
-              <a:rPr lang="fr-FR" sz="2000" i="1" dirty="0">
+            <a:pPr algn="ctr"/>
+            <a:r>
+              <a:rPr lang="fr-FR" sz="2400" b="1" dirty="0">
                 <a:solidFill>
-                  <a:schemeClr val="tx1">
-                    <a:lumMod val="50000"/>
-                    <a:lumOff val="50000"/>
-                  </a:schemeClr>
+                  <a:srgbClr val="0070C0"/>
                 </a:solidFill>
               </a:rPr>
-              <a:t>Appuyez sur la flèche droite [</a:t>
-            </a:r>
-            <a:r>
-              <a:rPr lang="fr-FR" sz="2000" i="1" dirty="0">
-                <a:solidFill>
-                  <a:schemeClr val="tx1">
-                    <a:lumMod val="50000"/>
-                    <a:lumOff val="50000"/>
-                  </a:schemeClr>
-                </a:solidFill>
-                <a:sym typeface="Wingdings" pitchFamily="2" charset="2"/>
-              </a:rPr>
-              <a:t></a:t>
-            </a:r>
-            <a:r>
-              <a:rPr lang="fr-FR" sz="2000" i="1" dirty="0">
-                <a:solidFill>
-                  <a:schemeClr val="tx1">
-                    <a:lumMod val="50000"/>
-                    <a:lumOff val="50000"/>
-                  </a:schemeClr>
-                </a:solidFill>
-              </a:rPr>
-              <a:t>] pour continuer ou sur la flèche gauche [</a:t>
-            </a:r>
-            <a:r>
-              <a:rPr lang="fr-FR" sz="2000" i="1" dirty="0">
-                <a:solidFill>
-                  <a:schemeClr val="tx1">
-                    <a:lumMod val="50000"/>
-                    <a:lumOff val="50000"/>
-                  </a:schemeClr>
-                </a:solidFill>
-                <a:sym typeface="Wingdings" pitchFamily="2" charset="2"/>
-              </a:rPr>
-              <a:t>] pour revenir en arrière</a:t>
-            </a:r>
-            <a:endParaRPr lang="fr-FR" sz="2000" i="1" dirty="0">
-              <a:solidFill>
-                <a:schemeClr val="tx1">
-                  <a:lumMod val="50000"/>
-                  <a:lumOff val="50000"/>
-                </a:schemeClr>
-              </a:solidFill>
-            </a:endParaRPr>
+              <a:t>TEST D’APPRENTISSAGE: JUGEMENT DE CONFIANCE</a:t>
+            </a:r>
+            <a:endParaRPr lang="en-GB" sz="2400" dirty="0"/>
+          </a:p>
+          <a:p>
+            <a:pPr algn="ctr"/>
+            <a:endParaRPr lang="en-GB" sz="2400" dirty="0"/>
+          </a:p>
+        </p:txBody>
+      </p:sp>
+      <p:sp>
+        <p:nvSpPr>
+          <p:cNvPr id="2" name="Rectangle 1"/>
+          <p:cNvSpPr/>
+          <p:nvPr/>
+        </p:nvSpPr>
+        <p:spPr>
+          <a:xfrm>
+            <a:off x="1756012" y="4714252"/>
+            <a:ext cx="8679976" cy="1938992"/>
+          </a:xfrm>
+          <a:prstGeom prst="rect">
+            <a:avLst/>
+          </a:prstGeom>
+        </p:spPr>
+        <p:txBody>
+          <a:bodyPr wrap="square">
+            <a:spAutoFit/>
+          </a:bodyPr>
+          <a:lstStyle/>
+          <a:p>
+            <a:pPr algn="ctr"/>
+            <a:r>
+              <a:rPr lang="fr-FR" sz="2400" dirty="0"/>
+              <a:t>Pour répondre, vous déplacerez le pointeur de la barre de défilement avec la souris.</a:t>
+            </a:r>
+          </a:p>
+          <a:p>
+            <a:pPr algn="ctr"/>
+            <a:endParaRPr lang="fr-FR" sz="2400" dirty="0"/>
+          </a:p>
+          <a:p>
+            <a:pPr algn="ctr"/>
+            <a:r>
+              <a:rPr lang="fr-FR" sz="2400" dirty="0"/>
+              <a:t>Attention: si vous ne déplacez pas la barre, vous ne pourrez pas continuer le test.</a:t>
+            </a:r>
           </a:p>
         </p:txBody>
       </p:sp>
     </p:spTree>
     <p:extLst>
       <p:ext uri="{BB962C8B-B14F-4D97-AF65-F5344CB8AC3E}">
-        <p14:creationId xmlns:p14="http://schemas.microsoft.com/office/powerpoint/2010/main" val="3798455815"/>
+        <p14:creationId xmlns:p14="http://schemas.microsoft.com/office/powerpoint/2010/main" val="97812483"/>
       </p:ext>
     </p:extLst>
   </p:cSld>
@@ -5286,7 +5737,7 @@
 </p:sld>
 </file>
 
-<file path=ppt/slides/slide18.xml><?xml version="1.0" encoding="utf-8"?>
+<file path=ppt/slides/slide23.xml><?xml version="1.0" encoding="utf-8"?>
 <p:sld xmlns:a="http://schemas.openxmlformats.org/drawingml/2006/main" xmlns:r="http://schemas.openxmlformats.org/officeDocument/2006/relationships" xmlns:p="http://schemas.openxmlformats.org/presentationml/2006/main">
   <p:cSld>
     <p:spTree>
@@ -5315,8 +5766,8 @@
         </p:nvSpPr>
         <p:spPr>
           <a:xfrm>
-            <a:off x="2591147" y="2364012"/>
-            <a:ext cx="7009707" cy="2129977"/>
+            <a:off x="1879774" y="2364012"/>
+            <a:ext cx="8432453" cy="2129977"/>
           </a:xfrm>
         </p:spPr>
         <p:txBody>
@@ -5327,29 +5778,73 @@
           <a:p>
             <a:pPr algn="ctr"/>
             <a:r>
-              <a:rPr lang="fr-FR" dirty="0"/>
-              <a:t>L’expérience est terminée.</a:t>
+              <a:rPr lang="fr-FR" sz="2400" dirty="0"/>
+              <a:t>Le test d’apprentissage est maintenant terminé.</a:t>
             </a:r>
             <a:br>
-              <a:rPr lang="fr-FR" dirty="0"/>
+              <a:rPr lang="fr-FR" sz="2400" dirty="0"/>
             </a:br>
             <a:r>
-              <a:rPr lang="fr-FR" dirty="0"/>
+              <a:rPr lang="fr-FR" sz="2400" dirty="0"/>
               <a:t> </a:t>
             </a:r>
             <a:br>
-              <a:rPr lang="fr-FR" dirty="0"/>
+              <a:rPr lang="fr-FR" sz="2400" dirty="0"/>
             </a:br>
             <a:r>
-              <a:rPr lang="fr-FR" dirty="0"/>
-              <a:t>Merci d’avoir participé.</a:t>
-            </a:r>
-          </a:p>
-        </p:txBody>
-      </p:sp>
-      <p:sp>
-        <p:nvSpPr>
-          <p:cNvPr id="5" name="Rectangle 3">
+              <a:rPr lang="fr-FR" sz="2400" dirty="0"/>
+              <a:t>Merci !</a:t>
+            </a:r>
+          </a:p>
+        </p:txBody>
+      </p:sp>
+      <p:sp>
+        <p:nvSpPr>
+          <p:cNvPr id="5" name="ZoneTexte 4"/>
+          <p:cNvSpPr txBox="1"/>
+          <p:nvPr/>
+        </p:nvSpPr>
+        <p:spPr>
+          <a:xfrm>
+            <a:off x="3878093" y="349649"/>
+            <a:ext cx="4435815" cy="461665"/>
+          </a:xfrm>
+          <a:prstGeom prst="rect">
+            <a:avLst/>
+          </a:prstGeom>
+          <a:noFill/>
+          <a:ln>
+            <a:noFill/>
+          </a:ln>
+        </p:spPr>
+        <p:txBody>
+          <a:bodyPr wrap="square" rtlCol="0" anchor="ctr">
+            <a:spAutoFit/>
+          </a:bodyPr>
+          <a:lstStyle/>
+          <a:p>
+            <a:pPr algn="ctr">
+              <a:spcBef>
+                <a:spcPts val="1800"/>
+              </a:spcBef>
+              <a:spcAft>
+                <a:spcPts val="1800"/>
+              </a:spcAft>
+            </a:pPr>
+            <a:r>
+              <a:rPr lang="en-GB" sz="2400" b="1" dirty="0">
+                <a:solidFill>
+                  <a:srgbClr val="0070C0"/>
+                </a:solidFill>
+              </a:rPr>
+              <a:t>FIN DU TEST D’APPRENTISSAGE</a:t>
+            </a:r>
+          </a:p>
+        </p:txBody>
+      </p:sp>
+      <p:sp>
+        <p:nvSpPr>
+          <p:cNvPr id="6" name="Rectangle 3">
             <a:extLst>
               <a:ext uri="{FF2B5EF4-FFF2-40B4-BE49-F238E27FC236}">
                 <a16:creationId xmlns:a16="http://schemas.microsoft.com/office/drawing/2014/main" id="{96E0DEE1-FC76-AB42-A24F-D4D41E2BA40D}"/>
@@ -5414,322 +5909,7 @@
     </p:spTree>
     <p:extLst>
       <p:ext uri="{BB962C8B-B14F-4D97-AF65-F5344CB8AC3E}">
-        <p14:creationId xmlns:p14="http://schemas.microsoft.com/office/powerpoint/2010/main" val="2830837562"/>
-      </p:ext>
-    </p:extLst>
-  </p:cSld>
-  <p:clrMapOvr>
-    <a:masterClrMapping/>
-  </p:clrMapOvr>
-</p:sld>
-</file>
-
-<file path=ppt/slides/slide2.xml><?xml version="1.0" encoding="utf-8"?>
-<p:sld xmlns:a="http://schemas.openxmlformats.org/drawingml/2006/main" xmlns:r="http://schemas.openxmlformats.org/officeDocument/2006/relationships" xmlns:p="http://schemas.openxmlformats.org/presentationml/2006/main">
-  <p:cSld>
-    <p:spTree>
-      <p:nvGrpSpPr>
-        <p:cNvPr id="1" name=""/>
-        <p:cNvGrpSpPr/>
-        <p:nvPr/>
-      </p:nvGrpSpPr>
-      <p:grpSpPr>
-        <a:xfrm>
-          <a:off x="0" y="0"/>
-          <a:ext cx="0" cy="0"/>
-          <a:chOff x="0" y="0"/>
-          <a:chExt cx="0" cy="0"/>
-        </a:xfrm>
-      </p:grpSpPr>
-      <p:sp>
-        <p:nvSpPr>
-          <p:cNvPr id="3" name="Espace réservé du contenu 2"/>
-          <p:cNvSpPr>
-            <a:spLocks noGrp="1"/>
-          </p:cNvSpPr>
-          <p:nvPr>
-            <p:ph idx="1"/>
-          </p:nvPr>
-        </p:nvSpPr>
-        <p:spPr>
-          <a:xfrm>
-            <a:off x="838200" y="1072896"/>
-            <a:ext cx="10515600" cy="4513257"/>
-          </a:xfrm>
-        </p:spPr>
-        <p:txBody>
-          <a:bodyPr>
-            <a:normAutofit/>
-          </a:bodyPr>
-          <a:lstStyle/>
-          <a:p>
-            <a:pPr marL="0" indent="0" algn="just">
-              <a:buNone/>
-            </a:pPr>
-            <a:r>
-              <a:rPr lang="fr-FR" sz="2000" dirty="0"/>
-              <a:t>Vous allez jouer à un jeux qui dure environ </a:t>
-            </a:r>
-            <a:r>
-              <a:rPr lang="fr-FR" sz="2000" dirty="0">
-                <a:solidFill>
-                  <a:srgbClr val="FF0000"/>
-                </a:solidFill>
-              </a:rPr>
-              <a:t>1 heure</a:t>
-            </a:r>
-            <a:r>
-              <a:rPr lang="fr-FR" sz="2000" dirty="0"/>
-              <a:t>. </a:t>
-            </a:r>
-          </a:p>
-          <a:p>
-            <a:pPr marL="0" indent="0" algn="just">
-              <a:buNone/>
-            </a:pPr>
-            <a:r>
-              <a:rPr lang="fr-FR" sz="2000" dirty="0"/>
-              <a:t>L’expérience consiste en un test informatisé, impliquant deux phases alternant entre elles (une « phase de décision » et une « phase de prédiction »).</a:t>
-            </a:r>
-          </a:p>
-          <a:p>
-            <a:pPr algn="just"/>
-            <a:r>
-              <a:rPr lang="fr-FR" sz="2000" dirty="0"/>
-              <a:t>Durant la « </a:t>
-            </a:r>
-            <a:r>
-              <a:rPr lang="fr-FR" sz="2000" dirty="0">
-                <a:solidFill>
-                  <a:srgbClr val="FF0000"/>
-                </a:solidFill>
-              </a:rPr>
-              <a:t>phase de décision </a:t>
-            </a:r>
-            <a:r>
-              <a:rPr lang="fr-FR" sz="2000" dirty="0"/>
-              <a:t>», nous évaluerons votre prudence, c´est-à-dire votre tendance à prendre des risques.</a:t>
-            </a:r>
-          </a:p>
-          <a:p>
-            <a:pPr algn="just"/>
-            <a:r>
-              <a:rPr lang="fr-FR" sz="2000" dirty="0"/>
-              <a:t>Durant la « </a:t>
-            </a:r>
-            <a:r>
-              <a:rPr lang="fr-FR" sz="2000" dirty="0">
-                <a:solidFill>
-                  <a:srgbClr val="FF0000"/>
-                </a:solidFill>
-              </a:rPr>
-              <a:t>phase de prédiction </a:t>
-            </a:r>
-            <a:r>
-              <a:rPr lang="fr-FR" sz="2000" dirty="0"/>
-              <a:t>», vous devrez prédire les choix d’autres participants ayant participé au même jeu d´argent avant vous. </a:t>
-            </a:r>
-          </a:p>
-          <a:p>
-            <a:pPr marL="0" indent="0" algn="just">
-              <a:buNone/>
-            </a:pPr>
-            <a:endParaRPr lang="fr-FR" sz="2000" dirty="0"/>
-          </a:p>
-          <a:p>
-            <a:pPr marL="0" indent="0" algn="just">
-              <a:buNone/>
-            </a:pPr>
-            <a:r>
-              <a:rPr lang="fr-FR" sz="2000" dirty="0"/>
-              <a:t>Note: La rémunération est conditionnée par le respect de ces consignes. Vous recevrez une indemnisation financière de </a:t>
-            </a:r>
-            <a:r>
-              <a:rPr lang="fr-FR" sz="2000" dirty="0">
-                <a:solidFill>
-                  <a:srgbClr val="FF0000"/>
-                </a:solidFill>
-              </a:rPr>
-              <a:t>5€ de base </a:t>
-            </a:r>
-            <a:r>
-              <a:rPr lang="fr-FR" sz="2000" dirty="0"/>
-              <a:t>pour avoir participé à l'expérience aujourd'hui, quelle que soit votre performance. Vous recevrez un bonus financier proportionnel à votre performance. En effet, à la fin de l'expérience, nous sélectionnerons </a:t>
-            </a:r>
-            <a:r>
-              <a:rPr lang="fr-FR" sz="2000" dirty="0">
-                <a:solidFill>
-                  <a:srgbClr val="FF0000"/>
-                </a:solidFill>
-              </a:rPr>
-              <a:t>1 essai </a:t>
-            </a:r>
-            <a:r>
-              <a:rPr lang="fr-FR" sz="2000" dirty="0"/>
-              <a:t>de la « </a:t>
-            </a:r>
-            <a:r>
-              <a:rPr lang="fr-FR" sz="2000" dirty="0">
-                <a:solidFill>
-                  <a:srgbClr val="FF0000"/>
-                </a:solidFill>
-              </a:rPr>
-              <a:t>phase de décision </a:t>
-            </a:r>
-            <a:r>
-              <a:rPr lang="fr-FR" sz="2000" dirty="0"/>
-              <a:t>» au hasard, et vous recevrez la somme d'argent qui leur correspond, veuillez donc répondre attentivement.</a:t>
-            </a:r>
-            <a:endParaRPr lang="fr-FR" dirty="0"/>
-          </a:p>
-        </p:txBody>
-      </p:sp>
-      <p:sp>
-        <p:nvSpPr>
-          <p:cNvPr id="5" name="Rectángulo 4">
-            <a:extLst>
-              <a:ext uri="{FF2B5EF4-FFF2-40B4-BE49-F238E27FC236}">
-                <a16:creationId xmlns:a16="http://schemas.microsoft.com/office/drawing/2014/main" id="{7341A93F-6626-504F-B534-D779E9399A22}"/>
-              </a:ext>
-            </a:extLst>
-          </p:cNvPr>
-          <p:cNvSpPr/>
-          <p:nvPr/>
-        </p:nvSpPr>
-        <p:spPr>
-          <a:xfrm>
-            <a:off x="602559" y="432773"/>
-            <a:ext cx="2066591" cy="577850"/>
-          </a:xfrm>
-          <a:prstGeom prst="rect">
-            <a:avLst/>
-          </a:prstGeom>
-        </p:spPr>
-        <p:txBody>
-          <a:bodyPr wrap="none">
-            <a:spAutoFit/>
-          </a:bodyPr>
-          <a:lstStyle/>
-          <a:p>
-            <a:pPr algn="just">
-              <a:lnSpc>
-                <a:spcPct val="150000"/>
-              </a:lnSpc>
-              <a:spcBef>
-                <a:spcPts val="200"/>
-              </a:spcBef>
-              <a:spcAft>
-                <a:spcPts val="0"/>
-              </a:spcAft>
-            </a:pPr>
-            <a:r>
-              <a:rPr lang="fr-FR" sz="2400" b="1" dirty="0">
-                <a:solidFill>
-                  <a:srgbClr val="2E74B5"/>
-                </a:solidFill>
-                <a:latin typeface="Arial" panose="020B0604020202020204" pitchFamily="34" charset="0"/>
-                <a:cs typeface="Times New Roman" panose="02020603050405020304" pitchFamily="18" charset="0"/>
-              </a:rPr>
-              <a:t>Déroulement</a:t>
-            </a:r>
-            <a:endParaRPr lang="es-FR" b="1" dirty="0">
-              <a:solidFill>
-                <a:srgbClr val="2E74B5"/>
-              </a:solidFill>
-              <a:latin typeface="Arial" panose="020B0604020202020204" pitchFamily="34" charset="0"/>
-              <a:cs typeface="Times New Roman" panose="02020603050405020304" pitchFamily="18" charset="0"/>
-            </a:endParaRPr>
-          </a:p>
-        </p:txBody>
-      </p:sp>
-      <p:sp>
-        <p:nvSpPr>
-          <p:cNvPr id="6" name="Rectangle 3">
-            <a:extLst>
-              <a:ext uri="{FF2B5EF4-FFF2-40B4-BE49-F238E27FC236}">
-                <a16:creationId xmlns:a16="http://schemas.microsoft.com/office/drawing/2014/main" id="{950F77F6-D801-2A40-9828-736711F41D08}"/>
-              </a:ext>
-            </a:extLst>
-          </p:cNvPr>
-          <p:cNvSpPr/>
-          <p:nvPr/>
-        </p:nvSpPr>
-        <p:spPr>
-          <a:xfrm>
-            <a:off x="905636" y="6025117"/>
-            <a:ext cx="10380727" cy="400110"/>
-          </a:xfrm>
-          <a:prstGeom prst="rect">
-            <a:avLst/>
-          </a:prstGeom>
-        </p:spPr>
-        <p:txBody>
-          <a:bodyPr wrap="none">
-            <a:spAutoFit/>
-          </a:bodyPr>
-          <a:lstStyle/>
-          <a:p>
-            <a:r>
-              <a:rPr lang="fr-FR" sz="2000" i="1" dirty="0">
-                <a:solidFill>
-                  <a:schemeClr val="tx1">
-                    <a:lumMod val="50000"/>
-                    <a:lumOff val="50000"/>
-                  </a:schemeClr>
-                </a:solidFill>
-              </a:rPr>
-              <a:t>Appuyez sur la flèche droite [</a:t>
-            </a:r>
-            <a:r>
-              <a:rPr lang="fr-FR" sz="2000" i="1" dirty="0">
-                <a:solidFill>
-                  <a:schemeClr val="tx1">
-                    <a:lumMod val="50000"/>
-                    <a:lumOff val="50000"/>
-                  </a:schemeClr>
-                </a:solidFill>
-                <a:sym typeface="Wingdings" pitchFamily="2" charset="2"/>
-              </a:rPr>
-              <a:t></a:t>
-            </a:r>
-            <a:r>
-              <a:rPr lang="fr-FR" sz="2000" i="1" dirty="0">
-                <a:solidFill>
-                  <a:schemeClr val="tx1">
-                    <a:lumMod val="50000"/>
-                    <a:lumOff val="50000"/>
-                  </a:schemeClr>
-                </a:solidFill>
-              </a:rPr>
-              <a:t>] pour continuer ou sur la flèche gauche [</a:t>
-            </a:r>
-            <a:r>
-              <a:rPr lang="fr-FR" sz="2000" i="1" dirty="0">
-                <a:solidFill>
-                  <a:schemeClr val="tx1">
-                    <a:lumMod val="50000"/>
-                    <a:lumOff val="50000"/>
-                  </a:schemeClr>
-                </a:solidFill>
-                <a:sym typeface="Wingdings" pitchFamily="2" charset="2"/>
-              </a:rPr>
-              <a:t>] pour revenir en arrière</a:t>
-            </a:r>
-            <a:endParaRPr lang="fr-FR" sz="2000" i="1" dirty="0">
-              <a:solidFill>
-                <a:schemeClr val="tx1">
-                  <a:lumMod val="50000"/>
-                  <a:lumOff val="50000"/>
-                </a:schemeClr>
-              </a:solidFill>
-            </a:endParaRPr>
-          </a:p>
-        </p:txBody>
-      </p:sp>
-    </p:spTree>
-    <p:extLst>
-      <p:ext uri="{BB962C8B-B14F-4D97-AF65-F5344CB8AC3E}">
-        <p14:creationId xmlns:p14="http://schemas.microsoft.com/office/powerpoint/2010/main" val="4012922657"/>
+        <p14:creationId xmlns:p14="http://schemas.microsoft.com/office/powerpoint/2010/main" val="4208260430"/>
       </p:ext>
     </p:extLst>
   </p:cSld>
@@ -5778,211 +5958,94 @@
           </a:bodyPr>
           <a:lstStyle/>
           <a:p>
-            <a:pPr marL="0" indent="0" algn="just">
-              <a:buNone/>
-            </a:pPr>
-            <a:r>
-              <a:rPr lang="fr-FR" sz="2000" dirty="0"/>
-              <a:t>Durant la « </a:t>
-            </a:r>
-            <a:r>
-              <a:rPr lang="fr-FR" sz="2000" dirty="0">
+            <a:pPr marL="0" indent="0" algn="ctr">
+              <a:buNone/>
+            </a:pPr>
+            <a:r>
+              <a:rPr lang="fr-FR" sz="2400" dirty="0"/>
+              <a:t>Durant la « phase de décision</a:t>
+            </a:r>
+            <a:r>
+              <a:rPr lang="fr-FR" sz="2400" dirty="0">
                 <a:solidFill>
                   <a:srgbClr val="FF0000"/>
                 </a:solidFill>
               </a:rPr>
-              <a:t>phase de décision </a:t>
-            </a:r>
-            <a:r>
-              <a:rPr lang="fr-FR" sz="2000" dirty="0"/>
+              <a:t> </a:t>
+            </a:r>
+            <a:r>
+              <a:rPr lang="fr-FR" sz="2400" dirty="0"/>
               <a:t>», nous évaluerons votre prudence, c´est-à-dire votre tendance à prendre des risques.</a:t>
             </a:r>
           </a:p>
           <a:p>
-            <a:pPr marL="0" indent="0" algn="just">
-              <a:buNone/>
-            </a:pPr>
-            <a:endParaRPr lang="fr-FR" sz="2000" dirty="0"/>
-          </a:p>
-          <a:p>
-            <a:pPr marL="0" indent="0" algn="just">
-              <a:buNone/>
-            </a:pPr>
-            <a:r>
-              <a:rPr lang="fr-FR" sz="2000" dirty="0"/>
-              <a:t>Vous allez jouer à un jeu d´argent dans lequel vous aurez à choisir entre un gain modéré mais certain (option 1) et un gain important mais risqué (option 2). </a:t>
-            </a:r>
-          </a:p>
-          <a:p>
-            <a:pPr marL="0" indent="0" algn="just">
-              <a:buNone/>
-            </a:pPr>
-            <a:endParaRPr lang="fr-FR" sz="2000" dirty="0"/>
-          </a:p>
-          <a:p>
-            <a:pPr marL="0" indent="0" algn="just">
-              <a:buNone/>
-            </a:pPr>
-            <a:r>
-              <a:rPr lang="fr-FR" sz="2000" dirty="0"/>
+            <a:pPr marL="0" indent="0" algn="ctr">
+              <a:buNone/>
+            </a:pPr>
+            <a:endParaRPr lang="fr-FR" sz="2400" dirty="0"/>
+          </a:p>
+          <a:p>
+            <a:pPr marL="0" indent="0" algn="ctr">
+              <a:buNone/>
+            </a:pPr>
+            <a:r>
+              <a:rPr lang="fr-FR" sz="2400" dirty="0"/>
+              <a:t>Vous allez jouer à un jeu d´argent virtuel dans lequel vous aurez à choisir entre un gain modéré mais certain (option 1) et un gain important mais risqué (option 2). C’est ce que nous appelons un « choix risqué ». Nous vous proposerons 18 choix risqués pour chaque phase de prédiction.</a:t>
+            </a:r>
+          </a:p>
+          <a:p>
+            <a:pPr marL="0" indent="0" algn="ctr">
+              <a:buNone/>
+            </a:pPr>
+            <a:endParaRPr lang="fr-FR" sz="2400" dirty="0"/>
+          </a:p>
+          <a:p>
+            <a:pPr marL="0" indent="0" algn="ctr">
+              <a:buNone/>
+            </a:pPr>
+            <a:r>
+              <a:rPr lang="fr-FR" sz="2400" dirty="0"/>
               <a:t>Il n’y a pas de bonne ou de mauvaise réponse ! La plupart des gens prennent des risques lorsqu´ils pensent que cela vaut le coup. Répondez simplement selon ce que vous préférez : désirez-vous prendre le risque ou non ? </a:t>
             </a:r>
           </a:p>
-          <a:p>
-            <a:pPr marL="0" indent="0" algn="just">
-              <a:buNone/>
-            </a:pPr>
-            <a:endParaRPr lang="fr-FR" sz="2000" dirty="0"/>
-          </a:p>
-          <a:p>
-            <a:pPr marL="0" indent="0" algn="just">
-              <a:buNone/>
-            </a:pPr>
-            <a:r>
-              <a:rPr lang="fr-FR" sz="2000" dirty="0"/>
-              <a:t>Vous effectuerez ce test plusieurs fois. Il permettra de savoir si vous êtes plus ou moins prudent que la moyenne.</a:t>
-            </a:r>
-          </a:p>
-          <a:p>
-            <a:pPr marL="0" indent="0" algn="just">
-              <a:buNone/>
-            </a:pPr>
-            <a:endParaRPr lang="fr-FR" sz="2000" dirty="0"/>
-          </a:p>
-        </p:txBody>
-      </p:sp>
-      <p:sp>
-        <p:nvSpPr>
-          <p:cNvPr id="6" name="Rectángulo 5">
-            <a:extLst>
-              <a:ext uri="{FF2B5EF4-FFF2-40B4-BE49-F238E27FC236}">
-                <a16:creationId xmlns:a16="http://schemas.microsoft.com/office/drawing/2014/main" id="{BC71BDF1-537C-9541-9137-2B0932AC2629}"/>
-              </a:ext>
-            </a:extLst>
-          </p:cNvPr>
-          <p:cNvSpPr/>
+        </p:txBody>
+      </p:sp>
+      <p:sp>
+        <p:nvSpPr>
+          <p:cNvPr id="7" name="ZoneTexte 6"/>
+          <p:cNvSpPr txBox="1"/>
           <p:nvPr/>
         </p:nvSpPr>
         <p:spPr>
           <a:xfrm>
-            <a:off x="450273" y="488080"/>
-            <a:ext cx="3294492" cy="577850"/>
+            <a:off x="1874204" y="237893"/>
+            <a:ext cx="8443609" cy="830997"/>
           </a:xfrm>
           <a:prstGeom prst="rect">
             <a:avLst/>
           </a:prstGeom>
-        </p:spPr>
-        <p:txBody>
-          <a:bodyPr wrap="none">
+          <a:noFill/>
+        </p:spPr>
+        <p:txBody>
+          <a:bodyPr wrap="square" rtlCol="0">
             <a:spAutoFit/>
           </a:bodyPr>
           <a:lstStyle/>
           <a:p>
-            <a:pPr algn="just">
-              <a:lnSpc>
-                <a:spcPct val="150000"/>
-              </a:lnSpc>
-              <a:spcBef>
-                <a:spcPts val="200"/>
-              </a:spcBef>
-              <a:spcAft>
-                <a:spcPts val="0"/>
-              </a:spcAft>
-            </a:pPr>
+            <a:pPr algn="ctr"/>
             <a:r>
               <a:rPr lang="fr-FR" sz="2400" b="1" dirty="0">
                 <a:solidFill>
-                  <a:srgbClr val="2E74B5"/>
-                </a:solidFill>
-                <a:latin typeface="Arial" panose="020B0604020202020204" pitchFamily="34" charset="0"/>
-                <a:cs typeface="Times New Roman" panose="02020603050405020304" pitchFamily="18" charset="0"/>
-              </a:rPr>
-              <a:t>1. Phase de décision </a:t>
-            </a:r>
-          </a:p>
-        </p:txBody>
-      </p:sp>
-      <p:sp>
-        <p:nvSpPr>
-          <p:cNvPr id="5" name="Rectangle 3">
-            <a:extLst>
-              <a:ext uri="{FF2B5EF4-FFF2-40B4-BE49-F238E27FC236}">
-                <a16:creationId xmlns:a16="http://schemas.microsoft.com/office/drawing/2014/main" id="{6423D572-D4F0-1A4D-8D6C-A696178315A7}"/>
-              </a:ext>
-            </a:extLst>
-          </p:cNvPr>
-          <p:cNvSpPr/>
-          <p:nvPr/>
-        </p:nvSpPr>
-        <p:spPr>
-          <a:xfrm>
-            <a:off x="1198244" y="6163525"/>
-            <a:ext cx="10380727" cy="400110"/>
-          </a:xfrm>
-          <a:prstGeom prst="rect">
-            <a:avLst/>
-          </a:prstGeom>
-        </p:spPr>
-        <p:txBody>
-          <a:bodyPr wrap="none">
-            <a:spAutoFit/>
-          </a:bodyPr>
-          <a:lstStyle/>
-          <a:p>
-            <a:r>
-              <a:rPr lang="fr-FR" sz="2000" i="1" dirty="0">
-                <a:solidFill>
-                  <a:schemeClr val="tx1">
-                    <a:lumMod val="50000"/>
-                    <a:lumOff val="50000"/>
-                  </a:schemeClr>
+                  <a:srgbClr val="0070C0"/>
                 </a:solidFill>
               </a:rPr>
-              <a:t>Appuyez sur la flèche droite [</a:t>
-            </a:r>
-            <a:r>
-              <a:rPr lang="fr-FR" sz="2000" i="1" dirty="0">
-                <a:solidFill>
-                  <a:schemeClr val="tx1">
-                    <a:lumMod val="50000"/>
-                    <a:lumOff val="50000"/>
-                  </a:schemeClr>
-                </a:solidFill>
-                <a:sym typeface="Wingdings" pitchFamily="2" charset="2"/>
-              </a:rPr>
-              <a:t></a:t>
-            </a:r>
-            <a:r>
-              <a:rPr lang="fr-FR" sz="2000" i="1" dirty="0">
-                <a:solidFill>
-                  <a:schemeClr val="tx1">
-                    <a:lumMod val="50000"/>
-                    <a:lumOff val="50000"/>
-                  </a:schemeClr>
-                </a:solidFill>
-              </a:rPr>
-              <a:t>] pour continuer ou sur la flèche gauche [</a:t>
-            </a:r>
-            <a:r>
-              <a:rPr lang="fr-FR" sz="2000" i="1" dirty="0">
-                <a:solidFill>
-                  <a:schemeClr val="tx1">
-                    <a:lumMod val="50000"/>
-                    <a:lumOff val="50000"/>
-                  </a:schemeClr>
-                </a:solidFill>
-                <a:sym typeface="Wingdings" pitchFamily="2" charset="2"/>
-              </a:rPr>
-              <a:t>] pour revenir en arrière</a:t>
-            </a:r>
-            <a:endParaRPr lang="fr-FR" sz="2000" i="1" dirty="0">
-              <a:solidFill>
-                <a:schemeClr val="tx1">
-                  <a:lumMod val="50000"/>
-                  <a:lumOff val="50000"/>
-                </a:schemeClr>
-              </a:solidFill>
-            </a:endParaRPr>
+              <a:t>PHASE DE DÉCISION: PRINCIPE</a:t>
+            </a:r>
+            <a:endParaRPr lang="en-GB" sz="2400" dirty="0"/>
+          </a:p>
+          <a:p>
+            <a:pPr algn="ctr"/>
+            <a:endParaRPr lang="en-GB" sz="2400" dirty="0"/>
           </a:p>
         </p:txBody>
       </p:sp>
@@ -6034,204 +6097,49 @@
         </p:spPr>
         <p:txBody>
           <a:bodyPr>
-            <a:normAutofit fontScale="92500" lnSpcReduction="10000"/>
+            <a:normAutofit/>
           </a:bodyPr>
           <a:lstStyle/>
           <a:p>
-            <a:pPr marL="0" indent="0" algn="just">
-              <a:buNone/>
-            </a:pPr>
-            <a:r>
-              <a:rPr lang="fr-FR" sz="1800" dirty="0"/>
-              <a:t>Cette tache se compose de </a:t>
-            </a:r>
-            <a:r>
-              <a:rPr lang="fr-FR" sz="1800" dirty="0">
-                <a:solidFill>
-                  <a:srgbClr val="FF0000"/>
-                </a:solidFill>
-              </a:rPr>
-              <a:t>34 essais</a:t>
-            </a:r>
-            <a:r>
-              <a:rPr lang="fr-FR" sz="1800" dirty="0"/>
-              <a:t>. A chaque essai, vous recevrez une quantité initiale de </a:t>
-            </a:r>
-            <a:r>
-              <a:rPr lang="fr-FR" sz="1800" dirty="0">
-                <a:solidFill>
-                  <a:srgbClr val="FF0000"/>
-                </a:solidFill>
-              </a:rPr>
-              <a:t>50 euros</a:t>
-            </a:r>
-            <a:r>
-              <a:rPr lang="fr-FR" sz="1800" dirty="0"/>
-              <a:t>. Vous devrez choisir entre une option sûre et une option risquée:</a:t>
-            </a:r>
-          </a:p>
-          <a:p>
-            <a:pPr algn="just"/>
-            <a:r>
-              <a:rPr lang="fr-FR" sz="1800" dirty="0"/>
-              <a:t>Si vous choisissez </a:t>
-            </a:r>
-            <a:r>
-              <a:rPr lang="fr-FR" sz="1800" dirty="0">
-                <a:solidFill>
-                  <a:srgbClr val="FF0000"/>
-                </a:solidFill>
-              </a:rPr>
-              <a:t>l'option sûre</a:t>
-            </a:r>
-            <a:r>
-              <a:rPr lang="fr-FR" sz="1800" dirty="0"/>
-              <a:t>, vous garderez ou perdrez une partie des 50 euros initiaux. Lisez attentivement les instructions: parfois, les instructions indiqueront « Perdre X euros » et parfois, elles indiqueront « Garder X euros ».</a:t>
-            </a:r>
-          </a:p>
-          <a:p>
-            <a:pPr algn="just"/>
-            <a:r>
-              <a:rPr lang="fr-FR" sz="1800" dirty="0"/>
-              <a:t>Si vous choisissez </a:t>
-            </a:r>
-            <a:r>
-              <a:rPr lang="fr-FR" sz="1800" dirty="0">
-                <a:solidFill>
-                  <a:srgbClr val="FF0000"/>
-                </a:solidFill>
-              </a:rPr>
-              <a:t>l'option risquée</a:t>
-            </a:r>
-            <a:r>
-              <a:rPr lang="fr-FR" sz="1800" dirty="0"/>
-              <a:t>, vous pariez que vous gardez les 50 euros avec une probabilité P, par exemple 25%. Dans ce cas, évidemment, il y a 75% de risque que vous perdiez les 50 euros. Donc, plus la probabilité P est petite, plus vous prenez un risque important. La probabilité P de garder les 50 euros sera représentée par la portion verte d´un diagramme en camembert (voir la figure plus bas) et la probabilité 1-P de perdre les 50 euros sera représentée par la portion rouge.</a:t>
-            </a:r>
-          </a:p>
-          <a:p>
-            <a:pPr marL="0" indent="0">
-              <a:buNone/>
-            </a:pPr>
-            <a:r>
-              <a:rPr lang="fr-FR" sz="1800" dirty="0">
+            <a:pPr marL="0" indent="0" algn="ctr">
+              <a:buNone/>
+            </a:pPr>
+            <a:r>
+              <a:rPr lang="fr-FR" sz="2400" dirty="0"/>
+              <a:t>A chaque choix, vous recevrez une quantité virtuelle d’argent de 50 euros. Vous devrez choisir entre une option sûre et une option risquée.</a:t>
+            </a:r>
+          </a:p>
+          <a:p>
+            <a:pPr marL="0" indent="0" algn="ctr">
+              <a:buNone/>
+            </a:pPr>
+            <a:r>
+              <a:rPr lang="fr-FR" sz="2400" dirty="0"/>
+              <a:t>Si vous choisissez l'option sûre, vous garderez ou perdrez une partie des 50 euros initiaux. Lisez attentivement les instructions: parfois, les instructions indiqueront « Perdre X euros » et parfois, elles indiqueront « Garder X euros ».</a:t>
+            </a:r>
+          </a:p>
+          <a:p>
+            <a:pPr marL="0" indent="0" algn="ctr">
+              <a:buNone/>
+            </a:pPr>
+            <a:r>
+              <a:rPr lang="fr-FR" sz="2400" dirty="0"/>
+              <a:t>Si vous choisissez l'option risquée, vous pariez que vous gardez les 50 euros avec une probabilité P, par exemple 25%. Dans ce cas, évidemment, il y a 75% de risque que vous perdiez les 50 euros. Donc, plus la probabilité P est petite, plus vous prenez un risque important. La probabilité P de garder les 50 euros sera représentée par la portion verte d´un diagramme en camembert (voir la figure plus bas) et la probabilité 1-P de perdre les 50 euros sera représentée par la portion rouge:</a:t>
+            </a:r>
+          </a:p>
+          <a:p>
+            <a:pPr marL="0" indent="0" algn="ctr">
+              <a:buNone/>
+            </a:pPr>
+            <a:r>
+              <a:rPr lang="fr-FR" sz="2400" dirty="0">
                 <a:solidFill>
                   <a:srgbClr val="FF0000"/>
                 </a:solidFill>
               </a:rPr>
               <a:t>                                        </a:t>
             </a:r>
-          </a:p>
-          <a:p>
-            <a:pPr marL="0" indent="0">
-              <a:buNone/>
-            </a:pPr>
-            <a:r>
-              <a:rPr lang="fr-FR" sz="1800" dirty="0">
-                <a:solidFill>
-                  <a:srgbClr val="FF0000"/>
-                </a:solidFill>
-              </a:rPr>
-              <a:t>                                          Option sûre                                                                             Option risquée</a:t>
-            </a:r>
-          </a:p>
-          <a:p>
-            <a:pPr marL="0" indent="0" algn="just">
-              <a:buNone/>
-            </a:pPr>
-            <a:endParaRPr lang="fr-FR" sz="1800" dirty="0"/>
-          </a:p>
-          <a:p>
-            <a:pPr marL="0" indent="0" algn="just">
-              <a:buNone/>
-            </a:pPr>
-            <a:endParaRPr lang="fr-FR" sz="1800" dirty="0"/>
-          </a:p>
-          <a:p>
-            <a:pPr marL="0" indent="0" algn="just">
-              <a:buNone/>
-            </a:pPr>
-            <a:r>
-              <a:rPr lang="fr-FR" sz="1800" dirty="0"/>
-              <a:t>		  Garder 13 euros                                 vs.</a:t>
-            </a:r>
-          </a:p>
-          <a:p>
-            <a:pPr marL="0" indent="0" algn="just">
-              <a:buNone/>
-            </a:pPr>
-            <a:endParaRPr lang="fr-FR" sz="1800" dirty="0"/>
-          </a:p>
-          <a:p>
-            <a:pPr marL="0" indent="0" algn="just">
-              <a:buNone/>
-            </a:pPr>
-            <a:endParaRPr lang="fr-FR" sz="1800" dirty="0"/>
-          </a:p>
-          <a:p>
-            <a:pPr marL="0" indent="0" algn="just">
-              <a:buNone/>
-            </a:pPr>
-            <a:endParaRPr lang="fr-FR" sz="1800" dirty="0"/>
-          </a:p>
-          <a:p>
-            <a:pPr marL="0" indent="0" algn="just">
-              <a:buNone/>
-            </a:pPr>
-            <a:r>
-              <a:rPr lang="fr-FR" sz="1800" dirty="0"/>
-              <a:t>Regardez les deux options et choisissez celle que vous préférez. Utilisez la souris pour appuyer sur le bouton "Je choisis cette option !" pour enregistrer votre réponse et passer à la suite. </a:t>
-            </a:r>
-          </a:p>
-        </p:txBody>
-      </p:sp>
-      <p:sp>
-        <p:nvSpPr>
-          <p:cNvPr id="5" name="Rectángulo 4">
-            <a:extLst>
-              <a:ext uri="{FF2B5EF4-FFF2-40B4-BE49-F238E27FC236}">
-                <a16:creationId xmlns:a16="http://schemas.microsoft.com/office/drawing/2014/main" id="{7341A93F-6626-504F-B534-D779E9399A22}"/>
-              </a:ext>
-            </a:extLst>
-          </p:cNvPr>
-          <p:cNvSpPr/>
-          <p:nvPr/>
-        </p:nvSpPr>
-        <p:spPr>
-          <a:xfrm>
-            <a:off x="519203" y="232313"/>
-            <a:ext cx="2776722" cy="496931"/>
-          </a:xfrm>
-          <a:prstGeom prst="rect">
-            <a:avLst/>
-          </a:prstGeom>
-        </p:spPr>
-        <p:txBody>
-          <a:bodyPr wrap="none">
-            <a:spAutoFit/>
-          </a:bodyPr>
-          <a:lstStyle/>
-          <a:p>
-            <a:pPr algn="just">
-              <a:lnSpc>
-                <a:spcPct val="150000"/>
-              </a:lnSpc>
-              <a:spcBef>
-                <a:spcPts val="200"/>
-              </a:spcBef>
-              <a:spcAft>
-                <a:spcPts val="0"/>
-              </a:spcAft>
-            </a:pPr>
-            <a:r>
-              <a:rPr lang="fr-FR" sz="2000" b="1" dirty="0">
-                <a:solidFill>
-                  <a:srgbClr val="2E74B5"/>
-                </a:solidFill>
-                <a:latin typeface="Arial" panose="020B0604020202020204" pitchFamily="34" charset="0"/>
-                <a:cs typeface="Times New Roman" panose="02020603050405020304" pitchFamily="18" charset="0"/>
-              </a:rPr>
-              <a:t>1. Phase de décision </a:t>
-            </a:r>
+            <a:endParaRPr lang="fr-FR" sz="2400" dirty="0"/>
           </a:p>
         </p:txBody>
       </p:sp>
@@ -6262,7 +6170,7 @@
         </p:blipFill>
         <p:spPr>
           <a:xfrm>
-            <a:off x="7498080" y="3640636"/>
+            <a:off x="5337185" y="5055457"/>
             <a:ext cx="1792224" cy="1679448"/>
           </a:xfrm>
           <a:prstGeom prst="rect">
@@ -6272,130 +6180,40 @@
       </p:pic>
       <p:sp>
         <p:nvSpPr>
-          <p:cNvPr id="6" name="Rectangle 3">
-            <a:extLst>
-              <a:ext uri="{FF2B5EF4-FFF2-40B4-BE49-F238E27FC236}">
-                <a16:creationId xmlns:a16="http://schemas.microsoft.com/office/drawing/2014/main" id="{4B90CD4B-3742-F444-BED2-24C4FA254327}"/>
-              </a:ext>
-            </a:extLst>
-          </p:cNvPr>
-          <p:cNvSpPr/>
+          <p:cNvPr id="7" name="ZoneTexte 6"/>
+          <p:cNvSpPr txBox="1"/>
           <p:nvPr/>
         </p:nvSpPr>
         <p:spPr>
           <a:xfrm>
-            <a:off x="905636" y="6275982"/>
-            <a:ext cx="10380727" cy="400110"/>
-          </a:xfrm>
-          <a:prstGeom prst="rect">
-            <a:avLst/>
-          </a:prstGeom>
-        </p:spPr>
-        <p:txBody>
-          <a:bodyPr wrap="none">
-            <a:spAutoFit/>
-          </a:bodyPr>
-          <a:lstStyle/>
-          <a:p>
-            <a:r>
-              <a:rPr lang="fr-FR" sz="2000" i="1" dirty="0">
-                <a:solidFill>
-                  <a:schemeClr val="tx1">
-                    <a:lumMod val="50000"/>
-                    <a:lumOff val="50000"/>
-                  </a:schemeClr>
-                </a:solidFill>
-              </a:rPr>
-              <a:t>Appuyez sur la flèche droite [</a:t>
-            </a:r>
-            <a:r>
-              <a:rPr lang="fr-FR" sz="2000" i="1" dirty="0">
-                <a:solidFill>
-                  <a:schemeClr val="tx1">
-                    <a:lumMod val="50000"/>
-                    <a:lumOff val="50000"/>
-                  </a:schemeClr>
-                </a:solidFill>
-                <a:sym typeface="Wingdings" pitchFamily="2" charset="2"/>
-              </a:rPr>
-              <a:t></a:t>
-            </a:r>
-            <a:r>
-              <a:rPr lang="fr-FR" sz="2000" i="1" dirty="0">
-                <a:solidFill>
-                  <a:schemeClr val="tx1">
-                    <a:lumMod val="50000"/>
-                    <a:lumOff val="50000"/>
-                  </a:schemeClr>
-                </a:solidFill>
-              </a:rPr>
-              <a:t>] pour continuer ou sur la flèche gauche [</a:t>
-            </a:r>
-            <a:r>
-              <a:rPr lang="fr-FR" sz="2000" i="1" dirty="0">
-                <a:solidFill>
-                  <a:schemeClr val="tx1">
-                    <a:lumMod val="50000"/>
-                    <a:lumOff val="50000"/>
-                  </a:schemeClr>
-                </a:solidFill>
-                <a:sym typeface="Wingdings" pitchFamily="2" charset="2"/>
-              </a:rPr>
-              <a:t>] pour revenir en arrière</a:t>
-            </a:r>
-            <a:endParaRPr lang="fr-FR" sz="2000" i="1" dirty="0">
-              <a:solidFill>
-                <a:schemeClr val="tx1">
-                  <a:lumMod val="50000"/>
-                  <a:lumOff val="50000"/>
-                </a:schemeClr>
-              </a:solidFill>
-            </a:endParaRPr>
-          </a:p>
-        </p:txBody>
-      </p:sp>
-      <p:sp>
-        <p:nvSpPr>
-          <p:cNvPr id="4" name="Rectángulo 3">
-            <a:extLst>
-              <a:ext uri="{FF2B5EF4-FFF2-40B4-BE49-F238E27FC236}">
-                <a16:creationId xmlns:a16="http://schemas.microsoft.com/office/drawing/2014/main" id="{B34BF889-E4E5-4A4D-9F95-F6683AE17FD0}"/>
-              </a:ext>
-            </a:extLst>
-          </p:cNvPr>
-          <p:cNvSpPr/>
-          <p:nvPr/>
-        </p:nvSpPr>
-        <p:spPr>
-          <a:xfrm>
-            <a:off x="2401824" y="3108960"/>
-            <a:ext cx="6888480" cy="2377440"/>
+            <a:off x="1874204" y="101416"/>
+            <a:ext cx="8443609" cy="830997"/>
           </a:xfrm>
           <a:prstGeom prst="rect">
             <a:avLst/>
           </a:prstGeom>
           <a:noFill/>
         </p:spPr>
-        <p:style>
-          <a:lnRef idx="2">
-            <a:schemeClr val="dk1"/>
-          </a:lnRef>
-          <a:fillRef idx="1">
-            <a:schemeClr val="lt1"/>
-          </a:fillRef>
-          <a:effectRef idx="0">
-            <a:schemeClr val="dk1"/>
-          </a:effectRef>
-          <a:fontRef idx="minor">
-            <a:schemeClr val="dk1"/>
-          </a:fontRef>
-        </p:style>
-        <p:txBody>
-          <a:bodyPr rtlCol="0" anchor="ctr"/>
-          <a:lstStyle/>
-          <a:p>
-            <a:pPr algn="ctr"/>
-            <a:endParaRPr lang="en-GB"/>
+        <p:txBody>
+          <a:bodyPr wrap="square" rtlCol="0">
+            <a:spAutoFit/>
+          </a:bodyPr>
+          <a:lstStyle/>
+          <a:p>
+            <a:pPr algn="ctr"/>
+            <a:r>
+              <a:rPr lang="fr-FR" sz="2400" b="1" dirty="0">
+                <a:solidFill>
+                  <a:srgbClr val="0070C0"/>
+                </a:solidFill>
+              </a:rPr>
+              <a:t>PHASE DE DÉCISION: CHOIX RISQUÉ</a:t>
+            </a:r>
+            <a:endParaRPr lang="en-GB" sz="2400" dirty="0"/>
+          </a:p>
+          <a:p>
+            <a:pPr algn="ctr"/>
+            <a:endParaRPr lang="en-GB" sz="2400" dirty="0"/>
           </a:p>
         </p:txBody>
       </p:sp>
@@ -6441,8 +6259,8 @@
         </p:nvSpPr>
         <p:spPr>
           <a:xfrm>
-            <a:off x="838200" y="1339879"/>
-            <a:ext cx="10515600" cy="4690305"/>
+            <a:off x="648245" y="2304043"/>
+            <a:ext cx="10705555" cy="3832907"/>
           </a:xfrm>
         </p:spPr>
         <p:txBody>
@@ -6451,71 +6269,131 @@
           </a:bodyPr>
           <a:lstStyle/>
           <a:p>
+            <a:pPr marL="0" indent="0" algn="ctr">
+              <a:buNone/>
+            </a:pPr>
+            <a:r>
+              <a:rPr lang="fr-FR" sz="2400" i="1" dirty="0"/>
+              <a:t>Vous recevez une somme initiale de 50 euros. Quelle option allez-vous choisir ?</a:t>
+            </a:r>
+          </a:p>
+          <a:p>
             <a:pPr marL="0" indent="0" algn="just">
               <a:buNone/>
             </a:pPr>
-            <a:r>
-              <a:rPr lang="fr-FR" sz="2000" dirty="0"/>
-              <a:t>Durant la « </a:t>
-            </a:r>
-            <a:r>
-              <a:rPr lang="fr-FR" sz="2000" dirty="0">
+            <a:endParaRPr lang="fr-FR" sz="2400" dirty="0"/>
+          </a:p>
+          <a:p>
+            <a:pPr marL="0" indent="0" algn="just">
+              <a:buNone/>
+            </a:pPr>
+            <a:r>
+              <a:rPr lang="fr-FR" sz="2400" dirty="0">
                 <a:solidFill>
                   <a:srgbClr val="FF0000"/>
                 </a:solidFill>
               </a:rPr>
-              <a:t>phase de prédiction </a:t>
-            </a:r>
-            <a:r>
-              <a:rPr lang="fr-FR" sz="2000" dirty="0"/>
-              <a:t>», vous devrez prédire les choix d’autres participants ayant participé au même jeu d´argent avant vous. </a:t>
+              <a:t>                                    </a:t>
+            </a:r>
+            <a:r>
+              <a:rPr lang="fr-FR" sz="2400" dirty="0"/>
+              <a:t>Option sûre</a:t>
+            </a:r>
+            <a:r>
+              <a:rPr lang="fr-FR" sz="2400" dirty="0">
+                <a:solidFill>
+                  <a:srgbClr val="FF0000"/>
+                </a:solidFill>
+              </a:rPr>
+              <a:t>                                 </a:t>
+            </a:r>
+            <a:r>
+              <a:rPr lang="fr-FR" sz="2400" dirty="0"/>
+              <a:t>Option risquée</a:t>
             </a:r>
           </a:p>
           <a:p>
             <a:pPr marL="0" indent="0" algn="just">
               <a:buNone/>
             </a:pPr>
-            <a:endParaRPr lang="fr-FR" sz="2000" dirty="0"/>
-          </a:p>
-          <a:p>
-            <a:pPr marL="0" indent="0">
-              <a:buNone/>
-            </a:pPr>
-            <a:r>
-              <a:rPr lang="fr-FR" sz="2000" dirty="0"/>
-              <a:t>Ici, nous évaluerons votre capacité à comprendre et à anticiper la prise de risque d´autres personnes. Vous aurez la possibilité d´améliorer progressivement vos prédictions. En effet, après chaque prédictions, nous vous dirons si elle était correcte ou non. </a:t>
-            </a:r>
-          </a:p>
-          <a:p>
-            <a:pPr marL="0" indent="0">
-              <a:buNone/>
-            </a:pPr>
-            <a:endParaRPr lang="fr-FR" sz="2000" dirty="0"/>
-          </a:p>
-          <a:p>
-            <a:pPr marL="0" indent="0">
-              <a:buNone/>
-            </a:pPr>
-            <a:r>
-              <a:rPr lang="fr-FR" sz="2000" dirty="0"/>
-              <a:t>Vous devrez effectuer ce jeu plusieurs fois. Attention : chaque phase de prédiction correspond à un participant diffèrent qui pourra être plus ou moins prudent(e) que la normale. </a:t>
-            </a:r>
-            <a:endParaRPr lang="es-FR" sz="2000" dirty="0"/>
+            <a:endParaRPr lang="fr-FR" sz="2400" dirty="0"/>
           </a:p>
           <a:p>
             <a:pPr marL="0" indent="0" algn="just">
               <a:buNone/>
             </a:pPr>
-            <a:endParaRPr lang="fr-FR" sz="2000" dirty="0"/>
-          </a:p>
-        </p:txBody>
-      </p:sp>
-      <p:sp>
-        <p:nvSpPr>
-          <p:cNvPr id="6" name="Rectángulo 5">
+            <a:endParaRPr lang="fr-FR" sz="2400" dirty="0"/>
+          </a:p>
+          <a:p>
+            <a:pPr marL="0" indent="0" algn="just">
+              <a:buNone/>
+            </a:pPr>
+            <a:r>
+              <a:rPr lang="fr-FR" sz="2400" dirty="0"/>
+              <a:t>		      Garder 13 euros            vs. </a:t>
+            </a:r>
+          </a:p>
+          <a:p>
+            <a:pPr marL="0" indent="0" algn="just">
+              <a:buNone/>
+            </a:pPr>
+            <a:endParaRPr lang="fr-FR" sz="2400" dirty="0"/>
+          </a:p>
+          <a:p>
+            <a:pPr marL="0" indent="0" algn="just">
+              <a:buNone/>
+            </a:pPr>
+            <a:endParaRPr lang="fr-FR" sz="2400" dirty="0"/>
+          </a:p>
+          <a:p>
+            <a:pPr marL="0" indent="0" algn="just">
+              <a:buNone/>
+            </a:pPr>
+            <a:endParaRPr lang="fr-FR" sz="2400" dirty="0"/>
+          </a:p>
+        </p:txBody>
+      </p:sp>
+      <p:pic>
+        <p:nvPicPr>
+          <p:cNvPr id="6" name="Imagen 5" descr="Imagen que contiene cd&#10;&#10;Descripción generada automáticamente">
             <a:extLst>
               <a:ext uri="{FF2B5EF4-FFF2-40B4-BE49-F238E27FC236}">
-                <a16:creationId xmlns:a16="http://schemas.microsoft.com/office/drawing/2014/main" id="{4280B72D-014F-7C4A-BDC1-1F7C1AE5B6C5}"/>
+                <a16:creationId xmlns:a16="http://schemas.microsoft.com/office/drawing/2014/main" id="{AB879153-7034-454E-A9DD-67142BFF7BE4}"/>
+              </a:ext>
+            </a:extLst>
+          </p:cNvPr>
+          <p:cNvPicPr>
+            <a:picLocks noChangeAspect="1"/>
+          </p:cNvPicPr>
+          <p:nvPr/>
+        </p:nvPicPr>
+        <p:blipFill rotWithShape="1">
+          <a:blip r:embed="rId2">
+            <a:extLst>
+              <a:ext uri="{28A0092B-C50C-407E-A947-70E740481C1C}">
+                <a14:useLocalDpi xmlns:a14="http://schemas.microsoft.com/office/drawing/2010/main" val="0"/>
+              </a:ext>
+            </a:extLst>
+          </a:blip>
+          <a:srcRect l="15920" t="20240" r="13521" b="13640"/>
+          <a:stretch/>
+        </p:blipFill>
+        <p:spPr>
+          <a:xfrm>
+            <a:off x="7101746" y="3959011"/>
+            <a:ext cx="1792224" cy="1679448"/>
+          </a:xfrm>
+          <a:prstGeom prst="rect">
+            <a:avLst/>
+          </a:prstGeom>
+        </p:spPr>
+      </p:pic>
+      <p:sp>
+        <p:nvSpPr>
+          <p:cNvPr id="8" name="Rectángulo 7">
+            <a:extLst>
+              <a:ext uri="{FF2B5EF4-FFF2-40B4-BE49-F238E27FC236}">
+                <a16:creationId xmlns:a16="http://schemas.microsoft.com/office/drawing/2014/main" id="{3185A225-8110-D840-8071-BC74BD54C6B1}"/>
               </a:ext>
             </a:extLst>
           </p:cNvPr>
@@ -6524,131 +6402,269 @@
         </p:nvSpPr>
         <p:spPr>
           <a:xfrm>
-            <a:off x="420618" y="488080"/>
-            <a:ext cx="3533340" cy="577850"/>
+            <a:off x="2380488" y="2852658"/>
+            <a:ext cx="7239000" cy="3652775"/>
           </a:xfrm>
           <a:prstGeom prst="rect">
             <a:avLst/>
           </a:prstGeom>
-        </p:spPr>
-        <p:txBody>
-          <a:bodyPr wrap="none">
-            <a:spAutoFit/>
-          </a:bodyPr>
-          <a:lstStyle/>
-          <a:p>
-            <a:pPr algn="just">
-              <a:lnSpc>
-                <a:spcPct val="150000"/>
-              </a:lnSpc>
-              <a:spcBef>
-                <a:spcPts val="200"/>
-              </a:spcBef>
-              <a:spcAft>
-                <a:spcPts val="0"/>
-              </a:spcAft>
-            </a:pPr>
-            <a:r>
-              <a:rPr lang="fr-FR" sz="2400" b="1" dirty="0">
-                <a:solidFill>
-                  <a:srgbClr val="2E74B5"/>
-                </a:solidFill>
-                <a:latin typeface="Arial" panose="020B0604020202020204" pitchFamily="34" charset="0"/>
-                <a:cs typeface="Times New Roman" panose="02020603050405020304" pitchFamily="18" charset="0"/>
-              </a:rPr>
-              <a:t>2. Phase de prédiction </a:t>
-            </a:r>
-          </a:p>
-        </p:txBody>
-      </p:sp>
-      <p:sp>
-        <p:nvSpPr>
-          <p:cNvPr id="5" name="Rectangle 3">
-            <a:extLst>
-              <a:ext uri="{FF2B5EF4-FFF2-40B4-BE49-F238E27FC236}">
-                <a16:creationId xmlns:a16="http://schemas.microsoft.com/office/drawing/2014/main" id="{F7258FF3-E7FF-604E-B675-45D1C8B294DA}"/>
-              </a:ext>
-            </a:extLst>
-          </p:cNvPr>
-          <p:cNvSpPr/>
+          <a:noFill/>
+        </p:spPr>
+        <p:style>
+          <a:lnRef idx="2">
+            <a:schemeClr val="dk1"/>
+          </a:lnRef>
+          <a:fillRef idx="1">
+            <a:schemeClr val="lt1"/>
+          </a:fillRef>
+          <a:effectRef idx="0">
+            <a:schemeClr val="dk1"/>
+          </a:effectRef>
+          <a:fontRef idx="minor">
+            <a:schemeClr val="dk1"/>
+          </a:fontRef>
+        </p:style>
+        <p:txBody>
+          <a:bodyPr rtlCol="0" anchor="ctr"/>
+          <a:lstStyle/>
+          <a:p>
+            <a:pPr algn="ctr"/>
+            <a:endParaRPr lang="en-GB"/>
+          </a:p>
+        </p:txBody>
+      </p:sp>
+      <p:sp>
+        <p:nvSpPr>
+          <p:cNvPr id="9" name="ZoneTexte 8"/>
+          <p:cNvSpPr txBox="1"/>
           <p:nvPr/>
         </p:nvSpPr>
         <p:spPr>
           <a:xfrm>
-            <a:off x="905636" y="6104078"/>
-            <a:ext cx="10380727" cy="400110"/>
+            <a:off x="1874204" y="192401"/>
+            <a:ext cx="8443609" cy="830997"/>
           </a:xfrm>
           <a:prstGeom prst="rect">
             <a:avLst/>
           </a:prstGeom>
-        </p:spPr>
-        <p:txBody>
-          <a:bodyPr wrap="none">
+          <a:noFill/>
+        </p:spPr>
+        <p:txBody>
+          <a:bodyPr wrap="square" rtlCol="0">
             <a:spAutoFit/>
           </a:bodyPr>
           <a:lstStyle/>
           <a:p>
-            <a:r>
-              <a:rPr lang="fr-FR" sz="2000" i="1" dirty="0">
+            <a:pPr algn="ctr"/>
+            <a:r>
+              <a:rPr lang="fr-FR" sz="2400" b="1" dirty="0">
                 <a:solidFill>
-                  <a:schemeClr val="tx1">
-                    <a:lumMod val="50000"/>
-                    <a:lumOff val="50000"/>
-                  </a:schemeClr>
+                  <a:srgbClr val="0070C0"/>
                 </a:solidFill>
               </a:rPr>
-              <a:t>Appuyez sur la flèche droite [</a:t>
-            </a:r>
-            <a:r>
-              <a:rPr lang="fr-FR" sz="2000" i="1" dirty="0">
-                <a:solidFill>
-                  <a:schemeClr val="tx1">
-                    <a:lumMod val="50000"/>
-                    <a:lumOff val="50000"/>
-                  </a:schemeClr>
-                </a:solidFill>
-                <a:sym typeface="Wingdings" pitchFamily="2" charset="2"/>
-              </a:rPr>
-              <a:t></a:t>
-            </a:r>
-            <a:r>
-              <a:rPr lang="fr-FR" sz="2000" i="1" dirty="0">
-                <a:solidFill>
-                  <a:schemeClr val="tx1">
-                    <a:lumMod val="50000"/>
-                    <a:lumOff val="50000"/>
-                  </a:schemeClr>
-                </a:solidFill>
-              </a:rPr>
-              <a:t>] pour continuer ou sur la flèche gauche [</a:t>
-            </a:r>
-            <a:r>
-              <a:rPr lang="fr-FR" sz="2000" i="1" dirty="0">
-                <a:solidFill>
-                  <a:schemeClr val="tx1">
-                    <a:lumMod val="50000"/>
-                    <a:lumOff val="50000"/>
-                  </a:schemeClr>
-                </a:solidFill>
-                <a:sym typeface="Wingdings" pitchFamily="2" charset="2"/>
-              </a:rPr>
-              <a:t>] pour revenir en arrière</a:t>
-            </a:r>
-            <a:endParaRPr lang="fr-FR" sz="2000" i="1" dirty="0">
-              <a:solidFill>
-                <a:schemeClr val="tx1">
-                  <a:lumMod val="50000"/>
-                  <a:lumOff val="50000"/>
-                </a:schemeClr>
-              </a:solidFill>
-            </a:endParaRPr>
+              <a:t>PHASE DE PRÉDICTION: CHOIX RISQUÉ</a:t>
+            </a:r>
+            <a:endParaRPr lang="en-GB" sz="2400" dirty="0"/>
+          </a:p>
+          <a:p>
+            <a:pPr algn="ctr"/>
+            <a:endParaRPr lang="en-GB" sz="2400" dirty="0"/>
+          </a:p>
+        </p:txBody>
+      </p:sp>
+      <p:sp>
+        <p:nvSpPr>
+          <p:cNvPr id="2" name="Rectangle 1"/>
+          <p:cNvSpPr/>
+          <p:nvPr/>
+        </p:nvSpPr>
+        <p:spPr>
+          <a:xfrm>
+            <a:off x="764274" y="911728"/>
+            <a:ext cx="10589525" cy="830997"/>
+          </a:xfrm>
+          <a:prstGeom prst="rect">
+            <a:avLst/>
+          </a:prstGeom>
+        </p:spPr>
+        <p:txBody>
+          <a:bodyPr wrap="square">
+            <a:spAutoFit/>
+          </a:bodyPr>
+          <a:lstStyle/>
+          <a:p>
+            <a:pPr algn="just"/>
+            <a:r>
+              <a:rPr lang="fr-FR" sz="2400" dirty="0"/>
+              <a:t>A chaque essai, regardez les deux options qui vous sont présentées et indiquez celle que vous préférez en cliquant sur le bouton « je choisis cette option ! »:</a:t>
+            </a:r>
+          </a:p>
+        </p:txBody>
+      </p:sp>
+      <p:sp>
+        <p:nvSpPr>
+          <p:cNvPr id="11" name="Rectangle 10"/>
+          <p:cNvSpPr/>
+          <p:nvPr/>
+        </p:nvSpPr>
+        <p:spPr>
+          <a:xfrm>
+            <a:off x="2702255" y="5859438"/>
+            <a:ext cx="2711355" cy="432179"/>
+          </a:xfrm>
+          <a:prstGeom prst="rect">
+            <a:avLst/>
+          </a:prstGeom>
+          <a:solidFill>
+            <a:schemeClr val="bg2">
+              <a:lumMod val="90000"/>
+            </a:schemeClr>
+          </a:solidFill>
+          <a:ln>
+            <a:solidFill>
+              <a:schemeClr val="tx1"/>
+            </a:solidFill>
+          </a:ln>
+        </p:spPr>
+        <p:style>
+          <a:lnRef idx="2">
+            <a:schemeClr val="accent1">
+              <a:shade val="50000"/>
+            </a:schemeClr>
+          </a:lnRef>
+          <a:fillRef idx="1">
+            <a:schemeClr val="accent1"/>
+          </a:fillRef>
+          <a:effectRef idx="0">
+            <a:schemeClr val="accent1"/>
+          </a:effectRef>
+          <a:fontRef idx="minor">
+            <a:schemeClr val="lt1"/>
+          </a:fontRef>
+        </p:style>
+        <p:txBody>
+          <a:bodyPr rtlCol="0" anchor="ctr"/>
+          <a:lstStyle/>
+          <a:p>
+            <a:pPr algn="ctr"/>
+            <a:endParaRPr lang="fr-FR"/>
+          </a:p>
+        </p:txBody>
+      </p:sp>
+      <p:sp>
+        <p:nvSpPr>
+          <p:cNvPr id="12" name="ZoneTexte 11"/>
+          <p:cNvSpPr txBox="1"/>
+          <p:nvPr/>
+        </p:nvSpPr>
+        <p:spPr>
+          <a:xfrm>
+            <a:off x="2813711" y="5890861"/>
+            <a:ext cx="2488442" cy="369332"/>
+          </a:xfrm>
+          <a:prstGeom prst="rect">
+            <a:avLst/>
+          </a:prstGeom>
+          <a:noFill/>
+        </p:spPr>
+        <p:txBody>
+          <a:bodyPr wrap="square" rtlCol="0">
+            <a:spAutoFit/>
+          </a:bodyPr>
+          <a:lstStyle/>
+          <a:p>
+            <a:pPr algn="ctr"/>
+            <a:r>
+              <a:rPr lang="fr-FR" dirty="0"/>
+              <a:t>Je choisis cette option</a:t>
+            </a:r>
+          </a:p>
+        </p:txBody>
+      </p:sp>
+      <p:sp>
+        <p:nvSpPr>
+          <p:cNvPr id="13" name="Rectangle 12"/>
+          <p:cNvSpPr/>
+          <p:nvPr/>
+        </p:nvSpPr>
+        <p:spPr>
+          <a:xfrm>
+            <a:off x="6657864" y="5857162"/>
+            <a:ext cx="2711355" cy="432179"/>
+          </a:xfrm>
+          <a:prstGeom prst="rect">
+            <a:avLst/>
+          </a:prstGeom>
+          <a:solidFill>
+            <a:schemeClr val="bg2">
+              <a:lumMod val="90000"/>
+            </a:schemeClr>
+          </a:solidFill>
+          <a:ln>
+            <a:solidFill>
+              <a:schemeClr val="tx1"/>
+            </a:solidFill>
+          </a:ln>
+        </p:spPr>
+        <p:style>
+          <a:lnRef idx="2">
+            <a:schemeClr val="accent1">
+              <a:shade val="50000"/>
+            </a:schemeClr>
+          </a:lnRef>
+          <a:fillRef idx="1">
+            <a:schemeClr val="accent1"/>
+          </a:fillRef>
+          <a:effectRef idx="0">
+            <a:schemeClr val="accent1"/>
+          </a:effectRef>
+          <a:fontRef idx="minor">
+            <a:schemeClr val="lt1"/>
+          </a:fontRef>
+        </p:style>
+        <p:txBody>
+          <a:bodyPr rtlCol="0" anchor="ctr"/>
+          <a:lstStyle/>
+          <a:p>
+            <a:pPr algn="ctr"/>
+            <a:endParaRPr lang="fr-FR"/>
+          </a:p>
+        </p:txBody>
+      </p:sp>
+      <p:sp>
+        <p:nvSpPr>
+          <p:cNvPr id="14" name="ZoneTexte 13"/>
+          <p:cNvSpPr txBox="1"/>
+          <p:nvPr/>
+        </p:nvSpPr>
+        <p:spPr>
+          <a:xfrm>
+            <a:off x="6769320" y="5888585"/>
+            <a:ext cx="2488442" cy="369332"/>
+          </a:xfrm>
+          <a:prstGeom prst="rect">
+            <a:avLst/>
+          </a:prstGeom>
+          <a:noFill/>
+        </p:spPr>
+        <p:txBody>
+          <a:bodyPr wrap="square" rtlCol="0">
+            <a:spAutoFit/>
+          </a:bodyPr>
+          <a:lstStyle/>
+          <a:p>
+            <a:pPr algn="ctr"/>
+            <a:r>
+              <a:rPr lang="fr-FR" dirty="0"/>
+              <a:t>Je choisis cette option</a:t>
+            </a:r>
           </a:p>
         </p:txBody>
       </p:sp>
     </p:spTree>
     <p:extLst>
       <p:ext uri="{BB962C8B-B14F-4D97-AF65-F5344CB8AC3E}">
-        <p14:creationId xmlns:p14="http://schemas.microsoft.com/office/powerpoint/2010/main" val="4101977217"/>
+        <p14:creationId xmlns:p14="http://schemas.microsoft.com/office/powerpoint/2010/main" val="1643585439"/>
       </p:ext>
     </p:extLst>
   </p:cSld>
@@ -6687,382 +6703,118 @@
         </p:nvSpPr>
         <p:spPr>
           <a:xfrm>
-            <a:off x="648245" y="716347"/>
-            <a:ext cx="10705555" cy="5653572"/>
+            <a:off x="838200" y="1339879"/>
+            <a:ext cx="10515600" cy="4690305"/>
           </a:xfrm>
         </p:spPr>
         <p:txBody>
           <a:bodyPr>
-            <a:normAutofit fontScale="92500" lnSpcReduction="20000"/>
+            <a:normAutofit/>
           </a:bodyPr>
           <a:lstStyle/>
           <a:p>
-            <a:pPr marL="0" indent="0" algn="just">
-              <a:buNone/>
-            </a:pPr>
-            <a:r>
-              <a:rPr lang="fr-FR" sz="1900" dirty="0"/>
-              <a:t>Dans cette tache, vous devez deviner les choix qu'a fait une autre personne dans la tache de décision précédente (</a:t>
-            </a:r>
-            <a:r>
-              <a:rPr lang="fr-FR" sz="1900" dirty="0">
+            <a:pPr marL="0" indent="0" algn="ctr">
+              <a:buNone/>
+            </a:pPr>
+            <a:r>
+              <a:rPr lang="fr-FR" sz="2400" dirty="0"/>
+              <a:t>Durant la « phase de prédiction</a:t>
+            </a:r>
+            <a:r>
+              <a:rPr lang="fr-FR" sz="2400" dirty="0">
                 <a:solidFill>
                   <a:srgbClr val="FF0000"/>
                 </a:solidFill>
               </a:rPr>
-              <a:t>34 choix, </a:t>
-            </a:r>
-            <a:r>
-              <a:rPr lang="fr-FR" sz="1900" dirty="0"/>
-              <a:t>comme pour vous). Rappelez-vous que cette personne peut être plus ou moins prudente que la moyenne.</a:t>
-            </a:r>
-          </a:p>
-          <a:p>
-            <a:pPr marL="0" indent="0" algn="just">
-              <a:buNone/>
-            </a:pPr>
-            <a:endParaRPr lang="fr-FR" sz="1900" dirty="0"/>
+              <a:t> </a:t>
+            </a:r>
+            <a:r>
+              <a:rPr lang="fr-FR" sz="2400" dirty="0"/>
+              <a:t>», vous devrez prédire les choix d’autres participants ayant participé au même jeu d´argent avant vous. </a:t>
+            </a:r>
           </a:p>
           <a:p>
             <a:pPr marL="0" indent="0" algn="ctr">
               <a:buNone/>
             </a:pPr>
-            <a:r>
-              <a:rPr lang="fr-FR" sz="1900" i="1" dirty="0"/>
-              <a:t>Julia reçoit une somme initial de 50 euros. Quelle option va t-elle choisir ?</a:t>
-            </a:r>
-          </a:p>
-          <a:p>
-            <a:pPr marL="0" indent="0" algn="just">
-              <a:buNone/>
-            </a:pPr>
-            <a:endParaRPr lang="fr-FR" sz="1900" dirty="0"/>
-          </a:p>
-          <a:p>
-            <a:pPr marL="0" indent="0" algn="just">
-              <a:buNone/>
-            </a:pPr>
-            <a:r>
-              <a:rPr lang="fr-FR" sz="1900" dirty="0">
-                <a:solidFill>
-                  <a:srgbClr val="FF0000"/>
-                </a:solidFill>
-              </a:rPr>
-              <a:t>                                          Option sûre                                                                      Option risquée</a:t>
-            </a:r>
-          </a:p>
-          <a:p>
-            <a:pPr marL="0" indent="0" algn="just">
-              <a:buNone/>
-            </a:pPr>
-            <a:endParaRPr lang="fr-FR" sz="1900" dirty="0"/>
-          </a:p>
-          <a:p>
-            <a:pPr marL="0" indent="0" algn="just">
-              <a:buNone/>
-            </a:pPr>
-            <a:endParaRPr lang="fr-FR" sz="1900" dirty="0"/>
-          </a:p>
-          <a:p>
-            <a:pPr marL="0" indent="0" algn="just">
-              <a:buNone/>
-            </a:pPr>
-            <a:r>
-              <a:rPr lang="fr-FR" sz="1900" dirty="0"/>
-              <a:t>		  Garder 13 euros                                vs. </a:t>
-            </a:r>
-          </a:p>
-          <a:p>
-            <a:pPr marL="0" indent="0" algn="just">
-              <a:buNone/>
-            </a:pPr>
-            <a:endParaRPr lang="fr-FR" sz="1900" dirty="0"/>
-          </a:p>
-          <a:p>
-            <a:pPr marL="0" indent="0" algn="just">
-              <a:buNone/>
-            </a:pPr>
-            <a:endParaRPr lang="fr-FR" sz="1900" dirty="0"/>
-          </a:p>
-          <a:p>
-            <a:pPr marL="0" indent="0" algn="just">
-              <a:buNone/>
-            </a:pPr>
-            <a:endParaRPr lang="fr-FR" sz="1900" dirty="0"/>
-          </a:p>
-          <a:p>
-            <a:pPr marL="0" indent="0" algn="just">
-              <a:buNone/>
-            </a:pPr>
-            <a:r>
-              <a:rPr lang="fr-FR" sz="1900" dirty="0"/>
-              <a:t>A chaque essai, regardez les deux options qui ont été présentées à l’autre personne et indiquez celle que vous pensez qu’elle a choisi en cliquant sur le bouton "Il / Elle choisira cette option !". Nous vous informerons alors si votre prédiction était correcte ou non. </a:t>
-            </a:r>
-          </a:p>
-          <a:p>
-            <a:pPr marL="0" indent="0" algn="just">
-              <a:buNone/>
-            </a:pPr>
-            <a:r>
-              <a:rPr lang="fr-FR" sz="1900" dirty="0"/>
-              <a:t>Si vous aviez raison, vous verrez sur l’écran : </a:t>
-            </a:r>
-            <a:r>
-              <a:rPr lang="fr-FR" sz="1900" dirty="0">
-                <a:solidFill>
-                  <a:srgbClr val="00B050"/>
-                </a:solidFill>
-              </a:rPr>
-              <a:t>'Bien joué! Il / Elle a effectivement choisi cette option</a:t>
-            </a:r>
-            <a:r>
-              <a:rPr lang="fr-FR" sz="1900" dirty="0"/>
-              <a:t>´.</a:t>
-            </a:r>
-          </a:p>
-          <a:p>
-            <a:pPr marL="0" indent="0" algn="just">
-              <a:buNone/>
-            </a:pPr>
-            <a:r>
-              <a:rPr lang="fr-FR" sz="1900" dirty="0"/>
-              <a:t>Si vous vous êtes trompé, vous verrez sur l’écran : </a:t>
-            </a:r>
-            <a:r>
-              <a:rPr lang="fr-FR" sz="1900" dirty="0">
-                <a:solidFill>
-                  <a:srgbClr val="C00000"/>
-                </a:solidFill>
-              </a:rPr>
-              <a:t>'Désolé, il / elle a choisi l'autre option</a:t>
-            </a:r>
-            <a:r>
-              <a:rPr lang="fr-FR" sz="1900" dirty="0"/>
-              <a:t>.’</a:t>
-            </a:r>
-            <a:endParaRPr lang="fr-FR" sz="1800" dirty="0"/>
-          </a:p>
-        </p:txBody>
-      </p:sp>
-      <p:sp>
-        <p:nvSpPr>
-          <p:cNvPr id="5" name="Rectángulo 4">
-            <a:extLst>
-              <a:ext uri="{FF2B5EF4-FFF2-40B4-BE49-F238E27FC236}">
-                <a16:creationId xmlns:a16="http://schemas.microsoft.com/office/drawing/2014/main" id="{7341A93F-6626-504F-B534-D779E9399A22}"/>
-              </a:ext>
-            </a:extLst>
-          </p:cNvPr>
-          <p:cNvSpPr/>
+            <a:endParaRPr lang="fr-FR" sz="2400" dirty="0"/>
+          </a:p>
+          <a:p>
+            <a:pPr marL="0" indent="0" algn="ctr">
+              <a:buNone/>
+            </a:pPr>
+            <a:r>
+              <a:rPr lang="fr-FR" sz="2400" dirty="0"/>
+              <a:t>Ici, nous évaluerons votre capacité à comprendre et à anticiper la prise de risque d´autres personnes. Vous aurez la possibilité d´améliorer progressivement vos prédictions. En effet, après chaque prédiction, nous vous dirons si elle était correcte ou non. </a:t>
+            </a:r>
+          </a:p>
+          <a:p>
+            <a:pPr marL="0" indent="0" algn="ctr">
+              <a:buNone/>
+            </a:pPr>
+            <a:endParaRPr lang="fr-FR" sz="2400" dirty="0"/>
+          </a:p>
+          <a:p>
+            <a:pPr marL="0" indent="0" algn="ctr">
+              <a:buNone/>
+            </a:pPr>
+            <a:r>
+              <a:rPr lang="fr-FR" sz="2400" dirty="0"/>
+              <a:t>Vous devrez effectuer ce jeu plusieurs fois. Attention : chaque phase de prédiction correspond à un participant différent qui pourra être plus ou moins prudent(e) que la normale. </a:t>
+            </a:r>
+            <a:endParaRPr lang="es-FR" sz="2400" dirty="0"/>
+          </a:p>
+          <a:p>
+            <a:pPr marL="0" indent="0" algn="ctr">
+              <a:buNone/>
+            </a:pPr>
+            <a:endParaRPr lang="fr-FR" sz="2400" dirty="0"/>
+          </a:p>
+        </p:txBody>
+      </p:sp>
+      <p:sp>
+        <p:nvSpPr>
+          <p:cNvPr id="7" name="ZoneTexte 6"/>
+          <p:cNvSpPr txBox="1"/>
           <p:nvPr/>
         </p:nvSpPr>
         <p:spPr>
           <a:xfrm>
-            <a:off x="419817" y="232313"/>
-            <a:ext cx="2975495" cy="496931"/>
-          </a:xfrm>
-          <a:prstGeom prst="rect">
-            <a:avLst/>
-          </a:prstGeom>
-        </p:spPr>
-        <p:txBody>
-          <a:bodyPr wrap="none">
-            <a:spAutoFit/>
-          </a:bodyPr>
-          <a:lstStyle/>
-          <a:p>
-            <a:pPr algn="just">
-              <a:lnSpc>
-                <a:spcPct val="150000"/>
-              </a:lnSpc>
-              <a:spcBef>
-                <a:spcPts val="200"/>
-              </a:spcBef>
-              <a:spcAft>
-                <a:spcPts val="0"/>
-              </a:spcAft>
-            </a:pPr>
-            <a:r>
-              <a:rPr lang="fr-FR" sz="2000" b="1" dirty="0">
-                <a:solidFill>
-                  <a:srgbClr val="2E74B5"/>
-                </a:solidFill>
-                <a:latin typeface="Arial" panose="020B0604020202020204" pitchFamily="34" charset="0"/>
-                <a:cs typeface="Times New Roman" panose="02020603050405020304" pitchFamily="18" charset="0"/>
-              </a:rPr>
-              <a:t>2. Phase de prédiction </a:t>
-            </a:r>
-          </a:p>
-        </p:txBody>
-      </p:sp>
-      <p:pic>
-        <p:nvPicPr>
-          <p:cNvPr id="6" name="Imagen 5" descr="Imagen que contiene cd&#10;&#10;Descripción generada automáticamente">
-            <a:extLst>
-              <a:ext uri="{FF2B5EF4-FFF2-40B4-BE49-F238E27FC236}">
-                <a16:creationId xmlns:a16="http://schemas.microsoft.com/office/drawing/2014/main" id="{AB879153-7034-454E-A9DD-67142BFF7BE4}"/>
-              </a:ext>
-            </a:extLst>
-          </p:cNvPr>
-          <p:cNvPicPr>
-            <a:picLocks noChangeAspect="1"/>
-          </p:cNvPicPr>
-          <p:nvPr/>
-        </p:nvPicPr>
-        <p:blipFill rotWithShape="1">
-          <a:blip r:embed="rId2">
-            <a:extLst>
-              <a:ext uri="{28A0092B-C50C-407E-A947-70E740481C1C}">
-                <a14:useLocalDpi xmlns:a14="http://schemas.microsoft.com/office/drawing/2010/main" val="0"/>
-              </a:ext>
-            </a:extLst>
-          </a:blip>
-          <a:srcRect l="15920" t="20240" r="13521" b="13640"/>
-          <a:stretch/>
-        </p:blipFill>
-        <p:spPr>
-          <a:xfrm>
-            <a:off x="7693152" y="2703409"/>
-            <a:ext cx="1792224" cy="1679448"/>
-          </a:xfrm>
-          <a:prstGeom prst="rect">
-            <a:avLst/>
-          </a:prstGeom>
-        </p:spPr>
-      </p:pic>
-      <p:sp>
-        <p:nvSpPr>
-          <p:cNvPr id="7" name="Rectangle 3">
-            <a:extLst>
-              <a:ext uri="{FF2B5EF4-FFF2-40B4-BE49-F238E27FC236}">
-                <a16:creationId xmlns:a16="http://schemas.microsoft.com/office/drawing/2014/main" id="{898F8EAA-E907-DD42-AA2B-C629B95113B2}"/>
-              </a:ext>
-            </a:extLst>
-          </p:cNvPr>
-          <p:cNvSpPr/>
-          <p:nvPr/>
-        </p:nvSpPr>
-        <p:spPr>
-          <a:xfrm>
-            <a:off x="905636" y="6225577"/>
-            <a:ext cx="10380727" cy="400110"/>
-          </a:xfrm>
-          <a:prstGeom prst="rect">
-            <a:avLst/>
-          </a:prstGeom>
-        </p:spPr>
-        <p:txBody>
-          <a:bodyPr wrap="none">
-            <a:spAutoFit/>
-          </a:bodyPr>
-          <a:lstStyle/>
-          <a:p>
-            <a:r>
-              <a:rPr lang="fr-FR" sz="2000" i="1" dirty="0">
-                <a:solidFill>
-                  <a:schemeClr val="tx1">
-                    <a:lumMod val="50000"/>
-                    <a:lumOff val="50000"/>
-                  </a:schemeClr>
-                </a:solidFill>
-              </a:rPr>
-              <a:t>Appuyez sur la flèche droite [</a:t>
-            </a:r>
-            <a:r>
-              <a:rPr lang="fr-FR" sz="2000" i="1" dirty="0">
-                <a:solidFill>
-                  <a:schemeClr val="tx1">
-                    <a:lumMod val="50000"/>
-                    <a:lumOff val="50000"/>
-                  </a:schemeClr>
-                </a:solidFill>
-                <a:sym typeface="Wingdings" pitchFamily="2" charset="2"/>
-              </a:rPr>
-              <a:t></a:t>
-            </a:r>
-            <a:r>
-              <a:rPr lang="fr-FR" sz="2000" i="1" dirty="0">
-                <a:solidFill>
-                  <a:schemeClr val="tx1">
-                    <a:lumMod val="50000"/>
-                    <a:lumOff val="50000"/>
-                  </a:schemeClr>
-                </a:solidFill>
-              </a:rPr>
-              <a:t>] pour continuer ou sur la flèche gauche [</a:t>
-            </a:r>
-            <a:r>
-              <a:rPr lang="fr-FR" sz="2000" i="1" dirty="0">
-                <a:solidFill>
-                  <a:schemeClr val="tx1">
-                    <a:lumMod val="50000"/>
-                    <a:lumOff val="50000"/>
-                  </a:schemeClr>
-                </a:solidFill>
-                <a:sym typeface="Wingdings" pitchFamily="2" charset="2"/>
-              </a:rPr>
-              <a:t>] pour revenir en arrière</a:t>
-            </a:r>
-            <a:endParaRPr lang="fr-FR" sz="2000" i="1" dirty="0">
-              <a:solidFill>
-                <a:schemeClr val="tx1">
-                  <a:lumMod val="50000"/>
-                  <a:lumOff val="50000"/>
-                </a:schemeClr>
-              </a:solidFill>
-            </a:endParaRPr>
-          </a:p>
-        </p:txBody>
-      </p:sp>
-      <p:sp>
-        <p:nvSpPr>
-          <p:cNvPr id="8" name="Rectángulo 7">
-            <a:extLst>
-              <a:ext uri="{FF2B5EF4-FFF2-40B4-BE49-F238E27FC236}">
-                <a16:creationId xmlns:a16="http://schemas.microsoft.com/office/drawing/2014/main" id="{3185A225-8110-D840-8071-BC74BD54C6B1}"/>
-              </a:ext>
-            </a:extLst>
-          </p:cNvPr>
-          <p:cNvSpPr/>
-          <p:nvPr/>
-        </p:nvSpPr>
-        <p:spPr>
-          <a:xfrm>
-            <a:off x="2380488" y="1383243"/>
-            <a:ext cx="7239000" cy="2999613"/>
+            <a:off x="1874204" y="237893"/>
+            <a:ext cx="8443609" cy="830997"/>
           </a:xfrm>
           <a:prstGeom prst="rect">
             <a:avLst/>
           </a:prstGeom>
           <a:noFill/>
         </p:spPr>
-        <p:style>
-          <a:lnRef idx="2">
-            <a:schemeClr val="dk1"/>
-          </a:lnRef>
-          <a:fillRef idx="1">
-            <a:schemeClr val="lt1"/>
-          </a:fillRef>
-          <a:effectRef idx="0">
-            <a:schemeClr val="dk1"/>
-          </a:effectRef>
-          <a:fontRef idx="minor">
-            <a:schemeClr val="dk1"/>
-          </a:fontRef>
-        </p:style>
-        <p:txBody>
-          <a:bodyPr rtlCol="0" anchor="ctr"/>
-          <a:lstStyle/>
-          <a:p>
-            <a:pPr algn="ctr"/>
-            <a:endParaRPr lang="en-GB"/>
+        <p:txBody>
+          <a:bodyPr wrap="square" rtlCol="0">
+            <a:spAutoFit/>
+          </a:bodyPr>
+          <a:lstStyle/>
+          <a:p>
+            <a:pPr algn="ctr"/>
+            <a:r>
+              <a:rPr lang="fr-FR" sz="2400" b="1" dirty="0">
+                <a:solidFill>
+                  <a:srgbClr val="0070C0"/>
+                </a:solidFill>
+              </a:rPr>
+              <a:t>PHASE DE PRÉDICTION: PRINCIPE</a:t>
+            </a:r>
+            <a:endParaRPr lang="en-GB" sz="2400" dirty="0"/>
+          </a:p>
+          <a:p>
+            <a:pPr algn="ctr"/>
+            <a:endParaRPr lang="en-GB" sz="2400" dirty="0"/>
           </a:p>
         </p:txBody>
       </p:sp>
     </p:spTree>
     <p:extLst>
       <p:ext uri="{BB962C8B-B14F-4D97-AF65-F5344CB8AC3E}">
-        <p14:creationId xmlns:p14="http://schemas.microsoft.com/office/powerpoint/2010/main" val="2322816937"/>
+        <p14:creationId xmlns:p14="http://schemas.microsoft.com/office/powerpoint/2010/main" val="4101977217"/>
       </p:ext>
     </p:extLst>
   </p:cSld>
@@ -7101,8 +6853,8 @@
         </p:nvSpPr>
         <p:spPr>
           <a:xfrm>
-            <a:off x="648245" y="916402"/>
-            <a:ext cx="10705555" cy="5653572"/>
+            <a:off x="648245" y="2304043"/>
+            <a:ext cx="10705555" cy="3832907"/>
           </a:xfrm>
         </p:spPr>
         <p:txBody>
@@ -7111,94 +6863,131 @@
           </a:bodyPr>
           <a:lstStyle/>
           <a:p>
+            <a:pPr marL="0" indent="0" algn="ctr">
+              <a:buNone/>
+            </a:pPr>
+            <a:r>
+              <a:rPr lang="fr-FR" sz="2400" i="1" dirty="0"/>
+              <a:t>Julia reçoit une somme initiale de 50 euros. Quelle option va t-elle choisir ?</a:t>
+            </a:r>
+          </a:p>
+          <a:p>
             <a:pPr marL="0" indent="0" algn="just">
               <a:buNone/>
             </a:pPr>
-            <a:r>
-              <a:rPr lang="fr-FR" sz="2000" dirty="0"/>
-              <a:t>Dans cette tache, pour certains essais, on vous demandera d’exprimer votre </a:t>
-            </a:r>
-            <a:r>
-              <a:rPr lang="fr-FR" sz="2000" dirty="0">
+            <a:endParaRPr lang="fr-FR" sz="2400" dirty="0"/>
+          </a:p>
+          <a:p>
+            <a:pPr marL="0" indent="0" algn="just">
+              <a:buNone/>
+            </a:pPr>
+            <a:r>
+              <a:rPr lang="fr-FR" sz="2400" dirty="0">
                 <a:solidFill>
                   <a:srgbClr val="FF0000"/>
                 </a:solidFill>
               </a:rPr>
-              <a:t>degré de certitude </a:t>
-            </a:r>
-            <a:r>
-              <a:rPr lang="fr-FR" sz="2000" dirty="0"/>
-              <a:t>quant à votre prédiction (à quel point vous êtes confiant en votre prédiction) avant de vous dire si vous avez eu raison. </a:t>
+              <a:t>                                    </a:t>
+            </a:r>
+            <a:r>
+              <a:rPr lang="fr-FR" sz="2400" dirty="0"/>
+              <a:t>Option sûre</a:t>
+            </a:r>
+            <a:r>
+              <a:rPr lang="fr-FR" sz="2400" dirty="0">
+                <a:solidFill>
+                  <a:srgbClr val="FF0000"/>
+                </a:solidFill>
+              </a:rPr>
+              <a:t>                                 </a:t>
+            </a:r>
+            <a:r>
+              <a:rPr lang="fr-FR" sz="2400" dirty="0"/>
+              <a:t>Option risquée</a:t>
             </a:r>
           </a:p>
           <a:p>
             <a:pPr marL="0" indent="0" algn="just">
               <a:buNone/>
             </a:pPr>
-            <a:r>
-              <a:rPr lang="fr-FR" sz="2000" dirty="0"/>
-              <a:t>Pour répondre, vous déplacerez le pointeur de la barre de défilement avec la souris.</a:t>
-            </a:r>
+            <a:endParaRPr lang="fr-FR" sz="2400" dirty="0"/>
           </a:p>
           <a:p>
             <a:pPr marL="0" indent="0" algn="just">
               <a:buNone/>
             </a:pPr>
-            <a:endParaRPr lang="fr-FR" sz="2000" dirty="0"/>
+            <a:endParaRPr lang="fr-FR" sz="2400" dirty="0"/>
           </a:p>
           <a:p>
             <a:pPr marL="0" indent="0" algn="just">
               <a:buNone/>
             </a:pPr>
-            <a:endParaRPr lang="fr-FR" sz="2000" dirty="0"/>
+            <a:r>
+              <a:rPr lang="fr-FR" sz="2400" dirty="0"/>
+              <a:t>		      Garder 13 euros            vs. </a:t>
+            </a:r>
           </a:p>
           <a:p>
             <a:pPr marL="0" indent="0" algn="just">
               <a:buNone/>
             </a:pPr>
-            <a:endParaRPr lang="fr-FR" sz="2000" dirty="0"/>
+            <a:endParaRPr lang="fr-FR" sz="2400" dirty="0"/>
           </a:p>
           <a:p>
             <a:pPr marL="0" indent="0" algn="just">
               <a:buNone/>
             </a:pPr>
-            <a:endParaRPr lang="fr-FR" sz="2000" dirty="0"/>
+            <a:endParaRPr lang="fr-FR" sz="2400" dirty="0"/>
           </a:p>
           <a:p>
             <a:pPr marL="0" indent="0" algn="just">
               <a:buNone/>
             </a:pPr>
-            <a:endParaRPr lang="fr-FR" sz="2000" dirty="0"/>
-          </a:p>
-          <a:p>
-            <a:pPr marL="0" indent="0" algn="just">
-              <a:buNone/>
-            </a:pPr>
-            <a:endParaRPr lang="fr-FR" sz="2000" dirty="0"/>
-          </a:p>
-          <a:p>
-            <a:pPr marL="0" indent="0" algn="just">
-              <a:buNone/>
-            </a:pPr>
-            <a:endParaRPr lang="fr-FR" sz="2000" dirty="0"/>
-          </a:p>
-          <a:p>
-            <a:pPr marL="0" indent="0" algn="just">
-              <a:buNone/>
-            </a:pPr>
-            <a:r>
-              <a:rPr lang="fr-FR" sz="2000" dirty="0"/>
-              <a:t>Si vous ne déplacez pas la barre avant d'appuyer sur le bouton OK, vous ne pourrez pas passer au essai suivant.</a:t>
-            </a:r>
-          </a:p>
-        </p:txBody>
-      </p:sp>
-      <p:sp>
-        <p:nvSpPr>
-          <p:cNvPr id="5" name="Rectángulo 4">
+            <a:endParaRPr lang="fr-FR" sz="2400" dirty="0"/>
+          </a:p>
+        </p:txBody>
+      </p:sp>
+      <p:pic>
+        <p:nvPicPr>
+          <p:cNvPr id="6" name="Imagen 5" descr="Imagen que contiene cd&#10;&#10;Descripción generada automáticamente">
             <a:extLst>
               <a:ext uri="{FF2B5EF4-FFF2-40B4-BE49-F238E27FC236}">
-                <a16:creationId xmlns:a16="http://schemas.microsoft.com/office/drawing/2014/main" id="{7341A93F-6626-504F-B534-D779E9399A22}"/>
+                <a16:creationId xmlns:a16="http://schemas.microsoft.com/office/drawing/2014/main" id="{AB879153-7034-454E-A9DD-67142BFF7BE4}"/>
+              </a:ext>
+            </a:extLst>
+          </p:cNvPr>
+          <p:cNvPicPr>
+            <a:picLocks noChangeAspect="1"/>
+          </p:cNvPicPr>
+          <p:nvPr/>
+        </p:nvPicPr>
+        <p:blipFill rotWithShape="1">
+          <a:blip r:embed="rId2">
+            <a:extLst>
+              <a:ext uri="{28A0092B-C50C-407E-A947-70E740481C1C}">
+                <a14:useLocalDpi xmlns:a14="http://schemas.microsoft.com/office/drawing/2010/main" val="0"/>
+              </a:ext>
+            </a:extLst>
+          </a:blip>
+          <a:srcRect l="15920" t="20240" r="13521" b="13640"/>
+          <a:stretch/>
+        </p:blipFill>
+        <p:spPr>
+          <a:xfrm>
+            <a:off x="7101746" y="3959011"/>
+            <a:ext cx="1792224" cy="1679448"/>
+          </a:xfrm>
+          <a:prstGeom prst="rect">
+            <a:avLst/>
+          </a:prstGeom>
+        </p:spPr>
+      </p:pic>
+      <p:sp>
+        <p:nvSpPr>
+          <p:cNvPr id="8" name="Rectángulo 7">
+            <a:extLst>
+              <a:ext uri="{FF2B5EF4-FFF2-40B4-BE49-F238E27FC236}">
+                <a16:creationId xmlns:a16="http://schemas.microsoft.com/office/drawing/2014/main" id="{3185A225-8110-D840-8071-BC74BD54C6B1}"/>
               </a:ext>
             </a:extLst>
           </p:cNvPr>
@@ -7207,39 +6996,616 @@
         </p:nvSpPr>
         <p:spPr>
           <a:xfrm>
-            <a:off x="468709" y="259845"/>
-            <a:ext cx="5096267" cy="496931"/>
+            <a:off x="2380488" y="2852658"/>
+            <a:ext cx="7239000" cy="3652775"/>
           </a:xfrm>
           <a:prstGeom prst="rect">
             <a:avLst/>
           </a:prstGeom>
-        </p:spPr>
-        <p:txBody>
-          <a:bodyPr wrap="none">
+          <a:noFill/>
+        </p:spPr>
+        <p:style>
+          <a:lnRef idx="2">
+            <a:schemeClr val="dk1"/>
+          </a:lnRef>
+          <a:fillRef idx="1">
+            <a:schemeClr val="lt1"/>
+          </a:fillRef>
+          <a:effectRef idx="0">
+            <a:schemeClr val="dk1"/>
+          </a:effectRef>
+          <a:fontRef idx="minor">
+            <a:schemeClr val="dk1"/>
+          </a:fontRef>
+        </p:style>
+        <p:txBody>
+          <a:bodyPr rtlCol="0" anchor="ctr"/>
+          <a:lstStyle/>
+          <a:p>
+            <a:pPr algn="ctr"/>
+            <a:endParaRPr lang="en-GB"/>
+          </a:p>
+        </p:txBody>
+      </p:sp>
+      <p:sp>
+        <p:nvSpPr>
+          <p:cNvPr id="9" name="ZoneTexte 8"/>
+          <p:cNvSpPr txBox="1"/>
+          <p:nvPr/>
+        </p:nvSpPr>
+        <p:spPr>
+          <a:xfrm>
+            <a:off x="1874204" y="192401"/>
+            <a:ext cx="8443609" cy="830997"/>
+          </a:xfrm>
+          <a:prstGeom prst="rect">
+            <a:avLst/>
+          </a:prstGeom>
+          <a:noFill/>
+        </p:spPr>
+        <p:txBody>
+          <a:bodyPr wrap="square" rtlCol="0">
             <a:spAutoFit/>
           </a:bodyPr>
           <a:lstStyle/>
           <a:p>
-            <a:pPr algn="just">
-              <a:lnSpc>
-                <a:spcPct val="150000"/>
-              </a:lnSpc>
-              <a:spcBef>
-                <a:spcPts val="200"/>
-              </a:spcBef>
-              <a:spcAft>
-                <a:spcPts val="0"/>
-              </a:spcAft>
-            </a:pPr>
-            <a:r>
-              <a:rPr lang="fr-FR" sz="2000" b="1" dirty="0">
+            <a:pPr algn="ctr"/>
+            <a:r>
+              <a:rPr lang="fr-FR" sz="2400" b="1" dirty="0">
                 <a:solidFill>
-                  <a:srgbClr val="2E74B5"/>
+                  <a:srgbClr val="0070C0"/>
                 </a:solidFill>
-                <a:latin typeface="Arial" panose="020B0604020202020204" pitchFamily="34" charset="0"/>
-                <a:cs typeface="Times New Roman" panose="02020603050405020304" pitchFamily="18" charset="0"/>
               </a:rPr>
-              <a:t>3. Degré de certitude en votre prédiction</a:t>
+              <a:t>PHASE DE PRÉDICTION: PRINCIPE</a:t>
+            </a:r>
+            <a:endParaRPr lang="en-GB" sz="2400" dirty="0"/>
+          </a:p>
+          <a:p>
+            <a:pPr algn="ctr"/>
+            <a:endParaRPr lang="en-GB" sz="2400" dirty="0"/>
+          </a:p>
+        </p:txBody>
+      </p:sp>
+      <p:sp>
+        <p:nvSpPr>
+          <p:cNvPr id="2" name="Rectangle 1"/>
+          <p:cNvSpPr/>
+          <p:nvPr/>
+        </p:nvSpPr>
+        <p:spPr>
+          <a:xfrm>
+            <a:off x="764274" y="911728"/>
+            <a:ext cx="10589525" cy="1200329"/>
+          </a:xfrm>
+          <a:prstGeom prst="rect">
+            <a:avLst/>
+          </a:prstGeom>
+        </p:spPr>
+        <p:txBody>
+          <a:bodyPr wrap="square">
+            <a:spAutoFit/>
+          </a:bodyPr>
+          <a:lstStyle/>
+          <a:p>
+            <a:pPr algn="just"/>
+            <a:r>
+              <a:rPr lang="fr-FR" sz="2400" dirty="0"/>
+              <a:t>A chaque essai, regardez les deux options qui ont été présentées à l’autre personne et indiquez celle que vous pensez qu’elle a choisi en cliquant sur le bouton « Il / Elle choisira cette option ! »:</a:t>
+            </a:r>
+          </a:p>
+        </p:txBody>
+      </p:sp>
+      <p:sp>
+        <p:nvSpPr>
+          <p:cNvPr id="11" name="Rectangle 10"/>
+          <p:cNvSpPr/>
+          <p:nvPr/>
+        </p:nvSpPr>
+        <p:spPr>
+          <a:xfrm>
+            <a:off x="2702255" y="5859438"/>
+            <a:ext cx="2711355" cy="432179"/>
+          </a:xfrm>
+          <a:prstGeom prst="rect">
+            <a:avLst/>
+          </a:prstGeom>
+          <a:solidFill>
+            <a:schemeClr val="bg2">
+              <a:lumMod val="90000"/>
+            </a:schemeClr>
+          </a:solidFill>
+          <a:ln>
+            <a:solidFill>
+              <a:schemeClr val="tx1"/>
+            </a:solidFill>
+          </a:ln>
+        </p:spPr>
+        <p:style>
+          <a:lnRef idx="2">
+            <a:schemeClr val="accent1">
+              <a:shade val="50000"/>
+            </a:schemeClr>
+          </a:lnRef>
+          <a:fillRef idx="1">
+            <a:schemeClr val="accent1"/>
+          </a:fillRef>
+          <a:effectRef idx="0">
+            <a:schemeClr val="accent1"/>
+          </a:effectRef>
+          <a:fontRef idx="minor">
+            <a:schemeClr val="lt1"/>
+          </a:fontRef>
+        </p:style>
+        <p:txBody>
+          <a:bodyPr rtlCol="0" anchor="ctr"/>
+          <a:lstStyle/>
+          <a:p>
+            <a:pPr algn="ctr"/>
+            <a:endParaRPr lang="fr-FR"/>
+          </a:p>
+        </p:txBody>
+      </p:sp>
+      <p:sp>
+        <p:nvSpPr>
+          <p:cNvPr id="12" name="ZoneTexte 11"/>
+          <p:cNvSpPr txBox="1"/>
+          <p:nvPr/>
+        </p:nvSpPr>
+        <p:spPr>
+          <a:xfrm>
+            <a:off x="2813711" y="5890861"/>
+            <a:ext cx="2488442" cy="369332"/>
+          </a:xfrm>
+          <a:prstGeom prst="rect">
+            <a:avLst/>
+          </a:prstGeom>
+          <a:noFill/>
+        </p:spPr>
+        <p:txBody>
+          <a:bodyPr wrap="square" rtlCol="0">
+            <a:spAutoFit/>
+          </a:bodyPr>
+          <a:lstStyle/>
+          <a:p>
+            <a:pPr algn="ctr"/>
+            <a:r>
+              <a:rPr lang="fr-FR" dirty="0"/>
+              <a:t>Elle choisira cette option</a:t>
+            </a:r>
+          </a:p>
+        </p:txBody>
+      </p:sp>
+      <p:sp>
+        <p:nvSpPr>
+          <p:cNvPr id="13" name="Rectangle 12"/>
+          <p:cNvSpPr/>
+          <p:nvPr/>
+        </p:nvSpPr>
+        <p:spPr>
+          <a:xfrm>
+            <a:off x="6657864" y="5857162"/>
+            <a:ext cx="2711355" cy="432179"/>
+          </a:xfrm>
+          <a:prstGeom prst="rect">
+            <a:avLst/>
+          </a:prstGeom>
+          <a:solidFill>
+            <a:schemeClr val="bg2">
+              <a:lumMod val="90000"/>
+            </a:schemeClr>
+          </a:solidFill>
+          <a:ln>
+            <a:solidFill>
+              <a:schemeClr val="tx1"/>
+            </a:solidFill>
+          </a:ln>
+        </p:spPr>
+        <p:style>
+          <a:lnRef idx="2">
+            <a:schemeClr val="accent1">
+              <a:shade val="50000"/>
+            </a:schemeClr>
+          </a:lnRef>
+          <a:fillRef idx="1">
+            <a:schemeClr val="accent1"/>
+          </a:fillRef>
+          <a:effectRef idx="0">
+            <a:schemeClr val="accent1"/>
+          </a:effectRef>
+          <a:fontRef idx="minor">
+            <a:schemeClr val="lt1"/>
+          </a:fontRef>
+        </p:style>
+        <p:txBody>
+          <a:bodyPr rtlCol="0" anchor="ctr"/>
+          <a:lstStyle/>
+          <a:p>
+            <a:pPr algn="ctr"/>
+            <a:endParaRPr lang="fr-FR"/>
+          </a:p>
+        </p:txBody>
+      </p:sp>
+      <p:sp>
+        <p:nvSpPr>
+          <p:cNvPr id="14" name="ZoneTexte 13"/>
+          <p:cNvSpPr txBox="1"/>
+          <p:nvPr/>
+        </p:nvSpPr>
+        <p:spPr>
+          <a:xfrm>
+            <a:off x="6769320" y="5888585"/>
+            <a:ext cx="2488442" cy="369332"/>
+          </a:xfrm>
+          <a:prstGeom prst="rect">
+            <a:avLst/>
+          </a:prstGeom>
+          <a:noFill/>
+        </p:spPr>
+        <p:txBody>
+          <a:bodyPr wrap="square" rtlCol="0">
+            <a:spAutoFit/>
+          </a:bodyPr>
+          <a:lstStyle/>
+          <a:p>
+            <a:pPr algn="ctr"/>
+            <a:r>
+              <a:rPr lang="fr-FR" dirty="0"/>
+              <a:t>Elle choisira cette option</a:t>
+            </a:r>
+          </a:p>
+        </p:txBody>
+      </p:sp>
+    </p:spTree>
+    <p:extLst>
+      <p:ext uri="{BB962C8B-B14F-4D97-AF65-F5344CB8AC3E}">
+        <p14:creationId xmlns:p14="http://schemas.microsoft.com/office/powerpoint/2010/main" val="2322816937"/>
+      </p:ext>
+    </p:extLst>
+  </p:cSld>
+  <p:clrMapOvr>
+    <a:masterClrMapping/>
+  </p:clrMapOvr>
+</p:sld>
+</file>
+
+<file path=ppt/slides/slide8.xml><?xml version="1.0" encoding="utf-8"?>
+<p:sld xmlns:a="http://schemas.openxmlformats.org/drawingml/2006/main" xmlns:r="http://schemas.openxmlformats.org/officeDocument/2006/relationships" xmlns:p="http://schemas.openxmlformats.org/presentationml/2006/main">
+  <p:cSld>
+    <p:spTree>
+      <p:nvGrpSpPr>
+        <p:cNvPr id="1" name=""/>
+        <p:cNvGrpSpPr/>
+        <p:nvPr/>
+      </p:nvGrpSpPr>
+      <p:grpSpPr>
+        <a:xfrm>
+          <a:off x="0" y="0"/>
+          <a:ext cx="0" cy="0"/>
+          <a:chOff x="0" y="0"/>
+          <a:chExt cx="0" cy="0"/>
+        </a:xfrm>
+      </p:grpSpPr>
+      <p:sp>
+        <p:nvSpPr>
+          <p:cNvPr id="9" name="ZoneTexte 8"/>
+          <p:cNvSpPr txBox="1"/>
+          <p:nvPr/>
+        </p:nvSpPr>
+        <p:spPr>
+          <a:xfrm>
+            <a:off x="1874204" y="237893"/>
+            <a:ext cx="8443609" cy="830997"/>
+          </a:xfrm>
+          <a:prstGeom prst="rect">
+            <a:avLst/>
+          </a:prstGeom>
+          <a:noFill/>
+        </p:spPr>
+        <p:txBody>
+          <a:bodyPr wrap="square" rtlCol="0">
+            <a:spAutoFit/>
+          </a:bodyPr>
+          <a:lstStyle/>
+          <a:p>
+            <a:pPr algn="ctr"/>
+            <a:r>
+              <a:rPr lang="fr-FR" sz="2400" b="1" dirty="0">
+                <a:solidFill>
+                  <a:srgbClr val="0070C0"/>
+                </a:solidFill>
+              </a:rPr>
+              <a:t>PHASE DE PRÉDICTION: PRINCIPE</a:t>
+            </a:r>
+            <a:endParaRPr lang="en-GB" sz="2400" dirty="0"/>
+          </a:p>
+          <a:p>
+            <a:pPr algn="ctr"/>
+            <a:endParaRPr lang="en-GB" sz="2400" dirty="0"/>
+          </a:p>
+        </p:txBody>
+      </p:sp>
+      <p:sp>
+        <p:nvSpPr>
+          <p:cNvPr id="10" name="Rectangle 9"/>
+          <p:cNvSpPr/>
+          <p:nvPr/>
+        </p:nvSpPr>
+        <p:spPr>
+          <a:xfrm>
+            <a:off x="823416" y="3256986"/>
+            <a:ext cx="10526973" cy="3416320"/>
+          </a:xfrm>
+          <a:prstGeom prst="rect">
+            <a:avLst/>
+          </a:prstGeom>
+        </p:spPr>
+        <p:txBody>
+          <a:bodyPr wrap="square">
+            <a:spAutoFit/>
+          </a:bodyPr>
+          <a:lstStyle/>
+          <a:p>
+            <a:pPr algn="ctr"/>
+            <a:r>
+              <a:rPr lang="fr-FR" sz="2400" dirty="0"/>
+              <a:t>Pour la phase de prédiction, il y a une réponse correcte: il s’agit du choix qui a effectivement été pris par le participant avant vous.</a:t>
+            </a:r>
+          </a:p>
+          <a:p>
+            <a:pPr algn="ctr"/>
+            <a:r>
+              <a:rPr lang="fr-FR" sz="2400" dirty="0"/>
+              <a:t>Nous vous informerons donc si votre prédiction était correcte ou non. </a:t>
+            </a:r>
+          </a:p>
+          <a:p>
+            <a:pPr algn="ctr"/>
+            <a:endParaRPr lang="fr-FR" sz="2400" dirty="0"/>
+          </a:p>
+          <a:p>
+            <a:pPr algn="ctr"/>
+            <a:r>
+              <a:rPr lang="fr-FR" sz="2400" dirty="0"/>
+              <a:t>Si vous aviez raison, vous verrez sur l’écran :</a:t>
+            </a:r>
+          </a:p>
+          <a:p>
+            <a:pPr algn="ctr"/>
+            <a:r>
+              <a:rPr lang="fr-FR" sz="2400" dirty="0">
+                <a:solidFill>
+                  <a:srgbClr val="00B050"/>
+                </a:solidFill>
+              </a:rPr>
+              <a:t>'Bien joué! Il / Elle a effectivement choisi cette option</a:t>
+            </a:r>
+            <a:r>
+              <a:rPr lang="fr-FR" sz="2400" dirty="0"/>
+              <a:t>´. </a:t>
+            </a:r>
+          </a:p>
+          <a:p>
+            <a:pPr algn="ctr"/>
+            <a:endParaRPr lang="fr-FR" sz="2400" dirty="0"/>
+          </a:p>
+          <a:p>
+            <a:pPr algn="ctr"/>
+            <a:r>
+              <a:rPr lang="fr-FR" sz="2400" dirty="0"/>
+              <a:t>Si vous vous êtes trompé, vous verrez sur l’écran :</a:t>
+            </a:r>
+          </a:p>
+          <a:p>
+            <a:pPr algn="ctr"/>
+            <a:r>
+              <a:rPr lang="fr-FR" sz="2400" dirty="0">
+                <a:solidFill>
+                  <a:srgbClr val="C00000"/>
+                </a:solidFill>
+              </a:rPr>
+              <a:t>'Désolé, il / elle a choisi l'autre option</a:t>
+            </a:r>
+            <a:r>
+              <a:rPr lang="fr-FR" sz="2400" dirty="0"/>
+              <a:t>.’</a:t>
+            </a:r>
+          </a:p>
+        </p:txBody>
+      </p:sp>
+      <p:sp>
+        <p:nvSpPr>
+          <p:cNvPr id="11" name="Espace réservé du contenu 2"/>
+          <p:cNvSpPr>
+            <a:spLocks noGrp="1"/>
+          </p:cNvSpPr>
+          <p:nvPr>
+            <p:ph idx="1"/>
+          </p:nvPr>
+        </p:nvSpPr>
+        <p:spPr>
+          <a:xfrm>
+            <a:off x="941695" y="1329744"/>
+            <a:ext cx="6435022" cy="1476401"/>
+          </a:xfrm>
+        </p:spPr>
+        <p:txBody>
+          <a:bodyPr>
+            <a:normAutofit/>
+          </a:bodyPr>
+          <a:lstStyle/>
+          <a:p>
+            <a:pPr marL="0" indent="0" algn="just">
+              <a:buNone/>
+            </a:pPr>
+            <a:endParaRPr lang="fr-FR" sz="2400" dirty="0"/>
+          </a:p>
+          <a:p>
+            <a:pPr marL="0" indent="0" algn="just">
+              <a:buNone/>
+            </a:pPr>
+            <a:r>
+              <a:rPr lang="fr-FR" sz="2400" dirty="0"/>
+              <a:t>		      Garder 13 euros            vs. </a:t>
+            </a:r>
+          </a:p>
+          <a:p>
+            <a:pPr marL="0" indent="0" algn="just">
+              <a:buNone/>
+            </a:pPr>
+            <a:endParaRPr lang="fr-FR" sz="2400" dirty="0"/>
+          </a:p>
+          <a:p>
+            <a:pPr marL="0" indent="0" algn="just">
+              <a:buNone/>
+            </a:pPr>
+            <a:endParaRPr lang="fr-FR" sz="2400" dirty="0"/>
+          </a:p>
+          <a:p>
+            <a:pPr marL="0" indent="0" algn="just">
+              <a:buNone/>
+            </a:pPr>
+            <a:endParaRPr lang="fr-FR" sz="2400" dirty="0"/>
+          </a:p>
+        </p:txBody>
+      </p:sp>
+      <p:pic>
+        <p:nvPicPr>
+          <p:cNvPr id="12" name="Imagen 5" descr="Imagen que contiene cd&#10;&#10;Descripción generada automáticamente">
+            <a:extLst>
+              <a:ext uri="{FF2B5EF4-FFF2-40B4-BE49-F238E27FC236}">
+                <a16:creationId xmlns:a16="http://schemas.microsoft.com/office/drawing/2014/main" id="{AB879153-7034-454E-A9DD-67142BFF7BE4}"/>
+              </a:ext>
+            </a:extLst>
+          </p:cNvPr>
+          <p:cNvPicPr>
+            <a:picLocks noChangeAspect="1"/>
+          </p:cNvPicPr>
+          <p:nvPr/>
+        </p:nvPicPr>
+        <p:blipFill rotWithShape="1">
+          <a:blip r:embed="rId2">
+            <a:extLst>
+              <a:ext uri="{28A0092B-C50C-407E-A947-70E740481C1C}">
+                <a14:useLocalDpi xmlns:a14="http://schemas.microsoft.com/office/drawing/2010/main" val="0"/>
+              </a:ext>
+            </a:extLst>
+          </a:blip>
+          <a:srcRect l="15920" t="20240" r="13521" b="13640"/>
+          <a:stretch/>
+        </p:blipFill>
+        <p:spPr>
+          <a:xfrm>
+            <a:off x="6997112" y="1193048"/>
+            <a:ext cx="1792224" cy="1679448"/>
+          </a:xfrm>
+          <a:prstGeom prst="rect">
+            <a:avLst/>
+          </a:prstGeom>
+        </p:spPr>
+      </p:pic>
+      <p:sp>
+        <p:nvSpPr>
+          <p:cNvPr id="13" name="Rectángulo 7">
+            <a:extLst>
+              <a:ext uri="{FF2B5EF4-FFF2-40B4-BE49-F238E27FC236}">
+                <a16:creationId xmlns:a16="http://schemas.microsoft.com/office/drawing/2014/main" id="{3185A225-8110-D840-8071-BC74BD54C6B1}"/>
+              </a:ext>
+            </a:extLst>
+          </p:cNvPr>
+          <p:cNvSpPr/>
+          <p:nvPr/>
+        </p:nvSpPr>
+        <p:spPr>
+          <a:xfrm>
+            <a:off x="2380488" y="1001099"/>
+            <a:ext cx="7239000" cy="2015058"/>
+          </a:xfrm>
+          <a:prstGeom prst="rect">
+            <a:avLst/>
+          </a:prstGeom>
+          <a:noFill/>
+        </p:spPr>
+        <p:style>
+          <a:lnRef idx="2">
+            <a:schemeClr val="dk1"/>
+          </a:lnRef>
+          <a:fillRef idx="1">
+            <a:schemeClr val="lt1"/>
+          </a:fillRef>
+          <a:effectRef idx="0">
+            <a:schemeClr val="dk1"/>
+          </a:effectRef>
+          <a:fontRef idx="minor">
+            <a:schemeClr val="dk1"/>
+          </a:fontRef>
+        </p:style>
+        <p:txBody>
+          <a:bodyPr rtlCol="0" anchor="ctr"/>
+          <a:lstStyle/>
+          <a:p>
+            <a:pPr algn="ctr"/>
+            <a:endParaRPr lang="en-GB"/>
+          </a:p>
+        </p:txBody>
+      </p:sp>
+    </p:spTree>
+    <p:extLst>
+      <p:ext uri="{BB962C8B-B14F-4D97-AF65-F5344CB8AC3E}">
+        <p14:creationId xmlns:p14="http://schemas.microsoft.com/office/powerpoint/2010/main" val="524047729"/>
+      </p:ext>
+    </p:extLst>
+  </p:cSld>
+  <p:clrMapOvr>
+    <a:masterClrMapping/>
+  </p:clrMapOvr>
+</p:sld>
+</file>
+
+<file path=ppt/slides/slide9.xml><?xml version="1.0" encoding="utf-8"?>
+<p:sld xmlns:a="http://schemas.openxmlformats.org/drawingml/2006/main" xmlns:r="http://schemas.openxmlformats.org/officeDocument/2006/relationships" xmlns:p="http://schemas.openxmlformats.org/presentationml/2006/main">
+  <p:cSld>
+    <p:spTree>
+      <p:nvGrpSpPr>
+        <p:cNvPr id="1" name=""/>
+        <p:cNvGrpSpPr/>
+        <p:nvPr/>
+      </p:nvGrpSpPr>
+      <p:grpSpPr>
+        <a:xfrm>
+          <a:off x="0" y="0"/>
+          <a:ext cx="0" cy="0"/>
+          <a:chOff x="0" y="0"/>
+          <a:chExt cx="0" cy="0"/>
+        </a:xfrm>
+      </p:grpSpPr>
+      <p:sp>
+        <p:nvSpPr>
+          <p:cNvPr id="3" name="Espace réservé du contenu 2"/>
+          <p:cNvSpPr>
+            <a:spLocks noGrp="1"/>
+          </p:cNvSpPr>
+          <p:nvPr>
+            <p:ph idx="1"/>
+          </p:nvPr>
+        </p:nvSpPr>
+        <p:spPr>
+          <a:xfrm>
+            <a:off x="597445" y="938127"/>
+            <a:ext cx="10705555" cy="1239944"/>
+          </a:xfrm>
+        </p:spPr>
+        <p:txBody>
+          <a:bodyPr>
+            <a:normAutofit/>
+          </a:bodyPr>
+          <a:lstStyle/>
+          <a:p>
+            <a:pPr marL="0" indent="0" algn="ctr">
+              <a:buNone/>
+            </a:pPr>
+            <a:r>
+              <a:rPr lang="fr-FR" sz="2400" dirty="0"/>
+              <a:t>Pour certaines prédictions, nous vous demanderons d’exprimer votre degré de confiance avant de vous dire si votre prédiction était correcte: </a:t>
             </a:r>
           </a:p>
         </p:txBody>
@@ -7272,7 +7638,7 @@
         </p:blipFill>
         <p:spPr>
           <a:xfrm>
-            <a:off x="889000" y="2376007"/>
+            <a:off x="889000" y="1921079"/>
             <a:ext cx="10414000" cy="2493879"/>
           </a:xfrm>
           <a:prstGeom prst="rect">
@@ -7282,85 +7648,80 @@
       </p:pic>
       <p:sp>
         <p:nvSpPr>
-          <p:cNvPr id="6" name="Rectangle 3">
-            <a:extLst>
-              <a:ext uri="{FF2B5EF4-FFF2-40B4-BE49-F238E27FC236}">
-                <a16:creationId xmlns:a16="http://schemas.microsoft.com/office/drawing/2014/main" id="{C49CE132-C670-544E-A6AB-88C14FAB759B}"/>
-              </a:ext>
-            </a:extLst>
-          </p:cNvPr>
-          <p:cNvSpPr/>
+          <p:cNvPr id="15" name="ZoneTexte 14"/>
+          <p:cNvSpPr txBox="1"/>
           <p:nvPr/>
         </p:nvSpPr>
         <p:spPr>
           <a:xfrm>
-            <a:off x="973073" y="6329490"/>
-            <a:ext cx="10380727" cy="400110"/>
+            <a:off x="1874204" y="237893"/>
+            <a:ext cx="8443609" cy="830997"/>
           </a:xfrm>
           <a:prstGeom prst="rect">
             <a:avLst/>
           </a:prstGeom>
-        </p:spPr>
-        <p:txBody>
-          <a:bodyPr wrap="none">
+          <a:noFill/>
+        </p:spPr>
+        <p:txBody>
+          <a:bodyPr wrap="square" rtlCol="0">
             <a:spAutoFit/>
           </a:bodyPr>
           <a:lstStyle/>
           <a:p>
-            <a:r>
-              <a:rPr lang="fr-FR" sz="2000" i="1" dirty="0">
+            <a:pPr algn="ctr"/>
+            <a:r>
+              <a:rPr lang="fr-FR" sz="2400" b="1" dirty="0">
                 <a:solidFill>
-                  <a:schemeClr val="tx1">
-                    <a:lumMod val="50000"/>
-                    <a:lumOff val="50000"/>
-                  </a:schemeClr>
+                  <a:srgbClr val="0070C0"/>
                 </a:solidFill>
               </a:rPr>
-              <a:t>Appuyez sur la flèche droite [</a:t>
-            </a:r>
-            <a:r>
-              <a:rPr lang="fr-FR" sz="2000" i="1" dirty="0">
-                <a:solidFill>
-                  <a:schemeClr val="tx1">
-                    <a:lumMod val="50000"/>
-                    <a:lumOff val="50000"/>
-                  </a:schemeClr>
-                </a:solidFill>
-                <a:sym typeface="Wingdings" pitchFamily="2" charset="2"/>
-              </a:rPr>
-              <a:t></a:t>
-            </a:r>
-            <a:r>
-              <a:rPr lang="fr-FR" sz="2000" i="1" dirty="0">
-                <a:solidFill>
-                  <a:schemeClr val="tx1">
-                    <a:lumMod val="50000"/>
-                    <a:lumOff val="50000"/>
-                  </a:schemeClr>
-                </a:solidFill>
-              </a:rPr>
-              <a:t>] pour continuer ou sur la flèche gauche [</a:t>
-            </a:r>
-            <a:r>
-              <a:rPr lang="fr-FR" sz="2000" i="1" dirty="0">
-                <a:solidFill>
-                  <a:schemeClr val="tx1">
-                    <a:lumMod val="50000"/>
-                    <a:lumOff val="50000"/>
-                  </a:schemeClr>
-                </a:solidFill>
-                <a:sym typeface="Wingdings" pitchFamily="2" charset="2"/>
-              </a:rPr>
-              <a:t>] pour revenir en arrière</a:t>
-            </a:r>
-            <a:endParaRPr lang="fr-FR" sz="2000" i="1" dirty="0">
-              <a:solidFill>
-                <a:schemeClr val="tx1">
-                  <a:lumMod val="50000"/>
-                  <a:lumOff val="50000"/>
-                </a:schemeClr>
-              </a:solidFill>
-            </a:endParaRPr>
+              <a:t>PHASE DE PRÉDICTION: JUGEMENT DE CONFIANCE</a:t>
+            </a:r>
+            <a:endParaRPr lang="en-GB" sz="2400" dirty="0"/>
+          </a:p>
+          <a:p>
+            <a:pPr algn="ctr"/>
+            <a:endParaRPr lang="en-GB" sz="2400" dirty="0"/>
+          </a:p>
+        </p:txBody>
+      </p:sp>
+      <p:sp>
+        <p:nvSpPr>
+          <p:cNvPr id="2" name="Rectangle 1"/>
+          <p:cNvSpPr/>
+          <p:nvPr/>
+        </p:nvSpPr>
+        <p:spPr>
+          <a:xfrm>
+            <a:off x="1756012" y="4714252"/>
+            <a:ext cx="8679976" cy="1938992"/>
+          </a:xfrm>
+          <a:prstGeom prst="rect">
+            <a:avLst/>
+          </a:prstGeom>
+        </p:spPr>
+        <p:txBody>
+          <a:bodyPr wrap="square">
+            <a:spAutoFit/>
+          </a:bodyPr>
+          <a:lstStyle/>
+          <a:p>
+            <a:pPr algn="ctr"/>
+            <a:r>
+              <a:rPr lang="fr-FR" sz="2400" dirty="0"/>
+              <a:t>Pour répondre, vous déplacerez le pointeur de la barre de défilement avec la souris.</a:t>
+            </a:r>
+          </a:p>
+          <a:p>
+            <a:pPr algn="ctr"/>
+            <a:endParaRPr lang="fr-FR" sz="2400" dirty="0"/>
+          </a:p>
+          <a:p>
+            <a:pPr algn="ctr"/>
+            <a:r>
+              <a:rPr lang="fr-FR" sz="2400" dirty="0"/>
+              <a:t>Attention: si vous ne déplacez pas la barre, vous ne pourrez pas continuer le test.</a:t>
+            </a:r>
           </a:p>
         </p:txBody>
       </p:sp>
@@ -7368,500 +7729,6 @@
     <p:extLst>
       <p:ext uri="{BB962C8B-B14F-4D97-AF65-F5344CB8AC3E}">
         <p14:creationId xmlns:p14="http://schemas.microsoft.com/office/powerpoint/2010/main" val="4263367199"/>
-      </p:ext>
-    </p:extLst>
-  </p:cSld>
-  <p:clrMapOvr>
-    <a:masterClrMapping/>
-  </p:clrMapOvr>
-</p:sld>
-</file>
-
-<file path=ppt/slides/slide8.xml><?xml version="1.0" encoding="utf-8"?>
-<p:sld xmlns:a="http://schemas.openxmlformats.org/drawingml/2006/main" xmlns:r="http://schemas.openxmlformats.org/officeDocument/2006/relationships" xmlns:p="http://schemas.openxmlformats.org/presentationml/2006/main">
-  <p:cSld>
-    <p:spTree>
-      <p:nvGrpSpPr>
-        <p:cNvPr id="1" name=""/>
-        <p:cNvGrpSpPr/>
-        <p:nvPr/>
-      </p:nvGrpSpPr>
-      <p:grpSpPr>
-        <a:xfrm>
-          <a:off x="0" y="0"/>
-          <a:ext cx="0" cy="0"/>
-          <a:chOff x="0" y="0"/>
-          <a:chExt cx="0" cy="0"/>
-        </a:xfrm>
-      </p:grpSpPr>
-      <p:sp>
-        <p:nvSpPr>
-          <p:cNvPr id="3" name="Espace réservé du contenu 2"/>
-          <p:cNvSpPr>
-            <a:spLocks noGrp="1"/>
-          </p:cNvSpPr>
-          <p:nvPr>
-            <p:ph idx="1"/>
-          </p:nvPr>
-        </p:nvSpPr>
-        <p:spPr>
-          <a:xfrm>
-            <a:off x="648245" y="916402"/>
-            <a:ext cx="10705555" cy="5653572"/>
-          </a:xfrm>
-        </p:spPr>
-        <p:txBody>
-          <a:bodyPr>
-            <a:normAutofit/>
-          </a:bodyPr>
-          <a:lstStyle/>
-          <a:p>
-            <a:pPr marL="0" indent="0" algn="just">
-              <a:buNone/>
-            </a:pPr>
-            <a:r>
-              <a:rPr lang="fr-FR" sz="2000" dirty="0"/>
-              <a:t>Finalement, à la fin de chaque test de prédiction, on vous demandera à quel point vous pensez que l’autre participant(e) est plus prudent(e) que la normale.  Pour répondre, vous devrez également l'indiquer en déplaçant le pointeur de la barre de défilement avec la souris (voir figure ci-dessous).</a:t>
-            </a:r>
-          </a:p>
-          <a:p>
-            <a:pPr marL="0" indent="0" algn="just">
-              <a:buNone/>
-            </a:pPr>
-            <a:r>
-              <a:rPr lang="fr-FR" sz="2000" dirty="0"/>
-              <a:t>Pour répondre, vous déplacerez le pointeur de la barre de défilement avec la souris. </a:t>
-            </a:r>
-          </a:p>
-          <a:p>
-            <a:pPr marL="0" indent="0" algn="just">
-              <a:buNone/>
-            </a:pPr>
-            <a:endParaRPr lang="fr-FR" sz="2000" dirty="0"/>
-          </a:p>
-          <a:p>
-            <a:pPr marL="0" indent="0" algn="just">
-              <a:buNone/>
-            </a:pPr>
-            <a:endParaRPr lang="fr-FR" sz="2000" dirty="0"/>
-          </a:p>
-          <a:p>
-            <a:pPr marL="0" indent="0" algn="just">
-              <a:buNone/>
-            </a:pPr>
-            <a:endParaRPr lang="fr-FR" sz="2000" dirty="0"/>
-          </a:p>
-          <a:p>
-            <a:pPr marL="0" indent="0" algn="just">
-              <a:buNone/>
-            </a:pPr>
-            <a:endParaRPr lang="fr-FR" sz="2000" dirty="0"/>
-          </a:p>
-          <a:p>
-            <a:pPr marL="0" indent="0" algn="just">
-              <a:buNone/>
-            </a:pPr>
-            <a:endParaRPr lang="fr-FR" sz="2000" dirty="0"/>
-          </a:p>
-          <a:p>
-            <a:pPr marL="0" indent="0" algn="just">
-              <a:buNone/>
-            </a:pPr>
-            <a:endParaRPr lang="fr-FR" sz="2000" dirty="0"/>
-          </a:p>
-          <a:p>
-            <a:pPr marL="0" indent="0" algn="just">
-              <a:buNone/>
-            </a:pPr>
-            <a:endParaRPr lang="fr-FR" sz="2000" dirty="0"/>
-          </a:p>
-          <a:p>
-            <a:pPr marL="0" indent="0" algn="just">
-              <a:buNone/>
-            </a:pPr>
-            <a:r>
-              <a:rPr lang="fr-FR" sz="2000" dirty="0"/>
-              <a:t>Si vous ne déplacez pas la barre avant d'appuyer sur le bouton OK, vous ne pourrez pas passer au essai suivant.</a:t>
-            </a:r>
-          </a:p>
-        </p:txBody>
-      </p:sp>
-      <p:sp>
-        <p:nvSpPr>
-          <p:cNvPr id="5" name="Rectángulo 4">
-            <a:extLst>
-              <a:ext uri="{FF2B5EF4-FFF2-40B4-BE49-F238E27FC236}">
-                <a16:creationId xmlns:a16="http://schemas.microsoft.com/office/drawing/2014/main" id="{7341A93F-6626-504F-B534-D779E9399A22}"/>
-              </a:ext>
-            </a:extLst>
-          </p:cNvPr>
-          <p:cNvSpPr/>
-          <p:nvPr/>
-        </p:nvSpPr>
-        <p:spPr>
-          <a:xfrm>
-            <a:off x="648245" y="288026"/>
-            <a:ext cx="2318263" cy="496996"/>
-          </a:xfrm>
-          <a:prstGeom prst="rect">
-            <a:avLst/>
-          </a:prstGeom>
-        </p:spPr>
-        <p:txBody>
-          <a:bodyPr wrap="none">
-            <a:spAutoFit/>
-          </a:bodyPr>
-          <a:lstStyle/>
-          <a:p>
-            <a:pPr algn="just">
-              <a:lnSpc>
-                <a:spcPct val="150000"/>
-              </a:lnSpc>
-              <a:spcBef>
-                <a:spcPts val="200"/>
-              </a:spcBef>
-              <a:spcAft>
-                <a:spcPts val="0"/>
-              </a:spcAft>
-            </a:pPr>
-            <a:r>
-              <a:rPr lang="fr-FR" sz="2000" b="1" dirty="0">
-                <a:solidFill>
-                  <a:srgbClr val="2E74B5"/>
-                </a:solidFill>
-                <a:latin typeface="Arial" panose="020B0604020202020204" pitchFamily="34" charset="0"/>
-                <a:cs typeface="Times New Roman" panose="02020603050405020304" pitchFamily="18" charset="0"/>
-              </a:rPr>
-              <a:t>4. Question finale</a:t>
-            </a:r>
-          </a:p>
-        </p:txBody>
-      </p:sp>
-      <p:sp>
-        <p:nvSpPr>
-          <p:cNvPr id="6" name="Rectangle 3">
-            <a:extLst>
-              <a:ext uri="{FF2B5EF4-FFF2-40B4-BE49-F238E27FC236}">
-                <a16:creationId xmlns:a16="http://schemas.microsoft.com/office/drawing/2014/main" id="{C49CE132-C670-544E-A6AB-88C14FAB759B}"/>
-              </a:ext>
-            </a:extLst>
-          </p:cNvPr>
-          <p:cNvSpPr/>
-          <p:nvPr/>
-        </p:nvSpPr>
-        <p:spPr>
-          <a:xfrm>
-            <a:off x="973073" y="6329490"/>
-            <a:ext cx="10380727" cy="400110"/>
-          </a:xfrm>
-          <a:prstGeom prst="rect">
-            <a:avLst/>
-          </a:prstGeom>
-        </p:spPr>
-        <p:txBody>
-          <a:bodyPr wrap="none">
-            <a:spAutoFit/>
-          </a:bodyPr>
-          <a:lstStyle/>
-          <a:p>
-            <a:r>
-              <a:rPr lang="fr-FR" sz="2000" i="1" dirty="0">
-                <a:solidFill>
-                  <a:schemeClr val="tx1">
-                    <a:lumMod val="50000"/>
-                    <a:lumOff val="50000"/>
-                  </a:schemeClr>
-                </a:solidFill>
-              </a:rPr>
-              <a:t>Appuyez sur la flèche droite [</a:t>
-            </a:r>
-            <a:r>
-              <a:rPr lang="fr-FR" sz="2000" i="1" dirty="0">
-                <a:solidFill>
-                  <a:schemeClr val="tx1">
-                    <a:lumMod val="50000"/>
-                    <a:lumOff val="50000"/>
-                  </a:schemeClr>
-                </a:solidFill>
-                <a:sym typeface="Wingdings" pitchFamily="2" charset="2"/>
-              </a:rPr>
-              <a:t></a:t>
-            </a:r>
-            <a:r>
-              <a:rPr lang="fr-FR" sz="2000" i="1" dirty="0">
-                <a:solidFill>
-                  <a:schemeClr val="tx1">
-                    <a:lumMod val="50000"/>
-                    <a:lumOff val="50000"/>
-                  </a:schemeClr>
-                </a:solidFill>
-              </a:rPr>
-              <a:t>] pour continuer ou sur la flèche gauche [</a:t>
-            </a:r>
-            <a:r>
-              <a:rPr lang="fr-FR" sz="2000" i="1" dirty="0">
-                <a:solidFill>
-                  <a:schemeClr val="tx1">
-                    <a:lumMod val="50000"/>
-                    <a:lumOff val="50000"/>
-                  </a:schemeClr>
-                </a:solidFill>
-                <a:sym typeface="Wingdings" pitchFamily="2" charset="2"/>
-              </a:rPr>
-              <a:t>] pour revenir en arrière</a:t>
-            </a:r>
-            <a:endParaRPr lang="fr-FR" sz="2000" i="1" dirty="0">
-              <a:solidFill>
-                <a:schemeClr val="tx1">
-                  <a:lumMod val="50000"/>
-                  <a:lumOff val="50000"/>
-                </a:schemeClr>
-              </a:solidFill>
-            </a:endParaRPr>
-          </a:p>
-        </p:txBody>
-      </p:sp>
-      <p:pic>
-        <p:nvPicPr>
-          <p:cNvPr id="10" name="Imagen 9" descr="Captura de pantalla de un celular con texto&#10;&#10;Descripción generada automáticamente">
-            <a:extLst>
-              <a:ext uri="{FF2B5EF4-FFF2-40B4-BE49-F238E27FC236}">
-                <a16:creationId xmlns:a16="http://schemas.microsoft.com/office/drawing/2014/main" id="{92299531-E646-3F46-A73C-E74CEBA665F8}"/>
-              </a:ext>
-            </a:extLst>
-          </p:cNvPr>
-          <p:cNvPicPr>
-            <a:picLocks noChangeAspect="1"/>
-          </p:cNvPicPr>
-          <p:nvPr/>
-        </p:nvPicPr>
-        <p:blipFill>
-          <a:blip r:embed="rId2">
-            <a:extLst>
-              <a:ext uri="{28A0092B-C50C-407E-A947-70E740481C1C}">
-                <a14:useLocalDpi xmlns:a14="http://schemas.microsoft.com/office/drawing/2010/main" val="0"/>
-              </a:ext>
-            </a:extLst>
-          </a:blip>
-          <a:stretch>
-            <a:fillRect/>
-          </a:stretch>
-        </p:blipFill>
-        <p:spPr>
-          <a:xfrm>
-            <a:off x="580235" y="2402500"/>
-            <a:ext cx="11166401" cy="2681375"/>
-          </a:xfrm>
-          <a:prstGeom prst="rect">
-            <a:avLst/>
-          </a:prstGeom>
-        </p:spPr>
-      </p:pic>
-    </p:spTree>
-    <p:extLst>
-      <p:ext uri="{BB962C8B-B14F-4D97-AF65-F5344CB8AC3E}">
-        <p14:creationId xmlns:p14="http://schemas.microsoft.com/office/powerpoint/2010/main" val="906590627"/>
-      </p:ext>
-    </p:extLst>
-  </p:cSld>
-  <p:clrMapOvr>
-    <a:masterClrMapping/>
-  </p:clrMapOvr>
-</p:sld>
-</file>
-
-<file path=ppt/slides/slide9.xml><?xml version="1.0" encoding="utf-8"?>
-<p:sld xmlns:a="http://schemas.openxmlformats.org/drawingml/2006/main" xmlns:r="http://schemas.openxmlformats.org/officeDocument/2006/relationships" xmlns:p="http://schemas.openxmlformats.org/presentationml/2006/main">
-  <p:cSld>
-    <p:spTree>
-      <p:nvGrpSpPr>
-        <p:cNvPr id="1" name=""/>
-        <p:cNvGrpSpPr/>
-        <p:nvPr/>
-      </p:nvGrpSpPr>
-      <p:grpSpPr>
-        <a:xfrm>
-          <a:off x="0" y="0"/>
-          <a:ext cx="0" cy="0"/>
-          <a:chOff x="0" y="0"/>
-          <a:chExt cx="0" cy="0"/>
-        </a:xfrm>
-      </p:grpSpPr>
-      <p:sp>
-        <p:nvSpPr>
-          <p:cNvPr id="3" name="Espace réservé du contenu 2"/>
-          <p:cNvSpPr>
-            <a:spLocks noGrp="1"/>
-          </p:cNvSpPr>
-          <p:nvPr>
-            <p:ph idx="1"/>
-          </p:nvPr>
-        </p:nvSpPr>
-        <p:spPr>
-          <a:xfrm>
-            <a:off x="838200" y="2167695"/>
-            <a:ext cx="10515600" cy="4690305"/>
-          </a:xfrm>
-        </p:spPr>
-        <p:txBody>
-          <a:bodyPr>
-            <a:normAutofit/>
-          </a:bodyPr>
-          <a:lstStyle/>
-          <a:p>
-            <a:pPr marL="0" indent="0" algn="ctr">
-              <a:buNone/>
-            </a:pPr>
-            <a:endParaRPr lang="fr-FR" sz="2000" dirty="0"/>
-          </a:p>
-          <a:p>
-            <a:pPr marL="0" indent="0" algn="ctr">
-              <a:buNone/>
-            </a:pPr>
-            <a:r>
-              <a:rPr lang="fr-FR" sz="2000" dirty="0"/>
-              <a:t>Vous aurez maintenant l'occasion de vous familiariser la tâche pendant certains essais.</a:t>
-            </a:r>
-          </a:p>
-          <a:p>
-            <a:pPr marL="0" indent="0" algn="ctr">
-              <a:buNone/>
-            </a:pPr>
-            <a:endParaRPr lang="fr-FR" sz="2000" dirty="0"/>
-          </a:p>
-          <a:p>
-            <a:pPr marL="0" indent="0" algn="ctr">
-              <a:buNone/>
-            </a:pPr>
-            <a:endParaRPr lang="fr-FR" sz="2000" dirty="0"/>
-          </a:p>
-          <a:p>
-            <a:pPr marL="0" indent="0" algn="ctr">
-              <a:buNone/>
-            </a:pPr>
-            <a:r>
-              <a:rPr lang="fr-FR" sz="2000" dirty="0"/>
-              <a:t>Votre performance dans cette phase </a:t>
-            </a:r>
-            <a:r>
-              <a:rPr lang="fr-FR" sz="2000" dirty="0">
-                <a:solidFill>
-                  <a:srgbClr val="FF0000"/>
-                </a:solidFill>
-              </a:rPr>
-              <a:t>ne sera pas prise en compte </a:t>
-            </a:r>
-            <a:r>
-              <a:rPr lang="fr-FR" sz="2000" dirty="0"/>
-              <a:t>pour votre bonus financier. </a:t>
-            </a:r>
-          </a:p>
-        </p:txBody>
-      </p:sp>
-      <p:sp>
-        <p:nvSpPr>
-          <p:cNvPr id="7" name="Titre 1">
-            <a:extLst>
-              <a:ext uri="{FF2B5EF4-FFF2-40B4-BE49-F238E27FC236}">
-                <a16:creationId xmlns:a16="http://schemas.microsoft.com/office/drawing/2014/main" id="{7636C7F2-D3B8-7D4C-9EBF-161B37C6DF05}"/>
-              </a:ext>
-            </a:extLst>
-          </p:cNvPr>
-          <p:cNvSpPr>
-            <a:spLocks noGrp="1"/>
-          </p:cNvSpPr>
-          <p:nvPr>
-            <p:ph type="title"/>
-          </p:nvPr>
-        </p:nvSpPr>
-        <p:spPr>
-          <a:xfrm>
-            <a:off x="2493611" y="681037"/>
-            <a:ext cx="7576981" cy="2129977"/>
-          </a:xfrm>
-        </p:spPr>
-        <p:txBody>
-          <a:bodyPr>
-            <a:normAutofit/>
-          </a:bodyPr>
-          <a:lstStyle/>
-          <a:p>
-            <a:pPr algn="ctr"/>
-            <a:r>
-              <a:rPr lang="fr-FR" dirty="0"/>
-              <a:t>Entrainement – Phase Décision</a:t>
-            </a:r>
-          </a:p>
-        </p:txBody>
-      </p:sp>
-      <p:sp>
-        <p:nvSpPr>
-          <p:cNvPr id="5" name="Rectangle 3">
-            <a:extLst>
-              <a:ext uri="{FF2B5EF4-FFF2-40B4-BE49-F238E27FC236}">
-                <a16:creationId xmlns:a16="http://schemas.microsoft.com/office/drawing/2014/main" id="{8D4A4AC5-717D-F343-BCBE-5E4E31179B80}"/>
-              </a:ext>
-            </a:extLst>
-          </p:cNvPr>
-          <p:cNvSpPr/>
-          <p:nvPr/>
-        </p:nvSpPr>
-        <p:spPr>
-          <a:xfrm>
-            <a:off x="3551393" y="6176963"/>
-            <a:ext cx="5089214" cy="400110"/>
-          </a:xfrm>
-          <a:prstGeom prst="rect">
-            <a:avLst/>
-          </a:prstGeom>
-        </p:spPr>
-        <p:txBody>
-          <a:bodyPr wrap="none">
-            <a:spAutoFit/>
-          </a:bodyPr>
-          <a:lstStyle/>
-          <a:p>
-            <a:r>
-              <a:rPr lang="fr-FR" sz="2000" i="1" dirty="0">
-                <a:solidFill>
-                  <a:schemeClr val="tx1">
-                    <a:lumMod val="50000"/>
-                    <a:lumOff val="50000"/>
-                  </a:schemeClr>
-                </a:solidFill>
-              </a:rPr>
-              <a:t>Appuyez sur la flèche droite [</a:t>
-            </a:r>
-            <a:r>
-              <a:rPr lang="fr-FR" sz="2000" i="1" dirty="0">
-                <a:solidFill>
-                  <a:schemeClr val="tx1">
-                    <a:lumMod val="50000"/>
-                    <a:lumOff val="50000"/>
-                  </a:schemeClr>
-                </a:solidFill>
-                <a:sym typeface="Wingdings" pitchFamily="2" charset="2"/>
-              </a:rPr>
-              <a:t></a:t>
-            </a:r>
-            <a:r>
-              <a:rPr lang="fr-FR" sz="2000" i="1" dirty="0">
-                <a:solidFill>
-                  <a:schemeClr val="tx1">
-                    <a:lumMod val="50000"/>
-                    <a:lumOff val="50000"/>
-                  </a:schemeClr>
-                </a:solidFill>
-              </a:rPr>
-              <a:t>] pour continuer</a:t>
-            </a:r>
-          </a:p>
-        </p:txBody>
-      </p:sp>
-    </p:spTree>
-    <p:extLst>
-      <p:ext uri="{BB962C8B-B14F-4D97-AF65-F5344CB8AC3E}">
-        <p14:creationId xmlns:p14="http://schemas.microsoft.com/office/powerpoint/2010/main" val="246414199"/>
       </p:ext>
     </p:extLst>
   </p:cSld>
